--- a/PitchPresentation/FinderPitchPresentation.pptx
+++ b/PitchPresentation/FinderPitchPresentation.pptx
@@ -110,6 +110,11 @@
       </a:defRPr>
     </a:lvl9pPr>
   </p:defaultTextStyle>
+  <p:extLst>
+    <p:ext uri="{EFAFB233-063F-42B5-8137-9DF3F51BA10A}">
+      <p15:sldGuideLst xmlns:p15="http://schemas.microsoft.com/office/powerpoint/2012/main"/>
+    </p:ext>
+  </p:extLst>
 </p:presentation>
 </file>
 
@@ -14378,36 +14383,6 @@
       </p:pic>
       <p:pic>
         <p:nvPicPr>
-          <p:cNvPr id="4" name="Grafik 3">
-            <a:extLst>
-              <a:ext uri="{FF2B5EF4-FFF2-40B4-BE49-F238E27FC236}">
-                <a16:creationId xmlns:a16="http://schemas.microsoft.com/office/drawing/2014/main" id="{FB77DFD1-BA40-4F24-8008-53746ACBB84C}"/>
-              </a:ext>
-            </a:extLst>
-          </p:cNvPr>
-          <p:cNvPicPr>
-            <a:picLocks noChangeAspect="1"/>
-          </p:cNvPicPr>
-          <p:nvPr/>
-        </p:nvPicPr>
-        <p:blipFill>
-          <a:blip r:embed="rId5"/>
-          <a:stretch>
-            <a:fillRect/>
-          </a:stretch>
-        </p:blipFill>
-        <p:spPr>
-          <a:xfrm>
-            <a:off x="7873882" y="2607149"/>
-            <a:ext cx="3214286" cy="1800000"/>
-          </a:xfrm>
-          <a:prstGeom prst="rect">
-            <a:avLst/>
-          </a:prstGeom>
-        </p:spPr>
-      </p:pic>
-      <p:pic>
-        <p:nvPicPr>
           <p:cNvPr id="7" name="Grafik 6">
             <a:extLst>
               <a:ext uri="{FF2B5EF4-FFF2-40B4-BE49-F238E27FC236}">
@@ -14421,7 +14396,7 @@
           <p:nvPr/>
         </p:nvPicPr>
         <p:blipFill rotWithShape="1">
-          <a:blip r:embed="rId6"/>
+          <a:blip r:embed="rId5"/>
           <a:srcRect r="11113"/>
           <a:stretch/>
         </p:blipFill>
@@ -14493,6 +14468,36 @@
           </a:p>
         </p:txBody>
       </p:sp>
+      <p:pic>
+        <p:nvPicPr>
+          <p:cNvPr id="6" name="Grafik 5">
+            <a:extLst>
+              <a:ext uri="{FF2B5EF4-FFF2-40B4-BE49-F238E27FC236}">
+                <a16:creationId xmlns:a16="http://schemas.microsoft.com/office/drawing/2014/main" id="{9286423A-D5D7-40AE-9B51-5218BB62332F}"/>
+              </a:ext>
+            </a:extLst>
+          </p:cNvPr>
+          <p:cNvPicPr>
+            <a:picLocks noChangeAspect="1"/>
+          </p:cNvPicPr>
+          <p:nvPr/>
+        </p:nvPicPr>
+        <p:blipFill>
+          <a:blip r:embed="rId6"/>
+          <a:stretch>
+            <a:fillRect/>
+          </a:stretch>
+        </p:blipFill>
+        <p:spPr>
+          <a:xfrm>
+            <a:off x="7862706" y="2607149"/>
+            <a:ext cx="3214286" cy="1800000"/>
+          </a:xfrm>
+          <a:prstGeom prst="rect">
+            <a:avLst/>
+          </a:prstGeom>
+        </p:spPr>
+      </p:pic>
     </p:spTree>
     <p:extLst>
       <p:ext uri="{BB962C8B-B14F-4D97-AF65-F5344CB8AC3E}">
@@ -14538,51 +14543,6 @@
                                         </p:cTn>
                                         <p:tgtEl>
                                           <p:spTgt spid="3"/>
-                                        </p:tgtEl>
-                                        <p:attrNameLst>
-                                          <p:attrName>style.visibility</p:attrName>
-                                        </p:attrNameLst>
-                                      </p:cBhvr>
-                                      <p:to>
-                                        <p:strVal val="visible"/>
-                                      </p:to>
-                                    </p:set>
-                                  </p:childTnLst>
-                                </p:cTn>
-                              </p:par>
-                            </p:childTnLst>
-                          </p:cTn>
-                        </p:par>
-                      </p:childTnLst>
-                    </p:cTn>
-                  </p:par>
-                  <p:par>
-                    <p:cTn id="7" fill="hold">
-                      <p:stCondLst>
-                        <p:cond delay="indefinite"/>
-                      </p:stCondLst>
-                      <p:childTnLst>
-                        <p:par>
-                          <p:cTn id="8" fill="hold">
-                            <p:stCondLst>
-                              <p:cond delay="0"/>
-                            </p:stCondLst>
-                            <p:childTnLst>
-                              <p:par>
-                                <p:cTn id="9" presetID="1" presetClass="entr" presetSubtype="0" fill="hold" nodeType="clickEffect">
-                                  <p:stCondLst>
-                                    <p:cond delay="0"/>
-                                  </p:stCondLst>
-                                  <p:childTnLst>
-                                    <p:set>
-                                      <p:cBhvr>
-                                        <p:cTn id="10" dur="1" fill="hold">
-                                          <p:stCondLst>
-                                            <p:cond delay="0"/>
-                                          </p:stCondLst>
-                                        </p:cTn>
-                                        <p:tgtEl>
-                                          <p:spTgt spid="4"/>
                                         </p:tgtEl>
                                         <p:attrNameLst>
                                           <p:attrName>style.visibility</p:attrName>

--- a/PitchPresentation/FinderPitchPresentation.pptx
+++ b/PitchPresentation/FinderPitchPresentation.pptx
@@ -5,10 +5,10 @@
     <p:sldMasterId id="2147483648" r:id="rId3"/>
   </p:sldMasterIdLst>
   <p:notesMasterIdLst>
-    <p:notesMasterId r:id="rId24"/>
+    <p:notesMasterId r:id="rId25"/>
   </p:notesMasterIdLst>
   <p:handoutMasterIdLst>
-    <p:handoutMasterId r:id="rId25"/>
+    <p:handoutMasterId r:id="rId26"/>
   </p:handoutMasterIdLst>
   <p:sldIdLst>
     <p:sldId id="282" r:id="rId4"/>
@@ -19,18 +19,19 @@
     <p:sldId id="302" r:id="rId9"/>
     <p:sldId id="303" r:id="rId10"/>
     <p:sldId id="292" r:id="rId11"/>
-    <p:sldId id="283" r:id="rId12"/>
-    <p:sldId id="296" r:id="rId13"/>
-    <p:sldId id="306" r:id="rId14"/>
-    <p:sldId id="304" r:id="rId15"/>
-    <p:sldId id="293" r:id="rId16"/>
-    <p:sldId id="305" r:id="rId17"/>
-    <p:sldId id="291" r:id="rId18"/>
-    <p:sldId id="297" r:id="rId19"/>
-    <p:sldId id="284" r:id="rId20"/>
-    <p:sldId id="294" r:id="rId21"/>
-    <p:sldId id="295" r:id="rId22"/>
-    <p:sldId id="285" r:id="rId23"/>
+    <p:sldId id="257" r:id="rId12"/>
+    <p:sldId id="283" r:id="rId13"/>
+    <p:sldId id="296" r:id="rId14"/>
+    <p:sldId id="306" r:id="rId15"/>
+    <p:sldId id="304" r:id="rId16"/>
+    <p:sldId id="293" r:id="rId17"/>
+    <p:sldId id="305" r:id="rId18"/>
+    <p:sldId id="291" r:id="rId19"/>
+    <p:sldId id="297" r:id="rId20"/>
+    <p:sldId id="284" r:id="rId21"/>
+    <p:sldId id="294" r:id="rId22"/>
+    <p:sldId id="295" r:id="rId23"/>
+    <p:sldId id="285" r:id="rId24"/>
   </p:sldIdLst>
   <p:sldSz cx="12192000" cy="6858000"/>
   <p:notesSz cx="6858000" cy="9144000"/>
@@ -3021,6 +3022,6201 @@
 </cs:chartStyle>
 </file>
 
+<file path=ppt/diagrams/colors1.xml><?xml version="1.0" encoding="utf-8"?>
+<dgm:colorsDef xmlns:dgm="http://schemas.openxmlformats.org/drawingml/2006/diagram" xmlns:a="http://schemas.openxmlformats.org/drawingml/2006/main" uniqueId="urn:microsoft.com/office/officeart/2005/8/colors/accent1_2">
+  <dgm:title val=""/>
+  <dgm:desc val=""/>
+  <dgm:catLst>
+    <dgm:cat type="accent1" pri="11200"/>
+  </dgm:catLst>
+  <dgm:styleLbl name="node0">
+    <dgm:fillClrLst meth="repeat">
+      <a:schemeClr val="accent1"/>
+    </dgm:fillClrLst>
+    <dgm:linClrLst meth="repeat">
+      <a:schemeClr val="lt1"/>
+    </dgm:linClrLst>
+    <dgm:effectClrLst/>
+    <dgm:txLinClrLst/>
+    <dgm:txFillClrLst/>
+    <dgm:txEffectClrLst/>
+  </dgm:styleLbl>
+  <dgm:styleLbl name="alignNode1">
+    <dgm:fillClrLst meth="repeat">
+      <a:schemeClr val="accent1"/>
+    </dgm:fillClrLst>
+    <dgm:linClrLst meth="repeat">
+      <a:schemeClr val="accent1"/>
+    </dgm:linClrLst>
+    <dgm:effectClrLst/>
+    <dgm:txLinClrLst/>
+    <dgm:txFillClrLst/>
+    <dgm:txEffectClrLst/>
+  </dgm:styleLbl>
+  <dgm:styleLbl name="node1">
+    <dgm:fillClrLst meth="repeat">
+      <a:schemeClr val="accent1"/>
+    </dgm:fillClrLst>
+    <dgm:linClrLst meth="repeat">
+      <a:schemeClr val="lt1"/>
+    </dgm:linClrLst>
+    <dgm:effectClrLst/>
+    <dgm:txLinClrLst/>
+    <dgm:txFillClrLst/>
+    <dgm:txEffectClrLst/>
+  </dgm:styleLbl>
+  <dgm:styleLbl name="lnNode1">
+    <dgm:fillClrLst meth="repeat">
+      <a:schemeClr val="accent1"/>
+    </dgm:fillClrLst>
+    <dgm:linClrLst meth="repeat">
+      <a:schemeClr val="lt1"/>
+    </dgm:linClrLst>
+    <dgm:effectClrLst/>
+    <dgm:txLinClrLst/>
+    <dgm:txFillClrLst/>
+    <dgm:txEffectClrLst/>
+  </dgm:styleLbl>
+  <dgm:styleLbl name="vennNode1">
+    <dgm:fillClrLst meth="repeat">
+      <a:schemeClr val="accent1">
+        <a:alpha val="50000"/>
+      </a:schemeClr>
+    </dgm:fillClrLst>
+    <dgm:linClrLst meth="repeat">
+      <a:schemeClr val="lt1"/>
+    </dgm:linClrLst>
+    <dgm:effectClrLst/>
+    <dgm:txLinClrLst/>
+    <dgm:txFillClrLst/>
+    <dgm:txEffectClrLst/>
+  </dgm:styleLbl>
+  <dgm:styleLbl name="node2">
+    <dgm:fillClrLst meth="repeat">
+      <a:schemeClr val="accent1"/>
+    </dgm:fillClrLst>
+    <dgm:linClrLst meth="repeat">
+      <a:schemeClr val="lt1"/>
+    </dgm:linClrLst>
+    <dgm:effectClrLst/>
+    <dgm:txLinClrLst/>
+    <dgm:txFillClrLst/>
+    <dgm:txEffectClrLst/>
+  </dgm:styleLbl>
+  <dgm:styleLbl name="node3">
+    <dgm:fillClrLst meth="repeat">
+      <a:schemeClr val="accent1"/>
+    </dgm:fillClrLst>
+    <dgm:linClrLst meth="repeat">
+      <a:schemeClr val="lt1"/>
+    </dgm:linClrLst>
+    <dgm:effectClrLst/>
+    <dgm:txLinClrLst/>
+    <dgm:txFillClrLst/>
+    <dgm:txEffectClrLst/>
+  </dgm:styleLbl>
+  <dgm:styleLbl name="node4">
+    <dgm:fillClrLst meth="repeat">
+      <a:schemeClr val="accent1"/>
+    </dgm:fillClrLst>
+    <dgm:linClrLst meth="repeat">
+      <a:schemeClr val="lt1"/>
+    </dgm:linClrLst>
+    <dgm:effectClrLst/>
+    <dgm:txLinClrLst/>
+    <dgm:txFillClrLst/>
+    <dgm:txEffectClrLst/>
+  </dgm:styleLbl>
+  <dgm:styleLbl name="fgImgPlace1">
+    <dgm:fillClrLst meth="repeat">
+      <a:schemeClr val="accent1">
+        <a:tint val="50000"/>
+      </a:schemeClr>
+    </dgm:fillClrLst>
+    <dgm:linClrLst meth="repeat">
+      <a:schemeClr val="lt1"/>
+    </dgm:linClrLst>
+    <dgm:effectClrLst/>
+    <dgm:txLinClrLst/>
+    <dgm:txFillClrLst meth="repeat">
+      <a:schemeClr val="lt1"/>
+    </dgm:txFillClrLst>
+    <dgm:txEffectClrLst/>
+  </dgm:styleLbl>
+  <dgm:styleLbl name="alignImgPlace1">
+    <dgm:fillClrLst meth="repeat">
+      <a:schemeClr val="accent1">
+        <a:tint val="50000"/>
+      </a:schemeClr>
+    </dgm:fillClrLst>
+    <dgm:linClrLst meth="repeat">
+      <a:schemeClr val="lt1"/>
+    </dgm:linClrLst>
+    <dgm:effectClrLst/>
+    <dgm:txLinClrLst/>
+    <dgm:txFillClrLst meth="repeat">
+      <a:schemeClr val="lt1"/>
+    </dgm:txFillClrLst>
+    <dgm:txEffectClrLst/>
+  </dgm:styleLbl>
+  <dgm:styleLbl name="bgImgPlace1">
+    <dgm:fillClrLst meth="repeat">
+      <a:schemeClr val="accent1">
+        <a:tint val="50000"/>
+      </a:schemeClr>
+    </dgm:fillClrLst>
+    <dgm:linClrLst meth="repeat">
+      <a:schemeClr val="lt1"/>
+    </dgm:linClrLst>
+    <dgm:effectClrLst/>
+    <dgm:txLinClrLst/>
+    <dgm:txFillClrLst meth="repeat">
+      <a:schemeClr val="lt1"/>
+    </dgm:txFillClrLst>
+    <dgm:txEffectClrLst/>
+  </dgm:styleLbl>
+  <dgm:styleLbl name="sibTrans2D1">
+    <dgm:fillClrLst meth="repeat">
+      <a:schemeClr val="accent1">
+        <a:tint val="60000"/>
+      </a:schemeClr>
+    </dgm:fillClrLst>
+    <dgm:linClrLst meth="repeat">
+      <a:schemeClr val="accent1">
+        <a:tint val="60000"/>
+      </a:schemeClr>
+    </dgm:linClrLst>
+    <dgm:effectClrLst/>
+    <dgm:txLinClrLst/>
+    <dgm:txFillClrLst/>
+    <dgm:txEffectClrLst/>
+  </dgm:styleLbl>
+  <dgm:styleLbl name="fgSibTrans2D1">
+    <dgm:fillClrLst meth="repeat">
+      <a:schemeClr val="accent1">
+        <a:tint val="60000"/>
+      </a:schemeClr>
+    </dgm:fillClrLst>
+    <dgm:linClrLst meth="repeat">
+      <a:schemeClr val="accent1">
+        <a:tint val="60000"/>
+      </a:schemeClr>
+    </dgm:linClrLst>
+    <dgm:effectClrLst/>
+    <dgm:txLinClrLst/>
+    <dgm:txFillClrLst/>
+    <dgm:txEffectClrLst/>
+  </dgm:styleLbl>
+  <dgm:styleLbl name="bgSibTrans2D1">
+    <dgm:fillClrLst meth="repeat">
+      <a:schemeClr val="accent1">
+        <a:tint val="60000"/>
+      </a:schemeClr>
+    </dgm:fillClrLst>
+    <dgm:linClrLst meth="repeat">
+      <a:schemeClr val="accent1">
+        <a:tint val="60000"/>
+      </a:schemeClr>
+    </dgm:linClrLst>
+    <dgm:effectClrLst/>
+    <dgm:txLinClrLst/>
+    <dgm:txFillClrLst/>
+    <dgm:txEffectClrLst/>
+  </dgm:styleLbl>
+  <dgm:styleLbl name="sibTrans1D1">
+    <dgm:fillClrLst meth="repeat">
+      <a:schemeClr val="accent1"/>
+    </dgm:fillClrLst>
+    <dgm:linClrLst meth="repeat">
+      <a:schemeClr val="accent1"/>
+    </dgm:linClrLst>
+    <dgm:effectClrLst/>
+    <dgm:txLinClrLst/>
+    <dgm:txFillClrLst meth="repeat">
+      <a:schemeClr val="tx1"/>
+    </dgm:txFillClrLst>
+    <dgm:txEffectClrLst/>
+  </dgm:styleLbl>
+  <dgm:styleLbl name="callout">
+    <dgm:fillClrLst meth="repeat">
+      <a:schemeClr val="accent1"/>
+    </dgm:fillClrLst>
+    <dgm:linClrLst meth="repeat">
+      <a:schemeClr val="accent1">
+        <a:tint val="50000"/>
+      </a:schemeClr>
+    </dgm:linClrLst>
+    <dgm:effectClrLst/>
+    <dgm:txLinClrLst/>
+    <dgm:txFillClrLst meth="repeat">
+      <a:schemeClr val="tx1"/>
+    </dgm:txFillClrLst>
+    <dgm:txEffectClrLst/>
+  </dgm:styleLbl>
+  <dgm:styleLbl name="asst0">
+    <dgm:fillClrLst meth="repeat">
+      <a:schemeClr val="accent1"/>
+    </dgm:fillClrLst>
+    <dgm:linClrLst meth="repeat">
+      <a:schemeClr val="lt1"/>
+    </dgm:linClrLst>
+    <dgm:effectClrLst/>
+    <dgm:txLinClrLst/>
+    <dgm:txFillClrLst/>
+    <dgm:txEffectClrLst/>
+  </dgm:styleLbl>
+  <dgm:styleLbl name="asst1">
+    <dgm:fillClrLst meth="repeat">
+      <a:schemeClr val="accent1"/>
+    </dgm:fillClrLst>
+    <dgm:linClrLst meth="repeat">
+      <a:schemeClr val="lt1"/>
+    </dgm:linClrLst>
+    <dgm:effectClrLst/>
+    <dgm:txLinClrLst/>
+    <dgm:txFillClrLst/>
+    <dgm:txEffectClrLst/>
+  </dgm:styleLbl>
+  <dgm:styleLbl name="asst2">
+    <dgm:fillClrLst meth="repeat">
+      <a:schemeClr val="accent1"/>
+    </dgm:fillClrLst>
+    <dgm:linClrLst meth="repeat">
+      <a:schemeClr val="lt1"/>
+    </dgm:linClrLst>
+    <dgm:effectClrLst/>
+    <dgm:txLinClrLst/>
+    <dgm:txFillClrLst/>
+    <dgm:txEffectClrLst/>
+  </dgm:styleLbl>
+  <dgm:styleLbl name="asst3">
+    <dgm:fillClrLst meth="repeat">
+      <a:schemeClr val="accent1"/>
+    </dgm:fillClrLst>
+    <dgm:linClrLst meth="repeat">
+      <a:schemeClr val="lt1"/>
+    </dgm:linClrLst>
+    <dgm:effectClrLst/>
+    <dgm:txLinClrLst/>
+    <dgm:txFillClrLst/>
+    <dgm:txEffectClrLst/>
+  </dgm:styleLbl>
+  <dgm:styleLbl name="asst4">
+    <dgm:fillClrLst meth="repeat">
+      <a:schemeClr val="accent1"/>
+    </dgm:fillClrLst>
+    <dgm:linClrLst meth="repeat">
+      <a:schemeClr val="lt1"/>
+    </dgm:linClrLst>
+    <dgm:effectClrLst/>
+    <dgm:txLinClrLst/>
+    <dgm:txFillClrLst/>
+    <dgm:txEffectClrLst/>
+  </dgm:styleLbl>
+  <dgm:styleLbl name="parChTrans2D1">
+    <dgm:fillClrLst meth="repeat">
+      <a:schemeClr val="accent1">
+        <a:tint val="60000"/>
+      </a:schemeClr>
+    </dgm:fillClrLst>
+    <dgm:linClrLst meth="repeat">
+      <a:schemeClr val="accent1">
+        <a:tint val="60000"/>
+      </a:schemeClr>
+    </dgm:linClrLst>
+    <dgm:effectClrLst/>
+    <dgm:txLinClrLst/>
+    <dgm:txFillClrLst meth="repeat">
+      <a:schemeClr val="lt1"/>
+    </dgm:txFillClrLst>
+    <dgm:txEffectClrLst/>
+  </dgm:styleLbl>
+  <dgm:styleLbl name="parChTrans2D2">
+    <dgm:fillClrLst meth="repeat">
+      <a:schemeClr val="accent1"/>
+    </dgm:fillClrLst>
+    <dgm:linClrLst meth="repeat">
+      <a:schemeClr val="accent1"/>
+    </dgm:linClrLst>
+    <dgm:effectClrLst/>
+    <dgm:txLinClrLst/>
+    <dgm:txFillClrLst meth="repeat">
+      <a:schemeClr val="lt1"/>
+    </dgm:txFillClrLst>
+    <dgm:txEffectClrLst/>
+  </dgm:styleLbl>
+  <dgm:styleLbl name="parChTrans2D3">
+    <dgm:fillClrLst meth="repeat">
+      <a:schemeClr val="accent1"/>
+    </dgm:fillClrLst>
+    <dgm:linClrLst meth="repeat">
+      <a:schemeClr val="accent1"/>
+    </dgm:linClrLst>
+    <dgm:effectClrLst/>
+    <dgm:txLinClrLst/>
+    <dgm:txFillClrLst meth="repeat">
+      <a:schemeClr val="lt1"/>
+    </dgm:txFillClrLst>
+    <dgm:txEffectClrLst/>
+  </dgm:styleLbl>
+  <dgm:styleLbl name="parChTrans2D4">
+    <dgm:fillClrLst meth="repeat">
+      <a:schemeClr val="accent1"/>
+    </dgm:fillClrLst>
+    <dgm:linClrLst meth="repeat">
+      <a:schemeClr val="accent1"/>
+    </dgm:linClrLst>
+    <dgm:effectClrLst/>
+    <dgm:txLinClrLst/>
+    <dgm:txFillClrLst meth="repeat">
+      <a:schemeClr val="lt1"/>
+    </dgm:txFillClrLst>
+    <dgm:txEffectClrLst/>
+  </dgm:styleLbl>
+  <dgm:styleLbl name="parChTrans1D1">
+    <dgm:fillClrLst meth="repeat">
+      <a:schemeClr val="accent1"/>
+    </dgm:fillClrLst>
+    <dgm:linClrLst meth="repeat">
+      <a:schemeClr val="accent1">
+        <a:shade val="60000"/>
+      </a:schemeClr>
+    </dgm:linClrLst>
+    <dgm:effectClrLst/>
+    <dgm:txLinClrLst/>
+    <dgm:txFillClrLst meth="repeat">
+      <a:schemeClr val="tx1"/>
+    </dgm:txFillClrLst>
+    <dgm:txEffectClrLst/>
+  </dgm:styleLbl>
+  <dgm:styleLbl name="parChTrans1D2">
+    <dgm:fillClrLst meth="repeat">
+      <a:schemeClr val="accent1"/>
+    </dgm:fillClrLst>
+    <dgm:linClrLst meth="repeat">
+      <a:schemeClr val="accent1">
+        <a:shade val="60000"/>
+      </a:schemeClr>
+    </dgm:linClrLst>
+    <dgm:effectClrLst/>
+    <dgm:txLinClrLst/>
+    <dgm:txFillClrLst meth="repeat">
+      <a:schemeClr val="tx1"/>
+    </dgm:txFillClrLst>
+    <dgm:txEffectClrLst/>
+  </dgm:styleLbl>
+  <dgm:styleLbl name="parChTrans1D3">
+    <dgm:fillClrLst meth="repeat">
+      <a:schemeClr val="accent1"/>
+    </dgm:fillClrLst>
+    <dgm:linClrLst meth="repeat">
+      <a:schemeClr val="accent1">
+        <a:shade val="80000"/>
+      </a:schemeClr>
+    </dgm:linClrLst>
+    <dgm:effectClrLst/>
+    <dgm:txLinClrLst/>
+    <dgm:txFillClrLst meth="repeat">
+      <a:schemeClr val="tx1"/>
+    </dgm:txFillClrLst>
+    <dgm:txEffectClrLst/>
+  </dgm:styleLbl>
+  <dgm:styleLbl name="parChTrans1D4">
+    <dgm:fillClrLst meth="repeat">
+      <a:schemeClr val="accent1"/>
+    </dgm:fillClrLst>
+    <dgm:linClrLst meth="repeat">
+      <a:schemeClr val="accent1">
+        <a:shade val="80000"/>
+      </a:schemeClr>
+    </dgm:linClrLst>
+    <dgm:effectClrLst/>
+    <dgm:txLinClrLst/>
+    <dgm:txFillClrLst meth="repeat">
+      <a:schemeClr val="tx1"/>
+    </dgm:txFillClrLst>
+    <dgm:txEffectClrLst/>
+  </dgm:styleLbl>
+  <dgm:styleLbl name="fgAcc1">
+    <dgm:fillClrLst meth="repeat">
+      <a:schemeClr val="lt1">
+        <a:alpha val="90000"/>
+      </a:schemeClr>
+    </dgm:fillClrLst>
+    <dgm:linClrLst meth="repeat">
+      <a:schemeClr val="accent1"/>
+    </dgm:linClrLst>
+    <dgm:effectClrLst/>
+    <dgm:txLinClrLst/>
+    <dgm:txFillClrLst meth="repeat">
+      <a:schemeClr val="dk1"/>
+    </dgm:txFillClrLst>
+    <dgm:txEffectClrLst/>
+  </dgm:styleLbl>
+  <dgm:styleLbl name="conFgAcc1">
+    <dgm:fillClrLst meth="repeat">
+      <a:schemeClr val="lt1">
+        <a:alpha val="90000"/>
+      </a:schemeClr>
+    </dgm:fillClrLst>
+    <dgm:linClrLst meth="repeat">
+      <a:schemeClr val="accent1"/>
+    </dgm:linClrLst>
+    <dgm:effectClrLst/>
+    <dgm:txLinClrLst/>
+    <dgm:txFillClrLst meth="repeat">
+      <a:schemeClr val="dk1"/>
+    </dgm:txFillClrLst>
+    <dgm:txEffectClrLst/>
+  </dgm:styleLbl>
+  <dgm:styleLbl name="alignAcc1">
+    <dgm:fillClrLst meth="repeat">
+      <a:schemeClr val="lt1">
+        <a:alpha val="90000"/>
+      </a:schemeClr>
+    </dgm:fillClrLst>
+    <dgm:linClrLst meth="repeat">
+      <a:schemeClr val="accent1"/>
+    </dgm:linClrLst>
+    <dgm:effectClrLst/>
+    <dgm:txLinClrLst/>
+    <dgm:txFillClrLst meth="repeat">
+      <a:schemeClr val="dk1"/>
+    </dgm:txFillClrLst>
+    <dgm:txEffectClrLst/>
+  </dgm:styleLbl>
+  <dgm:styleLbl name="trAlignAcc1">
+    <dgm:fillClrLst meth="repeat">
+      <a:schemeClr val="lt1">
+        <a:alpha val="40000"/>
+      </a:schemeClr>
+    </dgm:fillClrLst>
+    <dgm:linClrLst meth="repeat">
+      <a:schemeClr val="accent1"/>
+    </dgm:linClrLst>
+    <dgm:effectClrLst/>
+    <dgm:txLinClrLst/>
+    <dgm:txFillClrLst meth="repeat">
+      <a:schemeClr val="dk1"/>
+    </dgm:txFillClrLst>
+    <dgm:txEffectClrLst/>
+  </dgm:styleLbl>
+  <dgm:styleLbl name="bgAcc1">
+    <dgm:fillClrLst meth="repeat">
+      <a:schemeClr val="lt1">
+        <a:alpha val="90000"/>
+      </a:schemeClr>
+    </dgm:fillClrLst>
+    <dgm:linClrLst meth="repeat">
+      <a:schemeClr val="accent1"/>
+    </dgm:linClrLst>
+    <dgm:effectClrLst/>
+    <dgm:txLinClrLst/>
+    <dgm:txFillClrLst meth="repeat">
+      <a:schemeClr val="dk1"/>
+    </dgm:txFillClrLst>
+    <dgm:txEffectClrLst/>
+  </dgm:styleLbl>
+  <dgm:styleLbl name="solidFgAcc1">
+    <dgm:fillClrLst meth="repeat">
+      <a:schemeClr val="lt1"/>
+    </dgm:fillClrLst>
+    <dgm:linClrLst meth="repeat">
+      <a:schemeClr val="accent1"/>
+    </dgm:linClrLst>
+    <dgm:effectClrLst/>
+    <dgm:txLinClrLst/>
+    <dgm:txFillClrLst meth="repeat">
+      <a:schemeClr val="dk1"/>
+    </dgm:txFillClrLst>
+    <dgm:txEffectClrLst/>
+  </dgm:styleLbl>
+  <dgm:styleLbl name="solidAlignAcc1">
+    <dgm:fillClrLst meth="repeat">
+      <a:schemeClr val="lt1"/>
+    </dgm:fillClrLst>
+    <dgm:linClrLst meth="repeat">
+      <a:schemeClr val="accent1"/>
+    </dgm:linClrLst>
+    <dgm:effectClrLst/>
+    <dgm:txLinClrLst/>
+    <dgm:txFillClrLst meth="repeat">
+      <a:schemeClr val="dk1"/>
+    </dgm:txFillClrLst>
+    <dgm:txEffectClrLst/>
+  </dgm:styleLbl>
+  <dgm:styleLbl name="solidBgAcc1">
+    <dgm:fillClrLst meth="repeat">
+      <a:schemeClr val="lt1"/>
+    </dgm:fillClrLst>
+    <dgm:linClrLst meth="repeat">
+      <a:schemeClr val="accent1"/>
+    </dgm:linClrLst>
+    <dgm:effectClrLst/>
+    <dgm:txLinClrLst/>
+    <dgm:txFillClrLst meth="repeat">
+      <a:schemeClr val="dk1"/>
+    </dgm:txFillClrLst>
+    <dgm:txEffectClrLst/>
+  </dgm:styleLbl>
+  <dgm:styleLbl name="fgAccFollowNode1">
+    <dgm:fillClrLst meth="repeat">
+      <a:schemeClr val="accent1">
+        <a:alpha val="90000"/>
+        <a:tint val="40000"/>
+      </a:schemeClr>
+    </dgm:fillClrLst>
+    <dgm:linClrLst meth="repeat">
+      <a:schemeClr val="accent1">
+        <a:alpha val="90000"/>
+        <a:tint val="40000"/>
+      </a:schemeClr>
+    </dgm:linClrLst>
+    <dgm:effectClrLst/>
+    <dgm:txLinClrLst/>
+    <dgm:txFillClrLst meth="repeat">
+      <a:schemeClr val="dk1"/>
+    </dgm:txFillClrLst>
+    <dgm:txEffectClrLst/>
+  </dgm:styleLbl>
+  <dgm:styleLbl name="alignAccFollowNode1">
+    <dgm:fillClrLst meth="repeat">
+      <a:schemeClr val="accent1">
+        <a:alpha val="90000"/>
+        <a:tint val="40000"/>
+      </a:schemeClr>
+    </dgm:fillClrLst>
+    <dgm:linClrLst meth="repeat">
+      <a:schemeClr val="accent1">
+        <a:alpha val="90000"/>
+        <a:tint val="40000"/>
+      </a:schemeClr>
+    </dgm:linClrLst>
+    <dgm:effectClrLst/>
+    <dgm:txLinClrLst/>
+    <dgm:txFillClrLst meth="repeat">
+      <a:schemeClr val="dk1"/>
+    </dgm:txFillClrLst>
+    <dgm:txEffectClrLst/>
+  </dgm:styleLbl>
+  <dgm:styleLbl name="bgAccFollowNode1">
+    <dgm:fillClrLst meth="repeat">
+      <a:schemeClr val="accent1">
+        <a:alpha val="90000"/>
+        <a:tint val="40000"/>
+      </a:schemeClr>
+    </dgm:fillClrLst>
+    <dgm:linClrLst meth="repeat">
+      <a:schemeClr val="accent1">
+        <a:alpha val="90000"/>
+        <a:tint val="40000"/>
+      </a:schemeClr>
+    </dgm:linClrLst>
+    <dgm:effectClrLst/>
+    <dgm:txLinClrLst/>
+    <dgm:txFillClrLst meth="repeat">
+      <a:schemeClr val="dk1"/>
+    </dgm:txFillClrLst>
+    <dgm:txEffectClrLst/>
+  </dgm:styleLbl>
+  <dgm:styleLbl name="fgAcc0">
+    <dgm:fillClrLst meth="repeat">
+      <a:schemeClr val="lt1">
+        <a:alpha val="90000"/>
+      </a:schemeClr>
+    </dgm:fillClrLst>
+    <dgm:linClrLst meth="repeat">
+      <a:schemeClr val="accent1"/>
+    </dgm:linClrLst>
+    <dgm:effectClrLst/>
+    <dgm:txLinClrLst/>
+    <dgm:txFillClrLst meth="repeat">
+      <a:schemeClr val="dk1"/>
+    </dgm:txFillClrLst>
+    <dgm:txEffectClrLst/>
+  </dgm:styleLbl>
+  <dgm:styleLbl name="fgAcc2">
+    <dgm:fillClrLst meth="repeat">
+      <a:schemeClr val="lt1">
+        <a:alpha val="90000"/>
+      </a:schemeClr>
+    </dgm:fillClrLst>
+    <dgm:linClrLst meth="repeat">
+      <a:schemeClr val="accent1"/>
+    </dgm:linClrLst>
+    <dgm:effectClrLst/>
+    <dgm:txLinClrLst/>
+    <dgm:txFillClrLst meth="repeat">
+      <a:schemeClr val="dk1"/>
+    </dgm:txFillClrLst>
+    <dgm:txEffectClrLst/>
+  </dgm:styleLbl>
+  <dgm:styleLbl name="fgAcc3">
+    <dgm:fillClrLst meth="repeat">
+      <a:schemeClr val="lt1">
+        <a:alpha val="90000"/>
+      </a:schemeClr>
+    </dgm:fillClrLst>
+    <dgm:linClrLst meth="repeat">
+      <a:schemeClr val="accent1"/>
+    </dgm:linClrLst>
+    <dgm:effectClrLst/>
+    <dgm:txLinClrLst/>
+    <dgm:txFillClrLst meth="repeat">
+      <a:schemeClr val="dk1"/>
+    </dgm:txFillClrLst>
+    <dgm:txEffectClrLst/>
+  </dgm:styleLbl>
+  <dgm:styleLbl name="fgAcc4">
+    <dgm:fillClrLst meth="repeat">
+      <a:schemeClr val="lt1">
+        <a:alpha val="90000"/>
+      </a:schemeClr>
+    </dgm:fillClrLst>
+    <dgm:linClrLst meth="repeat">
+      <a:schemeClr val="accent1"/>
+    </dgm:linClrLst>
+    <dgm:effectClrLst/>
+    <dgm:txLinClrLst/>
+    <dgm:txFillClrLst meth="repeat">
+      <a:schemeClr val="dk1"/>
+    </dgm:txFillClrLst>
+    <dgm:txEffectClrLst/>
+  </dgm:styleLbl>
+  <dgm:styleLbl name="bgShp">
+    <dgm:fillClrLst meth="repeat">
+      <a:schemeClr val="accent1">
+        <a:tint val="40000"/>
+      </a:schemeClr>
+    </dgm:fillClrLst>
+    <dgm:linClrLst meth="repeat">
+      <a:schemeClr val="accent1"/>
+    </dgm:linClrLst>
+    <dgm:effectClrLst/>
+    <dgm:txLinClrLst/>
+    <dgm:txFillClrLst meth="repeat">
+      <a:schemeClr val="dk1"/>
+    </dgm:txFillClrLst>
+    <dgm:txEffectClrLst/>
+  </dgm:styleLbl>
+  <dgm:styleLbl name="dkBgShp">
+    <dgm:fillClrLst meth="repeat">
+      <a:schemeClr val="accent1">
+        <a:shade val="80000"/>
+      </a:schemeClr>
+    </dgm:fillClrLst>
+    <dgm:linClrLst meth="repeat">
+      <a:schemeClr val="accent1"/>
+    </dgm:linClrLst>
+    <dgm:effectClrLst/>
+    <dgm:txLinClrLst/>
+    <dgm:txFillClrLst meth="repeat">
+      <a:schemeClr val="lt1"/>
+    </dgm:txFillClrLst>
+    <dgm:txEffectClrLst/>
+  </dgm:styleLbl>
+  <dgm:styleLbl name="trBgShp">
+    <dgm:fillClrLst meth="repeat">
+      <a:schemeClr val="accent1">
+        <a:tint val="50000"/>
+        <a:alpha val="40000"/>
+      </a:schemeClr>
+    </dgm:fillClrLst>
+    <dgm:linClrLst meth="repeat">
+      <a:schemeClr val="accent1"/>
+    </dgm:linClrLst>
+    <dgm:effectClrLst/>
+    <dgm:txLinClrLst/>
+    <dgm:txFillClrLst meth="repeat">
+      <a:schemeClr val="lt1"/>
+    </dgm:txFillClrLst>
+    <dgm:txEffectClrLst/>
+  </dgm:styleLbl>
+  <dgm:styleLbl name="fgShp">
+    <dgm:fillClrLst meth="repeat">
+      <a:schemeClr val="accent1">
+        <a:tint val="60000"/>
+      </a:schemeClr>
+    </dgm:fillClrLst>
+    <dgm:linClrLst meth="repeat">
+      <a:schemeClr val="lt1"/>
+    </dgm:linClrLst>
+    <dgm:effectClrLst/>
+    <dgm:txLinClrLst/>
+    <dgm:txFillClrLst meth="repeat">
+      <a:schemeClr val="dk1"/>
+    </dgm:txFillClrLst>
+    <dgm:txEffectClrLst/>
+  </dgm:styleLbl>
+  <dgm:styleLbl name="revTx">
+    <dgm:fillClrLst meth="repeat">
+      <a:schemeClr val="lt1">
+        <a:alpha val="0"/>
+      </a:schemeClr>
+    </dgm:fillClrLst>
+    <dgm:linClrLst meth="repeat">
+      <a:schemeClr val="dk1">
+        <a:alpha val="0"/>
+      </a:schemeClr>
+    </dgm:linClrLst>
+    <dgm:effectClrLst/>
+    <dgm:txLinClrLst/>
+    <dgm:txFillClrLst meth="repeat">
+      <a:schemeClr val="tx1"/>
+    </dgm:txFillClrLst>
+    <dgm:txEffectClrLst/>
+  </dgm:styleLbl>
+</dgm:colorsDef>
+</file>
+
+<file path=ppt/diagrams/data1.xml><?xml version="1.0" encoding="utf-8"?>
+<dgm:dataModel xmlns:dgm="http://schemas.openxmlformats.org/drawingml/2006/diagram" xmlns:a="http://schemas.openxmlformats.org/drawingml/2006/main">
+  <dgm:ptLst>
+    <dgm:pt modelId="{63085546-7C7C-4B3E-ABEB-2669F1A65FB2}" type="doc">
+      <dgm:prSet loTypeId="urn:microsoft.com/office/officeart/2017/3/layout/DropPinTimeline" loCatId="process" qsTypeId="urn:microsoft.com/office/officeart/2005/8/quickstyle/simple1" qsCatId="simple" csTypeId="urn:microsoft.com/office/officeart/2005/8/colors/accent1_2" csCatId="accent1" phldr="1"/>
+      <dgm:spPr/>
+      <dgm:t>
+        <a:bodyPr rtlCol="0"/>
+        <a:lstStyle/>
+        <a:p>
+          <a:pPr rtl="0"/>
+          <a:endParaRPr lang="en-US"/>
+        </a:p>
+      </dgm:t>
+    </dgm:pt>
+    <dgm:pt modelId="{9DCEA5FC-4640-45AF-B712-7A4FD94AEF0D}">
+      <dgm:prSet phldrT="[Text]" custT="1"/>
+      <dgm:spPr/>
+      <dgm:t>
+        <a:bodyPr rtlCol="0"/>
+        <a:lstStyle/>
+        <a:p>
+          <a:pPr rtl="0">
+            <a:defRPr b="1"/>
+          </a:pPr>
+          <a:r>
+            <a:rPr lang="de-DE" sz="1600" b="1" noProof="0" dirty="0">
+              <a:solidFill>
+                <a:schemeClr val="tx1">
+                  <a:lumMod val="65000"/>
+                  <a:lumOff val="35000"/>
+                </a:schemeClr>
+              </a:solidFill>
+            </a:rPr>
+            <a:t>Q1</a:t>
+          </a:r>
+          <a:br>
+            <a:rPr lang="de-DE" sz="1100" noProof="0" dirty="0">
+              <a:solidFill>
+                <a:schemeClr val="tx1">
+                  <a:lumMod val="65000"/>
+                  <a:lumOff val="35000"/>
+                </a:schemeClr>
+              </a:solidFill>
+            </a:rPr>
+          </a:br>
+          <a:r>
+            <a:rPr lang="de-DE" sz="1100" noProof="0" dirty="0">
+              <a:solidFill>
+                <a:schemeClr val="tx1">
+                  <a:lumMod val="65000"/>
+                  <a:lumOff val="35000"/>
+                </a:schemeClr>
+              </a:solidFill>
+            </a:rPr>
+            <a:t>2OJJ</a:t>
+          </a:r>
+        </a:p>
+      </dgm:t>
+    </dgm:pt>
+    <dgm:pt modelId="{929A5FD9-0612-4B79-9B59-C3C36D34A069}" type="parTrans" cxnId="{DBD99269-D7F7-4B47-B17B-A5AE402751D9}">
+      <dgm:prSet/>
+      <dgm:spPr/>
+      <dgm:t>
+        <a:bodyPr rtlCol="0"/>
+        <a:lstStyle/>
+        <a:p>
+          <a:pPr rtl="0"/>
+          <a:endParaRPr lang="de-DE" noProof="0" dirty="0"/>
+        </a:p>
+      </dgm:t>
+    </dgm:pt>
+    <dgm:pt modelId="{0A99745B-BB5C-49B3-A782-8DB57641F6C9}" type="sibTrans" cxnId="{DBD99269-D7F7-4B47-B17B-A5AE402751D9}">
+      <dgm:prSet/>
+      <dgm:spPr/>
+      <dgm:t>
+        <a:bodyPr rtlCol="0"/>
+        <a:lstStyle/>
+        <a:p>
+          <a:pPr rtl="0"/>
+          <a:endParaRPr lang="de-DE" noProof="0" dirty="0"/>
+        </a:p>
+      </dgm:t>
+    </dgm:pt>
+    <dgm:pt modelId="{831701CF-77C7-46C0-A913-8CC39517BAB8}">
+      <dgm:prSet phldrT="[Text]"/>
+      <dgm:spPr/>
+      <dgm:t>
+        <a:bodyPr rtlCol="0"/>
+        <a:lstStyle/>
+        <a:p>
+          <a:pPr rtl="0"/>
+          <a:r>
+            <a:rPr lang="de-DE" noProof="0" dirty="0">
+              <a:solidFill>
+                <a:schemeClr val="tx1">
+                  <a:lumMod val="65000"/>
+                  <a:lumOff val="35000"/>
+                </a:schemeClr>
+              </a:solidFill>
+            </a:rPr>
+            <a:t>Finanzplan</a:t>
+          </a:r>
+          <a:br>
+            <a:rPr lang="de-DE" noProof="0" dirty="0">
+              <a:solidFill>
+                <a:schemeClr val="tx1">
+                  <a:lumMod val="65000"/>
+                  <a:lumOff val="35000"/>
+                </a:schemeClr>
+              </a:solidFill>
+            </a:rPr>
+          </a:br>
+          <a:r>
+            <a:rPr lang="de-DE" noProof="0" dirty="0">
+              <a:solidFill>
+                <a:schemeClr val="tx1">
+                  <a:lumMod val="65000"/>
+                  <a:lumOff val="35000"/>
+                </a:schemeClr>
+              </a:solidFill>
+            </a:rPr>
+            <a:t>Beginnt</a:t>
+          </a:r>
+        </a:p>
+      </dgm:t>
+    </dgm:pt>
+    <dgm:pt modelId="{13FBC60D-3EA6-4496-BA97-C1AE8C7F8961}" type="parTrans" cxnId="{39A11E5C-7A57-4117-A6DF-36000C29509C}">
+      <dgm:prSet/>
+      <dgm:spPr/>
+      <dgm:t>
+        <a:bodyPr rtlCol="0"/>
+        <a:lstStyle/>
+        <a:p>
+          <a:pPr rtl="0"/>
+          <a:endParaRPr lang="de-DE" noProof="0" dirty="0"/>
+        </a:p>
+      </dgm:t>
+    </dgm:pt>
+    <dgm:pt modelId="{75156CDF-E17B-4DAD-AE37-EA44D7F37090}" type="sibTrans" cxnId="{39A11E5C-7A57-4117-A6DF-36000C29509C}">
+      <dgm:prSet/>
+      <dgm:spPr/>
+      <dgm:t>
+        <a:bodyPr rtlCol="0"/>
+        <a:lstStyle/>
+        <a:p>
+          <a:pPr rtl="0"/>
+          <a:endParaRPr lang="de-DE" noProof="0" dirty="0"/>
+        </a:p>
+      </dgm:t>
+    </dgm:pt>
+    <dgm:pt modelId="{096A9AF0-0DAE-4EB3-B448-4501DA034F4A}">
+      <dgm:prSet phldrT="[Text]" custT="1"/>
+      <dgm:spPr/>
+      <dgm:t>
+        <a:bodyPr rtlCol="0"/>
+        <a:lstStyle/>
+        <a:p>
+          <a:pPr rtl="0">
+            <a:defRPr b="1"/>
+          </a:pPr>
+          <a:r>
+            <a:rPr lang="de-DE" sz="1600" b="1" noProof="0" dirty="0">
+              <a:solidFill>
+                <a:schemeClr val="tx1">
+                  <a:lumMod val="65000"/>
+                  <a:lumOff val="35000"/>
+                </a:schemeClr>
+              </a:solidFill>
+            </a:rPr>
+            <a:t>Q2</a:t>
+          </a:r>
+          <a:br>
+            <a:rPr lang="de-DE" sz="1100" noProof="0" dirty="0">
+              <a:solidFill>
+                <a:schemeClr val="tx1">
+                  <a:lumMod val="65000"/>
+                  <a:lumOff val="35000"/>
+                </a:schemeClr>
+              </a:solidFill>
+            </a:rPr>
+          </a:br>
+          <a:r>
+            <a:rPr lang="de-DE" sz="1100" noProof="0" dirty="0">
+              <a:solidFill>
+                <a:schemeClr val="tx1">
+                  <a:lumMod val="65000"/>
+                  <a:lumOff val="35000"/>
+                </a:schemeClr>
+              </a:solidFill>
+            </a:rPr>
+            <a:t>20JJ</a:t>
+          </a:r>
+        </a:p>
+      </dgm:t>
+    </dgm:pt>
+    <dgm:pt modelId="{8CE6ABD6-768E-42C8-9029-C3B5F278B21C}" type="parTrans" cxnId="{CA0753BD-DB60-4D68-8486-5B376B839B26}">
+      <dgm:prSet/>
+      <dgm:spPr/>
+      <dgm:t>
+        <a:bodyPr rtlCol="0"/>
+        <a:lstStyle/>
+        <a:p>
+          <a:pPr rtl="0"/>
+          <a:endParaRPr lang="de-DE" noProof="0" dirty="0"/>
+        </a:p>
+      </dgm:t>
+    </dgm:pt>
+    <dgm:pt modelId="{6B0D7DA9-E6ED-4137-9716-F48BF62327A8}" type="sibTrans" cxnId="{CA0753BD-DB60-4D68-8486-5B376B839B26}">
+      <dgm:prSet/>
+      <dgm:spPr/>
+      <dgm:t>
+        <a:bodyPr rtlCol="0"/>
+        <a:lstStyle/>
+        <a:p>
+          <a:pPr rtl="0"/>
+          <a:endParaRPr lang="de-DE" noProof="0" dirty="0"/>
+        </a:p>
+      </dgm:t>
+    </dgm:pt>
+    <dgm:pt modelId="{CA6B1BA0-B2FC-48AD-8EDA-F4AAA4AF2782}">
+      <dgm:prSet custT="1"/>
+      <dgm:spPr/>
+      <dgm:t>
+        <a:bodyPr rtlCol="0"/>
+        <a:lstStyle/>
+        <a:p>
+          <a:pPr rtl="0">
+            <a:defRPr b="1"/>
+          </a:pPr>
+          <a:r>
+            <a:rPr lang="de-DE" sz="1600" b="1" noProof="0" dirty="0">
+              <a:solidFill>
+                <a:schemeClr val="tx1">
+                  <a:lumMod val="65000"/>
+                  <a:lumOff val="35000"/>
+                </a:schemeClr>
+              </a:solidFill>
+            </a:rPr>
+            <a:t>Q3</a:t>
+          </a:r>
+          <a:br>
+            <a:rPr lang="de-DE" sz="1100" noProof="0" dirty="0">
+              <a:solidFill>
+                <a:schemeClr val="tx1">
+                  <a:lumMod val="65000"/>
+                  <a:lumOff val="35000"/>
+                </a:schemeClr>
+              </a:solidFill>
+            </a:rPr>
+          </a:br>
+          <a:r>
+            <a:rPr lang="de-DE" sz="1100" noProof="0" dirty="0">
+              <a:solidFill>
+                <a:schemeClr val="tx1">
+                  <a:lumMod val="65000"/>
+                  <a:lumOff val="35000"/>
+                </a:schemeClr>
+              </a:solidFill>
+            </a:rPr>
+            <a:t>20JJ</a:t>
+          </a:r>
+        </a:p>
+      </dgm:t>
+    </dgm:pt>
+    <dgm:pt modelId="{D7D3AA07-BCB9-4212-A556-E90870FB1413}" type="parTrans" cxnId="{CD6B6EE8-3813-4EF1-BFEC-C005A3326D63}">
+      <dgm:prSet/>
+      <dgm:spPr/>
+      <dgm:t>
+        <a:bodyPr rtlCol="0"/>
+        <a:lstStyle/>
+        <a:p>
+          <a:pPr rtl="0"/>
+          <a:endParaRPr lang="de-DE" noProof="0" dirty="0"/>
+        </a:p>
+      </dgm:t>
+    </dgm:pt>
+    <dgm:pt modelId="{39FB540D-D808-4040-9A37-0AC474C0212F}" type="sibTrans" cxnId="{CD6B6EE8-3813-4EF1-BFEC-C005A3326D63}">
+      <dgm:prSet/>
+      <dgm:spPr/>
+      <dgm:t>
+        <a:bodyPr rtlCol="0"/>
+        <a:lstStyle/>
+        <a:p>
+          <a:pPr rtl="0"/>
+          <a:endParaRPr lang="de-DE" noProof="0" dirty="0"/>
+        </a:p>
+      </dgm:t>
+    </dgm:pt>
+    <dgm:pt modelId="{92921081-529B-4D1C-83A4-C416BB4C5224}">
+      <dgm:prSet/>
+      <dgm:spPr/>
+      <dgm:t>
+        <a:bodyPr rtlCol="0"/>
+        <a:lstStyle/>
+        <a:p>
+          <a:pPr rtl="0"/>
+          <a:r>
+            <a:rPr lang="de-DE" noProof="0" dirty="0">
+              <a:solidFill>
+                <a:schemeClr val="tx1">
+                  <a:lumMod val="65000"/>
+                  <a:lumOff val="35000"/>
+                </a:schemeClr>
+              </a:solidFill>
+            </a:rPr>
+            <a:t>Beta-Registrierung beginnt</a:t>
+          </a:r>
+          <a:br>
+            <a:rPr lang="de-DE" noProof="0" dirty="0">
+              <a:solidFill>
+                <a:schemeClr val="tx1">
+                  <a:lumMod val="65000"/>
+                  <a:lumOff val="35000"/>
+                </a:schemeClr>
+              </a:solidFill>
+            </a:rPr>
+          </a:br>
+          <a:r>
+            <a:rPr lang="de-DE" noProof="0" dirty="0">
+              <a:solidFill>
+                <a:schemeClr val="tx1">
+                  <a:lumMod val="65000"/>
+                  <a:lumOff val="35000"/>
+                </a:schemeClr>
+              </a:solidFill>
+            </a:rPr>
+            <a:t>für die Öffentlichkeit</a:t>
+          </a:r>
+        </a:p>
+      </dgm:t>
+    </dgm:pt>
+    <dgm:pt modelId="{5AD2C2F8-A1D7-469B-93D8-B578BEFE51F8}" type="parTrans" cxnId="{B05C4C7C-FEB8-4825-98A0-C38D3021918A}">
+      <dgm:prSet/>
+      <dgm:spPr/>
+      <dgm:t>
+        <a:bodyPr rtlCol="0"/>
+        <a:lstStyle/>
+        <a:p>
+          <a:pPr rtl="0"/>
+          <a:endParaRPr lang="de-DE" noProof="0" dirty="0"/>
+        </a:p>
+      </dgm:t>
+    </dgm:pt>
+    <dgm:pt modelId="{ECC13403-1F53-4ED4-AE4F-334EEC7C8710}" type="sibTrans" cxnId="{B05C4C7C-FEB8-4825-98A0-C38D3021918A}">
+      <dgm:prSet/>
+      <dgm:spPr/>
+      <dgm:t>
+        <a:bodyPr rtlCol="0"/>
+        <a:lstStyle/>
+        <a:p>
+          <a:pPr rtl="0"/>
+          <a:endParaRPr lang="de-DE" noProof="0" dirty="0"/>
+        </a:p>
+      </dgm:t>
+    </dgm:pt>
+    <dgm:pt modelId="{3CB04A44-4013-4CA7-90FD-29AFC3C15E37}">
+      <dgm:prSet/>
+      <dgm:spPr/>
+      <dgm:t>
+        <a:bodyPr rtlCol="0"/>
+        <a:lstStyle/>
+        <a:p>
+          <a:pPr rtl="0"/>
+          <a:r>
+            <a:rPr lang="de-DE" noProof="0" dirty="0">
+              <a:solidFill>
+                <a:schemeClr val="tx1">
+                  <a:lumMod val="65000"/>
+                  <a:lumOff val="35000"/>
+                </a:schemeClr>
+              </a:solidFill>
+            </a:rPr>
+            <a:t>Werbekampagne</a:t>
+          </a:r>
+          <a:br>
+            <a:rPr lang="de-DE" noProof="0" dirty="0">
+              <a:solidFill>
+                <a:schemeClr val="tx1">
+                  <a:lumMod val="65000"/>
+                  <a:lumOff val="35000"/>
+                </a:schemeClr>
+              </a:solidFill>
+            </a:rPr>
+          </a:br>
+          <a:r>
+            <a:rPr lang="de-DE" noProof="0" dirty="0">
+              <a:solidFill>
+                <a:schemeClr val="tx1">
+                  <a:lumMod val="65000"/>
+                  <a:lumOff val="35000"/>
+                </a:schemeClr>
+              </a:solidFill>
+            </a:rPr>
+            <a:t>Start</a:t>
+          </a:r>
+        </a:p>
+      </dgm:t>
+    </dgm:pt>
+    <dgm:pt modelId="{ECEE936A-E3CC-4209-BECC-1CD0C85A2B72}" type="parTrans" cxnId="{24A8F052-3377-4BA4-8C62-CCF5039C85D7}">
+      <dgm:prSet/>
+      <dgm:spPr/>
+      <dgm:t>
+        <a:bodyPr rtlCol="0"/>
+        <a:lstStyle/>
+        <a:p>
+          <a:pPr rtl="0"/>
+          <a:endParaRPr lang="de-DE" noProof="0" dirty="0"/>
+        </a:p>
+      </dgm:t>
+    </dgm:pt>
+    <dgm:pt modelId="{D7A8F7A0-47A3-4464-B3B7-E0806DF46627}" type="sibTrans" cxnId="{24A8F052-3377-4BA4-8C62-CCF5039C85D7}">
+      <dgm:prSet/>
+      <dgm:spPr/>
+      <dgm:t>
+        <a:bodyPr rtlCol="0"/>
+        <a:lstStyle/>
+        <a:p>
+          <a:pPr rtl="0"/>
+          <a:endParaRPr lang="de-DE" noProof="0" dirty="0"/>
+        </a:p>
+      </dgm:t>
+    </dgm:pt>
+    <dgm:pt modelId="{212ADAAB-D5CB-4BBC-8DAF-7340FD334994}">
+      <dgm:prSet custT="1"/>
+      <dgm:spPr/>
+      <dgm:t>
+        <a:bodyPr rtlCol="0"/>
+        <a:lstStyle/>
+        <a:p>
+          <a:pPr rtl="0">
+            <a:defRPr b="1"/>
+          </a:pPr>
+          <a:r>
+            <a:rPr lang="de-DE" sz="1600" b="1" noProof="0" dirty="0">
+              <a:solidFill>
+                <a:schemeClr val="tx1">
+                  <a:lumMod val="65000"/>
+                  <a:lumOff val="35000"/>
+                </a:schemeClr>
+              </a:solidFill>
+            </a:rPr>
+            <a:t>Q4</a:t>
+          </a:r>
+          <a:br>
+            <a:rPr lang="de-DE" sz="1100" noProof="0" dirty="0">
+              <a:solidFill>
+                <a:schemeClr val="tx1">
+                  <a:lumMod val="65000"/>
+                  <a:lumOff val="35000"/>
+                </a:schemeClr>
+              </a:solidFill>
+            </a:rPr>
+          </a:br>
+          <a:r>
+            <a:rPr lang="de-DE" sz="1100" noProof="0" dirty="0">
+              <a:solidFill>
+                <a:schemeClr val="tx1">
+                  <a:lumMod val="65000"/>
+                  <a:lumOff val="35000"/>
+                </a:schemeClr>
+              </a:solidFill>
+            </a:rPr>
+            <a:t>20JJ</a:t>
+          </a:r>
+        </a:p>
+      </dgm:t>
+    </dgm:pt>
+    <dgm:pt modelId="{45F6D312-A686-491E-95E3-EFB9640CC472}" type="parTrans" cxnId="{C8C7266C-2A0C-476A-85B3-F12BE2521F4C}">
+      <dgm:prSet/>
+      <dgm:spPr/>
+      <dgm:t>
+        <a:bodyPr rtlCol="0"/>
+        <a:lstStyle/>
+        <a:p>
+          <a:pPr rtl="0"/>
+          <a:endParaRPr lang="de-DE" noProof="0" dirty="0"/>
+        </a:p>
+      </dgm:t>
+    </dgm:pt>
+    <dgm:pt modelId="{AB2787E4-2A8B-428D-A4AE-2B14DCFFC4E7}" type="sibTrans" cxnId="{C8C7266C-2A0C-476A-85B3-F12BE2521F4C}">
+      <dgm:prSet/>
+      <dgm:spPr/>
+      <dgm:t>
+        <a:bodyPr rtlCol="0"/>
+        <a:lstStyle/>
+        <a:p>
+          <a:pPr rtl="0"/>
+          <a:endParaRPr lang="de-DE" noProof="0" dirty="0"/>
+        </a:p>
+      </dgm:t>
+    </dgm:pt>
+    <dgm:pt modelId="{2AEE5C11-34AE-4EB7-8907-9BED418EA471}">
+      <dgm:prSet/>
+      <dgm:spPr/>
+      <dgm:t>
+        <a:bodyPr rtlCol="0"/>
+        <a:lstStyle/>
+        <a:p>
+          <a:pPr rtl="0"/>
+          <a:r>
+            <a:rPr lang="de-DE" noProof="0" dirty="0">
+              <a:solidFill>
+                <a:schemeClr val="tx1">
+                  <a:lumMod val="65000"/>
+                  <a:lumOff val="35000"/>
+                </a:schemeClr>
+              </a:solidFill>
+            </a:rPr>
+            <a:t>MVC wird </a:t>
+          </a:r>
+          <a:br>
+            <a:rPr lang="de-DE" noProof="0" dirty="0">
+              <a:solidFill>
+                <a:schemeClr val="tx1">
+                  <a:lumMod val="65000"/>
+                  <a:lumOff val="35000"/>
+                </a:schemeClr>
+              </a:solidFill>
+            </a:rPr>
+          </a:br>
+          <a:r>
+            <a:rPr lang="de-DE" noProof="0" dirty="0">
+              <a:solidFill>
+                <a:schemeClr val="tx1">
+                  <a:lumMod val="65000"/>
+                  <a:lumOff val="35000"/>
+                </a:schemeClr>
+              </a:solidFill>
+            </a:rPr>
+            <a:t>in allen Märkten gestartet</a:t>
+          </a:r>
+        </a:p>
+      </dgm:t>
+    </dgm:pt>
+    <dgm:pt modelId="{2E14AD1F-C7EA-45AE-ADC0-0EE92A6516CB}" type="parTrans" cxnId="{DD687B5C-28C8-4088-99B8-D375C5FDAE4A}">
+      <dgm:prSet/>
+      <dgm:spPr/>
+      <dgm:t>
+        <a:bodyPr rtlCol="0"/>
+        <a:lstStyle/>
+        <a:p>
+          <a:pPr rtl="0"/>
+          <a:endParaRPr lang="de-DE" noProof="0" dirty="0"/>
+        </a:p>
+      </dgm:t>
+    </dgm:pt>
+    <dgm:pt modelId="{F36FDDA0-6B91-47CB-8114-B6F076E55FC8}" type="sibTrans" cxnId="{DD687B5C-28C8-4088-99B8-D375C5FDAE4A}">
+      <dgm:prSet/>
+      <dgm:spPr/>
+      <dgm:t>
+        <a:bodyPr rtlCol="0"/>
+        <a:lstStyle/>
+        <a:p>
+          <a:pPr rtl="0"/>
+          <a:endParaRPr lang="de-DE" noProof="0" dirty="0"/>
+        </a:p>
+      </dgm:t>
+    </dgm:pt>
+    <dgm:pt modelId="{A2560FD2-F12F-4A06-A96F-B86674952111}">
+      <dgm:prSet/>
+      <dgm:spPr/>
+      <dgm:t>
+        <a:bodyPr rtlCol="0"/>
+        <a:lstStyle/>
+        <a:p>
+          <a:pPr rtl="0">
+            <a:defRPr b="1"/>
+          </a:pPr>
+          <a:r>
+            <a:rPr lang="de-DE" b="0" i="1" noProof="0" dirty="0">
+              <a:solidFill>
+                <a:schemeClr val="tx1">
+                  <a:lumMod val="65000"/>
+                  <a:lumOff val="35000"/>
+                </a:schemeClr>
+              </a:solidFill>
+            </a:rPr>
+            <a:t>500 Abonnenten</a:t>
+          </a:r>
+        </a:p>
+      </dgm:t>
+    </dgm:pt>
+    <dgm:pt modelId="{96173659-138A-4A00-AE0B-9063EA9393A6}" type="parTrans" cxnId="{F9D8B584-9399-4A2B-8ADC-F71293A4822C}">
+      <dgm:prSet/>
+      <dgm:spPr/>
+      <dgm:t>
+        <a:bodyPr rtlCol="0"/>
+        <a:lstStyle/>
+        <a:p>
+          <a:pPr rtl="0"/>
+          <a:endParaRPr lang="de-DE" noProof="0" dirty="0"/>
+        </a:p>
+      </dgm:t>
+    </dgm:pt>
+    <dgm:pt modelId="{D3C3BC3F-2256-4FBC-AFA5-0D035E3EACD7}" type="sibTrans" cxnId="{F9D8B584-9399-4A2B-8ADC-F71293A4822C}">
+      <dgm:prSet/>
+      <dgm:spPr/>
+      <dgm:t>
+        <a:bodyPr rtlCol="0"/>
+        <a:lstStyle/>
+        <a:p>
+          <a:pPr rtl="0"/>
+          <a:endParaRPr lang="de-DE" noProof="0" dirty="0"/>
+        </a:p>
+      </dgm:t>
+    </dgm:pt>
+    <dgm:pt modelId="{683CC5F6-E9B5-49F2-909E-A68D38896308}">
+      <dgm:prSet/>
+      <dgm:spPr/>
+      <dgm:t>
+        <a:bodyPr rtlCol="0"/>
+        <a:lstStyle/>
+        <a:p>
+          <a:pPr rtl="0">
+            <a:defRPr b="1"/>
+          </a:pPr>
+          <a:r>
+            <a:rPr lang="de-DE" b="0" i="1" noProof="0" dirty="0">
+              <a:solidFill>
+                <a:schemeClr val="tx1">
+                  <a:lumMod val="65000"/>
+                  <a:lumOff val="35000"/>
+                </a:schemeClr>
+              </a:solidFill>
+            </a:rPr>
+            <a:t>200 Abonnenten</a:t>
+          </a:r>
+        </a:p>
+      </dgm:t>
+    </dgm:pt>
+    <dgm:pt modelId="{4C61DDEE-8BBF-4CBF-B066-7E60B6DF0A11}" type="sibTrans" cxnId="{59786CF9-070F-4821-A4E9-D33DB930D8D2}">
+      <dgm:prSet/>
+      <dgm:spPr/>
+      <dgm:t>
+        <a:bodyPr rtlCol="0"/>
+        <a:lstStyle/>
+        <a:p>
+          <a:pPr rtl="0"/>
+          <a:endParaRPr lang="de-DE" noProof="0" dirty="0"/>
+        </a:p>
+      </dgm:t>
+    </dgm:pt>
+    <dgm:pt modelId="{15BFC747-B881-4328-BFBE-9BC128388CC6}" type="parTrans" cxnId="{59786CF9-070F-4821-A4E9-D33DB930D8D2}">
+      <dgm:prSet/>
+      <dgm:spPr/>
+      <dgm:t>
+        <a:bodyPr rtlCol="0"/>
+        <a:lstStyle/>
+        <a:p>
+          <a:pPr rtl="0"/>
+          <a:endParaRPr lang="de-DE" noProof="0" dirty="0"/>
+        </a:p>
+      </dgm:t>
+    </dgm:pt>
+    <dgm:pt modelId="{4EA069F3-397F-40D5-94A6-32C3E355C277}">
+      <dgm:prSet/>
+      <dgm:spPr/>
+      <dgm:t>
+        <a:bodyPr rtlCol="0" anchor="t"/>
+        <a:lstStyle/>
+        <a:p>
+          <a:pPr rtl="0"/>
+          <a:r>
+            <a:rPr lang="de-DE" i="1" noProof="0" dirty="0">
+              <a:solidFill>
+                <a:schemeClr val="tx1">
+                  <a:lumMod val="65000"/>
+                  <a:lumOff val="35000"/>
+                </a:schemeClr>
+              </a:solidFill>
+            </a:rPr>
+            <a:t>Anfängliche</a:t>
+          </a:r>
+          <a:br>
+            <a:rPr lang="de-DE" i="1" noProof="0" dirty="0">
+              <a:solidFill>
+                <a:schemeClr val="tx1">
+                  <a:lumMod val="65000"/>
+                  <a:lumOff val="35000"/>
+                </a:schemeClr>
+              </a:solidFill>
+            </a:rPr>
+          </a:br>
+          <a:r>
+            <a:rPr lang="de-DE" i="1" noProof="0" dirty="0">
+              <a:solidFill>
+                <a:schemeClr val="tx1">
+                  <a:lumMod val="65000"/>
+                  <a:lumOff val="35000"/>
+                </a:schemeClr>
+              </a:solidFill>
+            </a:rPr>
+            <a:t>Abonnenten</a:t>
+          </a:r>
+        </a:p>
+      </dgm:t>
+    </dgm:pt>
+    <dgm:pt modelId="{2F99115B-608E-4E08-A503-B74879A76D07}" type="parTrans" cxnId="{BC5A70C8-9D97-4922-BCDB-6316D191C527}">
+      <dgm:prSet/>
+      <dgm:spPr/>
+      <dgm:t>
+        <a:bodyPr rtlCol="0"/>
+        <a:lstStyle/>
+        <a:p>
+          <a:pPr rtl="0"/>
+          <a:endParaRPr lang="de-DE" noProof="0" dirty="0"/>
+        </a:p>
+      </dgm:t>
+    </dgm:pt>
+    <dgm:pt modelId="{E94D5EF7-F47C-476C-A5FE-1C35261B578A}" type="sibTrans" cxnId="{BC5A70C8-9D97-4922-BCDB-6316D191C527}">
+      <dgm:prSet/>
+      <dgm:spPr/>
+      <dgm:t>
+        <a:bodyPr rtlCol="0"/>
+        <a:lstStyle/>
+        <a:p>
+          <a:pPr rtl="0"/>
+          <a:endParaRPr lang="de-DE" noProof="0" dirty="0"/>
+        </a:p>
+      </dgm:t>
+    </dgm:pt>
+    <dgm:pt modelId="{1E529C6E-C939-479A-A075-9E9B02837B50}">
+      <dgm:prSet/>
+      <dgm:spPr/>
+      <dgm:t>
+        <a:bodyPr rtlCol="0" anchor="b"/>
+        <a:lstStyle/>
+        <a:p>
+          <a:pPr rtl="0"/>
+          <a:r>
+            <a:rPr lang="de-DE" i="1" noProof="0" dirty="0">
+              <a:solidFill>
+                <a:schemeClr val="tx1">
+                  <a:lumMod val="65000"/>
+                  <a:lumOff val="35000"/>
+                </a:schemeClr>
+              </a:solidFill>
+            </a:rPr>
+            <a:t>Endgültige</a:t>
+          </a:r>
+          <a:br>
+            <a:rPr lang="de-DE" i="1" noProof="0" dirty="0">
+              <a:solidFill>
+                <a:schemeClr val="tx1">
+                  <a:lumMod val="65000"/>
+                  <a:lumOff val="35000"/>
+                </a:schemeClr>
+              </a:solidFill>
+            </a:rPr>
+          </a:br>
+          <a:r>
+            <a:rPr lang="de-DE" i="1" noProof="0" dirty="0">
+              <a:solidFill>
+                <a:schemeClr val="tx1">
+                  <a:lumMod val="65000"/>
+                  <a:lumOff val="35000"/>
+                </a:schemeClr>
+              </a:solidFill>
+            </a:rPr>
+            <a:t>Abonnenten</a:t>
+          </a:r>
+          <a:endParaRPr lang="de-DE" noProof="0" dirty="0">
+            <a:solidFill>
+              <a:schemeClr val="tx1">
+                <a:lumMod val="65000"/>
+                <a:lumOff val="35000"/>
+              </a:schemeClr>
+            </a:solidFill>
+          </a:endParaRPr>
+        </a:p>
+      </dgm:t>
+    </dgm:pt>
+    <dgm:pt modelId="{46B3C017-F97A-4640-992A-33AEE06B2EFC}" type="parTrans" cxnId="{99746BB5-7122-43B8-8680-CF610F03585C}">
+      <dgm:prSet/>
+      <dgm:spPr/>
+      <dgm:t>
+        <a:bodyPr rtlCol="0"/>
+        <a:lstStyle/>
+        <a:p>
+          <a:pPr rtl="0"/>
+          <a:endParaRPr lang="de-DE" noProof="0" dirty="0"/>
+        </a:p>
+      </dgm:t>
+    </dgm:pt>
+    <dgm:pt modelId="{192E80CB-2667-481C-8244-6EC4AEED1BC2}" type="sibTrans" cxnId="{99746BB5-7122-43B8-8680-CF610F03585C}">
+      <dgm:prSet/>
+      <dgm:spPr/>
+      <dgm:t>
+        <a:bodyPr rtlCol="0"/>
+        <a:lstStyle/>
+        <a:p>
+          <a:pPr rtl="0"/>
+          <a:endParaRPr lang="de-DE" noProof="0" dirty="0"/>
+        </a:p>
+      </dgm:t>
+    </dgm:pt>
+    <dgm:pt modelId="{7A5D3400-AF5B-4297-8592-4C1EDB9D0973}" type="pres">
+      <dgm:prSet presAssocID="{63085546-7C7C-4B3E-ABEB-2669F1A65FB2}" presName="root" presStyleCnt="0">
+        <dgm:presLayoutVars>
+          <dgm:chMax/>
+          <dgm:chPref/>
+          <dgm:animLvl val="lvl"/>
+        </dgm:presLayoutVars>
+      </dgm:prSet>
+      <dgm:spPr/>
+    </dgm:pt>
+    <dgm:pt modelId="{BD204284-1F7C-4D58-BC79-8C2DEE7E9FAF}" type="pres">
+      <dgm:prSet presAssocID="{63085546-7C7C-4B3E-ABEB-2669F1A65FB2}" presName="divider" presStyleLbl="fgAcc1" presStyleIdx="0" presStyleCnt="7" custSzY="428624"/>
+      <dgm:spPr>
+        <a:prstGeom prst="homePlate">
+          <a:avLst/>
+        </a:prstGeom>
+        <a:gradFill rotWithShape="0">
+          <a:gsLst>
+            <a:gs pos="0">
+              <a:schemeClr val="bg1">
+                <a:lumMod val="95000"/>
+              </a:schemeClr>
+            </a:gs>
+            <a:gs pos="100000">
+              <a:schemeClr val="bg1">
+                <a:lumMod val="85000"/>
+              </a:schemeClr>
+            </a:gs>
+          </a:gsLst>
+          <a:lin ang="1200000" scaled="0"/>
+        </a:gradFill>
+        <a:ln w="12700" cap="flat" cmpd="sng" algn="ctr">
+          <a:noFill/>
+          <a:prstDash val="solid"/>
+          <a:miter lim="800000"/>
+          <a:tailEnd type="arrow" w="sm" len="sm"/>
+        </a:ln>
+        <a:effectLst/>
+      </dgm:spPr>
+    </dgm:pt>
+    <dgm:pt modelId="{46A6B157-7198-41C4-9D25-C4F8885F1B6F}" type="pres">
+      <dgm:prSet presAssocID="{63085546-7C7C-4B3E-ABEB-2669F1A65FB2}" presName="nodes" presStyleCnt="0">
+        <dgm:presLayoutVars>
+          <dgm:chMax/>
+          <dgm:chPref/>
+          <dgm:animLvl val="lvl"/>
+        </dgm:presLayoutVars>
+      </dgm:prSet>
+      <dgm:spPr/>
+    </dgm:pt>
+    <dgm:pt modelId="{578E6A06-6F61-48BD-9F1A-48E731D6E26D}" type="pres">
+      <dgm:prSet presAssocID="{9DCEA5FC-4640-45AF-B712-7A4FD94AEF0D}" presName="composite" presStyleCnt="0"/>
+      <dgm:spPr/>
+    </dgm:pt>
+    <dgm:pt modelId="{9F727168-E825-43C1-AF50-41E115F59C0C}" type="pres">
+      <dgm:prSet presAssocID="{9DCEA5FC-4640-45AF-B712-7A4FD94AEF0D}" presName="ConnectorPoint" presStyleLbl="lnNode1" presStyleIdx="0" presStyleCnt="6"/>
+      <dgm:spPr>
+        <a:solidFill>
+          <a:schemeClr val="accent1"/>
+        </a:solidFill>
+        <a:ln w="6350" cap="flat" cmpd="sng" algn="ctr">
+          <a:noFill/>
+          <a:prstDash val="solid"/>
+          <a:miter lim="800000"/>
+        </a:ln>
+        <a:effectLst/>
+      </dgm:spPr>
+    </dgm:pt>
+    <dgm:pt modelId="{0C380CA5-521A-4949-A022-450DA9C217F5}" type="pres">
+      <dgm:prSet presAssocID="{9DCEA5FC-4640-45AF-B712-7A4FD94AEF0D}" presName="DropPinPlaceHolder" presStyleCnt="0"/>
+      <dgm:spPr/>
+    </dgm:pt>
+    <dgm:pt modelId="{19EF924A-339B-436A-9151-9C7B0B0377B9}" type="pres">
+      <dgm:prSet presAssocID="{9DCEA5FC-4640-45AF-B712-7A4FD94AEF0D}" presName="DropPin" presStyleLbl="alignNode1" presStyleIdx="0" presStyleCnt="6"/>
+      <dgm:spPr>
+        <a:ln>
+          <a:noFill/>
+        </a:ln>
+      </dgm:spPr>
+    </dgm:pt>
+    <dgm:pt modelId="{846B4BA4-33F0-43CE-A60E-B95E195AD5A9}" type="pres">
+      <dgm:prSet presAssocID="{9DCEA5FC-4640-45AF-B712-7A4FD94AEF0D}" presName="Ellipse" presStyleLbl="fgAcc1" presStyleIdx="1" presStyleCnt="7"/>
+      <dgm:spPr>
+        <a:prstGeom prst="donut">
+          <a:avLst/>
+        </a:prstGeom>
+        <a:solidFill>
+          <a:schemeClr val="bg1"/>
+        </a:solidFill>
+        <a:ln w="12700" cap="flat" cmpd="sng" algn="ctr">
+          <a:noFill/>
+          <a:prstDash val="solid"/>
+          <a:miter lim="800000"/>
+        </a:ln>
+        <a:effectLst/>
+      </dgm:spPr>
+    </dgm:pt>
+    <dgm:pt modelId="{A782CF5D-A585-4990-846A-5EDBD19A9BDB}" type="pres">
+      <dgm:prSet presAssocID="{9DCEA5FC-4640-45AF-B712-7A4FD94AEF0D}" presName="L2TextContainer" presStyleLbl="revTx" presStyleIdx="0" presStyleCnt="12">
+        <dgm:presLayoutVars>
+          <dgm:bulletEnabled val="1"/>
+        </dgm:presLayoutVars>
+      </dgm:prSet>
+      <dgm:spPr/>
+    </dgm:pt>
+    <dgm:pt modelId="{85C50C56-6DC8-4C47-8DBC-4FD6B1554AA4}" type="pres">
+      <dgm:prSet presAssocID="{9DCEA5FC-4640-45AF-B712-7A4FD94AEF0D}" presName="L1TextContainer" presStyleLbl="revTx" presStyleIdx="1" presStyleCnt="12">
+        <dgm:presLayoutVars>
+          <dgm:chMax val="1"/>
+          <dgm:chPref val="1"/>
+          <dgm:bulletEnabled val="1"/>
+        </dgm:presLayoutVars>
+      </dgm:prSet>
+      <dgm:spPr/>
+    </dgm:pt>
+    <dgm:pt modelId="{4F322B1B-F357-4BCD-BF34-8A0D705A1CE7}" type="pres">
+      <dgm:prSet presAssocID="{9DCEA5FC-4640-45AF-B712-7A4FD94AEF0D}" presName="ConnectLine" presStyleLbl="sibTrans1D1" presStyleIdx="0" presStyleCnt="6"/>
+      <dgm:spPr>
+        <a:noFill/>
+        <a:ln w="3175" cap="flat" cmpd="sng" algn="ctr">
+          <a:solidFill>
+            <a:schemeClr val="bg1">
+              <a:lumMod val="85000"/>
+            </a:schemeClr>
+          </a:solidFill>
+          <a:prstDash val="solid"/>
+          <a:miter lim="800000"/>
+        </a:ln>
+        <a:effectLst/>
+      </dgm:spPr>
+    </dgm:pt>
+    <dgm:pt modelId="{9FF32B1E-94FD-475E-9959-8E0546070C5B}" type="pres">
+      <dgm:prSet presAssocID="{9DCEA5FC-4640-45AF-B712-7A4FD94AEF0D}" presName="EmptyPlaceHolder" presStyleCnt="0"/>
+      <dgm:spPr/>
+    </dgm:pt>
+    <dgm:pt modelId="{C9E000F5-B650-46EB-A3B0-FBA6593CE548}" type="pres">
+      <dgm:prSet presAssocID="{0A99745B-BB5C-49B3-A782-8DB57641F6C9}" presName="spaceBetweenRectangles" presStyleCnt="0"/>
+      <dgm:spPr/>
+    </dgm:pt>
+    <dgm:pt modelId="{64373A7D-C7A5-4C0C-9781-58743159539A}" type="pres">
+      <dgm:prSet presAssocID="{096A9AF0-0DAE-4EB3-B448-4501DA034F4A}" presName="composite" presStyleCnt="0"/>
+      <dgm:spPr/>
+    </dgm:pt>
+    <dgm:pt modelId="{B57996C3-16BE-4CEB-B9E2-6FFC42938F41}" type="pres">
+      <dgm:prSet presAssocID="{096A9AF0-0DAE-4EB3-B448-4501DA034F4A}" presName="ConnectorPoint" presStyleLbl="lnNode1" presStyleIdx="1" presStyleCnt="6"/>
+      <dgm:spPr>
+        <a:solidFill>
+          <a:schemeClr val="accent1">
+            <a:hueOff val="0"/>
+            <a:satOff val="0"/>
+            <a:lumOff val="0"/>
+            <a:alphaOff val="0"/>
+          </a:schemeClr>
+        </a:solidFill>
+        <a:ln w="6350" cap="flat" cmpd="sng" algn="ctr">
+          <a:noFill/>
+          <a:prstDash val="solid"/>
+          <a:miter lim="800000"/>
+        </a:ln>
+        <a:effectLst/>
+      </dgm:spPr>
+    </dgm:pt>
+    <dgm:pt modelId="{BC71368F-DA7E-405D-93AC-3A6767BF9FC6}" type="pres">
+      <dgm:prSet presAssocID="{096A9AF0-0DAE-4EB3-B448-4501DA034F4A}" presName="DropPinPlaceHolder" presStyleCnt="0"/>
+      <dgm:spPr/>
+    </dgm:pt>
+    <dgm:pt modelId="{5B4632EA-1574-417A-A3FA-D711159FBAD1}" type="pres">
+      <dgm:prSet presAssocID="{096A9AF0-0DAE-4EB3-B448-4501DA034F4A}" presName="DropPin" presStyleLbl="alignNode1" presStyleIdx="1" presStyleCnt="6"/>
+      <dgm:spPr>
+        <a:ln>
+          <a:noFill/>
+        </a:ln>
+      </dgm:spPr>
+    </dgm:pt>
+    <dgm:pt modelId="{032E0966-F86B-4BBD-BE80-8FAB861AF0E8}" type="pres">
+      <dgm:prSet presAssocID="{096A9AF0-0DAE-4EB3-B448-4501DA034F4A}" presName="Ellipse" presStyleLbl="fgAcc1" presStyleIdx="2" presStyleCnt="7"/>
+      <dgm:spPr>
+        <a:prstGeom prst="donut">
+          <a:avLst/>
+        </a:prstGeom>
+        <a:solidFill>
+          <a:schemeClr val="lt1">
+            <a:hueOff val="0"/>
+            <a:satOff val="0"/>
+            <a:lumOff val="0"/>
+          </a:schemeClr>
+        </a:solidFill>
+        <a:ln w="12700" cap="flat" cmpd="sng" algn="ctr">
+          <a:noFill/>
+          <a:prstDash val="solid"/>
+          <a:miter lim="800000"/>
+        </a:ln>
+        <a:effectLst/>
+      </dgm:spPr>
+    </dgm:pt>
+    <dgm:pt modelId="{B608C5A1-CE9E-4410-9F2F-F714CC6AB069}" type="pres">
+      <dgm:prSet presAssocID="{096A9AF0-0DAE-4EB3-B448-4501DA034F4A}" presName="L2TextContainer" presStyleLbl="revTx" presStyleIdx="2" presStyleCnt="12">
+        <dgm:presLayoutVars>
+          <dgm:bulletEnabled val="1"/>
+        </dgm:presLayoutVars>
+      </dgm:prSet>
+      <dgm:spPr/>
+    </dgm:pt>
+    <dgm:pt modelId="{C1E34084-406C-48D5-88FE-7226282DBC49}" type="pres">
+      <dgm:prSet presAssocID="{096A9AF0-0DAE-4EB3-B448-4501DA034F4A}" presName="L1TextContainer" presStyleLbl="revTx" presStyleIdx="3" presStyleCnt="12">
+        <dgm:presLayoutVars>
+          <dgm:chMax val="1"/>
+          <dgm:chPref val="1"/>
+          <dgm:bulletEnabled val="1"/>
+        </dgm:presLayoutVars>
+      </dgm:prSet>
+      <dgm:spPr/>
+    </dgm:pt>
+    <dgm:pt modelId="{33168228-1414-4AAF-B7E5-C08A80BBB2F1}" type="pres">
+      <dgm:prSet presAssocID="{096A9AF0-0DAE-4EB3-B448-4501DA034F4A}" presName="ConnectLine" presStyleLbl="sibTrans1D1" presStyleIdx="1" presStyleCnt="6"/>
+      <dgm:spPr>
+        <a:xfrm>
+          <a:off x="1843314" y="2690813"/>
+          <a:ext cx="0" cy="1592961"/>
+        </a:xfrm>
+        <a:prstGeom prst="line">
+          <a:avLst/>
+        </a:prstGeom>
+        <a:noFill/>
+        <a:ln w="3175" cap="flat" cmpd="sng" algn="ctr">
+          <a:solidFill>
+            <a:prstClr val="white">
+              <a:lumMod val="85000"/>
+            </a:prstClr>
+          </a:solidFill>
+          <a:prstDash val="solid"/>
+          <a:miter lim="800000"/>
+        </a:ln>
+        <a:effectLst/>
+      </dgm:spPr>
+    </dgm:pt>
+    <dgm:pt modelId="{C791BCDD-76D3-4E0E-98B9-0C4903CF0E94}" type="pres">
+      <dgm:prSet presAssocID="{096A9AF0-0DAE-4EB3-B448-4501DA034F4A}" presName="EmptyPlaceHolder" presStyleCnt="0"/>
+      <dgm:spPr/>
+    </dgm:pt>
+    <dgm:pt modelId="{3B1DA912-FDB7-4F73-8823-B30C56F7DE86}" type="pres">
+      <dgm:prSet presAssocID="{6B0D7DA9-E6ED-4137-9716-F48BF62327A8}" presName="spaceBetweenRectangles" presStyleCnt="0"/>
+      <dgm:spPr/>
+    </dgm:pt>
+    <dgm:pt modelId="{DCEEC7C0-6CAC-4153-B66A-D920E3B7F504}" type="pres">
+      <dgm:prSet presAssocID="{683CC5F6-E9B5-49F2-909E-A68D38896308}" presName="composite" presStyleCnt="0"/>
+      <dgm:spPr/>
+    </dgm:pt>
+    <dgm:pt modelId="{56361E50-9FEC-48AD-A369-C1A8379B35EC}" type="pres">
+      <dgm:prSet presAssocID="{683CC5F6-E9B5-49F2-909E-A68D38896308}" presName="ConnectorPoint" presStyleLbl="lnNode1" presStyleIdx="2" presStyleCnt="6"/>
+      <dgm:spPr>
+        <a:solidFill>
+          <a:schemeClr val="accent3"/>
+        </a:solidFill>
+        <a:ln w="6350" cap="flat" cmpd="sng" algn="ctr">
+          <a:noFill/>
+          <a:prstDash val="solid"/>
+          <a:miter lim="800000"/>
+        </a:ln>
+        <a:effectLst/>
+      </dgm:spPr>
+    </dgm:pt>
+    <dgm:pt modelId="{70AC7E27-D774-4261-A80F-683BBD09A81D}" type="pres">
+      <dgm:prSet presAssocID="{683CC5F6-E9B5-49F2-909E-A68D38896308}" presName="DropPinPlaceHolder" presStyleCnt="0"/>
+      <dgm:spPr/>
+    </dgm:pt>
+    <dgm:pt modelId="{7BC09B8D-1C75-4604-9F35-AEC078447C45}" type="pres">
+      <dgm:prSet presAssocID="{683CC5F6-E9B5-49F2-909E-A68D38896308}" presName="DropPin" presStyleLbl="alignNode1" presStyleIdx="2" presStyleCnt="6"/>
+      <dgm:spPr>
+        <a:prstGeom prst="ellipse">
+          <a:avLst/>
+        </a:prstGeom>
+        <a:solidFill>
+          <a:schemeClr val="accent3"/>
+        </a:solidFill>
+        <a:ln>
+          <a:noFill/>
+        </a:ln>
+      </dgm:spPr>
+    </dgm:pt>
+    <dgm:pt modelId="{DFE91A1F-E910-48AB-A4C9-128002268483}" type="pres">
+      <dgm:prSet presAssocID="{683CC5F6-E9B5-49F2-909E-A68D38896308}" presName="Ellipse" presStyleLbl="fgAcc1" presStyleIdx="3" presStyleCnt="7"/>
+      <dgm:spPr>
+        <a:prstGeom prst="star12">
+          <a:avLst/>
+        </a:prstGeom>
+        <a:solidFill>
+          <a:schemeClr val="lt1">
+            <a:hueOff val="0"/>
+            <a:satOff val="0"/>
+            <a:lumOff val="0"/>
+          </a:schemeClr>
+        </a:solidFill>
+        <a:ln w="12700" cap="flat" cmpd="sng" algn="ctr">
+          <a:noFill/>
+          <a:prstDash val="solid"/>
+          <a:miter lim="800000"/>
+        </a:ln>
+        <a:effectLst/>
+      </dgm:spPr>
+    </dgm:pt>
+    <dgm:pt modelId="{FC8603F2-85FC-4134-978C-4054E468209C}" type="pres">
+      <dgm:prSet presAssocID="{683CC5F6-E9B5-49F2-909E-A68D38896308}" presName="L2TextContainer" presStyleLbl="revTx" presStyleIdx="4" presStyleCnt="12">
+        <dgm:presLayoutVars>
+          <dgm:bulletEnabled val="1"/>
+        </dgm:presLayoutVars>
+      </dgm:prSet>
+      <dgm:spPr/>
+    </dgm:pt>
+    <dgm:pt modelId="{4EB3AA5C-1289-44C6-9F3E-859ABA28E18F}" type="pres">
+      <dgm:prSet presAssocID="{683CC5F6-E9B5-49F2-909E-A68D38896308}" presName="L1TextContainer" presStyleLbl="revTx" presStyleIdx="5" presStyleCnt="12">
+        <dgm:presLayoutVars>
+          <dgm:chMax val="1"/>
+          <dgm:chPref val="1"/>
+          <dgm:bulletEnabled val="1"/>
+        </dgm:presLayoutVars>
+      </dgm:prSet>
+      <dgm:spPr/>
+    </dgm:pt>
+    <dgm:pt modelId="{0BB03C0E-97EC-4D66-9B09-35D689DAB28C}" type="pres">
+      <dgm:prSet presAssocID="{683CC5F6-E9B5-49F2-909E-A68D38896308}" presName="ConnectLine" presStyleLbl="sibTrans1D1" presStyleIdx="2" presStyleCnt="6"/>
+      <dgm:spPr>
+        <a:noFill/>
+        <a:ln w="114300" cap="rnd" cmpd="sng" algn="ctr">
+          <a:solidFill>
+            <a:schemeClr val="bg1">
+              <a:lumMod val="95000"/>
+            </a:schemeClr>
+          </a:solidFill>
+          <a:prstDash val="sysDot"/>
+          <a:round/>
+        </a:ln>
+        <a:effectLst/>
+      </dgm:spPr>
+    </dgm:pt>
+    <dgm:pt modelId="{1A7A92CB-81F0-42D4-87BF-4008DEFA9CA8}" type="pres">
+      <dgm:prSet presAssocID="{683CC5F6-E9B5-49F2-909E-A68D38896308}" presName="EmptyPlaceHolder" presStyleCnt="0"/>
+      <dgm:spPr/>
+    </dgm:pt>
+    <dgm:pt modelId="{ABE3202B-256B-4398-8B41-CB40EDB06266}" type="pres">
+      <dgm:prSet presAssocID="{4C61DDEE-8BBF-4CBF-B066-7E60B6DF0A11}" presName="spaceBetweenRectangles" presStyleCnt="0"/>
+      <dgm:spPr/>
+    </dgm:pt>
+    <dgm:pt modelId="{B744CD57-FD23-4E62-9589-4CAC57B034E9}" type="pres">
+      <dgm:prSet presAssocID="{CA6B1BA0-B2FC-48AD-8EDA-F4AAA4AF2782}" presName="composite" presStyleCnt="0"/>
+      <dgm:spPr/>
+    </dgm:pt>
+    <dgm:pt modelId="{D891B168-1DA5-4124-931F-A51FCB8EFC11}" type="pres">
+      <dgm:prSet presAssocID="{CA6B1BA0-B2FC-48AD-8EDA-F4AAA4AF2782}" presName="ConnectorPoint" presStyleLbl="lnNode1" presStyleIdx="3" presStyleCnt="6"/>
+      <dgm:spPr>
+        <a:solidFill>
+          <a:schemeClr val="accent1">
+            <a:hueOff val="0"/>
+            <a:satOff val="0"/>
+            <a:lumOff val="0"/>
+            <a:alphaOff val="0"/>
+          </a:schemeClr>
+        </a:solidFill>
+        <a:ln w="6350" cap="flat" cmpd="sng" algn="ctr">
+          <a:noFill/>
+          <a:prstDash val="solid"/>
+          <a:miter lim="800000"/>
+        </a:ln>
+        <a:effectLst/>
+      </dgm:spPr>
+    </dgm:pt>
+    <dgm:pt modelId="{42206762-CD73-4F82-B16A-D168E2503215}" type="pres">
+      <dgm:prSet presAssocID="{CA6B1BA0-B2FC-48AD-8EDA-F4AAA4AF2782}" presName="DropPinPlaceHolder" presStyleCnt="0"/>
+      <dgm:spPr/>
+    </dgm:pt>
+    <dgm:pt modelId="{C0DBECBF-E3AA-450B-95D4-8349AA21B4F8}" type="pres">
+      <dgm:prSet presAssocID="{CA6B1BA0-B2FC-48AD-8EDA-F4AAA4AF2782}" presName="DropPin" presStyleLbl="alignNode1" presStyleIdx="3" presStyleCnt="6"/>
+      <dgm:spPr>
+        <a:ln>
+          <a:noFill/>
+        </a:ln>
+      </dgm:spPr>
+    </dgm:pt>
+    <dgm:pt modelId="{6EDDD44C-F5E4-49AD-B1D9-346B8B8AEE8F}" type="pres">
+      <dgm:prSet presAssocID="{CA6B1BA0-B2FC-48AD-8EDA-F4AAA4AF2782}" presName="Ellipse" presStyleLbl="fgAcc1" presStyleIdx="4" presStyleCnt="7"/>
+      <dgm:spPr>
+        <a:prstGeom prst="donut">
+          <a:avLst/>
+        </a:prstGeom>
+        <a:solidFill>
+          <a:schemeClr val="lt1">
+            <a:hueOff val="0"/>
+            <a:satOff val="0"/>
+            <a:lumOff val="0"/>
+          </a:schemeClr>
+        </a:solidFill>
+        <a:ln w="12700" cap="flat" cmpd="sng" algn="ctr">
+          <a:noFill/>
+          <a:prstDash val="solid"/>
+          <a:miter lim="800000"/>
+        </a:ln>
+        <a:effectLst/>
+      </dgm:spPr>
+    </dgm:pt>
+    <dgm:pt modelId="{FE564261-183D-47F9-8E7E-BCFC5023A815}" type="pres">
+      <dgm:prSet presAssocID="{CA6B1BA0-B2FC-48AD-8EDA-F4AAA4AF2782}" presName="L2TextContainer" presStyleLbl="revTx" presStyleIdx="6" presStyleCnt="12">
+        <dgm:presLayoutVars>
+          <dgm:bulletEnabled val="1"/>
+        </dgm:presLayoutVars>
+      </dgm:prSet>
+      <dgm:spPr/>
+    </dgm:pt>
+    <dgm:pt modelId="{3DA36ABE-9810-4ED4-9A55-2905E7588D06}" type="pres">
+      <dgm:prSet presAssocID="{CA6B1BA0-B2FC-48AD-8EDA-F4AAA4AF2782}" presName="L1TextContainer" presStyleLbl="revTx" presStyleIdx="7" presStyleCnt="12">
+        <dgm:presLayoutVars>
+          <dgm:chMax val="1"/>
+          <dgm:chPref val="1"/>
+          <dgm:bulletEnabled val="1"/>
+        </dgm:presLayoutVars>
+      </dgm:prSet>
+      <dgm:spPr/>
+    </dgm:pt>
+    <dgm:pt modelId="{4B9F5909-A57C-4893-9C8A-D5960FE9BE37}" type="pres">
+      <dgm:prSet presAssocID="{CA6B1BA0-B2FC-48AD-8EDA-F4AAA4AF2782}" presName="ConnectLine" presStyleLbl="sibTrans1D1" presStyleIdx="3" presStyleCnt="6"/>
+      <dgm:spPr>
+        <a:xfrm>
+          <a:off x="4960678" y="2690813"/>
+          <a:ext cx="0" cy="1592961"/>
+        </a:xfrm>
+        <a:prstGeom prst="line">
+          <a:avLst/>
+        </a:prstGeom>
+        <a:noFill/>
+        <a:ln w="3175" cap="flat" cmpd="sng" algn="ctr">
+          <a:solidFill>
+            <a:prstClr val="white">
+              <a:lumMod val="85000"/>
+            </a:prstClr>
+          </a:solidFill>
+          <a:prstDash val="solid"/>
+          <a:miter lim="800000"/>
+        </a:ln>
+        <a:effectLst/>
+      </dgm:spPr>
+    </dgm:pt>
+    <dgm:pt modelId="{DEDCEF89-DB8F-4197-B2D2-2D39426E0B96}" type="pres">
+      <dgm:prSet presAssocID="{CA6B1BA0-B2FC-48AD-8EDA-F4AAA4AF2782}" presName="EmptyPlaceHolder" presStyleCnt="0"/>
+      <dgm:spPr/>
+    </dgm:pt>
+    <dgm:pt modelId="{4A96FD2F-C127-41DC-AA54-1EEBED6BA483}" type="pres">
+      <dgm:prSet presAssocID="{39FB540D-D808-4040-9A37-0AC474C0212F}" presName="spaceBetweenRectangles" presStyleCnt="0"/>
+      <dgm:spPr/>
+    </dgm:pt>
+    <dgm:pt modelId="{A1AE2BC4-A99C-4DD3-A84D-EB3461D18287}" type="pres">
+      <dgm:prSet presAssocID="{212ADAAB-D5CB-4BBC-8DAF-7340FD334994}" presName="composite" presStyleCnt="0"/>
+      <dgm:spPr/>
+    </dgm:pt>
+    <dgm:pt modelId="{278CF1E0-B1C4-4B10-A5EC-FD7EF0557E2D}" type="pres">
+      <dgm:prSet presAssocID="{212ADAAB-D5CB-4BBC-8DAF-7340FD334994}" presName="ConnectorPoint" presStyleLbl="lnNode1" presStyleIdx="4" presStyleCnt="6"/>
+      <dgm:spPr>
+        <a:solidFill>
+          <a:schemeClr val="accent1">
+            <a:hueOff val="0"/>
+            <a:satOff val="0"/>
+            <a:lumOff val="0"/>
+            <a:alphaOff val="0"/>
+          </a:schemeClr>
+        </a:solidFill>
+        <a:ln w="6350" cap="flat" cmpd="sng" algn="ctr">
+          <a:noFill/>
+          <a:prstDash val="solid"/>
+          <a:miter lim="800000"/>
+        </a:ln>
+        <a:effectLst/>
+      </dgm:spPr>
+    </dgm:pt>
+    <dgm:pt modelId="{27B65FB4-BE6A-41E6-BBE9-8DC9F7B73486}" type="pres">
+      <dgm:prSet presAssocID="{212ADAAB-D5CB-4BBC-8DAF-7340FD334994}" presName="DropPinPlaceHolder" presStyleCnt="0"/>
+      <dgm:spPr/>
+    </dgm:pt>
+    <dgm:pt modelId="{488CC4C6-DFBC-460C-A9ED-BEDA8CC682D4}" type="pres">
+      <dgm:prSet presAssocID="{212ADAAB-D5CB-4BBC-8DAF-7340FD334994}" presName="DropPin" presStyleLbl="alignNode1" presStyleIdx="4" presStyleCnt="6"/>
+      <dgm:spPr>
+        <a:ln>
+          <a:noFill/>
+        </a:ln>
+      </dgm:spPr>
+    </dgm:pt>
+    <dgm:pt modelId="{48CA82DA-B677-461B-A08D-337683480059}" type="pres">
+      <dgm:prSet presAssocID="{212ADAAB-D5CB-4BBC-8DAF-7340FD334994}" presName="Ellipse" presStyleLbl="fgAcc1" presStyleIdx="5" presStyleCnt="7"/>
+      <dgm:spPr>
+        <a:prstGeom prst="donut">
+          <a:avLst/>
+        </a:prstGeom>
+        <a:solidFill>
+          <a:schemeClr val="lt1">
+            <a:hueOff val="0"/>
+            <a:satOff val="0"/>
+            <a:lumOff val="0"/>
+          </a:schemeClr>
+        </a:solidFill>
+        <a:ln w="12700" cap="flat" cmpd="sng" algn="ctr">
+          <a:noFill/>
+          <a:prstDash val="solid"/>
+          <a:miter lim="800000"/>
+        </a:ln>
+        <a:effectLst/>
+      </dgm:spPr>
+    </dgm:pt>
+    <dgm:pt modelId="{D1646913-A3FA-4470-A3E9-C64B0A13A62A}" type="pres">
+      <dgm:prSet presAssocID="{212ADAAB-D5CB-4BBC-8DAF-7340FD334994}" presName="L2TextContainer" presStyleLbl="revTx" presStyleIdx="8" presStyleCnt="12">
+        <dgm:presLayoutVars>
+          <dgm:bulletEnabled val="1"/>
+        </dgm:presLayoutVars>
+      </dgm:prSet>
+      <dgm:spPr/>
+    </dgm:pt>
+    <dgm:pt modelId="{6EC2FC68-E1B8-4274-8090-C2C96A4CD82C}" type="pres">
+      <dgm:prSet presAssocID="{212ADAAB-D5CB-4BBC-8DAF-7340FD334994}" presName="L1TextContainer" presStyleLbl="revTx" presStyleIdx="9" presStyleCnt="12">
+        <dgm:presLayoutVars>
+          <dgm:chMax val="1"/>
+          <dgm:chPref val="1"/>
+          <dgm:bulletEnabled val="1"/>
+        </dgm:presLayoutVars>
+      </dgm:prSet>
+      <dgm:spPr/>
+    </dgm:pt>
+    <dgm:pt modelId="{4F41BF23-550C-4E7F-977E-3D22E3AF7B51}" type="pres">
+      <dgm:prSet presAssocID="{212ADAAB-D5CB-4BBC-8DAF-7340FD334994}" presName="ConnectLine" presStyleLbl="sibTrans1D1" presStyleIdx="4" presStyleCnt="6"/>
+      <dgm:spPr>
+        <a:xfrm>
+          <a:off x="6519360" y="1097851"/>
+          <a:ext cx="0" cy="1592961"/>
+        </a:xfrm>
+        <a:prstGeom prst="line">
+          <a:avLst/>
+        </a:prstGeom>
+        <a:noFill/>
+        <a:ln w="3175" cap="flat" cmpd="sng" algn="ctr">
+          <a:solidFill>
+            <a:prstClr val="white">
+              <a:lumMod val="85000"/>
+            </a:prstClr>
+          </a:solidFill>
+          <a:prstDash val="solid"/>
+          <a:miter lim="800000"/>
+        </a:ln>
+        <a:effectLst/>
+      </dgm:spPr>
+    </dgm:pt>
+    <dgm:pt modelId="{5018695D-CFD4-49F8-8967-BA8A0C0A0DE1}" type="pres">
+      <dgm:prSet presAssocID="{212ADAAB-D5CB-4BBC-8DAF-7340FD334994}" presName="EmptyPlaceHolder" presStyleCnt="0"/>
+      <dgm:spPr/>
+    </dgm:pt>
+    <dgm:pt modelId="{61EA613E-57A8-485F-A4A9-29037092E83A}" type="pres">
+      <dgm:prSet presAssocID="{AB2787E4-2A8B-428D-A4AE-2B14DCFFC4E7}" presName="spaceBetweenRectangles" presStyleCnt="0"/>
+      <dgm:spPr/>
+    </dgm:pt>
+    <dgm:pt modelId="{0F3B3032-C16A-44EB-AE28-CB7C1D797D2B}" type="pres">
+      <dgm:prSet presAssocID="{A2560FD2-F12F-4A06-A96F-B86674952111}" presName="composite" presStyleCnt="0"/>
+      <dgm:spPr/>
+    </dgm:pt>
+    <dgm:pt modelId="{A64C6D16-2F77-439A-848A-F1081C5E5CBE}" type="pres">
+      <dgm:prSet presAssocID="{A2560FD2-F12F-4A06-A96F-B86674952111}" presName="ConnectorPoint" presStyleLbl="lnNode1" presStyleIdx="5" presStyleCnt="6"/>
+      <dgm:spPr>
+        <a:solidFill>
+          <a:schemeClr val="accent3"/>
+        </a:solidFill>
+        <a:ln w="6350" cap="flat" cmpd="sng" algn="ctr">
+          <a:noFill/>
+          <a:prstDash val="solid"/>
+          <a:miter lim="800000"/>
+        </a:ln>
+        <a:effectLst/>
+      </dgm:spPr>
+    </dgm:pt>
+    <dgm:pt modelId="{8EFC6EAF-71E5-48C3-9F69-6FB96640B14F}" type="pres">
+      <dgm:prSet presAssocID="{A2560FD2-F12F-4A06-A96F-B86674952111}" presName="DropPinPlaceHolder" presStyleCnt="0"/>
+      <dgm:spPr/>
+    </dgm:pt>
+    <dgm:pt modelId="{73F98938-B973-410F-B6E0-43437FA146E6}" type="pres">
+      <dgm:prSet presAssocID="{A2560FD2-F12F-4A06-A96F-B86674952111}" presName="DropPin" presStyleLbl="alignNode1" presStyleIdx="5" presStyleCnt="6"/>
+      <dgm:spPr>
+        <a:prstGeom prst="ellipse">
+          <a:avLst/>
+        </a:prstGeom>
+        <a:solidFill>
+          <a:schemeClr val="accent3"/>
+        </a:solidFill>
+        <a:ln>
+          <a:noFill/>
+        </a:ln>
+      </dgm:spPr>
+    </dgm:pt>
+    <dgm:pt modelId="{26BE64BD-02BC-4C6F-AC50-F9617E59754D}" type="pres">
+      <dgm:prSet presAssocID="{A2560FD2-F12F-4A06-A96F-B86674952111}" presName="Ellipse" presStyleLbl="fgAcc1" presStyleIdx="6" presStyleCnt="7"/>
+      <dgm:spPr>
+        <a:prstGeom prst="star12">
+          <a:avLst/>
+        </a:prstGeom>
+        <a:solidFill>
+          <a:schemeClr val="lt1">
+            <a:hueOff val="0"/>
+            <a:satOff val="0"/>
+            <a:lumOff val="0"/>
+          </a:schemeClr>
+        </a:solidFill>
+        <a:ln w="12700" cap="flat" cmpd="sng" algn="ctr">
+          <a:noFill/>
+          <a:prstDash val="solid"/>
+          <a:miter lim="800000"/>
+        </a:ln>
+        <a:effectLst/>
+      </dgm:spPr>
+    </dgm:pt>
+    <dgm:pt modelId="{5C5070CD-E29E-4F50-9A43-342A2DE968FF}" type="pres">
+      <dgm:prSet presAssocID="{A2560FD2-F12F-4A06-A96F-B86674952111}" presName="L2TextContainer" presStyleLbl="revTx" presStyleIdx="10" presStyleCnt="12">
+        <dgm:presLayoutVars>
+          <dgm:bulletEnabled val="1"/>
+        </dgm:presLayoutVars>
+      </dgm:prSet>
+      <dgm:spPr/>
+    </dgm:pt>
+    <dgm:pt modelId="{6FED4196-A0D3-4E5C-83DA-99291A8FFFC3}" type="pres">
+      <dgm:prSet presAssocID="{A2560FD2-F12F-4A06-A96F-B86674952111}" presName="L1TextContainer" presStyleLbl="revTx" presStyleIdx="11" presStyleCnt="12">
+        <dgm:presLayoutVars>
+          <dgm:chMax val="1"/>
+          <dgm:chPref val="1"/>
+          <dgm:bulletEnabled val="1"/>
+        </dgm:presLayoutVars>
+      </dgm:prSet>
+      <dgm:spPr/>
+    </dgm:pt>
+    <dgm:pt modelId="{54DE4918-169B-4E9C-B946-44A9D45AEC94}" type="pres">
+      <dgm:prSet presAssocID="{A2560FD2-F12F-4A06-A96F-B86674952111}" presName="ConnectLine" presStyleLbl="sibTrans1D1" presStyleIdx="5" presStyleCnt="6"/>
+      <dgm:spPr>
+        <a:xfrm>
+          <a:off x="8078042" y="2690813"/>
+          <a:ext cx="0" cy="1592961"/>
+        </a:xfrm>
+        <a:prstGeom prst="line">
+          <a:avLst/>
+        </a:prstGeom>
+        <a:noFill/>
+        <a:ln w="114300" cap="rnd" cmpd="sng" algn="ctr">
+          <a:solidFill>
+            <a:prstClr val="white">
+              <a:lumMod val="95000"/>
+            </a:prstClr>
+          </a:solidFill>
+          <a:prstDash val="sysDot"/>
+          <a:round/>
+        </a:ln>
+        <a:effectLst/>
+      </dgm:spPr>
+    </dgm:pt>
+    <dgm:pt modelId="{75F2030E-997B-4809-B3F1-AEF48EEEDB2B}" type="pres">
+      <dgm:prSet presAssocID="{A2560FD2-F12F-4A06-A96F-B86674952111}" presName="EmptyPlaceHolder" presStyleCnt="0"/>
+      <dgm:spPr/>
+    </dgm:pt>
+  </dgm:ptLst>
+  <dgm:cxnLst>
+    <dgm:cxn modelId="{2FC11007-01BB-470D-9422-1671E01275CE}" type="presOf" srcId="{A2560FD2-F12F-4A06-A96F-B86674952111}" destId="{6FED4196-A0D3-4E5C-83DA-99291A8FFFC3}" srcOrd="0" destOrd="0" presId="urn:microsoft.com/office/officeart/2017/3/layout/DropPinTimeline"/>
+    <dgm:cxn modelId="{2F02861A-3FDC-4C2B-B724-282D5914D85A}" type="presOf" srcId="{212ADAAB-D5CB-4BBC-8DAF-7340FD334994}" destId="{6EC2FC68-E1B8-4274-8090-C2C96A4CD82C}" srcOrd="0" destOrd="0" presId="urn:microsoft.com/office/officeart/2017/3/layout/DropPinTimeline"/>
+    <dgm:cxn modelId="{146C3436-7349-460D-8FAF-B5C22B68A41F}" type="presOf" srcId="{CA6B1BA0-B2FC-48AD-8EDA-F4AAA4AF2782}" destId="{3DA36ABE-9810-4ED4-9A55-2905E7588D06}" srcOrd="0" destOrd="0" presId="urn:microsoft.com/office/officeart/2017/3/layout/DropPinTimeline"/>
+    <dgm:cxn modelId="{991E153C-2D4A-4089-A3BB-23D6CF24990F}" type="presOf" srcId="{683CC5F6-E9B5-49F2-909E-A68D38896308}" destId="{4EB3AA5C-1289-44C6-9F3E-859ABA28E18F}" srcOrd="0" destOrd="0" presId="urn:microsoft.com/office/officeart/2017/3/layout/DropPinTimeline"/>
+    <dgm:cxn modelId="{39A11E5C-7A57-4117-A6DF-36000C29509C}" srcId="{9DCEA5FC-4640-45AF-B712-7A4FD94AEF0D}" destId="{831701CF-77C7-46C0-A913-8CC39517BAB8}" srcOrd="0" destOrd="0" parTransId="{13FBC60D-3EA6-4496-BA97-C1AE8C7F8961}" sibTransId="{75156CDF-E17B-4DAD-AE37-EA44D7F37090}"/>
+    <dgm:cxn modelId="{DD687B5C-28C8-4088-99B8-D375C5FDAE4A}" srcId="{212ADAAB-D5CB-4BBC-8DAF-7340FD334994}" destId="{2AEE5C11-34AE-4EB7-8907-9BED418EA471}" srcOrd="0" destOrd="0" parTransId="{2E14AD1F-C7EA-45AE-ADC0-0EE92A6516CB}" sibTransId="{F36FDDA0-6B91-47CB-8114-B6F076E55FC8}"/>
+    <dgm:cxn modelId="{E4469D45-E897-415B-A682-716414212B34}" type="presOf" srcId="{1E529C6E-C939-479A-A075-9E9B02837B50}" destId="{5C5070CD-E29E-4F50-9A43-342A2DE968FF}" srcOrd="0" destOrd="0" presId="urn:microsoft.com/office/officeart/2017/3/layout/DropPinTimeline"/>
+    <dgm:cxn modelId="{DBD99269-D7F7-4B47-B17B-A5AE402751D9}" srcId="{63085546-7C7C-4B3E-ABEB-2669F1A65FB2}" destId="{9DCEA5FC-4640-45AF-B712-7A4FD94AEF0D}" srcOrd="0" destOrd="0" parTransId="{929A5FD9-0612-4B79-9B59-C3C36D34A069}" sibTransId="{0A99745B-BB5C-49B3-A782-8DB57641F6C9}"/>
+    <dgm:cxn modelId="{C8C7266C-2A0C-476A-85B3-F12BE2521F4C}" srcId="{63085546-7C7C-4B3E-ABEB-2669F1A65FB2}" destId="{212ADAAB-D5CB-4BBC-8DAF-7340FD334994}" srcOrd="4" destOrd="0" parTransId="{45F6D312-A686-491E-95E3-EFB9640CC472}" sibTransId="{AB2787E4-2A8B-428D-A4AE-2B14DCFFC4E7}"/>
+    <dgm:cxn modelId="{2841EC4D-F3DC-4972-B897-89C9EA062B26}" type="presOf" srcId="{92921081-529B-4D1C-83A4-C416BB4C5224}" destId="{B608C5A1-CE9E-4410-9F2F-F714CC6AB069}" srcOrd="0" destOrd="0" presId="urn:microsoft.com/office/officeart/2017/3/layout/DropPinTimeline"/>
+    <dgm:cxn modelId="{3C15AF51-54A6-4ED0-824A-52A4CE5468AB}" type="presOf" srcId="{2AEE5C11-34AE-4EB7-8907-9BED418EA471}" destId="{D1646913-A3FA-4470-A3E9-C64B0A13A62A}" srcOrd="0" destOrd="0" presId="urn:microsoft.com/office/officeart/2017/3/layout/DropPinTimeline"/>
+    <dgm:cxn modelId="{24A8F052-3377-4BA4-8C62-CCF5039C85D7}" srcId="{CA6B1BA0-B2FC-48AD-8EDA-F4AAA4AF2782}" destId="{3CB04A44-4013-4CA7-90FD-29AFC3C15E37}" srcOrd="0" destOrd="0" parTransId="{ECEE936A-E3CC-4209-BECC-1CD0C85A2B72}" sibTransId="{D7A8F7A0-47A3-4464-B3B7-E0806DF46627}"/>
+    <dgm:cxn modelId="{601FA375-B804-4895-B969-A3CE7B37C85C}" type="presOf" srcId="{096A9AF0-0DAE-4EB3-B448-4501DA034F4A}" destId="{C1E34084-406C-48D5-88FE-7226282DBC49}" srcOrd="0" destOrd="0" presId="urn:microsoft.com/office/officeart/2017/3/layout/DropPinTimeline"/>
+    <dgm:cxn modelId="{F83DF077-A6DE-4B8C-A62E-2FB10C7306B7}" type="presOf" srcId="{4EA069F3-397F-40D5-94A6-32C3E355C277}" destId="{FC8603F2-85FC-4134-978C-4054E468209C}" srcOrd="0" destOrd="0" presId="urn:microsoft.com/office/officeart/2017/3/layout/DropPinTimeline"/>
+    <dgm:cxn modelId="{761E4B58-8AA0-4EE9-9827-01A0CA5D8AAC}" type="presOf" srcId="{9DCEA5FC-4640-45AF-B712-7A4FD94AEF0D}" destId="{85C50C56-6DC8-4C47-8DBC-4FD6B1554AA4}" srcOrd="0" destOrd="0" presId="urn:microsoft.com/office/officeart/2017/3/layout/DropPinTimeline"/>
+    <dgm:cxn modelId="{B05C4C7C-FEB8-4825-98A0-C38D3021918A}" srcId="{096A9AF0-0DAE-4EB3-B448-4501DA034F4A}" destId="{92921081-529B-4D1C-83A4-C416BB4C5224}" srcOrd="0" destOrd="0" parTransId="{5AD2C2F8-A1D7-469B-93D8-B578BEFE51F8}" sibTransId="{ECC13403-1F53-4ED4-AE4F-334EEC7C8710}"/>
+    <dgm:cxn modelId="{2802187F-7EB3-49BE-9C62-E8F8F0567AFB}" type="presOf" srcId="{3CB04A44-4013-4CA7-90FD-29AFC3C15E37}" destId="{FE564261-183D-47F9-8E7E-BCFC5023A815}" srcOrd="0" destOrd="0" presId="urn:microsoft.com/office/officeart/2017/3/layout/DropPinTimeline"/>
+    <dgm:cxn modelId="{F9D8B584-9399-4A2B-8ADC-F71293A4822C}" srcId="{63085546-7C7C-4B3E-ABEB-2669F1A65FB2}" destId="{A2560FD2-F12F-4A06-A96F-B86674952111}" srcOrd="5" destOrd="0" parTransId="{96173659-138A-4A00-AE0B-9063EA9393A6}" sibTransId="{D3C3BC3F-2256-4FBC-AFA5-0D035E3EACD7}"/>
+    <dgm:cxn modelId="{247DE591-0579-4FF5-9C62-940C4F67096B}" type="presOf" srcId="{63085546-7C7C-4B3E-ABEB-2669F1A65FB2}" destId="{7A5D3400-AF5B-4297-8592-4C1EDB9D0973}" srcOrd="0" destOrd="0" presId="urn:microsoft.com/office/officeart/2017/3/layout/DropPinTimeline"/>
+    <dgm:cxn modelId="{F16073A4-7F3E-4CB9-8FB4-14646A5FA672}" type="presOf" srcId="{831701CF-77C7-46C0-A913-8CC39517BAB8}" destId="{A782CF5D-A585-4990-846A-5EDBD19A9BDB}" srcOrd="0" destOrd="0" presId="urn:microsoft.com/office/officeart/2017/3/layout/DropPinTimeline"/>
+    <dgm:cxn modelId="{99746BB5-7122-43B8-8680-CF610F03585C}" srcId="{A2560FD2-F12F-4A06-A96F-B86674952111}" destId="{1E529C6E-C939-479A-A075-9E9B02837B50}" srcOrd="0" destOrd="0" parTransId="{46B3C017-F97A-4640-992A-33AEE06B2EFC}" sibTransId="{192E80CB-2667-481C-8244-6EC4AEED1BC2}"/>
+    <dgm:cxn modelId="{CA0753BD-DB60-4D68-8486-5B376B839B26}" srcId="{63085546-7C7C-4B3E-ABEB-2669F1A65FB2}" destId="{096A9AF0-0DAE-4EB3-B448-4501DA034F4A}" srcOrd="1" destOrd="0" parTransId="{8CE6ABD6-768E-42C8-9029-C3B5F278B21C}" sibTransId="{6B0D7DA9-E6ED-4137-9716-F48BF62327A8}"/>
+    <dgm:cxn modelId="{BC5A70C8-9D97-4922-BCDB-6316D191C527}" srcId="{683CC5F6-E9B5-49F2-909E-A68D38896308}" destId="{4EA069F3-397F-40D5-94A6-32C3E355C277}" srcOrd="0" destOrd="0" parTransId="{2F99115B-608E-4E08-A503-B74879A76D07}" sibTransId="{E94D5EF7-F47C-476C-A5FE-1C35261B578A}"/>
+    <dgm:cxn modelId="{CD6B6EE8-3813-4EF1-BFEC-C005A3326D63}" srcId="{63085546-7C7C-4B3E-ABEB-2669F1A65FB2}" destId="{CA6B1BA0-B2FC-48AD-8EDA-F4AAA4AF2782}" srcOrd="3" destOrd="0" parTransId="{D7D3AA07-BCB9-4212-A556-E90870FB1413}" sibTransId="{39FB540D-D808-4040-9A37-0AC474C0212F}"/>
+    <dgm:cxn modelId="{59786CF9-070F-4821-A4E9-D33DB930D8D2}" srcId="{63085546-7C7C-4B3E-ABEB-2669F1A65FB2}" destId="{683CC5F6-E9B5-49F2-909E-A68D38896308}" srcOrd="2" destOrd="0" parTransId="{15BFC747-B881-4328-BFBE-9BC128388CC6}" sibTransId="{4C61DDEE-8BBF-4CBF-B066-7E60B6DF0A11}"/>
+    <dgm:cxn modelId="{DA6A51DB-6C18-400B-9DA5-E8330852483B}" type="presParOf" srcId="{7A5D3400-AF5B-4297-8592-4C1EDB9D0973}" destId="{BD204284-1F7C-4D58-BC79-8C2DEE7E9FAF}" srcOrd="0" destOrd="0" presId="urn:microsoft.com/office/officeart/2017/3/layout/DropPinTimeline"/>
+    <dgm:cxn modelId="{B682209A-D180-4D3D-A7FE-3FF4623AAAC8}" type="presParOf" srcId="{7A5D3400-AF5B-4297-8592-4C1EDB9D0973}" destId="{46A6B157-7198-41C4-9D25-C4F8885F1B6F}" srcOrd="1" destOrd="0" presId="urn:microsoft.com/office/officeart/2017/3/layout/DropPinTimeline"/>
+    <dgm:cxn modelId="{4CF30FDC-8EA5-4C55-A240-DA99543AE3C6}" type="presParOf" srcId="{46A6B157-7198-41C4-9D25-C4F8885F1B6F}" destId="{578E6A06-6F61-48BD-9F1A-48E731D6E26D}" srcOrd="0" destOrd="0" presId="urn:microsoft.com/office/officeart/2017/3/layout/DropPinTimeline"/>
+    <dgm:cxn modelId="{7F06BCA7-F8E6-43B5-AEBF-3EA16A460043}" type="presParOf" srcId="{578E6A06-6F61-48BD-9F1A-48E731D6E26D}" destId="{9F727168-E825-43C1-AF50-41E115F59C0C}" srcOrd="0" destOrd="0" presId="urn:microsoft.com/office/officeart/2017/3/layout/DropPinTimeline"/>
+    <dgm:cxn modelId="{39550BBA-C07C-435F-AE58-6A3869656E8F}" type="presParOf" srcId="{578E6A06-6F61-48BD-9F1A-48E731D6E26D}" destId="{0C380CA5-521A-4949-A022-450DA9C217F5}" srcOrd="1" destOrd="0" presId="urn:microsoft.com/office/officeart/2017/3/layout/DropPinTimeline"/>
+    <dgm:cxn modelId="{50FAF036-8C4F-4AB4-964E-F6C0C8E1B366}" type="presParOf" srcId="{0C380CA5-521A-4949-A022-450DA9C217F5}" destId="{19EF924A-339B-436A-9151-9C7B0B0377B9}" srcOrd="0" destOrd="0" presId="urn:microsoft.com/office/officeart/2017/3/layout/DropPinTimeline"/>
+    <dgm:cxn modelId="{FEF6FDFF-AC95-4350-940F-FC375C454173}" type="presParOf" srcId="{0C380CA5-521A-4949-A022-450DA9C217F5}" destId="{846B4BA4-33F0-43CE-A60E-B95E195AD5A9}" srcOrd="1" destOrd="0" presId="urn:microsoft.com/office/officeart/2017/3/layout/DropPinTimeline"/>
+    <dgm:cxn modelId="{86FB1E3B-8C27-43E3-9CFC-6B9AD5B19723}" type="presParOf" srcId="{578E6A06-6F61-48BD-9F1A-48E731D6E26D}" destId="{A782CF5D-A585-4990-846A-5EDBD19A9BDB}" srcOrd="2" destOrd="0" presId="urn:microsoft.com/office/officeart/2017/3/layout/DropPinTimeline"/>
+    <dgm:cxn modelId="{A2AA414F-7DC4-4250-B21D-62866A63C6BC}" type="presParOf" srcId="{578E6A06-6F61-48BD-9F1A-48E731D6E26D}" destId="{85C50C56-6DC8-4C47-8DBC-4FD6B1554AA4}" srcOrd="3" destOrd="0" presId="urn:microsoft.com/office/officeart/2017/3/layout/DropPinTimeline"/>
+    <dgm:cxn modelId="{AEEA7548-3D0E-4A32-8C4A-EEFE5745C7DF}" type="presParOf" srcId="{578E6A06-6F61-48BD-9F1A-48E731D6E26D}" destId="{4F322B1B-F357-4BCD-BF34-8A0D705A1CE7}" srcOrd="4" destOrd="0" presId="urn:microsoft.com/office/officeart/2017/3/layout/DropPinTimeline"/>
+    <dgm:cxn modelId="{7AB3159E-92F2-4399-AE36-6211AADC42EA}" type="presParOf" srcId="{578E6A06-6F61-48BD-9F1A-48E731D6E26D}" destId="{9FF32B1E-94FD-475E-9959-8E0546070C5B}" srcOrd="5" destOrd="0" presId="urn:microsoft.com/office/officeart/2017/3/layout/DropPinTimeline"/>
+    <dgm:cxn modelId="{CAD3EAEA-2806-4987-BD88-048D89C54CF1}" type="presParOf" srcId="{46A6B157-7198-41C4-9D25-C4F8885F1B6F}" destId="{C9E000F5-B650-46EB-A3B0-FBA6593CE548}" srcOrd="1" destOrd="0" presId="urn:microsoft.com/office/officeart/2017/3/layout/DropPinTimeline"/>
+    <dgm:cxn modelId="{5EA5B657-7F2F-44E2-B1DD-0B3ECBD1E99D}" type="presParOf" srcId="{46A6B157-7198-41C4-9D25-C4F8885F1B6F}" destId="{64373A7D-C7A5-4C0C-9781-58743159539A}" srcOrd="2" destOrd="0" presId="urn:microsoft.com/office/officeart/2017/3/layout/DropPinTimeline"/>
+    <dgm:cxn modelId="{14BAE908-5010-418B-B10F-E0EF3644818C}" type="presParOf" srcId="{64373A7D-C7A5-4C0C-9781-58743159539A}" destId="{B57996C3-16BE-4CEB-B9E2-6FFC42938F41}" srcOrd="0" destOrd="0" presId="urn:microsoft.com/office/officeart/2017/3/layout/DropPinTimeline"/>
+    <dgm:cxn modelId="{6EE799C9-2ACE-448A-B9B4-1F0BFCC5494D}" type="presParOf" srcId="{64373A7D-C7A5-4C0C-9781-58743159539A}" destId="{BC71368F-DA7E-405D-93AC-3A6767BF9FC6}" srcOrd="1" destOrd="0" presId="urn:microsoft.com/office/officeart/2017/3/layout/DropPinTimeline"/>
+    <dgm:cxn modelId="{59CC3372-0972-45A9-AB2E-167939969C7E}" type="presParOf" srcId="{BC71368F-DA7E-405D-93AC-3A6767BF9FC6}" destId="{5B4632EA-1574-417A-A3FA-D711159FBAD1}" srcOrd="0" destOrd="0" presId="urn:microsoft.com/office/officeart/2017/3/layout/DropPinTimeline"/>
+    <dgm:cxn modelId="{1BF47519-9E4E-4BB0-BCBA-A5961FF9A6CD}" type="presParOf" srcId="{BC71368F-DA7E-405D-93AC-3A6767BF9FC6}" destId="{032E0966-F86B-4BBD-BE80-8FAB861AF0E8}" srcOrd="1" destOrd="0" presId="urn:microsoft.com/office/officeart/2017/3/layout/DropPinTimeline"/>
+    <dgm:cxn modelId="{882EEBD2-110A-4990-8880-616C578449B7}" type="presParOf" srcId="{64373A7D-C7A5-4C0C-9781-58743159539A}" destId="{B608C5A1-CE9E-4410-9F2F-F714CC6AB069}" srcOrd="2" destOrd="0" presId="urn:microsoft.com/office/officeart/2017/3/layout/DropPinTimeline"/>
+    <dgm:cxn modelId="{E5F82FBD-2B6D-4121-BACE-4D1B9A91EC66}" type="presParOf" srcId="{64373A7D-C7A5-4C0C-9781-58743159539A}" destId="{C1E34084-406C-48D5-88FE-7226282DBC49}" srcOrd="3" destOrd="0" presId="urn:microsoft.com/office/officeart/2017/3/layout/DropPinTimeline"/>
+    <dgm:cxn modelId="{B94D7E38-E5D7-44D5-B33C-E3A0C78F3780}" type="presParOf" srcId="{64373A7D-C7A5-4C0C-9781-58743159539A}" destId="{33168228-1414-4AAF-B7E5-C08A80BBB2F1}" srcOrd="4" destOrd="0" presId="urn:microsoft.com/office/officeart/2017/3/layout/DropPinTimeline"/>
+    <dgm:cxn modelId="{397EE9F0-39A3-4A02-B678-70EBE6F9F893}" type="presParOf" srcId="{64373A7D-C7A5-4C0C-9781-58743159539A}" destId="{C791BCDD-76D3-4E0E-98B9-0C4903CF0E94}" srcOrd="5" destOrd="0" presId="urn:microsoft.com/office/officeart/2017/3/layout/DropPinTimeline"/>
+    <dgm:cxn modelId="{AD2F3FEC-DCA0-43DB-982D-903784448797}" type="presParOf" srcId="{46A6B157-7198-41C4-9D25-C4F8885F1B6F}" destId="{3B1DA912-FDB7-4F73-8823-B30C56F7DE86}" srcOrd="3" destOrd="0" presId="urn:microsoft.com/office/officeart/2017/3/layout/DropPinTimeline"/>
+    <dgm:cxn modelId="{51C3A01D-5793-42E1-B8B1-95C7AEB64581}" type="presParOf" srcId="{46A6B157-7198-41C4-9D25-C4F8885F1B6F}" destId="{DCEEC7C0-6CAC-4153-B66A-D920E3B7F504}" srcOrd="4" destOrd="0" presId="urn:microsoft.com/office/officeart/2017/3/layout/DropPinTimeline"/>
+    <dgm:cxn modelId="{86D426D3-DE4C-4BB4-8C09-D2C63BD51E4E}" type="presParOf" srcId="{DCEEC7C0-6CAC-4153-B66A-D920E3B7F504}" destId="{56361E50-9FEC-48AD-A369-C1A8379B35EC}" srcOrd="0" destOrd="0" presId="urn:microsoft.com/office/officeart/2017/3/layout/DropPinTimeline"/>
+    <dgm:cxn modelId="{02CD6C3F-E995-471C-94FB-C0D54B4842D5}" type="presParOf" srcId="{DCEEC7C0-6CAC-4153-B66A-D920E3B7F504}" destId="{70AC7E27-D774-4261-A80F-683BBD09A81D}" srcOrd="1" destOrd="0" presId="urn:microsoft.com/office/officeart/2017/3/layout/DropPinTimeline"/>
+    <dgm:cxn modelId="{5CF11FCC-C23E-454E-AC1E-DFD67727D7CD}" type="presParOf" srcId="{70AC7E27-D774-4261-A80F-683BBD09A81D}" destId="{7BC09B8D-1C75-4604-9F35-AEC078447C45}" srcOrd="0" destOrd="0" presId="urn:microsoft.com/office/officeart/2017/3/layout/DropPinTimeline"/>
+    <dgm:cxn modelId="{F5089ADD-33C1-472D-BAF2-91B6652DF1A9}" type="presParOf" srcId="{70AC7E27-D774-4261-A80F-683BBD09A81D}" destId="{DFE91A1F-E910-48AB-A4C9-128002268483}" srcOrd="1" destOrd="0" presId="urn:microsoft.com/office/officeart/2017/3/layout/DropPinTimeline"/>
+    <dgm:cxn modelId="{FD943790-5411-4A3B-924D-4403B21626BA}" type="presParOf" srcId="{DCEEC7C0-6CAC-4153-B66A-D920E3B7F504}" destId="{FC8603F2-85FC-4134-978C-4054E468209C}" srcOrd="2" destOrd="0" presId="urn:microsoft.com/office/officeart/2017/3/layout/DropPinTimeline"/>
+    <dgm:cxn modelId="{D5E16DB1-0EBE-490A-BD7E-FD19274E6A38}" type="presParOf" srcId="{DCEEC7C0-6CAC-4153-B66A-D920E3B7F504}" destId="{4EB3AA5C-1289-44C6-9F3E-859ABA28E18F}" srcOrd="3" destOrd="0" presId="urn:microsoft.com/office/officeart/2017/3/layout/DropPinTimeline"/>
+    <dgm:cxn modelId="{8DE5DA9E-2AA7-43F7-8DD5-E5ECEF772101}" type="presParOf" srcId="{DCEEC7C0-6CAC-4153-B66A-D920E3B7F504}" destId="{0BB03C0E-97EC-4D66-9B09-35D689DAB28C}" srcOrd="4" destOrd="0" presId="urn:microsoft.com/office/officeart/2017/3/layout/DropPinTimeline"/>
+    <dgm:cxn modelId="{DA57C1DD-192D-489A-BBC9-D9ACA01A09F2}" type="presParOf" srcId="{DCEEC7C0-6CAC-4153-B66A-D920E3B7F504}" destId="{1A7A92CB-81F0-42D4-87BF-4008DEFA9CA8}" srcOrd="5" destOrd="0" presId="urn:microsoft.com/office/officeart/2017/3/layout/DropPinTimeline"/>
+    <dgm:cxn modelId="{7E5E61DA-CACE-4FC7-A295-A50C9FA0159E}" type="presParOf" srcId="{46A6B157-7198-41C4-9D25-C4F8885F1B6F}" destId="{ABE3202B-256B-4398-8B41-CB40EDB06266}" srcOrd="5" destOrd="0" presId="urn:microsoft.com/office/officeart/2017/3/layout/DropPinTimeline"/>
+    <dgm:cxn modelId="{07DA9BDD-D756-4F29-80E5-7856AC99F270}" type="presParOf" srcId="{46A6B157-7198-41C4-9D25-C4F8885F1B6F}" destId="{B744CD57-FD23-4E62-9589-4CAC57B034E9}" srcOrd="6" destOrd="0" presId="urn:microsoft.com/office/officeart/2017/3/layout/DropPinTimeline"/>
+    <dgm:cxn modelId="{A54741C0-57CC-4443-9EC5-35B27EE5E879}" type="presParOf" srcId="{B744CD57-FD23-4E62-9589-4CAC57B034E9}" destId="{D891B168-1DA5-4124-931F-A51FCB8EFC11}" srcOrd="0" destOrd="0" presId="urn:microsoft.com/office/officeart/2017/3/layout/DropPinTimeline"/>
+    <dgm:cxn modelId="{44B3C3FE-C503-4088-9594-FF6526E19BF3}" type="presParOf" srcId="{B744CD57-FD23-4E62-9589-4CAC57B034E9}" destId="{42206762-CD73-4F82-B16A-D168E2503215}" srcOrd="1" destOrd="0" presId="urn:microsoft.com/office/officeart/2017/3/layout/DropPinTimeline"/>
+    <dgm:cxn modelId="{239B9997-909E-499F-90E5-95A977AC216C}" type="presParOf" srcId="{42206762-CD73-4F82-B16A-D168E2503215}" destId="{C0DBECBF-E3AA-450B-95D4-8349AA21B4F8}" srcOrd="0" destOrd="0" presId="urn:microsoft.com/office/officeart/2017/3/layout/DropPinTimeline"/>
+    <dgm:cxn modelId="{913BA6FA-228D-4434-8839-0BBC563346A1}" type="presParOf" srcId="{42206762-CD73-4F82-B16A-D168E2503215}" destId="{6EDDD44C-F5E4-49AD-B1D9-346B8B8AEE8F}" srcOrd="1" destOrd="0" presId="urn:microsoft.com/office/officeart/2017/3/layout/DropPinTimeline"/>
+    <dgm:cxn modelId="{81CB2C61-6B70-4A51-ACCE-DD65EFE72264}" type="presParOf" srcId="{B744CD57-FD23-4E62-9589-4CAC57B034E9}" destId="{FE564261-183D-47F9-8E7E-BCFC5023A815}" srcOrd="2" destOrd="0" presId="urn:microsoft.com/office/officeart/2017/3/layout/DropPinTimeline"/>
+    <dgm:cxn modelId="{0D94F868-59F8-4671-9038-53D01D6C70F0}" type="presParOf" srcId="{B744CD57-FD23-4E62-9589-4CAC57B034E9}" destId="{3DA36ABE-9810-4ED4-9A55-2905E7588D06}" srcOrd="3" destOrd="0" presId="urn:microsoft.com/office/officeart/2017/3/layout/DropPinTimeline"/>
+    <dgm:cxn modelId="{A0A095FA-FAD3-4861-A220-140A889CB7D8}" type="presParOf" srcId="{B744CD57-FD23-4E62-9589-4CAC57B034E9}" destId="{4B9F5909-A57C-4893-9C8A-D5960FE9BE37}" srcOrd="4" destOrd="0" presId="urn:microsoft.com/office/officeart/2017/3/layout/DropPinTimeline"/>
+    <dgm:cxn modelId="{8FFFA548-0EFE-4476-B5A5-95CB32500074}" type="presParOf" srcId="{B744CD57-FD23-4E62-9589-4CAC57B034E9}" destId="{DEDCEF89-DB8F-4197-B2D2-2D39426E0B96}" srcOrd="5" destOrd="0" presId="urn:microsoft.com/office/officeart/2017/3/layout/DropPinTimeline"/>
+    <dgm:cxn modelId="{D7A836E4-E400-4ED7-ABF3-88920F3B86D1}" type="presParOf" srcId="{46A6B157-7198-41C4-9D25-C4F8885F1B6F}" destId="{4A96FD2F-C127-41DC-AA54-1EEBED6BA483}" srcOrd="7" destOrd="0" presId="urn:microsoft.com/office/officeart/2017/3/layout/DropPinTimeline"/>
+    <dgm:cxn modelId="{2E35C8AB-C54E-4DE6-98F2-126D8B12CA35}" type="presParOf" srcId="{46A6B157-7198-41C4-9D25-C4F8885F1B6F}" destId="{A1AE2BC4-A99C-4DD3-A84D-EB3461D18287}" srcOrd="8" destOrd="0" presId="urn:microsoft.com/office/officeart/2017/3/layout/DropPinTimeline"/>
+    <dgm:cxn modelId="{AC45CECB-C5CF-4E80-98D8-0844891DC577}" type="presParOf" srcId="{A1AE2BC4-A99C-4DD3-A84D-EB3461D18287}" destId="{278CF1E0-B1C4-4B10-A5EC-FD7EF0557E2D}" srcOrd="0" destOrd="0" presId="urn:microsoft.com/office/officeart/2017/3/layout/DropPinTimeline"/>
+    <dgm:cxn modelId="{FAC5196A-0FF0-48C2-A8D5-A327A9296F37}" type="presParOf" srcId="{A1AE2BC4-A99C-4DD3-A84D-EB3461D18287}" destId="{27B65FB4-BE6A-41E6-BBE9-8DC9F7B73486}" srcOrd="1" destOrd="0" presId="urn:microsoft.com/office/officeart/2017/3/layout/DropPinTimeline"/>
+    <dgm:cxn modelId="{6506C7DF-695E-463E-9F7A-076AACE839A3}" type="presParOf" srcId="{27B65FB4-BE6A-41E6-BBE9-8DC9F7B73486}" destId="{488CC4C6-DFBC-460C-A9ED-BEDA8CC682D4}" srcOrd="0" destOrd="0" presId="urn:microsoft.com/office/officeart/2017/3/layout/DropPinTimeline"/>
+    <dgm:cxn modelId="{BB2EC07F-9382-4ADC-B58A-370E51165161}" type="presParOf" srcId="{27B65FB4-BE6A-41E6-BBE9-8DC9F7B73486}" destId="{48CA82DA-B677-461B-A08D-337683480059}" srcOrd="1" destOrd="0" presId="urn:microsoft.com/office/officeart/2017/3/layout/DropPinTimeline"/>
+    <dgm:cxn modelId="{D2C7B1A6-CF92-4104-85AF-7ED69E77FB2E}" type="presParOf" srcId="{A1AE2BC4-A99C-4DD3-A84D-EB3461D18287}" destId="{D1646913-A3FA-4470-A3E9-C64B0A13A62A}" srcOrd="2" destOrd="0" presId="urn:microsoft.com/office/officeart/2017/3/layout/DropPinTimeline"/>
+    <dgm:cxn modelId="{6DFB5DDF-069E-470A-9D51-14C2EEBAEAB6}" type="presParOf" srcId="{A1AE2BC4-A99C-4DD3-A84D-EB3461D18287}" destId="{6EC2FC68-E1B8-4274-8090-C2C96A4CD82C}" srcOrd="3" destOrd="0" presId="urn:microsoft.com/office/officeart/2017/3/layout/DropPinTimeline"/>
+    <dgm:cxn modelId="{E13030DA-BCC9-42B5-90A4-C1245E765FC8}" type="presParOf" srcId="{A1AE2BC4-A99C-4DD3-A84D-EB3461D18287}" destId="{4F41BF23-550C-4E7F-977E-3D22E3AF7B51}" srcOrd="4" destOrd="0" presId="urn:microsoft.com/office/officeart/2017/3/layout/DropPinTimeline"/>
+    <dgm:cxn modelId="{5DC7870F-4614-4A72-AB7A-994AF1F8A4DE}" type="presParOf" srcId="{A1AE2BC4-A99C-4DD3-A84D-EB3461D18287}" destId="{5018695D-CFD4-49F8-8967-BA8A0C0A0DE1}" srcOrd="5" destOrd="0" presId="urn:microsoft.com/office/officeart/2017/3/layout/DropPinTimeline"/>
+    <dgm:cxn modelId="{39DED560-FDC7-4A20-BA37-B726CE3DBE1E}" type="presParOf" srcId="{46A6B157-7198-41C4-9D25-C4F8885F1B6F}" destId="{61EA613E-57A8-485F-A4A9-29037092E83A}" srcOrd="9" destOrd="0" presId="urn:microsoft.com/office/officeart/2017/3/layout/DropPinTimeline"/>
+    <dgm:cxn modelId="{54E41EA0-9E87-40EF-B950-CD0D02632A5E}" type="presParOf" srcId="{46A6B157-7198-41C4-9D25-C4F8885F1B6F}" destId="{0F3B3032-C16A-44EB-AE28-CB7C1D797D2B}" srcOrd="10" destOrd="0" presId="urn:microsoft.com/office/officeart/2017/3/layout/DropPinTimeline"/>
+    <dgm:cxn modelId="{1942FCC2-B760-454F-8ED4-284B5F0D173F}" type="presParOf" srcId="{0F3B3032-C16A-44EB-AE28-CB7C1D797D2B}" destId="{A64C6D16-2F77-439A-848A-F1081C5E5CBE}" srcOrd="0" destOrd="0" presId="urn:microsoft.com/office/officeart/2017/3/layout/DropPinTimeline"/>
+    <dgm:cxn modelId="{AC143F48-BF04-4D0E-89BA-960F2ABBD0BF}" type="presParOf" srcId="{0F3B3032-C16A-44EB-AE28-CB7C1D797D2B}" destId="{8EFC6EAF-71E5-48C3-9F69-6FB96640B14F}" srcOrd="1" destOrd="0" presId="urn:microsoft.com/office/officeart/2017/3/layout/DropPinTimeline"/>
+    <dgm:cxn modelId="{9D150C9C-5EFC-4A02-8C37-075CE44C91E1}" type="presParOf" srcId="{8EFC6EAF-71E5-48C3-9F69-6FB96640B14F}" destId="{73F98938-B973-410F-B6E0-43437FA146E6}" srcOrd="0" destOrd="0" presId="urn:microsoft.com/office/officeart/2017/3/layout/DropPinTimeline"/>
+    <dgm:cxn modelId="{64F7D1CF-1C75-4E99-9650-834BFE5A5694}" type="presParOf" srcId="{8EFC6EAF-71E5-48C3-9F69-6FB96640B14F}" destId="{26BE64BD-02BC-4C6F-AC50-F9617E59754D}" srcOrd="1" destOrd="0" presId="urn:microsoft.com/office/officeart/2017/3/layout/DropPinTimeline"/>
+    <dgm:cxn modelId="{C16907F7-D721-4CDC-AE06-6F5EE47FD277}" type="presParOf" srcId="{0F3B3032-C16A-44EB-AE28-CB7C1D797D2B}" destId="{5C5070CD-E29E-4F50-9A43-342A2DE968FF}" srcOrd="2" destOrd="0" presId="urn:microsoft.com/office/officeart/2017/3/layout/DropPinTimeline"/>
+    <dgm:cxn modelId="{CA8AB878-D5FF-4555-BB9A-8E6D1CC53290}" type="presParOf" srcId="{0F3B3032-C16A-44EB-AE28-CB7C1D797D2B}" destId="{6FED4196-A0D3-4E5C-83DA-99291A8FFFC3}" srcOrd="3" destOrd="0" presId="urn:microsoft.com/office/officeart/2017/3/layout/DropPinTimeline"/>
+    <dgm:cxn modelId="{55A40688-F4F2-41AC-A466-706C7C2D4FCF}" type="presParOf" srcId="{0F3B3032-C16A-44EB-AE28-CB7C1D797D2B}" destId="{54DE4918-169B-4E9C-B946-44A9D45AEC94}" srcOrd="4" destOrd="0" presId="urn:microsoft.com/office/officeart/2017/3/layout/DropPinTimeline"/>
+    <dgm:cxn modelId="{506414DA-3D19-4555-9698-F2128A0EF183}" type="presParOf" srcId="{0F3B3032-C16A-44EB-AE28-CB7C1D797D2B}" destId="{75F2030E-997B-4809-B3F1-AEF48EEEDB2B}" srcOrd="5" destOrd="0" presId="urn:microsoft.com/office/officeart/2017/3/layout/DropPinTimeline"/>
+  </dgm:cxnLst>
+  <dgm:bg/>
+  <dgm:whole>
+    <a:ln>
+      <a:noFill/>
+    </a:ln>
+  </dgm:whole>
+  <dgm:extLst>
+    <a:ext uri="http://schemas.microsoft.com/office/drawing/2008/diagram">
+      <dsp:dataModelExt xmlns:dsp="http://schemas.microsoft.com/office/drawing/2008/diagram" relId="rId7" minVer="http://schemas.openxmlformats.org/drawingml/2006/diagram"/>
+    </a:ext>
+  </dgm:extLst>
+</dgm:dataModel>
+</file>
+
+<file path=ppt/diagrams/drawing1.xml><?xml version="1.0" encoding="utf-8"?>
+<dsp:drawing xmlns:dgm="http://schemas.openxmlformats.org/drawingml/2006/diagram" xmlns:dsp="http://schemas.microsoft.com/office/drawing/2008/diagram" xmlns:a="http://schemas.openxmlformats.org/drawingml/2006/main">
+  <dsp:spTree>
+    <dsp:nvGrpSpPr>
+      <dsp:cNvPr id="0" name=""/>
+      <dsp:cNvGrpSpPr/>
+    </dsp:nvGrpSpPr>
+    <dsp:grpSpPr/>
+    <dsp:sp modelId="{BD204284-1F7C-4D58-BC79-8C2DEE7E9FAF}">
+      <dsp:nvSpPr>
+        <dsp:cNvPr id="0" name=""/>
+        <dsp:cNvSpPr/>
+      </dsp:nvSpPr>
+      <dsp:spPr>
+        <a:xfrm>
+          <a:off x="0" y="2476501"/>
+          <a:ext cx="10939605" cy="428624"/>
+        </a:xfrm>
+        <a:prstGeom prst="homePlate">
+          <a:avLst/>
+        </a:prstGeom>
+        <a:gradFill rotWithShape="0">
+          <a:gsLst>
+            <a:gs pos="0">
+              <a:schemeClr val="bg1">
+                <a:lumMod val="95000"/>
+              </a:schemeClr>
+            </a:gs>
+            <a:gs pos="100000">
+              <a:schemeClr val="bg1">
+                <a:lumMod val="85000"/>
+              </a:schemeClr>
+            </a:gs>
+          </a:gsLst>
+          <a:lin ang="1200000" scaled="0"/>
+        </a:gradFill>
+        <a:ln w="12700" cap="flat" cmpd="sng" algn="ctr">
+          <a:noFill/>
+          <a:prstDash val="solid"/>
+          <a:miter lim="800000"/>
+          <a:tailEnd type="arrow" w="sm" len="sm"/>
+        </a:ln>
+        <a:effectLst/>
+      </dsp:spPr>
+      <dsp:style>
+        <a:lnRef idx="2">
+          <a:scrgbClr r="0" g="0" b="0"/>
+        </a:lnRef>
+        <a:fillRef idx="1">
+          <a:scrgbClr r="0" g="0" b="0"/>
+        </a:fillRef>
+        <a:effectRef idx="0">
+          <a:scrgbClr r="0" g="0" b="0"/>
+        </a:effectRef>
+        <a:fontRef idx="minor"/>
+      </dsp:style>
+    </dsp:sp>
+    <dsp:sp modelId="{19EF924A-339B-436A-9151-9C7B0B0377B9}">
+      <dsp:nvSpPr>
+        <dsp:cNvPr id="0" name=""/>
+        <dsp:cNvSpPr/>
+      </dsp:nvSpPr>
+      <dsp:spPr>
+        <a:xfrm rot="8100000">
+          <a:off x="88462" y="621836"/>
+          <a:ext cx="392341" cy="392341"/>
+        </a:xfrm>
+        <a:prstGeom prst="teardrop">
+          <a:avLst>
+            <a:gd name="adj" fmla="val 115000"/>
+          </a:avLst>
+        </a:prstGeom>
+        <a:solidFill>
+          <a:schemeClr val="accent1">
+            <a:hueOff val="0"/>
+            <a:satOff val="0"/>
+            <a:lumOff val="0"/>
+            <a:alphaOff val="0"/>
+          </a:schemeClr>
+        </a:solidFill>
+        <a:ln w="12700" cap="flat" cmpd="sng" algn="ctr">
+          <a:noFill/>
+          <a:prstDash val="solid"/>
+          <a:miter lim="800000"/>
+        </a:ln>
+        <a:effectLst/>
+      </dsp:spPr>
+      <dsp:style>
+        <a:lnRef idx="2">
+          <a:scrgbClr r="0" g="0" b="0"/>
+        </a:lnRef>
+        <a:fillRef idx="1">
+          <a:scrgbClr r="0" g="0" b="0"/>
+        </a:fillRef>
+        <a:effectRef idx="0">
+          <a:scrgbClr r="0" g="0" b="0"/>
+        </a:effectRef>
+        <a:fontRef idx="minor">
+          <a:schemeClr val="lt1"/>
+        </a:fontRef>
+      </dsp:style>
+    </dsp:sp>
+    <dsp:sp modelId="{846B4BA4-33F0-43CE-A60E-B95E195AD5A9}">
+      <dsp:nvSpPr>
+        <dsp:cNvPr id="0" name=""/>
+        <dsp:cNvSpPr/>
+      </dsp:nvSpPr>
+      <dsp:spPr>
+        <a:xfrm>
+          <a:off x="132047" y="665422"/>
+          <a:ext cx="305170" cy="305170"/>
+        </a:xfrm>
+        <a:prstGeom prst="donut">
+          <a:avLst/>
+        </a:prstGeom>
+        <a:solidFill>
+          <a:schemeClr val="bg1"/>
+        </a:solidFill>
+        <a:ln w="12700" cap="flat" cmpd="sng" algn="ctr">
+          <a:noFill/>
+          <a:prstDash val="solid"/>
+          <a:miter lim="800000"/>
+        </a:ln>
+        <a:effectLst/>
+      </dsp:spPr>
+      <dsp:style>
+        <a:lnRef idx="2">
+          <a:scrgbClr r="0" g="0" b="0"/>
+        </a:lnRef>
+        <a:fillRef idx="1">
+          <a:scrgbClr r="0" g="0" b="0"/>
+        </a:fillRef>
+        <a:effectRef idx="0">
+          <a:scrgbClr r="0" g="0" b="0"/>
+        </a:effectRef>
+        <a:fontRef idx="minor"/>
+      </dsp:style>
+    </dsp:sp>
+    <dsp:sp modelId="{A782CF5D-A585-4990-846A-5EDBD19A9BDB}">
+      <dsp:nvSpPr>
+        <dsp:cNvPr id="0" name=""/>
+        <dsp:cNvSpPr/>
+      </dsp:nvSpPr>
+      <dsp:spPr>
+        <a:xfrm>
+          <a:off x="562060" y="1097851"/>
+          <a:ext cx="2576929" cy="1592961"/>
+        </a:xfrm>
+        <a:prstGeom prst="rect">
+          <a:avLst/>
+        </a:prstGeom>
+        <a:noFill/>
+        <a:ln>
+          <a:noFill/>
+        </a:ln>
+        <a:effectLst/>
+      </dsp:spPr>
+      <dsp:style>
+        <a:lnRef idx="0">
+          <a:scrgbClr r="0" g="0" b="0"/>
+        </a:lnRef>
+        <a:fillRef idx="0">
+          <a:scrgbClr r="0" g="0" b="0"/>
+        </a:fillRef>
+        <a:effectRef idx="0">
+          <a:scrgbClr r="0" g="0" b="0"/>
+        </a:effectRef>
+        <a:fontRef idx="minor"/>
+      </dsp:style>
+      <dsp:txBody>
+        <a:bodyPr spcFirstLastPara="0" vert="horz" wrap="square" lIns="0" tIns="95250" rIns="95250" bIns="142875" numCol="1" spcCol="1270" rtlCol="0" anchor="t" anchorCtr="0">
+          <a:noAutofit/>
+        </a:bodyPr>
+        <a:lstStyle/>
+        <a:p>
+          <a:pPr marL="0" lvl="0" indent="0" algn="l" defTabSz="666750" rtl="0">
+            <a:lnSpc>
+              <a:spcPct val="90000"/>
+            </a:lnSpc>
+            <a:spcBef>
+              <a:spcPct val="0"/>
+            </a:spcBef>
+            <a:spcAft>
+              <a:spcPct val="35000"/>
+            </a:spcAft>
+            <a:buNone/>
+          </a:pPr>
+          <a:r>
+            <a:rPr lang="de-DE" sz="1500" kern="1200" noProof="0" dirty="0">
+              <a:solidFill>
+                <a:schemeClr val="tx1">
+                  <a:lumMod val="65000"/>
+                  <a:lumOff val="35000"/>
+                </a:schemeClr>
+              </a:solidFill>
+            </a:rPr>
+            <a:t>Finanzplan</a:t>
+          </a:r>
+          <a:br>
+            <a:rPr lang="de-DE" sz="1500" kern="1200" noProof="0" dirty="0">
+              <a:solidFill>
+                <a:schemeClr val="tx1">
+                  <a:lumMod val="65000"/>
+                  <a:lumOff val="35000"/>
+                </a:schemeClr>
+              </a:solidFill>
+            </a:rPr>
+          </a:br>
+          <a:r>
+            <a:rPr lang="de-DE" sz="1500" kern="1200" noProof="0" dirty="0">
+              <a:solidFill>
+                <a:schemeClr val="tx1">
+                  <a:lumMod val="65000"/>
+                  <a:lumOff val="35000"/>
+                </a:schemeClr>
+              </a:solidFill>
+            </a:rPr>
+            <a:t>Beginnt</a:t>
+          </a:r>
+        </a:p>
+      </dsp:txBody>
+      <dsp:txXfrm>
+        <a:off x="562060" y="1097851"/>
+        <a:ext cx="2576929" cy="1592961"/>
+      </dsp:txXfrm>
+    </dsp:sp>
+    <dsp:sp modelId="{85C50C56-6DC8-4C47-8DBC-4FD6B1554AA4}">
+      <dsp:nvSpPr>
+        <dsp:cNvPr id="0" name=""/>
+        <dsp:cNvSpPr/>
+      </dsp:nvSpPr>
+      <dsp:spPr>
+        <a:xfrm>
+          <a:off x="562060" y="538162"/>
+          <a:ext cx="2576929" cy="559689"/>
+        </a:xfrm>
+        <a:prstGeom prst="rect">
+          <a:avLst/>
+        </a:prstGeom>
+        <a:noFill/>
+        <a:ln>
+          <a:noFill/>
+        </a:ln>
+        <a:effectLst/>
+      </dsp:spPr>
+      <dsp:style>
+        <a:lnRef idx="0">
+          <a:scrgbClr r="0" g="0" b="0"/>
+        </a:lnRef>
+        <a:fillRef idx="0">
+          <a:scrgbClr r="0" g="0" b="0"/>
+        </a:fillRef>
+        <a:effectRef idx="0">
+          <a:scrgbClr r="0" g="0" b="0"/>
+        </a:effectRef>
+        <a:fontRef idx="minor"/>
+      </dsp:style>
+      <dsp:txBody>
+        <a:bodyPr spcFirstLastPara="0" vert="horz" wrap="square" lIns="0" tIns="0" rIns="101600" bIns="0" numCol="1" spcCol="1270" rtlCol="0" anchor="ctr" anchorCtr="0">
+          <a:noAutofit/>
+        </a:bodyPr>
+        <a:lstStyle/>
+        <a:p>
+          <a:pPr marL="0" lvl="0" indent="0" algn="l" defTabSz="711200" rtl="0">
+            <a:lnSpc>
+              <a:spcPct val="90000"/>
+            </a:lnSpc>
+            <a:spcBef>
+              <a:spcPct val="0"/>
+            </a:spcBef>
+            <a:spcAft>
+              <a:spcPct val="35000"/>
+            </a:spcAft>
+            <a:buNone/>
+            <a:defRPr b="1"/>
+          </a:pPr>
+          <a:r>
+            <a:rPr lang="de-DE" sz="1600" b="1" kern="1200" noProof="0" dirty="0">
+              <a:solidFill>
+                <a:schemeClr val="tx1">
+                  <a:lumMod val="65000"/>
+                  <a:lumOff val="35000"/>
+                </a:schemeClr>
+              </a:solidFill>
+            </a:rPr>
+            <a:t>Q1</a:t>
+          </a:r>
+          <a:br>
+            <a:rPr lang="de-DE" sz="1100" kern="1200" noProof="0" dirty="0">
+              <a:solidFill>
+                <a:schemeClr val="tx1">
+                  <a:lumMod val="65000"/>
+                  <a:lumOff val="35000"/>
+                </a:schemeClr>
+              </a:solidFill>
+            </a:rPr>
+          </a:br>
+          <a:r>
+            <a:rPr lang="de-DE" sz="1100" kern="1200" noProof="0" dirty="0">
+              <a:solidFill>
+                <a:schemeClr val="tx1">
+                  <a:lumMod val="65000"/>
+                  <a:lumOff val="35000"/>
+                </a:schemeClr>
+              </a:solidFill>
+            </a:rPr>
+            <a:t>2OJJ</a:t>
+          </a:r>
+        </a:p>
+      </dsp:txBody>
+      <dsp:txXfrm>
+        <a:off x="562060" y="538162"/>
+        <a:ext cx="2576929" cy="559689"/>
+      </dsp:txXfrm>
+    </dsp:sp>
+    <dsp:sp modelId="{4F322B1B-F357-4BCD-BF34-8A0D705A1CE7}">
+      <dsp:nvSpPr>
+        <dsp:cNvPr id="0" name=""/>
+        <dsp:cNvSpPr/>
+      </dsp:nvSpPr>
+      <dsp:spPr>
+        <a:xfrm>
+          <a:off x="284633" y="1097851"/>
+          <a:ext cx="0" cy="1592961"/>
+        </a:xfrm>
+        <a:prstGeom prst="line">
+          <a:avLst/>
+        </a:prstGeom>
+        <a:noFill/>
+        <a:ln w="3175" cap="flat" cmpd="sng" algn="ctr">
+          <a:solidFill>
+            <a:schemeClr val="bg1">
+              <a:lumMod val="85000"/>
+            </a:schemeClr>
+          </a:solidFill>
+          <a:prstDash val="solid"/>
+          <a:miter lim="800000"/>
+        </a:ln>
+        <a:effectLst/>
+      </dsp:spPr>
+      <dsp:style>
+        <a:lnRef idx="1">
+          <a:scrgbClr r="0" g="0" b="0"/>
+        </a:lnRef>
+        <a:fillRef idx="0">
+          <a:scrgbClr r="0" g="0" b="0"/>
+        </a:fillRef>
+        <a:effectRef idx="0">
+          <a:scrgbClr r="0" g="0" b="0"/>
+        </a:effectRef>
+        <a:fontRef idx="minor"/>
+      </dsp:style>
+    </dsp:sp>
+    <dsp:sp modelId="{9F727168-E825-43C1-AF50-41E115F59C0C}">
+      <dsp:nvSpPr>
+        <dsp:cNvPr id="0" name=""/>
+        <dsp:cNvSpPr/>
+      </dsp:nvSpPr>
+      <dsp:spPr>
+        <a:xfrm>
+          <a:off x="237113" y="2640440"/>
+          <a:ext cx="99873" cy="100744"/>
+        </a:xfrm>
+        <a:prstGeom prst="ellipse">
+          <a:avLst/>
+        </a:prstGeom>
+        <a:solidFill>
+          <a:schemeClr val="accent1"/>
+        </a:solidFill>
+        <a:ln w="6350" cap="flat" cmpd="sng" algn="ctr">
+          <a:noFill/>
+          <a:prstDash val="solid"/>
+          <a:miter lim="800000"/>
+        </a:ln>
+        <a:effectLst/>
+      </dsp:spPr>
+      <dsp:style>
+        <a:lnRef idx="2">
+          <a:scrgbClr r="0" g="0" b="0"/>
+        </a:lnRef>
+        <a:fillRef idx="1">
+          <a:scrgbClr r="0" g="0" b="0"/>
+        </a:fillRef>
+        <a:effectRef idx="0">
+          <a:scrgbClr r="0" g="0" b="0"/>
+        </a:effectRef>
+        <a:fontRef idx="minor">
+          <a:schemeClr val="lt1"/>
+        </a:fontRef>
+      </dsp:style>
+    </dsp:sp>
+    <dsp:sp modelId="{5B4632EA-1574-417A-A3FA-D711159FBAD1}">
+      <dsp:nvSpPr>
+        <dsp:cNvPr id="0" name=""/>
+        <dsp:cNvSpPr/>
+      </dsp:nvSpPr>
+      <dsp:spPr>
+        <a:xfrm rot="18900000">
+          <a:off x="1647144" y="4367448"/>
+          <a:ext cx="392341" cy="392341"/>
+        </a:xfrm>
+        <a:prstGeom prst="teardrop">
+          <a:avLst>
+            <a:gd name="adj" fmla="val 115000"/>
+          </a:avLst>
+        </a:prstGeom>
+        <a:solidFill>
+          <a:schemeClr val="accent1">
+            <a:hueOff val="0"/>
+            <a:satOff val="0"/>
+            <a:lumOff val="0"/>
+            <a:alphaOff val="0"/>
+          </a:schemeClr>
+        </a:solidFill>
+        <a:ln w="12700" cap="flat" cmpd="sng" algn="ctr">
+          <a:noFill/>
+          <a:prstDash val="solid"/>
+          <a:miter lim="800000"/>
+        </a:ln>
+        <a:effectLst/>
+      </dsp:spPr>
+      <dsp:style>
+        <a:lnRef idx="2">
+          <a:scrgbClr r="0" g="0" b="0"/>
+        </a:lnRef>
+        <a:fillRef idx="1">
+          <a:scrgbClr r="0" g="0" b="0"/>
+        </a:fillRef>
+        <a:effectRef idx="0">
+          <a:scrgbClr r="0" g="0" b="0"/>
+        </a:effectRef>
+        <a:fontRef idx="minor">
+          <a:schemeClr val="lt1"/>
+        </a:fontRef>
+      </dsp:style>
+    </dsp:sp>
+    <dsp:sp modelId="{032E0966-F86B-4BBD-BE80-8FAB861AF0E8}">
+      <dsp:nvSpPr>
+        <dsp:cNvPr id="0" name=""/>
+        <dsp:cNvSpPr/>
+      </dsp:nvSpPr>
+      <dsp:spPr>
+        <a:xfrm>
+          <a:off x="1690729" y="4411033"/>
+          <a:ext cx="305170" cy="305170"/>
+        </a:xfrm>
+        <a:prstGeom prst="donut">
+          <a:avLst/>
+        </a:prstGeom>
+        <a:solidFill>
+          <a:schemeClr val="lt1">
+            <a:hueOff val="0"/>
+            <a:satOff val="0"/>
+            <a:lumOff val="0"/>
+          </a:schemeClr>
+        </a:solidFill>
+        <a:ln w="12700" cap="flat" cmpd="sng" algn="ctr">
+          <a:noFill/>
+          <a:prstDash val="solid"/>
+          <a:miter lim="800000"/>
+        </a:ln>
+        <a:effectLst/>
+      </dsp:spPr>
+      <dsp:style>
+        <a:lnRef idx="2">
+          <a:scrgbClr r="0" g="0" b="0"/>
+        </a:lnRef>
+        <a:fillRef idx="1">
+          <a:scrgbClr r="0" g="0" b="0"/>
+        </a:fillRef>
+        <a:effectRef idx="0">
+          <a:scrgbClr r="0" g="0" b="0"/>
+        </a:effectRef>
+        <a:fontRef idx="minor"/>
+      </dsp:style>
+    </dsp:sp>
+    <dsp:sp modelId="{B608C5A1-CE9E-4410-9F2F-F714CC6AB069}">
+      <dsp:nvSpPr>
+        <dsp:cNvPr id="0" name=""/>
+        <dsp:cNvSpPr/>
+      </dsp:nvSpPr>
+      <dsp:spPr>
+        <a:xfrm>
+          <a:off x="2120742" y="2690813"/>
+          <a:ext cx="2576929" cy="1592961"/>
+        </a:xfrm>
+        <a:prstGeom prst="rect">
+          <a:avLst/>
+        </a:prstGeom>
+        <a:noFill/>
+        <a:ln>
+          <a:noFill/>
+        </a:ln>
+        <a:effectLst/>
+      </dsp:spPr>
+      <dsp:style>
+        <a:lnRef idx="0">
+          <a:scrgbClr r="0" g="0" b="0"/>
+        </a:lnRef>
+        <a:fillRef idx="0">
+          <a:scrgbClr r="0" g="0" b="0"/>
+        </a:fillRef>
+        <a:effectRef idx="0">
+          <a:scrgbClr r="0" g="0" b="0"/>
+        </a:effectRef>
+        <a:fontRef idx="minor"/>
+      </dsp:style>
+      <dsp:txBody>
+        <a:bodyPr spcFirstLastPara="0" vert="horz" wrap="square" lIns="0" tIns="142875" rIns="0" bIns="95250" numCol="1" spcCol="1270" rtlCol="0" anchor="b" anchorCtr="0">
+          <a:noAutofit/>
+        </a:bodyPr>
+        <a:lstStyle/>
+        <a:p>
+          <a:pPr marL="0" lvl="0" indent="0" algn="l" defTabSz="666750" rtl="0">
+            <a:lnSpc>
+              <a:spcPct val="90000"/>
+            </a:lnSpc>
+            <a:spcBef>
+              <a:spcPct val="0"/>
+            </a:spcBef>
+            <a:spcAft>
+              <a:spcPct val="35000"/>
+            </a:spcAft>
+            <a:buNone/>
+          </a:pPr>
+          <a:r>
+            <a:rPr lang="de-DE" sz="1500" kern="1200" noProof="0" dirty="0">
+              <a:solidFill>
+                <a:schemeClr val="tx1">
+                  <a:lumMod val="65000"/>
+                  <a:lumOff val="35000"/>
+                </a:schemeClr>
+              </a:solidFill>
+            </a:rPr>
+            <a:t>Beta-Registrierung beginnt</a:t>
+          </a:r>
+          <a:br>
+            <a:rPr lang="de-DE" sz="1500" kern="1200" noProof="0" dirty="0">
+              <a:solidFill>
+                <a:schemeClr val="tx1">
+                  <a:lumMod val="65000"/>
+                  <a:lumOff val="35000"/>
+                </a:schemeClr>
+              </a:solidFill>
+            </a:rPr>
+          </a:br>
+          <a:r>
+            <a:rPr lang="de-DE" sz="1500" kern="1200" noProof="0" dirty="0">
+              <a:solidFill>
+                <a:schemeClr val="tx1">
+                  <a:lumMod val="65000"/>
+                  <a:lumOff val="35000"/>
+                </a:schemeClr>
+              </a:solidFill>
+            </a:rPr>
+            <a:t>für die Öffentlichkeit</a:t>
+          </a:r>
+        </a:p>
+      </dsp:txBody>
+      <dsp:txXfrm>
+        <a:off x="2120742" y="2690813"/>
+        <a:ext cx="2576929" cy="1592961"/>
+      </dsp:txXfrm>
+    </dsp:sp>
+    <dsp:sp modelId="{C1E34084-406C-48D5-88FE-7226282DBC49}">
+      <dsp:nvSpPr>
+        <dsp:cNvPr id="0" name=""/>
+        <dsp:cNvSpPr/>
+      </dsp:nvSpPr>
+      <dsp:spPr>
+        <a:xfrm>
+          <a:off x="2120742" y="4283774"/>
+          <a:ext cx="2576929" cy="559689"/>
+        </a:xfrm>
+        <a:prstGeom prst="rect">
+          <a:avLst/>
+        </a:prstGeom>
+        <a:noFill/>
+        <a:ln>
+          <a:noFill/>
+        </a:ln>
+        <a:effectLst/>
+      </dsp:spPr>
+      <dsp:style>
+        <a:lnRef idx="0">
+          <a:scrgbClr r="0" g="0" b="0"/>
+        </a:lnRef>
+        <a:fillRef idx="0">
+          <a:scrgbClr r="0" g="0" b="0"/>
+        </a:fillRef>
+        <a:effectRef idx="0">
+          <a:scrgbClr r="0" g="0" b="0"/>
+        </a:effectRef>
+        <a:fontRef idx="minor"/>
+      </dsp:style>
+      <dsp:txBody>
+        <a:bodyPr spcFirstLastPara="0" vert="horz" wrap="square" lIns="0" tIns="0" rIns="101600" bIns="0" numCol="1" spcCol="1270" rtlCol="0" anchor="ctr" anchorCtr="0">
+          <a:noAutofit/>
+        </a:bodyPr>
+        <a:lstStyle/>
+        <a:p>
+          <a:pPr marL="0" lvl="0" indent="0" algn="l" defTabSz="711200" rtl="0">
+            <a:lnSpc>
+              <a:spcPct val="90000"/>
+            </a:lnSpc>
+            <a:spcBef>
+              <a:spcPct val="0"/>
+            </a:spcBef>
+            <a:spcAft>
+              <a:spcPct val="35000"/>
+            </a:spcAft>
+            <a:buNone/>
+            <a:defRPr b="1"/>
+          </a:pPr>
+          <a:r>
+            <a:rPr lang="de-DE" sz="1600" b="1" kern="1200" noProof="0" dirty="0">
+              <a:solidFill>
+                <a:schemeClr val="tx1">
+                  <a:lumMod val="65000"/>
+                  <a:lumOff val="35000"/>
+                </a:schemeClr>
+              </a:solidFill>
+            </a:rPr>
+            <a:t>Q2</a:t>
+          </a:r>
+          <a:br>
+            <a:rPr lang="de-DE" sz="1100" kern="1200" noProof="0" dirty="0">
+              <a:solidFill>
+                <a:schemeClr val="tx1">
+                  <a:lumMod val="65000"/>
+                  <a:lumOff val="35000"/>
+                </a:schemeClr>
+              </a:solidFill>
+            </a:rPr>
+          </a:br>
+          <a:r>
+            <a:rPr lang="de-DE" sz="1100" kern="1200" noProof="0" dirty="0">
+              <a:solidFill>
+                <a:schemeClr val="tx1">
+                  <a:lumMod val="65000"/>
+                  <a:lumOff val="35000"/>
+                </a:schemeClr>
+              </a:solidFill>
+            </a:rPr>
+            <a:t>20JJ</a:t>
+          </a:r>
+        </a:p>
+      </dsp:txBody>
+      <dsp:txXfrm>
+        <a:off x="2120742" y="4283774"/>
+        <a:ext cx="2576929" cy="559689"/>
+      </dsp:txXfrm>
+    </dsp:sp>
+    <dsp:sp modelId="{33168228-1414-4AAF-B7E5-C08A80BBB2F1}">
+      <dsp:nvSpPr>
+        <dsp:cNvPr id="0" name=""/>
+        <dsp:cNvSpPr/>
+      </dsp:nvSpPr>
+      <dsp:spPr>
+        <a:xfrm>
+          <a:off x="1843314" y="2690813"/>
+          <a:ext cx="0" cy="1592961"/>
+        </a:xfrm>
+        <a:prstGeom prst="line">
+          <a:avLst/>
+        </a:prstGeom>
+        <a:noFill/>
+        <a:ln w="3175" cap="flat" cmpd="sng" algn="ctr">
+          <a:solidFill>
+            <a:prstClr val="white">
+              <a:lumMod val="85000"/>
+            </a:prstClr>
+          </a:solidFill>
+          <a:prstDash val="solid"/>
+          <a:miter lim="800000"/>
+        </a:ln>
+        <a:effectLst/>
+      </dsp:spPr>
+      <dsp:style>
+        <a:lnRef idx="1">
+          <a:scrgbClr r="0" g="0" b="0"/>
+        </a:lnRef>
+        <a:fillRef idx="0">
+          <a:scrgbClr r="0" g="0" b="0"/>
+        </a:fillRef>
+        <a:effectRef idx="0">
+          <a:scrgbClr r="0" g="0" b="0"/>
+        </a:effectRef>
+        <a:fontRef idx="minor"/>
+      </dsp:style>
+    </dsp:sp>
+    <dsp:sp modelId="{B57996C3-16BE-4CEB-B9E2-6FFC42938F41}">
+      <dsp:nvSpPr>
+        <dsp:cNvPr id="0" name=""/>
+        <dsp:cNvSpPr/>
+      </dsp:nvSpPr>
+      <dsp:spPr>
+        <a:xfrm>
+          <a:off x="1795795" y="2640440"/>
+          <a:ext cx="99873" cy="100744"/>
+        </a:xfrm>
+        <a:prstGeom prst="ellipse">
+          <a:avLst/>
+        </a:prstGeom>
+        <a:solidFill>
+          <a:schemeClr val="accent1">
+            <a:hueOff val="0"/>
+            <a:satOff val="0"/>
+            <a:lumOff val="0"/>
+            <a:alphaOff val="0"/>
+          </a:schemeClr>
+        </a:solidFill>
+        <a:ln w="6350" cap="flat" cmpd="sng" algn="ctr">
+          <a:noFill/>
+          <a:prstDash val="solid"/>
+          <a:miter lim="800000"/>
+        </a:ln>
+        <a:effectLst/>
+      </dsp:spPr>
+      <dsp:style>
+        <a:lnRef idx="2">
+          <a:scrgbClr r="0" g="0" b="0"/>
+        </a:lnRef>
+        <a:fillRef idx="1">
+          <a:scrgbClr r="0" g="0" b="0"/>
+        </a:fillRef>
+        <a:effectRef idx="0">
+          <a:scrgbClr r="0" g="0" b="0"/>
+        </a:effectRef>
+        <a:fontRef idx="minor">
+          <a:schemeClr val="lt1"/>
+        </a:fontRef>
+      </dsp:style>
+    </dsp:sp>
+    <dsp:sp modelId="{7BC09B8D-1C75-4604-9F35-AEC078447C45}">
+      <dsp:nvSpPr>
+        <dsp:cNvPr id="0" name=""/>
+        <dsp:cNvSpPr/>
+      </dsp:nvSpPr>
+      <dsp:spPr>
+        <a:xfrm rot="8100000">
+          <a:off x="3205826" y="621836"/>
+          <a:ext cx="392341" cy="392341"/>
+        </a:xfrm>
+        <a:prstGeom prst="ellipse">
+          <a:avLst/>
+        </a:prstGeom>
+        <a:solidFill>
+          <a:schemeClr val="accent3"/>
+        </a:solidFill>
+        <a:ln w="12700" cap="flat" cmpd="sng" algn="ctr">
+          <a:noFill/>
+          <a:prstDash val="solid"/>
+          <a:miter lim="800000"/>
+        </a:ln>
+        <a:effectLst/>
+      </dsp:spPr>
+      <dsp:style>
+        <a:lnRef idx="2">
+          <a:scrgbClr r="0" g="0" b="0"/>
+        </a:lnRef>
+        <a:fillRef idx="1">
+          <a:scrgbClr r="0" g="0" b="0"/>
+        </a:fillRef>
+        <a:effectRef idx="0">
+          <a:scrgbClr r="0" g="0" b="0"/>
+        </a:effectRef>
+        <a:fontRef idx="minor">
+          <a:schemeClr val="lt1"/>
+        </a:fontRef>
+      </dsp:style>
+    </dsp:sp>
+    <dsp:sp modelId="{DFE91A1F-E910-48AB-A4C9-128002268483}">
+      <dsp:nvSpPr>
+        <dsp:cNvPr id="0" name=""/>
+        <dsp:cNvSpPr/>
+      </dsp:nvSpPr>
+      <dsp:spPr>
+        <a:xfrm>
+          <a:off x="3249411" y="665422"/>
+          <a:ext cx="305170" cy="305170"/>
+        </a:xfrm>
+        <a:prstGeom prst="star12">
+          <a:avLst/>
+        </a:prstGeom>
+        <a:solidFill>
+          <a:schemeClr val="lt1">
+            <a:hueOff val="0"/>
+            <a:satOff val="0"/>
+            <a:lumOff val="0"/>
+          </a:schemeClr>
+        </a:solidFill>
+        <a:ln w="12700" cap="flat" cmpd="sng" algn="ctr">
+          <a:noFill/>
+          <a:prstDash val="solid"/>
+          <a:miter lim="800000"/>
+        </a:ln>
+        <a:effectLst/>
+      </dsp:spPr>
+      <dsp:style>
+        <a:lnRef idx="2">
+          <a:scrgbClr r="0" g="0" b="0"/>
+        </a:lnRef>
+        <a:fillRef idx="1">
+          <a:scrgbClr r="0" g="0" b="0"/>
+        </a:fillRef>
+        <a:effectRef idx="0">
+          <a:scrgbClr r="0" g="0" b="0"/>
+        </a:effectRef>
+        <a:fontRef idx="minor"/>
+      </dsp:style>
+    </dsp:sp>
+    <dsp:sp modelId="{FC8603F2-85FC-4134-978C-4054E468209C}">
+      <dsp:nvSpPr>
+        <dsp:cNvPr id="0" name=""/>
+        <dsp:cNvSpPr/>
+      </dsp:nvSpPr>
+      <dsp:spPr>
+        <a:xfrm>
+          <a:off x="3679424" y="1097851"/>
+          <a:ext cx="2576929" cy="1592961"/>
+        </a:xfrm>
+        <a:prstGeom prst="rect">
+          <a:avLst/>
+        </a:prstGeom>
+        <a:noFill/>
+        <a:ln>
+          <a:noFill/>
+        </a:ln>
+        <a:effectLst/>
+      </dsp:spPr>
+      <dsp:style>
+        <a:lnRef idx="0">
+          <a:scrgbClr r="0" g="0" b="0"/>
+        </a:lnRef>
+        <a:fillRef idx="0">
+          <a:scrgbClr r="0" g="0" b="0"/>
+        </a:fillRef>
+        <a:effectRef idx="0">
+          <a:scrgbClr r="0" g="0" b="0"/>
+        </a:effectRef>
+        <a:fontRef idx="minor"/>
+      </dsp:style>
+      <dsp:txBody>
+        <a:bodyPr spcFirstLastPara="0" vert="horz" wrap="square" lIns="0" tIns="95250" rIns="95250" bIns="142875" numCol="1" spcCol="1270" rtlCol="0" anchor="t" anchorCtr="0">
+          <a:noAutofit/>
+        </a:bodyPr>
+        <a:lstStyle/>
+        <a:p>
+          <a:pPr marL="0" lvl="0" indent="0" algn="l" defTabSz="666750" rtl="0">
+            <a:lnSpc>
+              <a:spcPct val="90000"/>
+            </a:lnSpc>
+            <a:spcBef>
+              <a:spcPct val="0"/>
+            </a:spcBef>
+            <a:spcAft>
+              <a:spcPct val="35000"/>
+            </a:spcAft>
+            <a:buNone/>
+          </a:pPr>
+          <a:r>
+            <a:rPr lang="de-DE" sz="1500" i="1" kern="1200" noProof="0" dirty="0">
+              <a:solidFill>
+                <a:schemeClr val="tx1">
+                  <a:lumMod val="65000"/>
+                  <a:lumOff val="35000"/>
+                </a:schemeClr>
+              </a:solidFill>
+            </a:rPr>
+            <a:t>Anfängliche</a:t>
+          </a:r>
+          <a:br>
+            <a:rPr lang="de-DE" sz="1500" i="1" kern="1200" noProof="0" dirty="0">
+              <a:solidFill>
+                <a:schemeClr val="tx1">
+                  <a:lumMod val="65000"/>
+                  <a:lumOff val="35000"/>
+                </a:schemeClr>
+              </a:solidFill>
+            </a:rPr>
+          </a:br>
+          <a:r>
+            <a:rPr lang="de-DE" sz="1500" i="1" kern="1200" noProof="0" dirty="0">
+              <a:solidFill>
+                <a:schemeClr val="tx1">
+                  <a:lumMod val="65000"/>
+                  <a:lumOff val="35000"/>
+                </a:schemeClr>
+              </a:solidFill>
+            </a:rPr>
+            <a:t>Abonnenten</a:t>
+          </a:r>
+        </a:p>
+      </dsp:txBody>
+      <dsp:txXfrm>
+        <a:off x="3679424" y="1097851"/>
+        <a:ext cx="2576929" cy="1592961"/>
+      </dsp:txXfrm>
+    </dsp:sp>
+    <dsp:sp modelId="{4EB3AA5C-1289-44C6-9F3E-859ABA28E18F}">
+      <dsp:nvSpPr>
+        <dsp:cNvPr id="0" name=""/>
+        <dsp:cNvSpPr/>
+      </dsp:nvSpPr>
+      <dsp:spPr>
+        <a:xfrm>
+          <a:off x="3679424" y="538162"/>
+          <a:ext cx="2576929" cy="559689"/>
+        </a:xfrm>
+        <a:prstGeom prst="rect">
+          <a:avLst/>
+        </a:prstGeom>
+        <a:noFill/>
+        <a:ln>
+          <a:noFill/>
+        </a:ln>
+        <a:effectLst/>
+      </dsp:spPr>
+      <dsp:style>
+        <a:lnRef idx="0">
+          <a:scrgbClr r="0" g="0" b="0"/>
+        </a:lnRef>
+        <a:fillRef idx="0">
+          <a:scrgbClr r="0" g="0" b="0"/>
+        </a:fillRef>
+        <a:effectRef idx="0">
+          <a:scrgbClr r="0" g="0" b="0"/>
+        </a:effectRef>
+        <a:fontRef idx="minor"/>
+      </dsp:style>
+      <dsp:txBody>
+        <a:bodyPr spcFirstLastPara="0" vert="horz" wrap="square" lIns="0" tIns="0" rIns="127000" bIns="0" numCol="1" spcCol="1270" rtlCol="0" anchor="ctr" anchorCtr="0">
+          <a:noAutofit/>
+        </a:bodyPr>
+        <a:lstStyle/>
+        <a:p>
+          <a:pPr marL="0" lvl="0" indent="0" algn="l" defTabSz="889000" rtl="0">
+            <a:lnSpc>
+              <a:spcPct val="90000"/>
+            </a:lnSpc>
+            <a:spcBef>
+              <a:spcPct val="0"/>
+            </a:spcBef>
+            <a:spcAft>
+              <a:spcPct val="35000"/>
+            </a:spcAft>
+            <a:buNone/>
+            <a:defRPr b="1"/>
+          </a:pPr>
+          <a:r>
+            <a:rPr lang="de-DE" sz="2000" b="0" i="1" kern="1200" noProof="0" dirty="0">
+              <a:solidFill>
+                <a:schemeClr val="tx1">
+                  <a:lumMod val="65000"/>
+                  <a:lumOff val="35000"/>
+                </a:schemeClr>
+              </a:solidFill>
+            </a:rPr>
+            <a:t>200 Abonnenten</a:t>
+          </a:r>
+        </a:p>
+      </dsp:txBody>
+      <dsp:txXfrm>
+        <a:off x="3679424" y="538162"/>
+        <a:ext cx="2576929" cy="559689"/>
+      </dsp:txXfrm>
+    </dsp:sp>
+    <dsp:sp modelId="{0BB03C0E-97EC-4D66-9B09-35D689DAB28C}">
+      <dsp:nvSpPr>
+        <dsp:cNvPr id="0" name=""/>
+        <dsp:cNvSpPr/>
+      </dsp:nvSpPr>
+      <dsp:spPr>
+        <a:xfrm>
+          <a:off x="3401996" y="1097851"/>
+          <a:ext cx="0" cy="1592961"/>
+        </a:xfrm>
+        <a:prstGeom prst="line">
+          <a:avLst/>
+        </a:prstGeom>
+        <a:noFill/>
+        <a:ln w="114300" cap="rnd" cmpd="sng" algn="ctr">
+          <a:solidFill>
+            <a:schemeClr val="bg1">
+              <a:lumMod val="95000"/>
+            </a:schemeClr>
+          </a:solidFill>
+          <a:prstDash val="sysDot"/>
+          <a:round/>
+        </a:ln>
+        <a:effectLst/>
+      </dsp:spPr>
+      <dsp:style>
+        <a:lnRef idx="1">
+          <a:scrgbClr r="0" g="0" b="0"/>
+        </a:lnRef>
+        <a:fillRef idx="0">
+          <a:scrgbClr r="0" g="0" b="0"/>
+        </a:fillRef>
+        <a:effectRef idx="0">
+          <a:scrgbClr r="0" g="0" b="0"/>
+        </a:effectRef>
+        <a:fontRef idx="minor"/>
+      </dsp:style>
+    </dsp:sp>
+    <dsp:sp modelId="{56361E50-9FEC-48AD-A369-C1A8379B35EC}">
+      <dsp:nvSpPr>
+        <dsp:cNvPr id="0" name=""/>
+        <dsp:cNvSpPr/>
+      </dsp:nvSpPr>
+      <dsp:spPr>
+        <a:xfrm>
+          <a:off x="3354477" y="2640440"/>
+          <a:ext cx="99873" cy="100744"/>
+        </a:xfrm>
+        <a:prstGeom prst="ellipse">
+          <a:avLst/>
+        </a:prstGeom>
+        <a:solidFill>
+          <a:schemeClr val="accent3"/>
+        </a:solidFill>
+        <a:ln w="6350" cap="flat" cmpd="sng" algn="ctr">
+          <a:noFill/>
+          <a:prstDash val="solid"/>
+          <a:miter lim="800000"/>
+        </a:ln>
+        <a:effectLst/>
+      </dsp:spPr>
+      <dsp:style>
+        <a:lnRef idx="2">
+          <a:scrgbClr r="0" g="0" b="0"/>
+        </a:lnRef>
+        <a:fillRef idx="1">
+          <a:scrgbClr r="0" g="0" b="0"/>
+        </a:fillRef>
+        <a:effectRef idx="0">
+          <a:scrgbClr r="0" g="0" b="0"/>
+        </a:effectRef>
+        <a:fontRef idx="minor">
+          <a:schemeClr val="lt1"/>
+        </a:fontRef>
+      </dsp:style>
+    </dsp:sp>
+    <dsp:sp modelId="{C0DBECBF-E3AA-450B-95D4-8349AA21B4F8}">
+      <dsp:nvSpPr>
+        <dsp:cNvPr id="0" name=""/>
+        <dsp:cNvSpPr/>
+      </dsp:nvSpPr>
+      <dsp:spPr>
+        <a:xfrm rot="18900000">
+          <a:off x="4764507" y="4367448"/>
+          <a:ext cx="392341" cy="392341"/>
+        </a:xfrm>
+        <a:prstGeom prst="teardrop">
+          <a:avLst>
+            <a:gd name="adj" fmla="val 115000"/>
+          </a:avLst>
+        </a:prstGeom>
+        <a:solidFill>
+          <a:schemeClr val="accent1">
+            <a:hueOff val="0"/>
+            <a:satOff val="0"/>
+            <a:lumOff val="0"/>
+            <a:alphaOff val="0"/>
+          </a:schemeClr>
+        </a:solidFill>
+        <a:ln w="12700" cap="flat" cmpd="sng" algn="ctr">
+          <a:noFill/>
+          <a:prstDash val="solid"/>
+          <a:miter lim="800000"/>
+        </a:ln>
+        <a:effectLst/>
+      </dsp:spPr>
+      <dsp:style>
+        <a:lnRef idx="2">
+          <a:scrgbClr r="0" g="0" b="0"/>
+        </a:lnRef>
+        <a:fillRef idx="1">
+          <a:scrgbClr r="0" g="0" b="0"/>
+        </a:fillRef>
+        <a:effectRef idx="0">
+          <a:scrgbClr r="0" g="0" b="0"/>
+        </a:effectRef>
+        <a:fontRef idx="minor">
+          <a:schemeClr val="lt1"/>
+        </a:fontRef>
+      </dsp:style>
+    </dsp:sp>
+    <dsp:sp modelId="{6EDDD44C-F5E4-49AD-B1D9-346B8B8AEE8F}">
+      <dsp:nvSpPr>
+        <dsp:cNvPr id="0" name=""/>
+        <dsp:cNvSpPr/>
+      </dsp:nvSpPr>
+      <dsp:spPr>
+        <a:xfrm>
+          <a:off x="4808093" y="4411033"/>
+          <a:ext cx="305170" cy="305170"/>
+        </a:xfrm>
+        <a:prstGeom prst="donut">
+          <a:avLst/>
+        </a:prstGeom>
+        <a:solidFill>
+          <a:schemeClr val="lt1">
+            <a:hueOff val="0"/>
+            <a:satOff val="0"/>
+            <a:lumOff val="0"/>
+          </a:schemeClr>
+        </a:solidFill>
+        <a:ln w="12700" cap="flat" cmpd="sng" algn="ctr">
+          <a:noFill/>
+          <a:prstDash val="solid"/>
+          <a:miter lim="800000"/>
+        </a:ln>
+        <a:effectLst/>
+      </dsp:spPr>
+      <dsp:style>
+        <a:lnRef idx="2">
+          <a:scrgbClr r="0" g="0" b="0"/>
+        </a:lnRef>
+        <a:fillRef idx="1">
+          <a:scrgbClr r="0" g="0" b="0"/>
+        </a:fillRef>
+        <a:effectRef idx="0">
+          <a:scrgbClr r="0" g="0" b="0"/>
+        </a:effectRef>
+        <a:fontRef idx="minor"/>
+      </dsp:style>
+    </dsp:sp>
+    <dsp:sp modelId="{FE564261-183D-47F9-8E7E-BCFC5023A815}">
+      <dsp:nvSpPr>
+        <dsp:cNvPr id="0" name=""/>
+        <dsp:cNvSpPr/>
+      </dsp:nvSpPr>
+      <dsp:spPr>
+        <a:xfrm>
+          <a:off x="5238106" y="2690813"/>
+          <a:ext cx="2576929" cy="1592961"/>
+        </a:xfrm>
+        <a:prstGeom prst="rect">
+          <a:avLst/>
+        </a:prstGeom>
+        <a:noFill/>
+        <a:ln>
+          <a:noFill/>
+        </a:ln>
+        <a:effectLst/>
+      </dsp:spPr>
+      <dsp:style>
+        <a:lnRef idx="0">
+          <a:scrgbClr r="0" g="0" b="0"/>
+        </a:lnRef>
+        <a:fillRef idx="0">
+          <a:scrgbClr r="0" g="0" b="0"/>
+        </a:fillRef>
+        <a:effectRef idx="0">
+          <a:scrgbClr r="0" g="0" b="0"/>
+        </a:effectRef>
+        <a:fontRef idx="minor"/>
+      </dsp:style>
+      <dsp:txBody>
+        <a:bodyPr spcFirstLastPara="0" vert="horz" wrap="square" lIns="0" tIns="142875" rIns="0" bIns="95250" numCol="1" spcCol="1270" rtlCol="0" anchor="b" anchorCtr="0">
+          <a:noAutofit/>
+        </a:bodyPr>
+        <a:lstStyle/>
+        <a:p>
+          <a:pPr marL="0" lvl="0" indent="0" algn="l" defTabSz="666750" rtl="0">
+            <a:lnSpc>
+              <a:spcPct val="90000"/>
+            </a:lnSpc>
+            <a:spcBef>
+              <a:spcPct val="0"/>
+            </a:spcBef>
+            <a:spcAft>
+              <a:spcPct val="35000"/>
+            </a:spcAft>
+            <a:buNone/>
+          </a:pPr>
+          <a:r>
+            <a:rPr lang="de-DE" sz="1500" kern="1200" noProof="0" dirty="0">
+              <a:solidFill>
+                <a:schemeClr val="tx1">
+                  <a:lumMod val="65000"/>
+                  <a:lumOff val="35000"/>
+                </a:schemeClr>
+              </a:solidFill>
+            </a:rPr>
+            <a:t>Werbekampagne</a:t>
+          </a:r>
+          <a:br>
+            <a:rPr lang="de-DE" sz="1500" kern="1200" noProof="0" dirty="0">
+              <a:solidFill>
+                <a:schemeClr val="tx1">
+                  <a:lumMod val="65000"/>
+                  <a:lumOff val="35000"/>
+                </a:schemeClr>
+              </a:solidFill>
+            </a:rPr>
+          </a:br>
+          <a:r>
+            <a:rPr lang="de-DE" sz="1500" kern="1200" noProof="0" dirty="0">
+              <a:solidFill>
+                <a:schemeClr val="tx1">
+                  <a:lumMod val="65000"/>
+                  <a:lumOff val="35000"/>
+                </a:schemeClr>
+              </a:solidFill>
+            </a:rPr>
+            <a:t>Start</a:t>
+          </a:r>
+        </a:p>
+      </dsp:txBody>
+      <dsp:txXfrm>
+        <a:off x="5238106" y="2690813"/>
+        <a:ext cx="2576929" cy="1592961"/>
+      </dsp:txXfrm>
+    </dsp:sp>
+    <dsp:sp modelId="{3DA36ABE-9810-4ED4-9A55-2905E7588D06}">
+      <dsp:nvSpPr>
+        <dsp:cNvPr id="0" name=""/>
+        <dsp:cNvSpPr/>
+      </dsp:nvSpPr>
+      <dsp:spPr>
+        <a:xfrm>
+          <a:off x="5238106" y="4283774"/>
+          <a:ext cx="2576929" cy="559689"/>
+        </a:xfrm>
+        <a:prstGeom prst="rect">
+          <a:avLst/>
+        </a:prstGeom>
+        <a:noFill/>
+        <a:ln>
+          <a:noFill/>
+        </a:ln>
+        <a:effectLst/>
+      </dsp:spPr>
+      <dsp:style>
+        <a:lnRef idx="0">
+          <a:scrgbClr r="0" g="0" b="0"/>
+        </a:lnRef>
+        <a:fillRef idx="0">
+          <a:scrgbClr r="0" g="0" b="0"/>
+        </a:fillRef>
+        <a:effectRef idx="0">
+          <a:scrgbClr r="0" g="0" b="0"/>
+        </a:effectRef>
+        <a:fontRef idx="minor"/>
+      </dsp:style>
+      <dsp:txBody>
+        <a:bodyPr spcFirstLastPara="0" vert="horz" wrap="square" lIns="0" tIns="0" rIns="101600" bIns="0" numCol="1" spcCol="1270" rtlCol="0" anchor="ctr" anchorCtr="0">
+          <a:noAutofit/>
+        </a:bodyPr>
+        <a:lstStyle/>
+        <a:p>
+          <a:pPr marL="0" lvl="0" indent="0" algn="l" defTabSz="711200" rtl="0">
+            <a:lnSpc>
+              <a:spcPct val="90000"/>
+            </a:lnSpc>
+            <a:spcBef>
+              <a:spcPct val="0"/>
+            </a:spcBef>
+            <a:spcAft>
+              <a:spcPct val="35000"/>
+            </a:spcAft>
+            <a:buNone/>
+            <a:defRPr b="1"/>
+          </a:pPr>
+          <a:r>
+            <a:rPr lang="de-DE" sz="1600" b="1" kern="1200" noProof="0" dirty="0">
+              <a:solidFill>
+                <a:schemeClr val="tx1">
+                  <a:lumMod val="65000"/>
+                  <a:lumOff val="35000"/>
+                </a:schemeClr>
+              </a:solidFill>
+            </a:rPr>
+            <a:t>Q3</a:t>
+          </a:r>
+          <a:br>
+            <a:rPr lang="de-DE" sz="1100" kern="1200" noProof="0" dirty="0">
+              <a:solidFill>
+                <a:schemeClr val="tx1">
+                  <a:lumMod val="65000"/>
+                  <a:lumOff val="35000"/>
+                </a:schemeClr>
+              </a:solidFill>
+            </a:rPr>
+          </a:br>
+          <a:r>
+            <a:rPr lang="de-DE" sz="1100" kern="1200" noProof="0" dirty="0">
+              <a:solidFill>
+                <a:schemeClr val="tx1">
+                  <a:lumMod val="65000"/>
+                  <a:lumOff val="35000"/>
+                </a:schemeClr>
+              </a:solidFill>
+            </a:rPr>
+            <a:t>20JJ</a:t>
+          </a:r>
+        </a:p>
+      </dsp:txBody>
+      <dsp:txXfrm>
+        <a:off x="5238106" y="4283774"/>
+        <a:ext cx="2576929" cy="559689"/>
+      </dsp:txXfrm>
+    </dsp:sp>
+    <dsp:sp modelId="{4B9F5909-A57C-4893-9C8A-D5960FE9BE37}">
+      <dsp:nvSpPr>
+        <dsp:cNvPr id="0" name=""/>
+        <dsp:cNvSpPr/>
+      </dsp:nvSpPr>
+      <dsp:spPr>
+        <a:xfrm>
+          <a:off x="4960678" y="2690813"/>
+          <a:ext cx="0" cy="1592961"/>
+        </a:xfrm>
+        <a:prstGeom prst="line">
+          <a:avLst/>
+        </a:prstGeom>
+        <a:noFill/>
+        <a:ln w="3175" cap="flat" cmpd="sng" algn="ctr">
+          <a:solidFill>
+            <a:prstClr val="white">
+              <a:lumMod val="85000"/>
+            </a:prstClr>
+          </a:solidFill>
+          <a:prstDash val="solid"/>
+          <a:miter lim="800000"/>
+        </a:ln>
+        <a:effectLst/>
+      </dsp:spPr>
+      <dsp:style>
+        <a:lnRef idx="1">
+          <a:scrgbClr r="0" g="0" b="0"/>
+        </a:lnRef>
+        <a:fillRef idx="0">
+          <a:scrgbClr r="0" g="0" b="0"/>
+        </a:fillRef>
+        <a:effectRef idx="0">
+          <a:scrgbClr r="0" g="0" b="0"/>
+        </a:effectRef>
+        <a:fontRef idx="minor"/>
+      </dsp:style>
+    </dsp:sp>
+    <dsp:sp modelId="{D891B168-1DA5-4124-931F-A51FCB8EFC11}">
+      <dsp:nvSpPr>
+        <dsp:cNvPr id="0" name=""/>
+        <dsp:cNvSpPr/>
+      </dsp:nvSpPr>
+      <dsp:spPr>
+        <a:xfrm>
+          <a:off x="4913158" y="2640440"/>
+          <a:ext cx="99873" cy="100744"/>
+        </a:xfrm>
+        <a:prstGeom prst="ellipse">
+          <a:avLst/>
+        </a:prstGeom>
+        <a:solidFill>
+          <a:schemeClr val="accent1">
+            <a:hueOff val="0"/>
+            <a:satOff val="0"/>
+            <a:lumOff val="0"/>
+            <a:alphaOff val="0"/>
+          </a:schemeClr>
+        </a:solidFill>
+        <a:ln w="6350" cap="flat" cmpd="sng" algn="ctr">
+          <a:noFill/>
+          <a:prstDash val="solid"/>
+          <a:miter lim="800000"/>
+        </a:ln>
+        <a:effectLst/>
+      </dsp:spPr>
+      <dsp:style>
+        <a:lnRef idx="2">
+          <a:scrgbClr r="0" g="0" b="0"/>
+        </a:lnRef>
+        <a:fillRef idx="1">
+          <a:scrgbClr r="0" g="0" b="0"/>
+        </a:fillRef>
+        <a:effectRef idx="0">
+          <a:scrgbClr r="0" g="0" b="0"/>
+        </a:effectRef>
+        <a:fontRef idx="minor">
+          <a:schemeClr val="lt1"/>
+        </a:fontRef>
+      </dsp:style>
+    </dsp:sp>
+    <dsp:sp modelId="{488CC4C6-DFBC-460C-A9ED-BEDA8CC682D4}">
+      <dsp:nvSpPr>
+        <dsp:cNvPr id="0" name=""/>
+        <dsp:cNvSpPr/>
+      </dsp:nvSpPr>
+      <dsp:spPr>
+        <a:xfrm rot="8100000">
+          <a:off x="6323189" y="621836"/>
+          <a:ext cx="392341" cy="392341"/>
+        </a:xfrm>
+        <a:prstGeom prst="teardrop">
+          <a:avLst>
+            <a:gd name="adj" fmla="val 115000"/>
+          </a:avLst>
+        </a:prstGeom>
+        <a:solidFill>
+          <a:schemeClr val="accent1">
+            <a:hueOff val="0"/>
+            <a:satOff val="0"/>
+            <a:lumOff val="0"/>
+            <a:alphaOff val="0"/>
+          </a:schemeClr>
+        </a:solidFill>
+        <a:ln w="12700" cap="flat" cmpd="sng" algn="ctr">
+          <a:noFill/>
+          <a:prstDash val="solid"/>
+          <a:miter lim="800000"/>
+        </a:ln>
+        <a:effectLst/>
+      </dsp:spPr>
+      <dsp:style>
+        <a:lnRef idx="2">
+          <a:scrgbClr r="0" g="0" b="0"/>
+        </a:lnRef>
+        <a:fillRef idx="1">
+          <a:scrgbClr r="0" g="0" b="0"/>
+        </a:fillRef>
+        <a:effectRef idx="0">
+          <a:scrgbClr r="0" g="0" b="0"/>
+        </a:effectRef>
+        <a:fontRef idx="minor">
+          <a:schemeClr val="lt1"/>
+        </a:fontRef>
+      </dsp:style>
+    </dsp:sp>
+    <dsp:sp modelId="{48CA82DA-B677-461B-A08D-337683480059}">
+      <dsp:nvSpPr>
+        <dsp:cNvPr id="0" name=""/>
+        <dsp:cNvSpPr/>
+      </dsp:nvSpPr>
+      <dsp:spPr>
+        <a:xfrm>
+          <a:off x="6366775" y="665422"/>
+          <a:ext cx="305170" cy="305170"/>
+        </a:xfrm>
+        <a:prstGeom prst="donut">
+          <a:avLst/>
+        </a:prstGeom>
+        <a:solidFill>
+          <a:schemeClr val="lt1">
+            <a:hueOff val="0"/>
+            <a:satOff val="0"/>
+            <a:lumOff val="0"/>
+          </a:schemeClr>
+        </a:solidFill>
+        <a:ln w="12700" cap="flat" cmpd="sng" algn="ctr">
+          <a:noFill/>
+          <a:prstDash val="solid"/>
+          <a:miter lim="800000"/>
+        </a:ln>
+        <a:effectLst/>
+      </dsp:spPr>
+      <dsp:style>
+        <a:lnRef idx="2">
+          <a:scrgbClr r="0" g="0" b="0"/>
+        </a:lnRef>
+        <a:fillRef idx="1">
+          <a:scrgbClr r="0" g="0" b="0"/>
+        </a:fillRef>
+        <a:effectRef idx="0">
+          <a:scrgbClr r="0" g="0" b="0"/>
+        </a:effectRef>
+        <a:fontRef idx="minor"/>
+      </dsp:style>
+    </dsp:sp>
+    <dsp:sp modelId="{D1646913-A3FA-4470-A3E9-C64B0A13A62A}">
+      <dsp:nvSpPr>
+        <dsp:cNvPr id="0" name=""/>
+        <dsp:cNvSpPr/>
+      </dsp:nvSpPr>
+      <dsp:spPr>
+        <a:xfrm>
+          <a:off x="6796788" y="1097851"/>
+          <a:ext cx="2576929" cy="1592961"/>
+        </a:xfrm>
+        <a:prstGeom prst="rect">
+          <a:avLst/>
+        </a:prstGeom>
+        <a:noFill/>
+        <a:ln>
+          <a:noFill/>
+        </a:ln>
+        <a:effectLst/>
+      </dsp:spPr>
+      <dsp:style>
+        <a:lnRef idx="0">
+          <a:scrgbClr r="0" g="0" b="0"/>
+        </a:lnRef>
+        <a:fillRef idx="0">
+          <a:scrgbClr r="0" g="0" b="0"/>
+        </a:fillRef>
+        <a:effectRef idx="0">
+          <a:scrgbClr r="0" g="0" b="0"/>
+        </a:effectRef>
+        <a:fontRef idx="minor"/>
+      </dsp:style>
+      <dsp:txBody>
+        <a:bodyPr spcFirstLastPara="0" vert="horz" wrap="square" lIns="0" tIns="95250" rIns="95250" bIns="142875" numCol="1" spcCol="1270" rtlCol="0" anchor="t" anchorCtr="0">
+          <a:noAutofit/>
+        </a:bodyPr>
+        <a:lstStyle/>
+        <a:p>
+          <a:pPr marL="0" lvl="0" indent="0" algn="l" defTabSz="666750" rtl="0">
+            <a:lnSpc>
+              <a:spcPct val="90000"/>
+            </a:lnSpc>
+            <a:spcBef>
+              <a:spcPct val="0"/>
+            </a:spcBef>
+            <a:spcAft>
+              <a:spcPct val="35000"/>
+            </a:spcAft>
+            <a:buNone/>
+          </a:pPr>
+          <a:r>
+            <a:rPr lang="de-DE" sz="1500" kern="1200" noProof="0" dirty="0">
+              <a:solidFill>
+                <a:schemeClr val="tx1">
+                  <a:lumMod val="65000"/>
+                  <a:lumOff val="35000"/>
+                </a:schemeClr>
+              </a:solidFill>
+            </a:rPr>
+            <a:t>MVC wird </a:t>
+          </a:r>
+          <a:br>
+            <a:rPr lang="de-DE" sz="1500" kern="1200" noProof="0" dirty="0">
+              <a:solidFill>
+                <a:schemeClr val="tx1">
+                  <a:lumMod val="65000"/>
+                  <a:lumOff val="35000"/>
+                </a:schemeClr>
+              </a:solidFill>
+            </a:rPr>
+          </a:br>
+          <a:r>
+            <a:rPr lang="de-DE" sz="1500" kern="1200" noProof="0" dirty="0">
+              <a:solidFill>
+                <a:schemeClr val="tx1">
+                  <a:lumMod val="65000"/>
+                  <a:lumOff val="35000"/>
+                </a:schemeClr>
+              </a:solidFill>
+            </a:rPr>
+            <a:t>in allen Märkten gestartet</a:t>
+          </a:r>
+        </a:p>
+      </dsp:txBody>
+      <dsp:txXfrm>
+        <a:off x="6796788" y="1097851"/>
+        <a:ext cx="2576929" cy="1592961"/>
+      </dsp:txXfrm>
+    </dsp:sp>
+    <dsp:sp modelId="{6EC2FC68-E1B8-4274-8090-C2C96A4CD82C}">
+      <dsp:nvSpPr>
+        <dsp:cNvPr id="0" name=""/>
+        <dsp:cNvSpPr/>
+      </dsp:nvSpPr>
+      <dsp:spPr>
+        <a:xfrm>
+          <a:off x="6796788" y="538162"/>
+          <a:ext cx="2576929" cy="559689"/>
+        </a:xfrm>
+        <a:prstGeom prst="rect">
+          <a:avLst/>
+        </a:prstGeom>
+        <a:noFill/>
+        <a:ln>
+          <a:noFill/>
+        </a:ln>
+        <a:effectLst/>
+      </dsp:spPr>
+      <dsp:style>
+        <a:lnRef idx="0">
+          <a:scrgbClr r="0" g="0" b="0"/>
+        </a:lnRef>
+        <a:fillRef idx="0">
+          <a:scrgbClr r="0" g="0" b="0"/>
+        </a:fillRef>
+        <a:effectRef idx="0">
+          <a:scrgbClr r="0" g="0" b="0"/>
+        </a:effectRef>
+        <a:fontRef idx="minor"/>
+      </dsp:style>
+      <dsp:txBody>
+        <a:bodyPr spcFirstLastPara="0" vert="horz" wrap="square" lIns="0" tIns="0" rIns="101600" bIns="0" numCol="1" spcCol="1270" rtlCol="0" anchor="ctr" anchorCtr="0">
+          <a:noAutofit/>
+        </a:bodyPr>
+        <a:lstStyle/>
+        <a:p>
+          <a:pPr marL="0" lvl="0" indent="0" algn="l" defTabSz="711200" rtl="0">
+            <a:lnSpc>
+              <a:spcPct val="90000"/>
+            </a:lnSpc>
+            <a:spcBef>
+              <a:spcPct val="0"/>
+            </a:spcBef>
+            <a:spcAft>
+              <a:spcPct val="35000"/>
+            </a:spcAft>
+            <a:buNone/>
+            <a:defRPr b="1"/>
+          </a:pPr>
+          <a:r>
+            <a:rPr lang="de-DE" sz="1600" b="1" kern="1200" noProof="0" dirty="0">
+              <a:solidFill>
+                <a:schemeClr val="tx1">
+                  <a:lumMod val="65000"/>
+                  <a:lumOff val="35000"/>
+                </a:schemeClr>
+              </a:solidFill>
+            </a:rPr>
+            <a:t>Q4</a:t>
+          </a:r>
+          <a:br>
+            <a:rPr lang="de-DE" sz="1100" kern="1200" noProof="0" dirty="0">
+              <a:solidFill>
+                <a:schemeClr val="tx1">
+                  <a:lumMod val="65000"/>
+                  <a:lumOff val="35000"/>
+                </a:schemeClr>
+              </a:solidFill>
+            </a:rPr>
+          </a:br>
+          <a:r>
+            <a:rPr lang="de-DE" sz="1100" kern="1200" noProof="0" dirty="0">
+              <a:solidFill>
+                <a:schemeClr val="tx1">
+                  <a:lumMod val="65000"/>
+                  <a:lumOff val="35000"/>
+                </a:schemeClr>
+              </a:solidFill>
+            </a:rPr>
+            <a:t>20JJ</a:t>
+          </a:r>
+        </a:p>
+      </dsp:txBody>
+      <dsp:txXfrm>
+        <a:off x="6796788" y="538162"/>
+        <a:ext cx="2576929" cy="559689"/>
+      </dsp:txXfrm>
+    </dsp:sp>
+    <dsp:sp modelId="{4F41BF23-550C-4E7F-977E-3D22E3AF7B51}">
+      <dsp:nvSpPr>
+        <dsp:cNvPr id="0" name=""/>
+        <dsp:cNvSpPr/>
+      </dsp:nvSpPr>
+      <dsp:spPr>
+        <a:xfrm>
+          <a:off x="6519360" y="1097851"/>
+          <a:ext cx="0" cy="1592961"/>
+        </a:xfrm>
+        <a:prstGeom prst="line">
+          <a:avLst/>
+        </a:prstGeom>
+        <a:noFill/>
+        <a:ln w="3175" cap="flat" cmpd="sng" algn="ctr">
+          <a:solidFill>
+            <a:prstClr val="white">
+              <a:lumMod val="85000"/>
+            </a:prstClr>
+          </a:solidFill>
+          <a:prstDash val="solid"/>
+          <a:miter lim="800000"/>
+        </a:ln>
+        <a:effectLst/>
+      </dsp:spPr>
+      <dsp:style>
+        <a:lnRef idx="1">
+          <a:scrgbClr r="0" g="0" b="0"/>
+        </a:lnRef>
+        <a:fillRef idx="0">
+          <a:scrgbClr r="0" g="0" b="0"/>
+        </a:fillRef>
+        <a:effectRef idx="0">
+          <a:scrgbClr r="0" g="0" b="0"/>
+        </a:effectRef>
+        <a:fontRef idx="minor"/>
+      </dsp:style>
+    </dsp:sp>
+    <dsp:sp modelId="{278CF1E0-B1C4-4B10-A5EC-FD7EF0557E2D}">
+      <dsp:nvSpPr>
+        <dsp:cNvPr id="0" name=""/>
+        <dsp:cNvSpPr/>
+      </dsp:nvSpPr>
+      <dsp:spPr>
+        <a:xfrm>
+          <a:off x="6471840" y="2640440"/>
+          <a:ext cx="99873" cy="100744"/>
+        </a:xfrm>
+        <a:prstGeom prst="ellipse">
+          <a:avLst/>
+        </a:prstGeom>
+        <a:solidFill>
+          <a:schemeClr val="accent1">
+            <a:hueOff val="0"/>
+            <a:satOff val="0"/>
+            <a:lumOff val="0"/>
+            <a:alphaOff val="0"/>
+          </a:schemeClr>
+        </a:solidFill>
+        <a:ln w="6350" cap="flat" cmpd="sng" algn="ctr">
+          <a:noFill/>
+          <a:prstDash val="solid"/>
+          <a:miter lim="800000"/>
+        </a:ln>
+        <a:effectLst/>
+      </dsp:spPr>
+      <dsp:style>
+        <a:lnRef idx="2">
+          <a:scrgbClr r="0" g="0" b="0"/>
+        </a:lnRef>
+        <a:fillRef idx="1">
+          <a:scrgbClr r="0" g="0" b="0"/>
+        </a:fillRef>
+        <a:effectRef idx="0">
+          <a:scrgbClr r="0" g="0" b="0"/>
+        </a:effectRef>
+        <a:fontRef idx="minor">
+          <a:schemeClr val="lt1"/>
+        </a:fontRef>
+      </dsp:style>
+    </dsp:sp>
+    <dsp:sp modelId="{73F98938-B973-410F-B6E0-43437FA146E6}">
+      <dsp:nvSpPr>
+        <dsp:cNvPr id="0" name=""/>
+        <dsp:cNvSpPr/>
+      </dsp:nvSpPr>
+      <dsp:spPr>
+        <a:xfrm rot="18900000">
+          <a:off x="7881871" y="4367448"/>
+          <a:ext cx="392341" cy="392341"/>
+        </a:xfrm>
+        <a:prstGeom prst="ellipse">
+          <a:avLst/>
+        </a:prstGeom>
+        <a:solidFill>
+          <a:schemeClr val="accent3"/>
+        </a:solidFill>
+        <a:ln w="12700" cap="flat" cmpd="sng" algn="ctr">
+          <a:noFill/>
+          <a:prstDash val="solid"/>
+          <a:miter lim="800000"/>
+        </a:ln>
+        <a:effectLst/>
+      </dsp:spPr>
+      <dsp:style>
+        <a:lnRef idx="2">
+          <a:scrgbClr r="0" g="0" b="0"/>
+        </a:lnRef>
+        <a:fillRef idx="1">
+          <a:scrgbClr r="0" g="0" b="0"/>
+        </a:fillRef>
+        <a:effectRef idx="0">
+          <a:scrgbClr r="0" g="0" b="0"/>
+        </a:effectRef>
+        <a:fontRef idx="minor">
+          <a:schemeClr val="lt1"/>
+        </a:fontRef>
+      </dsp:style>
+    </dsp:sp>
+    <dsp:sp modelId="{26BE64BD-02BC-4C6F-AC50-F9617E59754D}">
+      <dsp:nvSpPr>
+        <dsp:cNvPr id="0" name=""/>
+        <dsp:cNvSpPr/>
+      </dsp:nvSpPr>
+      <dsp:spPr>
+        <a:xfrm>
+          <a:off x="7925457" y="4411033"/>
+          <a:ext cx="305170" cy="305170"/>
+        </a:xfrm>
+        <a:prstGeom prst="star12">
+          <a:avLst/>
+        </a:prstGeom>
+        <a:solidFill>
+          <a:schemeClr val="lt1">
+            <a:hueOff val="0"/>
+            <a:satOff val="0"/>
+            <a:lumOff val="0"/>
+          </a:schemeClr>
+        </a:solidFill>
+        <a:ln w="12700" cap="flat" cmpd="sng" algn="ctr">
+          <a:noFill/>
+          <a:prstDash val="solid"/>
+          <a:miter lim="800000"/>
+        </a:ln>
+        <a:effectLst/>
+      </dsp:spPr>
+      <dsp:style>
+        <a:lnRef idx="2">
+          <a:scrgbClr r="0" g="0" b="0"/>
+        </a:lnRef>
+        <a:fillRef idx="1">
+          <a:scrgbClr r="0" g="0" b="0"/>
+        </a:fillRef>
+        <a:effectRef idx="0">
+          <a:scrgbClr r="0" g="0" b="0"/>
+        </a:effectRef>
+        <a:fontRef idx="minor"/>
+      </dsp:style>
+    </dsp:sp>
+    <dsp:sp modelId="{5C5070CD-E29E-4F50-9A43-342A2DE968FF}">
+      <dsp:nvSpPr>
+        <dsp:cNvPr id="0" name=""/>
+        <dsp:cNvSpPr/>
+      </dsp:nvSpPr>
+      <dsp:spPr>
+        <a:xfrm>
+          <a:off x="8355470" y="2690813"/>
+          <a:ext cx="2576929" cy="1592961"/>
+        </a:xfrm>
+        <a:prstGeom prst="rect">
+          <a:avLst/>
+        </a:prstGeom>
+        <a:noFill/>
+        <a:ln>
+          <a:noFill/>
+        </a:ln>
+        <a:effectLst/>
+      </dsp:spPr>
+      <dsp:style>
+        <a:lnRef idx="0">
+          <a:scrgbClr r="0" g="0" b="0"/>
+        </a:lnRef>
+        <a:fillRef idx="0">
+          <a:scrgbClr r="0" g="0" b="0"/>
+        </a:fillRef>
+        <a:effectRef idx="0">
+          <a:scrgbClr r="0" g="0" b="0"/>
+        </a:effectRef>
+        <a:fontRef idx="minor"/>
+      </dsp:style>
+      <dsp:txBody>
+        <a:bodyPr spcFirstLastPara="0" vert="horz" wrap="square" lIns="0" tIns="142875" rIns="0" bIns="95250" numCol="1" spcCol="1270" rtlCol="0" anchor="b" anchorCtr="0">
+          <a:noAutofit/>
+        </a:bodyPr>
+        <a:lstStyle/>
+        <a:p>
+          <a:pPr marL="0" lvl="0" indent="0" algn="l" defTabSz="666750" rtl="0">
+            <a:lnSpc>
+              <a:spcPct val="90000"/>
+            </a:lnSpc>
+            <a:spcBef>
+              <a:spcPct val="0"/>
+            </a:spcBef>
+            <a:spcAft>
+              <a:spcPct val="35000"/>
+            </a:spcAft>
+            <a:buNone/>
+          </a:pPr>
+          <a:r>
+            <a:rPr lang="de-DE" sz="1500" i="1" kern="1200" noProof="0" dirty="0">
+              <a:solidFill>
+                <a:schemeClr val="tx1">
+                  <a:lumMod val="65000"/>
+                  <a:lumOff val="35000"/>
+                </a:schemeClr>
+              </a:solidFill>
+            </a:rPr>
+            <a:t>Endgültige</a:t>
+          </a:r>
+          <a:br>
+            <a:rPr lang="de-DE" sz="1500" i="1" kern="1200" noProof="0" dirty="0">
+              <a:solidFill>
+                <a:schemeClr val="tx1">
+                  <a:lumMod val="65000"/>
+                  <a:lumOff val="35000"/>
+                </a:schemeClr>
+              </a:solidFill>
+            </a:rPr>
+          </a:br>
+          <a:r>
+            <a:rPr lang="de-DE" sz="1500" i="1" kern="1200" noProof="0" dirty="0">
+              <a:solidFill>
+                <a:schemeClr val="tx1">
+                  <a:lumMod val="65000"/>
+                  <a:lumOff val="35000"/>
+                </a:schemeClr>
+              </a:solidFill>
+            </a:rPr>
+            <a:t>Abonnenten</a:t>
+          </a:r>
+          <a:endParaRPr lang="de-DE" sz="1500" kern="1200" noProof="0" dirty="0">
+            <a:solidFill>
+              <a:schemeClr val="tx1">
+                <a:lumMod val="65000"/>
+                <a:lumOff val="35000"/>
+              </a:schemeClr>
+            </a:solidFill>
+          </a:endParaRPr>
+        </a:p>
+      </dsp:txBody>
+      <dsp:txXfrm>
+        <a:off x="8355470" y="2690813"/>
+        <a:ext cx="2576929" cy="1592961"/>
+      </dsp:txXfrm>
+    </dsp:sp>
+    <dsp:sp modelId="{6FED4196-A0D3-4E5C-83DA-99291A8FFFC3}">
+      <dsp:nvSpPr>
+        <dsp:cNvPr id="0" name=""/>
+        <dsp:cNvSpPr/>
+      </dsp:nvSpPr>
+      <dsp:spPr>
+        <a:xfrm>
+          <a:off x="8355470" y="4283774"/>
+          <a:ext cx="2576929" cy="559689"/>
+        </a:xfrm>
+        <a:prstGeom prst="rect">
+          <a:avLst/>
+        </a:prstGeom>
+        <a:noFill/>
+        <a:ln>
+          <a:noFill/>
+        </a:ln>
+        <a:effectLst/>
+      </dsp:spPr>
+      <dsp:style>
+        <a:lnRef idx="0">
+          <a:scrgbClr r="0" g="0" b="0"/>
+        </a:lnRef>
+        <a:fillRef idx="0">
+          <a:scrgbClr r="0" g="0" b="0"/>
+        </a:fillRef>
+        <a:effectRef idx="0">
+          <a:scrgbClr r="0" g="0" b="0"/>
+        </a:effectRef>
+        <a:fontRef idx="minor"/>
+      </dsp:style>
+      <dsp:txBody>
+        <a:bodyPr spcFirstLastPara="0" vert="horz" wrap="square" lIns="0" tIns="0" rIns="127000" bIns="0" numCol="1" spcCol="1270" rtlCol="0" anchor="ctr" anchorCtr="0">
+          <a:noAutofit/>
+        </a:bodyPr>
+        <a:lstStyle/>
+        <a:p>
+          <a:pPr marL="0" lvl="0" indent="0" algn="l" defTabSz="889000" rtl="0">
+            <a:lnSpc>
+              <a:spcPct val="90000"/>
+            </a:lnSpc>
+            <a:spcBef>
+              <a:spcPct val="0"/>
+            </a:spcBef>
+            <a:spcAft>
+              <a:spcPct val="35000"/>
+            </a:spcAft>
+            <a:buNone/>
+            <a:defRPr b="1"/>
+          </a:pPr>
+          <a:r>
+            <a:rPr lang="de-DE" sz="2000" b="0" i="1" kern="1200" noProof="0" dirty="0">
+              <a:solidFill>
+                <a:schemeClr val="tx1">
+                  <a:lumMod val="65000"/>
+                  <a:lumOff val="35000"/>
+                </a:schemeClr>
+              </a:solidFill>
+            </a:rPr>
+            <a:t>500 Abonnenten</a:t>
+          </a:r>
+        </a:p>
+      </dsp:txBody>
+      <dsp:txXfrm>
+        <a:off x="8355470" y="4283774"/>
+        <a:ext cx="2576929" cy="559689"/>
+      </dsp:txXfrm>
+    </dsp:sp>
+    <dsp:sp modelId="{54DE4918-169B-4E9C-B946-44A9D45AEC94}">
+      <dsp:nvSpPr>
+        <dsp:cNvPr id="0" name=""/>
+        <dsp:cNvSpPr/>
+      </dsp:nvSpPr>
+      <dsp:spPr>
+        <a:xfrm>
+          <a:off x="8078042" y="2690813"/>
+          <a:ext cx="0" cy="1592961"/>
+        </a:xfrm>
+        <a:prstGeom prst="line">
+          <a:avLst/>
+        </a:prstGeom>
+        <a:noFill/>
+        <a:ln w="114300" cap="rnd" cmpd="sng" algn="ctr">
+          <a:solidFill>
+            <a:prstClr val="white">
+              <a:lumMod val="95000"/>
+            </a:prstClr>
+          </a:solidFill>
+          <a:prstDash val="sysDot"/>
+          <a:round/>
+        </a:ln>
+        <a:effectLst/>
+      </dsp:spPr>
+      <dsp:style>
+        <a:lnRef idx="1">
+          <a:scrgbClr r="0" g="0" b="0"/>
+        </a:lnRef>
+        <a:fillRef idx="0">
+          <a:scrgbClr r="0" g="0" b="0"/>
+        </a:fillRef>
+        <a:effectRef idx="0">
+          <a:scrgbClr r="0" g="0" b="0"/>
+        </a:effectRef>
+        <a:fontRef idx="minor"/>
+      </dsp:style>
+    </dsp:sp>
+    <dsp:sp modelId="{A64C6D16-2F77-439A-848A-F1081C5E5CBE}">
+      <dsp:nvSpPr>
+        <dsp:cNvPr id="0" name=""/>
+        <dsp:cNvSpPr/>
+      </dsp:nvSpPr>
+      <dsp:spPr>
+        <a:xfrm>
+          <a:off x="8030522" y="2640440"/>
+          <a:ext cx="99873" cy="100744"/>
+        </a:xfrm>
+        <a:prstGeom prst="ellipse">
+          <a:avLst/>
+        </a:prstGeom>
+        <a:solidFill>
+          <a:schemeClr val="accent3"/>
+        </a:solidFill>
+        <a:ln w="6350" cap="flat" cmpd="sng" algn="ctr">
+          <a:noFill/>
+          <a:prstDash val="solid"/>
+          <a:miter lim="800000"/>
+        </a:ln>
+        <a:effectLst/>
+      </dsp:spPr>
+      <dsp:style>
+        <a:lnRef idx="2">
+          <a:scrgbClr r="0" g="0" b="0"/>
+        </a:lnRef>
+        <a:fillRef idx="1">
+          <a:scrgbClr r="0" g="0" b="0"/>
+        </a:fillRef>
+        <a:effectRef idx="0">
+          <a:scrgbClr r="0" g="0" b="0"/>
+        </a:effectRef>
+        <a:fontRef idx="minor">
+          <a:schemeClr val="lt1"/>
+        </a:fontRef>
+      </dsp:style>
+    </dsp:sp>
+  </dsp:spTree>
+</dsp:drawing>
+</file>
+
+<file path=ppt/diagrams/layout1.xml><?xml version="1.0" encoding="utf-8"?>
+<dgm:layoutDef xmlns:dgm="http://schemas.openxmlformats.org/drawingml/2006/diagram" xmlns:a="http://schemas.openxmlformats.org/drawingml/2006/main" uniqueId="urn:microsoft.com/office/officeart/2017/3/layout/DropPinTimeline">
+  <dgm:title val="Drop Pin Timeline"/>
+  <dgm:desc val="Use to show a list of events in chronological order. An invisible box next to the pin contains the date and the description is immediately below. It can display a medium amount of text and medium length date format."/>
+  <dgm:catLst>
+    <dgm:cat type="timeline" pri="500"/>
+    <dgm:cat type="process" pri="600"/>
+  </dgm:catLst>
+  <dgm:sampData>
+    <dgm:dataModel>
+      <dgm:ptLst>
+        <dgm:pt modelId="0" type="doc"/>
+        <dgm:pt modelId="10">
+          <dgm:prSet phldr="1"/>
+        </dgm:pt>
+        <dgm:pt modelId="11">
+          <dgm:prSet phldr="1"/>
+        </dgm:pt>
+        <dgm:pt modelId="20">
+          <dgm:prSet phldr="1"/>
+        </dgm:pt>
+        <dgm:pt modelId="21">
+          <dgm:prSet phldr="1"/>
+        </dgm:pt>
+        <dgm:pt modelId="30">
+          <dgm:prSet phldr="1"/>
+        </dgm:pt>
+        <dgm:pt modelId="31">
+          <dgm:prSet phldr="1"/>
+        </dgm:pt>
+      </dgm:ptLst>
+      <dgm:cxnLst>
+        <dgm:cxn modelId="40" srcId="0" destId="10" srcOrd="0" destOrd="0"/>
+        <dgm:cxn modelId="12" srcId="10" destId="11" srcOrd="0" destOrd="0"/>
+        <dgm:cxn modelId="50" srcId="0" destId="20" srcOrd="1" destOrd="0"/>
+        <dgm:cxn modelId="22" srcId="20" destId="21" srcOrd="0" destOrd="0"/>
+        <dgm:cxn modelId="60" srcId="0" destId="30" srcOrd="1" destOrd="0"/>
+        <dgm:cxn modelId="32" srcId="30" destId="31" srcOrd="0" destOrd="0"/>
+      </dgm:cxnLst>
+      <dgm:bg/>
+      <dgm:whole/>
+    </dgm:dataModel>
+  </dgm:sampData>
+  <dgm:styleData>
+    <dgm:dataModel>
+      <dgm:ptLst>
+        <dgm:pt modelId="0" type="doc"/>
+        <dgm:pt modelId="10">
+          <dgm:prSet phldr="1"/>
+        </dgm:pt>
+        <dgm:pt modelId="20">
+          <dgm:prSet phldr="1"/>
+        </dgm:pt>
+      </dgm:ptLst>
+      <dgm:cxnLst>
+        <dgm:cxn modelId="60" srcId="0" destId="10" srcOrd="0" destOrd="0"/>
+        <dgm:cxn modelId="70" srcId="0" destId="20" srcOrd="1" destOrd="0"/>
+      </dgm:cxnLst>
+      <dgm:bg/>
+      <dgm:whole/>
+    </dgm:dataModel>
+  </dgm:styleData>
+  <dgm:clrData>
+    <dgm:dataModel>
+      <dgm:ptLst>
+        <dgm:pt modelId="0" type="doc"/>
+        <dgm:pt modelId="10">
+          <dgm:prSet phldr="1"/>
+        </dgm:pt>
+        <dgm:pt modelId="20">
+          <dgm:prSet phldr="1"/>
+        </dgm:pt>
+        <dgm:pt modelId="30">
+          <dgm:prSet phldr="1"/>
+        </dgm:pt>
+        <dgm:pt modelId="40">
+          <dgm:prSet phldr="1"/>
+        </dgm:pt>
+      </dgm:ptLst>
+      <dgm:cxnLst>
+        <dgm:cxn modelId="60" srcId="0" destId="10" srcOrd="0" destOrd="0"/>
+        <dgm:cxn modelId="70" srcId="0" destId="20" srcOrd="1" destOrd="0"/>
+        <dgm:cxn modelId="80" srcId="0" destId="30" srcOrd="2" destOrd="0"/>
+        <dgm:cxn modelId="90" srcId="0" destId="40" srcOrd="3" destOrd="0"/>
+      </dgm:cxnLst>
+      <dgm:bg/>
+      <dgm:whole/>
+    </dgm:dataModel>
+  </dgm:clrData>
+  <dgm:layoutNode name="root">
+    <dgm:varLst>
+      <dgm:chMax/>
+      <dgm:chPref/>
+      <dgm:animLvl val="lvl"/>
+    </dgm:varLst>
+    <dgm:alg type="composite"/>
+    <dgm:shape xmlns:r="http://schemas.openxmlformats.org/officeDocument/2006/relationships" r:blip="">
+      <dgm:adjLst/>
+    </dgm:shape>
+    <dgm:constrLst>
+      <dgm:constr type="w" for="ch" forName="divider" refType="w"/>
+      <dgm:constr type="h" for="ch" forName="divider"/>
+      <dgm:constr type="ctrY" for="ch" forName="divider" refType="h" fact="0.5"/>
+      <dgm:constr type="l" for="ch" forName="divider"/>
+      <dgm:constr type="w" for="ch" forName="nodes" refType="w"/>
+      <dgm:constr type="h" for="ch" forName="nodes" refType="h" fact="0.8"/>
+      <dgm:constr type="ctrY" for="ch" forName="nodes" refType="h" fact="0.5"/>
+    </dgm:constrLst>
+    <dgm:layoutNode name="divider" styleLbl="fgAcc1">
+      <dgm:alg type="sp"/>
+      <dgm:choose name="ArrowShape">
+        <dgm:if name="ArrowShapeLTR" func="var" arg="dir" op="equ" val="norm">
+          <dgm:shape xmlns:r="http://schemas.openxmlformats.org/officeDocument/2006/relationships" type="line" r:blip="" zOrderOff="-1">
+            <dgm:adjLst/>
+            <dgm:extLst>
+              <a:ext uri="{B698B0E9-8C71-41B9-8309-B3DCBF30829C}">
+                <dgm1612:spPr xmlns:dgm1612="http://schemas.microsoft.com/office/drawing/2016/12/diagram">
+                  <a:ln w="19050">
+                    <a:solidFill>
+                      <a:srgbClr val="000000"/>
+                    </a:solidFill>
+                    <a:tailEnd type="triangle" w="lg" len="lg"/>
+                  </a:ln>
+                </dgm1612:spPr>
+              </a:ext>
+            </dgm:extLst>
+          </dgm:shape>
+        </dgm:if>
+        <dgm:else name="ArrowShapeRTL">
+          <dgm:shape xmlns:r="http://schemas.openxmlformats.org/officeDocument/2006/relationships" type="line" r:blip="" zOrderOff="-1">
+            <dgm:adjLst/>
+            <dgm:extLst>
+              <a:ext uri="{B698B0E9-8C71-41B9-8309-B3DCBF30829C}">
+                <dgm1612:spPr xmlns:dgm1612="http://schemas.microsoft.com/office/drawing/2016/12/diagram">
+                  <a:ln>
+                    <a:solidFill>
+                      <a:srgbClr val="000000"/>
+                    </a:solidFill>
+                    <a:headEnd type="triangle" w="lg" len="lg"/>
+                  </a:ln>
+                </dgm1612:spPr>
+              </a:ext>
+            </dgm:extLst>
+          </dgm:shape>
+        </dgm:else>
+      </dgm:choose>
+      <dgm:presOf/>
+      <dgm:constrLst/>
+      <dgm:ruleLst/>
+    </dgm:layoutNode>
+    <dgm:layoutNode name="nodes">
+      <dgm:varLst>
+        <dgm:chMax/>
+        <dgm:chPref/>
+        <dgm:animLvl val="lvl"/>
+      </dgm:varLst>
+      <dgm:choose name="Name1">
+        <dgm:if name="Name2" func="var" arg="dir" op="equ" val="norm">
+          <dgm:alg type="lin"/>
+        </dgm:if>
+        <dgm:else name="Name3">
+          <dgm:alg type="lin">
+            <dgm:param type="linDir" val="fromR"/>
+          </dgm:alg>
+        </dgm:else>
+      </dgm:choose>
+      <dgm:shape xmlns:r="http://schemas.openxmlformats.org/officeDocument/2006/relationships" r:blip="">
+        <dgm:adjLst/>
+      </dgm:shape>
+      <dgm:constrLst>
+        <dgm:constr type="primFontSz" for="des" forName="L1TextContainer" val="20"/>
+        <dgm:constr type="primFontSz" for="des" forName="L2TextContainer" refType="primFontSz" refFor="des" refForName="L1TextContainer" op="equ" fact="0.75"/>
+        <dgm:constr type="w" for="ch" forName="composite" refType="w"/>
+        <dgm:constr type="h" for="ch" forName="composite" refType="h"/>
+        <dgm:constr type="w" for="ch" forName="spaceBetweenRectangles" refType="w" refFor="ch" refForName="composite" fact="-0.5"/>
+        <dgm:constr type="w" for="ch" ptType="sibTrans" op="equ"/>
+        <dgm:constr type="primFontSz" for="des" forName="L1TextContainer" op="equ"/>
+        <dgm:constr type="primFontSz" for="des" forName="L2TextContainer" op="equ"/>
+        <dgm:constr type="primFontSz" for="des" forName="L1TextContainer1" val="20"/>
+        <dgm:constr type="primFontSz" for="des" forName="L2TextContainer1" refType="primFontSz" refFor="des" refForName="L1TextContainer1" op="equ" fact="0.75"/>
+        <dgm:constr type="w" for="ch" forName="composite1" refType="w"/>
+        <dgm:constr type="h" for="ch" forName="composite1" refType="h"/>
+        <dgm:constr type="w" for="ch" forName="spaceBetweenRectangles1" refType="w" refFor="ch" refForName="composite1" fact="0.28"/>
+        <dgm:constr type="primFontSz" for="des" forName="L1TextContainer1" op="equ"/>
+        <dgm:constr type="primFontSz" for="des" forName="L2TextContainer1" op="equ"/>
+      </dgm:constrLst>
+      <dgm:choose name="LayoutBasedOnCountOfNodes">
+        <dgm:if name="LessThanOrEqualToTwoNodes" axis="ch" ptType="node" func="cnt" op="lte" val="2">
+          <dgm:forEach name="nodesForEach1" axis="ch" ptType="node">
+            <dgm:layoutNode name="composite1">
+              <dgm:alg type="composite"/>
+              <dgm:shape xmlns:r="http://schemas.openxmlformats.org/officeDocument/2006/relationships" r:blip="">
+                <dgm:adjLst/>
+              </dgm:shape>
+              <dgm:choose name="CaseForLayoutDirection1">
+                <dgm:if name="CaseForLayoutDirectionLTR1" func="var" arg="dir" op="equ" val="norm">
+                  <dgm:choose name="CaseForPlacingNodesAboveAndBelowDividerLTR1">
+                    <dgm:if name="CaseForPlacingNodeAboveDividerLTR1" axis="self" ptType="node" func="posOdd" op="equ" val="1">
+                      <dgm:constrLst>
+                        <dgm:constr type="w" for="ch" forName="ConnectorPoint1" refType="h" refFor="ch" refForName="DropPinPlaceHolder1" fact="0.18"/>
+                        <dgm:constr type="h" for="ch" forName="ConnectorPoint1" refType="h" refFor="ch" refForName="DropPinPlaceHolder1" fact="0.18"/>
+                        <dgm:constr type="ctrX" for="ch" forName="ConnectorPoint1" refType="ctrX" refFor="ch" refForName="ConnectLine1"/>
+                        <dgm:constr type="ctrY" for="ch" forName="ConnectorPoint1" refType="h" fact="0.5"/>
+                        <dgm:constr type="w" for="ch" forName="DropPinPlaceHolder1" refType="h" fact="0.13"/>
+                        <dgm:constr type="h" for="ch" forName="DropPinPlaceHolder1" refType="h" fact="0.13"/>
+                        <dgm:constr type="t" for="ch" forName="DropPinPlaceHolder1" refType="h" fact="0"/>
+                        <dgm:constr type="l" for="ch" forName="DropPinPlaceHolder1" refType="w" fact="0"/>
+                        <dgm:constr type="w" for="ch" forName="L2TextContainer1" refType="w" fact="0.83"/>
+                        <dgm:constr type="l" for="ch" forName="L2TextContainer1" refType="r" refFor="ch" refForName="DropPinPlaceHolder1"/>
+                        <dgm:constr type="t" for="ch" forName="L2TextContainer1" refType="b" refFor="ch" refForName="DropPinPlaceHolder1"/>
+                        <dgm:constr type="b" for="ch" forName="L2TextContainer1" refType="h" fact="0.5"/>
+                        <dgm:constr type="w" for="ch" forName="L1TextContainer1" refType="w" fact="0.83"/>
+                        <dgm:constr type="l" for="ch" forName="L1TextContainer1" refType="r" refFor="ch" refForName="DropPinPlaceHolder1"/>
+                        <dgm:constr type="b" for="ch" forName="L1TextContainer1" refType="b" refFor="ch" refForName="DropPinPlaceHolder1"/>
+                        <dgm:constr type="t" for="ch" forName="L1TextContainer1" refType="t" refFor="ch" refForName="DropPinPlaceHolder1"/>
+                        <dgm:constr type="w" for="ch" forName="ConnectLine1"/>
+                        <dgm:constr type="ctrX" for="ch" forName="ConnectLine1" refType="ctrX" refFor="ch" refForName="DropPinPlaceHolder1"/>
+                        <dgm:constr type="b" for="ch" forName="ConnectLine1" refType="h" fact="0.5"/>
+                        <dgm:constr type="t" for="ch" forName="ConnectLine1" refType="b" refFor="ch" refForName="DropPinPlaceHolder1"/>
+                        <dgm:constr type="w" for="ch" forName="EmptyPlaceHolder1" refType="w"/>
+                        <dgm:constr type="h" for="ch" forName="EmptyPlaceHolder1" refType="h" fact="0.5"/>
+                        <dgm:constr type="t" for="ch" forName="EmptyPlaceHolder1" refType="h" fact="0.5"/>
+                      </dgm:constrLst>
+                    </dgm:if>
+                    <dgm:else name="CaseForPlacingNodeBelowDividerLTR1">
+                      <dgm:constrLst>
+                        <dgm:constr type="w" for="ch" forName="ConnectorPoint1" refType="h" refFor="ch" refForName="DropPinPlaceHolder1" fact="0.18"/>
+                        <dgm:constr type="h" for="ch" forName="ConnectorPoint1" refType="h" refFor="ch" refForName="DropPinPlaceHolder1" fact="0.18"/>
+                        <dgm:constr type="ctrX" for="ch" forName="ConnectorPoint1" refType="ctrX" refFor="ch" refForName="ConnectLine1"/>
+                        <dgm:constr type="ctrY" for="ch" forName="ConnectorPoint1" refType="h" fact="0.5"/>
+                        <dgm:constr type="w" for="ch" forName="DropPinPlaceHolder1" refType="h" fact="0.13"/>
+                        <dgm:constr type="h" for="ch" forName="DropPinPlaceHolder1" refType="h" fact="0.13"/>
+                        <dgm:constr type="b" for="ch" forName="DropPinPlaceHolder1" refType="h"/>
+                        <dgm:constr type="l" for="ch" forName="DropPinPlaceHolder1" refType="w" fact="0"/>
+                        <dgm:constr type="w" for="ch" forName="L2TextContainer1" refType="w" fact="0.83"/>
+                        <dgm:constr type="l" for="ch" forName="L2TextContainer1" refType="r" refFor="ch" refForName="DropPinPlaceHolder1"/>
+                        <dgm:constr type="b" for="ch" forName="L2TextContainer1" refType="t" refFor="ch" refForName="DropPinPlaceHolder1"/>
+                        <dgm:constr type="t" for="ch" forName="L2TextContainer1" refType="h" fact="0.5"/>
+                        <dgm:constr type="w" for="ch" forName="L1TextContainer1" refType="w" fact="0.83"/>
+                        <dgm:constr type="l" for="ch" forName="L1TextContainer1" refType="r" refFor="ch" refForName="DropPinPlaceHolder1"/>
+                        <dgm:constr type="b" for="ch" forName="L1TextContainer1" refType="b" refFor="ch" refForName="DropPinPlaceHolder1"/>
+                        <dgm:constr type="t" for="ch" forName="L1TextContainer1" refType="t" refFor="ch" refForName="DropPinPlaceHolder1"/>
+                        <dgm:constr type="w" for="ch" forName="ConnectLine1"/>
+                        <dgm:constr type="ctrX" for="ch" forName="ConnectLine1" refType="ctrX" refFor="ch" refForName="DropPinPlaceHolder1"/>
+                        <dgm:constr type="t" for="ch" forName="ConnectLine1" refType="h" fact="0.5"/>
+                        <dgm:constr type="b" for="ch" forName="ConnectLine1" refType="t" refFor="ch" refForName="DropPinPlaceHolder1"/>
+                        <dgm:constr type="w" for="ch" forName="EmptyPlaceHolder1" refType="w"/>
+                        <dgm:constr type="h" for="ch" forName="EmptyPlaceHolder1" refType="h" fact="0.5"/>
+                        <dgm:constr type="t" for="ch" forName="EmptyPlaceHolder1" refType="h" fact="0"/>
+                      </dgm:constrLst>
+                    </dgm:else>
+                  </dgm:choose>
+                </dgm:if>
+                <dgm:else name="CaseForLayoutDirectionRTL1">
+                  <dgm:choose name="CaseForPlacingNodesAboveAndBelowDividerRTL1">
+                    <dgm:if name="CaseForPlacingNodeAboveDividerRTL1" axis="self" ptType="node" func="posOdd" op="equ" val="1">
+                      <dgm:constrLst>
+                        <dgm:constr type="w" for="ch" forName="ConnectorPoint1" refType="h" refFor="ch" refForName="DropPinPlaceHolder1" fact="0.18"/>
+                        <dgm:constr type="h" for="ch" forName="ConnectorPoint1" refType="h" refFor="ch" refForName="DropPinPlaceHolder1" fact="0.18"/>
+                        <dgm:constr type="ctrX" for="ch" forName="ConnectorPoint1" refType="ctrX" refFor="ch" refForName="ConnectLine1"/>
+                        <dgm:constr type="ctrY" for="ch" forName="ConnectorPoint1" refType="h" fact="0.5"/>
+                        <dgm:constr type="w" for="ch" forName="DropPinPlaceHolder1" refType="h" fact="0.13"/>
+                        <dgm:constr type="h" for="ch" forName="DropPinPlaceHolder1" refType="h" fact="0.13"/>
+                        <dgm:constr type="t" for="ch" forName="DropPinPlaceHolder1" refType="h" fact="0"/>
+                        <dgm:constr type="l" for="ch" forName="DropPinPlaceHolder1" refType="w" fact="0"/>
+                        <dgm:constr type="w" for="ch" forName="L2TextContainer1" refType="w" fact="0.83"/>
+                        <dgm:constr type="l" for="ch" forName="L2TextContainer1" refType="r" refFor="ch" refForName="DropPinPlaceHolder1"/>
+                        <dgm:constr type="t" for="ch" forName="L2TextContainer1" refType="b" refFor="ch" refForName="DropPinPlaceHolder1"/>
+                        <dgm:constr type="b" for="ch" forName="L2TextContainer1" refType="h" fact="0.5"/>
+                        <dgm:constr type="w" for="ch" forName="L1TextContainer1" refType="w" fact="0.83"/>
+                        <dgm:constr type="l" for="ch" forName="L1TextContainer1" refType="r" refFor="ch" refForName="DropPinPlaceHolder1"/>
+                        <dgm:constr type="b" for="ch" forName="L1TextContainer1" refType="b" refFor="ch" refForName="DropPinPlaceHolder1"/>
+                        <dgm:constr type="t" for="ch" forName="L1TextContainer1" refType="t" refFor="ch" refForName="DropPinPlaceHolder1"/>
+                        <dgm:constr type="w" for="ch" forName="ConnectLine1"/>
+                        <dgm:constr type="ctrX" for="ch" forName="ConnectLine1" refType="ctrX" refFor="ch" refForName="DropPinPlaceHolder1"/>
+                        <dgm:constr type="b" for="ch" forName="ConnectLine1" refType="h" fact="0.5"/>
+                        <dgm:constr type="t" for="ch" forName="ConnectLine1" refType="b" refFor="ch" refForName="DropPinPlaceHolder1"/>
+                        <dgm:constr type="w" for="ch" forName="EmptyPlaceHolder1" refType="w"/>
+                        <dgm:constr type="h" for="ch" forName="EmptyPlaceHolder1" refType="h" fact="0.5"/>
+                        <dgm:constr type="t" for="ch" forName="EmptyPlaceHolder1" refType="h" fact="0.5"/>
+                      </dgm:constrLst>
+                    </dgm:if>
+                    <dgm:else name="CaseForPlacingNodeBelowDividerRTL1">
+                      <dgm:constrLst>
+                        <dgm:constr type="w" for="ch" forName="ConnectorPoint1" refType="h" refFor="ch" refForName="DropPinPlaceHolder1" fact="0.18"/>
+                        <dgm:constr type="h" for="ch" forName="ConnectorPoint1" refType="h" refFor="ch" refForName="DropPinPlaceHolder1" fact="0.18"/>
+                        <dgm:constr type="ctrX" for="ch" forName="ConnectorPoint1" refType="ctrX" refFor="ch" refForName="ConnectLine1"/>
+                        <dgm:constr type="ctrY" for="ch" forName="ConnectorPoint1" refType="h" fact="0.5"/>
+                        <dgm:constr type="w" for="ch" forName="DropPinPlaceHolder1" refType="h" fact="0.13"/>
+                        <dgm:constr type="h" for="ch" forName="DropPinPlaceHolder1" refType="h" fact="0.13"/>
+                        <dgm:constr type="b" for="ch" forName="DropPinPlaceHolder1" refType="h"/>
+                        <dgm:constr type="l" for="ch" forName="DropPinPlaceHolder1" refType="w" fact="0"/>
+                        <dgm:constr type="w" for="ch" forName="L2TextContainer1" refType="w" fact="0.83"/>
+                        <dgm:constr type="l" for="ch" forName="L2TextContainer1" refType="r" refFor="ch" refForName="DropPinPlaceHolder1"/>
+                        <dgm:constr type="b" for="ch" forName="L2TextContainer1" refType="t" refFor="ch" refForName="DropPinPlaceHolder1"/>
+                        <dgm:constr type="t" for="ch" forName="L2TextContainer1" refType="h" fact="0.5"/>
+                        <dgm:constr type="w" for="ch" forName="L1TextContainer1" refType="w" fact="0.83"/>
+                        <dgm:constr type="l" for="ch" forName="L1TextContainer1" refType="r" refFor="ch" refForName="DropPinPlaceHolder1"/>
+                        <dgm:constr type="b" for="ch" forName="L1TextContainer1" refType="b" refFor="ch" refForName="DropPinPlaceHolder1"/>
+                        <dgm:constr type="t" for="ch" forName="L1TextContainer1" refType="t" refFor="ch" refForName="DropPinPlaceHolder1"/>
+                        <dgm:constr type="w" for="ch" forName="ConnectLine1"/>
+                        <dgm:constr type="ctrX" for="ch" forName="ConnectLine1" refType="ctrX" refFor="ch" refForName="DropPinPlaceHolder1"/>
+                        <dgm:constr type="t" for="ch" forName="ConnectLine1" refType="h" fact="0.5"/>
+                        <dgm:constr type="b" for="ch" forName="ConnectLine1" refType="t" refFor="ch" refForName="DropPinPlaceHolder1"/>
+                        <dgm:constr type="w" for="ch" forName="EmptyPlaceHolder1" refType="w"/>
+                        <dgm:constr type="h" for="ch" forName="EmptyPlaceHolder1" refType="h" fact="0.5"/>
+                        <dgm:constr type="t" for="ch" forName="EmptyPlaceHolder1" refType="h" fact="0"/>
+                      </dgm:constrLst>
+                    </dgm:else>
+                  </dgm:choose>
+                </dgm:else>
+              </dgm:choose>
+              <dgm:layoutNode name="ConnectorPoint1" styleLbl="lnNode1" moveWith="ConnectLine1">
+                <dgm:alg type="sp"/>
+                <dgm:shape xmlns:r="http://schemas.openxmlformats.org/officeDocument/2006/relationships" type="ellipse" r:blip="" zOrderOff="10">
+                  <dgm:adjLst/>
+                </dgm:shape>
+                <dgm:presOf/>
+                <dgm:constrLst>
+                  <dgm:constr type="w" refType="h" op="equ"/>
+                </dgm:constrLst>
+              </dgm:layoutNode>
+              <dgm:layoutNode name="DropPinPlaceHolder1">
+                <dgm:alg type="composite"/>
+                <dgm:shape xmlns:r="http://schemas.openxmlformats.org/officeDocument/2006/relationships" r:blip="">
+                  <dgm:adjLst/>
+                </dgm:shape>
+                <dgm:constrLst>
+                  <dgm:constr type="w" for="ch" forName="DropPin1" refType="w"/>
+                  <dgm:constr type="h" for="ch" forName="DropPin1" refType="h"/>
+                  <dgm:constr type="ctrX" for="ch" forName="DropPin1" refType="w" fact="0.5"/>
+                  <dgm:constr type="ctrY" for="ch" forName="DropPin1" refType="h" fact="0.5"/>
+                  <dgm:constr type="w" for="ch" forName="Ellipse1" refType="w" refFor="ch" refForName="DropPin1" fact="0.55"/>
+                  <dgm:constr type="h" for="ch" forName="Ellipse1" refType="w" refFor="ch" refForName="DropPin1" fact="0.55"/>
+                  <dgm:constr type="ctrX" for="ch" forName="Ellipse1" refType="ctrX" refFor="ch" refForName="DropPin1"/>
+                  <dgm:constr type="ctrY" for="ch" forName="Ellipse1" refType="ctrY" refFor="ch" refForName="DropPin1"/>
+                </dgm:constrLst>
+                <dgm:layoutNode name="DropPin1" styleLbl="alignNode1">
+                  <dgm:alg type="sp"/>
+                  <dgm:choose name="CaseForPlacingTearDropAboveAndBelowDivider1">
+                    <dgm:if name="CaseForPlacingTearDropAboveDivider1" axis="self" ptType="node" func="posOdd" op="equ" val="1">
+                      <dgm:shape xmlns:r="http://schemas.openxmlformats.org/officeDocument/2006/relationships" rot="135" type="teardrop" r:blip="">
+                        <dgm:adjLst>
+                          <dgm:adj idx="1" val="1.15"/>
+                        </dgm:adjLst>
+                      </dgm:shape>
+                    </dgm:if>
+                    <dgm:else name="CaseForPlacingTearDropBelowDivider1">
+                      <dgm:shape xmlns:r="http://schemas.openxmlformats.org/officeDocument/2006/relationships" rot="-45" type="teardrop" r:blip="">
+                        <dgm:adjLst>
+                          <dgm:adj idx="1" val="1.15"/>
+                        </dgm:adjLst>
+                      </dgm:shape>
+                    </dgm:else>
+                  </dgm:choose>
+                  <dgm:presOf/>
+                  <dgm:constrLst/>
+                </dgm:layoutNode>
+                <dgm:layoutNode name="Ellipse1" styleLbl="fgAcc1" moveWith="DropPin1">
+                  <dgm:alg type="sp"/>
+                  <dgm:shape xmlns:r="http://schemas.openxmlformats.org/officeDocument/2006/relationships" type="ellipse" r:blip="">
+                    <dgm:adjLst/>
+                    <dgm:extLst>
+                      <a:ext uri="{B698B0E9-8C71-41B9-8309-B3DCBF30829C}">
+                        <dgm1612:spPr xmlns:dgm1612="http://schemas.microsoft.com/office/drawing/2016/12/diagram">
+                          <a:ln>
+                            <a:noFill/>
+                          </a:ln>
+                        </dgm1612:spPr>
+                      </a:ext>
+                    </dgm:extLst>
+                  </dgm:shape>
+                  <dgm:presOf/>
+                  <dgm:constrLst/>
+                </dgm:layoutNode>
+              </dgm:layoutNode>
+              <dgm:layoutNode name="L2TextContainer1" styleLbl="revTx" moveWith="L1TextContainer">
+                <dgm:varLst>
+                  <dgm:bulletEnabled val="1"/>
+                </dgm:varLst>
+                <dgm:choose name="casesForTxtDirLogic1">
+                  <dgm:if name="Name771" axis="self" ptType="node" func="posOdd" op="equ" val="1">
+                    <dgm:alg type="tx">
+                      <dgm:param type="txAnchorVert" val="t"/>
+                      <dgm:param type="parTxLTRAlign" val="l"/>
+                      <dgm:param type="parTxRTLAlign" val="l"/>
+                      <dgm:param type="txAnchorVertCh" val="t"/>
+                      <dgm:param type="shpTxRTLAlignCh" val="l"/>
+                      <dgm:param type="shpTxLTRAlignCh" val="l"/>
+                    </dgm:alg>
+                    <dgm:constrLst>
+                      <dgm:constr type="lMarg"/>
+                      <dgm:constr type="rMarg"/>
+                      <dgm:constr type="tMarg" refType="primFontSz" fact="0.5"/>
+                      <dgm:constr type="bMarg" refType="primFontSz" fact="0.75"/>
+                    </dgm:constrLst>
+                  </dgm:if>
+                  <dgm:else name="Name881">
+                    <dgm:alg type="tx">
+                      <dgm:param type="txAnchorVert" val="b"/>
+                      <dgm:param type="parTxLTRAlign" val="l"/>
+                      <dgm:param type="parTxRTLAlign" val="l"/>
+                      <dgm:param type="txAnchorVertCh" val="b"/>
+                      <dgm:param type="shpTxRTLAlignCh" val="l"/>
+                      <dgm:param type="shpTxLTRAlignCh" val="l"/>
+                    </dgm:alg>
+                    <dgm:constrLst>
+                      <dgm:constr type="lMarg"/>
+                      <dgm:constr type="rMarg" refType="primFontSz" fact="0.5"/>
+                      <dgm:constr type="tMarg" refType="primFontSz" fact="0.75"/>
+                      <dgm:constr type="bMarg" refType="primFontSz" fact="0.5"/>
+                    </dgm:constrLst>
+                  </dgm:else>
+                </dgm:choose>
+                <dgm:shape xmlns:r="http://schemas.openxmlformats.org/officeDocument/2006/relationships" type="rect" r:blip="">
+                  <dgm:adjLst/>
+                </dgm:shape>
+                <dgm:presOf axis="des" ptType="node"/>
+                <dgm:ruleLst>
+                  <dgm:rule type="primFontSz" val="11" fact="NaN" max="NaN"/>
+                </dgm:ruleLst>
+              </dgm:layoutNode>
+              <dgm:layoutNode name="L1TextContainer1" styleLbl="revTx">
+                <dgm:varLst>
+                  <dgm:chMax val="1"/>
+                  <dgm:chPref val="1"/>
+                  <dgm:bulletEnabled val="1"/>
+                </dgm:varLst>
+                <dgm:alg type="tx">
+                  <dgm:param type="txAnchorVert" val="mid"/>
+                  <dgm:param type="parTxLTRAlign" val="l"/>
+                  <dgm:param type="parTxRTLAlign" val="l"/>
+                </dgm:alg>
+                <dgm:shape xmlns:r="http://schemas.openxmlformats.org/officeDocument/2006/relationships" type="rect" r:blip="">
+                  <dgm:adjLst/>
+                </dgm:shape>
+                <dgm:presOf axis="self"/>
+                <dgm:constrLst>
+                  <dgm:constr type="lMarg"/>
+                  <dgm:constr type="rMarg" refType="primFontSz" fact="0.5"/>
+                  <dgm:constr type="tMarg"/>
+                  <dgm:constr type="bMarg"/>
+                </dgm:constrLst>
+                <dgm:ruleLst>
+                  <dgm:rule type="primFontSz" val="13" fact="NaN" max="NaN"/>
+                </dgm:ruleLst>
+              </dgm:layoutNode>
+              <dgm:layoutNode name="ConnectLine1" styleLbl="sibTrans1D1">
+                <dgm:alg type="sp"/>
+                <dgm:shape xmlns:r="http://schemas.openxmlformats.org/officeDocument/2006/relationships" type="line" r:blip="">
+                  <dgm:adjLst/>
+                  <dgm:extLst>
+                    <a:ext uri="{B698B0E9-8C71-41B9-8309-B3DCBF30829C}">
+                      <dgm1612:spPr xmlns:dgm1612="http://schemas.microsoft.com/office/drawing/2016/12/diagram">
+                        <a:ln w="12700">
+                          <a:prstDash val="dash"/>
+                        </a:ln>
+                      </dgm1612:spPr>
+                    </a:ext>
+                  </dgm:extLst>
+                </dgm:shape>
+                <dgm:presOf/>
+                <dgm:constrLst/>
+              </dgm:layoutNode>
+              <dgm:layoutNode name="EmptyPlaceHolder1">
+                <dgm:alg type="sp"/>
+                <dgm:shape xmlns:r="http://schemas.openxmlformats.org/officeDocument/2006/relationships" r:blip="">
+                  <dgm:adjLst/>
+                </dgm:shape>
+                <dgm:presOf/>
+                <dgm:constrLst/>
+              </dgm:layoutNode>
+            </dgm:layoutNode>
+            <dgm:forEach name="Name281" axis="followSib" ptType="sibTrans" cnt="1">
+              <dgm:layoutNode name="spaceBetweenRectangles1">
+                <dgm:alg type="sp"/>
+                <dgm:shape xmlns:r="http://schemas.openxmlformats.org/officeDocument/2006/relationships" r:blip="">
+                  <dgm:adjLst/>
+                </dgm:shape>
+                <dgm:presOf/>
+                <dgm:constrLst/>
+                <dgm:ruleLst/>
+              </dgm:layoutNode>
+            </dgm:forEach>
+          </dgm:forEach>
+        </dgm:if>
+        <dgm:else name="MoreThanTwoNodes">
+          <dgm:forEach name="nodesForEach" axis="ch" ptType="node">
+            <dgm:layoutNode name="composite">
+              <dgm:alg type="composite"/>
+              <dgm:shape xmlns:r="http://schemas.openxmlformats.org/officeDocument/2006/relationships" r:blip="">
+                <dgm:adjLst/>
+              </dgm:shape>
+              <dgm:choose name="CaseForLayoutDirection">
+                <dgm:if name="CaseForLayoutDirectionLTR" func="var" arg="dir" op="equ" val="norm">
+                  <dgm:choose name="CaseForPlacingNodesAboveAndBelowDividerLTR">
+                    <dgm:if name="CaseForPlacingNodeAboveDividerLTR" axis="self" ptType="node" func="posOdd" op="equ" val="1">
+                      <dgm:constrLst>
+                        <dgm:constr type="w" for="ch" forName="ConnectorPoint" refType="h" refFor="ch" refForName="DropPinPlaceHolder" fact="0.18"/>
+                        <dgm:constr type="h" for="ch" forName="ConnectorPoint" refType="h" refFor="ch" refForName="DropPinPlaceHolder" fact="0.18"/>
+                        <dgm:constr type="ctrX" for="ch" forName="ConnectorPoint" refType="ctrX" refFor="ch" refForName="ConnectLine"/>
+                        <dgm:constr type="ctrY" for="ch" forName="ConnectorPoint" refType="h" fact="0.5"/>
+                        <dgm:constr type="w" for="ch" forName="DropPinPlaceHolder" refType="h" fact="0.13"/>
+                        <dgm:constr type="h" for="ch" forName="DropPinPlaceHolder" refType="h" fact="0.13"/>
+                        <dgm:constr type="t" for="ch" forName="DropPinPlaceHolder" refType="h" fact="0"/>
+                        <dgm:constr type="l" for="ch" forName="DropPinPlaceHolder" refType="w" fact="0"/>
+                        <dgm:constr type="w" for="ch" forName="L2TextContainer" refType="w" fact="0.83"/>
+                        <dgm:constr type="l" for="ch" forName="L2TextContainer" refType="r" refFor="ch" refForName="DropPinPlaceHolder"/>
+                        <dgm:constr type="t" for="ch" forName="L2TextContainer" refType="b" refFor="ch" refForName="DropPinPlaceHolder"/>
+                        <dgm:constr type="b" for="ch" forName="L2TextContainer" refType="h" fact="0.5"/>
+                        <dgm:constr type="w" for="ch" forName="L1TextContainer" refType="w" fact="0.83"/>
+                        <dgm:constr type="l" for="ch" forName="L1TextContainer" refType="r" refFor="ch" refForName="DropPinPlaceHolder"/>
+                        <dgm:constr type="b" for="ch" forName="L1TextContainer" refType="b" refFor="ch" refForName="DropPinPlaceHolder"/>
+                        <dgm:constr type="t" for="ch" forName="L1TextContainer" refType="t" refFor="ch" refForName="DropPinPlaceHolder"/>
+                        <dgm:constr type="w" for="ch" forName="ConnectLine"/>
+                        <dgm:constr type="ctrX" for="ch" forName="ConnectLine" refType="ctrX" refFor="ch" refForName="DropPinPlaceHolder"/>
+                        <dgm:constr type="b" for="ch" forName="ConnectLine" refType="h" fact="0.5"/>
+                        <dgm:constr type="t" for="ch" forName="ConnectLine" refType="b" refFor="ch" refForName="DropPinPlaceHolder"/>
+                        <dgm:constr type="w" for="ch" forName="EmptyPlaceHolder" refType="w"/>
+                        <dgm:constr type="h" for="ch" forName="EmptyPlaceHolder" refType="h" fact="0.5"/>
+                        <dgm:constr type="t" for="ch" forName="EmptyPlaceHolder" refType="h" fact="0.5"/>
+                      </dgm:constrLst>
+                    </dgm:if>
+                    <dgm:else name="CaseForPlacingNodeBelowDividerLTR">
+                      <dgm:constrLst>
+                        <dgm:constr type="w" for="ch" forName="ConnectorPoint" refType="h" refFor="ch" refForName="DropPinPlaceHolder" fact="0.18"/>
+                        <dgm:constr type="h" for="ch" forName="ConnectorPoint" refType="h" refFor="ch" refForName="DropPinPlaceHolder" fact="0.18"/>
+                        <dgm:constr type="ctrX" for="ch" forName="ConnectorPoint" refType="ctrX" refFor="ch" refForName="ConnectLine"/>
+                        <dgm:constr type="ctrY" for="ch" forName="ConnectorPoint" refType="h" fact="0.5"/>
+                        <dgm:constr type="w" for="ch" forName="DropPinPlaceHolder" refType="h" fact="0.13"/>
+                        <dgm:constr type="h" for="ch" forName="DropPinPlaceHolder" refType="h" fact="0.13"/>
+                        <dgm:constr type="b" for="ch" forName="DropPinPlaceHolder" refType="h"/>
+                        <dgm:constr type="l" for="ch" forName="DropPinPlaceHolder" refType="w" fact="0"/>
+                        <dgm:constr type="w" for="ch" forName="L2TextContainer" refType="w" fact="0.83"/>
+                        <dgm:constr type="l" for="ch" forName="L2TextContainer" refType="r" refFor="ch" refForName="DropPinPlaceHolder"/>
+                        <dgm:constr type="b" for="ch" forName="L2TextContainer" refType="t" refFor="ch" refForName="DropPinPlaceHolder"/>
+                        <dgm:constr type="t" for="ch" forName="L2TextContainer" refType="h" fact="0.5"/>
+                        <dgm:constr type="w" for="ch" forName="L1TextContainer" refType="w" fact="0.83"/>
+                        <dgm:constr type="l" for="ch" forName="L1TextContainer" refType="r" refFor="ch" refForName="DropPinPlaceHolder"/>
+                        <dgm:constr type="b" for="ch" forName="L1TextContainer" refType="b" refFor="ch" refForName="DropPinPlaceHolder"/>
+                        <dgm:constr type="t" for="ch" forName="L1TextContainer" refType="t" refFor="ch" refForName="DropPinPlaceHolder"/>
+                        <dgm:constr type="w" for="ch" forName="ConnectLine"/>
+                        <dgm:constr type="ctrX" for="ch" forName="ConnectLine" refType="ctrX" refFor="ch" refForName="DropPinPlaceHolder"/>
+                        <dgm:constr type="t" for="ch" forName="ConnectLine" refType="h" fact="0.5"/>
+                        <dgm:constr type="b" for="ch" forName="ConnectLine" refType="t" refFor="ch" refForName="DropPinPlaceHolder"/>
+                        <dgm:constr type="w" for="ch" forName="EmptyPlaceHolder" refType="w"/>
+                        <dgm:constr type="h" for="ch" forName="EmptyPlaceHolder" refType="h" fact="0.5"/>
+                        <dgm:constr type="t" for="ch" forName="EmptyPlaceHolder" refType="h" fact="0"/>
+                      </dgm:constrLst>
+                    </dgm:else>
+                  </dgm:choose>
+                </dgm:if>
+                <dgm:else name="CaseForLayoutDirectionRTL">
+                  <dgm:choose name="CaseForPlacingNodesAboveAndBelowDividerRTL">
+                    <dgm:if name="CaseForPlacingNodeAboveDividerRTL" axis="self" ptType="node" func="posOdd" op="equ" val="1">
+                      <dgm:constrLst>
+                        <dgm:constr type="w" for="ch" forName="ConnectorPoint" refType="h" refFor="ch" refForName="DropPinPlaceHolder" fact="0.18"/>
+                        <dgm:constr type="h" for="ch" forName="ConnectorPoint" refType="h" refFor="ch" refForName="DropPinPlaceHolder" fact="0.18"/>
+                        <dgm:constr type="ctrX" for="ch" forName="ConnectorPoint" refType="ctrX" refFor="ch" refForName="DropPinPlaceHolder"/>
+                        <dgm:constr type="ctrY" for="ch" forName="ConnectorPoint" refType="h" fact="0.5"/>
+                        <dgm:constr type="w" for="ch" forName="DropPinPlaceHolder" refType="h" fact="0.13"/>
+                        <dgm:constr type="h" for="ch" forName="DropPinPlaceHolder" refType="h" fact="0.13"/>
+                        <dgm:constr type="t" for="ch" forName="DropPinPlaceHolder" refType="h" fact="0"/>
+                        <dgm:constr type="l" for="ch" forName="DropPinPlaceHolder" refType="w" fact="0"/>
+                        <dgm:constr type="w" for="ch" forName="L2TextContainer" refType="w" fact="0.83"/>
+                        <dgm:constr type="l" for="ch" forName="L2TextContainer" refType="r" refFor="ch" refForName="DropPinPlaceHolder"/>
+                        <dgm:constr type="t" for="ch" forName="L2TextContainer" refType="b" refFor="ch" refForName="DropPinPlaceHolder"/>
+                        <dgm:constr type="b" for="ch" forName="L2TextContainer" refType="h" fact="0.5"/>
+                        <dgm:constr type="w" for="ch" forName="L1TextContainer" refType="w" fact="0.83"/>
+                        <dgm:constr type="l" for="ch" forName="L1TextContainer" refType="r" refFor="ch" refForName="DropPinPlaceHolder"/>
+                        <dgm:constr type="b" for="ch" forName="L1TextContainer" refType="b" refFor="ch" refForName="DropPinPlaceHolder"/>
+                        <dgm:constr type="t" for="ch" forName="L1TextContainer" refType="t" refFor="ch" refForName="DropPinPlaceHolder"/>
+                        <dgm:constr type="w" for="ch" forName="ConnectLine"/>
+                        <dgm:constr type="ctrX" for="ch" forName="ConnectLine" refType="ctrX" refFor="ch" refForName="DropPinPlaceHolder"/>
+                        <dgm:constr type="b" for="ch" forName="ConnectLine" refType="h" fact="0.5"/>
+                        <dgm:constr type="t" for="ch" forName="ConnectLine" refType="b" refFor="ch" refForName="DropPinPlaceHolder"/>
+                        <dgm:constr type="w" for="ch" forName="EmptyPlaceHolder" refType="w"/>
+                        <dgm:constr type="h" for="ch" forName="EmptyPlaceHolder" refType="h" fact="0.5"/>
+                        <dgm:constr type="t" for="ch" forName="EmptyPlaceHolder" refType="h" fact="0.5"/>
+                      </dgm:constrLst>
+                    </dgm:if>
+                    <dgm:else name="CaseForPlacingNodeBelowDividerRTL">
+                      <dgm:constrLst>
+                        <dgm:constr type="w" for="ch" forName="ConnectorPoint" refType="h" refFor="ch" refForName="DropPinPlaceHolder" fact="0.18"/>
+                        <dgm:constr type="h" for="ch" forName="ConnectorPoint" refType="h" refFor="ch" refForName="DropPinPlaceHolder" fact="0.18"/>
+                        <dgm:constr type="ctrX" for="ch" forName="ConnectorPoint" refType="ctrX" refFor="ch" refForName="DropPinPlaceHolder"/>
+                        <dgm:constr type="ctrY" for="ch" forName="ConnectorPoint" refType="h" fact="0.5"/>
+                        <dgm:constr type="w" for="ch" forName="DropPinPlaceHolder" refType="h" fact="0.13"/>
+                        <dgm:constr type="h" for="ch" forName="DropPinPlaceHolder" refType="h" fact="0.13"/>
+                        <dgm:constr type="b" for="ch" forName="DropPinPlaceHolder" refType="h"/>
+                        <dgm:constr type="l" for="ch" forName="DropPinPlaceHolder" refType="w" fact="0"/>
+                        <dgm:constr type="w" for="ch" forName="L2TextContainer" refType="w" fact="0.83"/>
+                        <dgm:constr type="l" for="ch" forName="L2TextContainer" refType="r" refFor="ch" refForName="DropPinPlaceHolder"/>
+                        <dgm:constr type="b" for="ch" forName="L2TextContainer" refType="t" refFor="ch" refForName="DropPinPlaceHolder"/>
+                        <dgm:constr type="t" for="ch" forName="L2TextContainer" refType="h" fact="0.5"/>
+                        <dgm:constr type="w" for="ch" forName="L1TextContainer" refType="w" fact="0.83"/>
+                        <dgm:constr type="l" for="ch" forName="L1TextContainer" refType="r" refFor="ch" refForName="DropPinPlaceHolder"/>
+                        <dgm:constr type="b" for="ch" forName="L1TextContainer" refType="b" refFor="ch" refForName="DropPinPlaceHolder"/>
+                        <dgm:constr type="t" for="ch" forName="L1TextContainer" refType="t" refFor="ch" refForName="DropPinPlaceHolder"/>
+                        <dgm:constr type="w" for="ch" forName="ConnectLine"/>
+                        <dgm:constr type="ctrX" for="ch" forName="ConnectLine" refType="ctrX" refFor="ch" refForName="DropPinPlaceHolder"/>
+                        <dgm:constr type="t" for="ch" forName="ConnectLine" refType="h" fact="0.5"/>
+                        <dgm:constr type="b" for="ch" forName="ConnectLine" refType="t" refFor="ch" refForName="DropPinPlaceHolder"/>
+                        <dgm:constr type="w" for="ch" forName="EmptyPlaceHolder" refType="w"/>
+                        <dgm:constr type="h" for="ch" forName="EmptyPlaceHolder" refType="h" fact="0.5"/>
+                        <dgm:constr type="t" for="ch" forName="EmptyPlaceHolder" refType="h" fact="0"/>
+                      </dgm:constrLst>
+                    </dgm:else>
+                  </dgm:choose>
+                </dgm:else>
+              </dgm:choose>
+              <dgm:layoutNode name="ConnectorPoint" styleLbl="lnNode1" moveWith="ConnectLine">
+                <dgm:alg type="sp"/>
+                <dgm:shape xmlns:r="http://schemas.openxmlformats.org/officeDocument/2006/relationships" type="ellipse" r:blip="" zOrderOff="10">
+                  <dgm:adjLst/>
+                  <dgm:extLst>
+                    <a:ext uri="{B698B0E9-8C71-41B9-8309-B3DCBF30829C}">
+                      <dgm1612:spPr xmlns:dgm1612="http://schemas.microsoft.com/office/drawing/2016/12/diagram">
+                        <a:ln w="6350"/>
+                      </dgm1612:spPr>
+                    </a:ext>
+                  </dgm:extLst>
+                </dgm:shape>
+                <dgm:presOf/>
+                <dgm:constrLst>
+                  <dgm:constr type="w" refType="h" op="equ"/>
+                </dgm:constrLst>
+              </dgm:layoutNode>
+              <dgm:layoutNode name="DropPinPlaceHolder">
+                <dgm:alg type="composite"/>
+                <dgm:shape xmlns:r="http://schemas.openxmlformats.org/officeDocument/2006/relationships" r:blip="">
+                  <dgm:adjLst/>
+                </dgm:shape>
+                <dgm:constrLst>
+                  <dgm:constr type="w" for="ch" forName="DropPin" refType="w"/>
+                  <dgm:constr type="h" for="ch" forName="DropPin" refType="h"/>
+                  <dgm:constr type="ctrX" for="ch" forName="DropPin" refType="w" fact="0.5"/>
+                  <dgm:constr type="ctrY" for="ch" forName="DropPin" refType="h" fact="0.5"/>
+                  <dgm:constr type="w" for="ch" forName="Ellipse" refType="w" refFor="ch" refForName="DropPin" fact="0.55"/>
+                  <dgm:constr type="h" for="ch" forName="Ellipse" refType="w" refFor="ch" refForName="DropPin" fact="0.55"/>
+                  <dgm:constr type="ctrX" for="ch" forName="Ellipse" refType="ctrX" refFor="ch" refForName="DropPin"/>
+                  <dgm:constr type="ctrY" for="ch" forName="Ellipse" refType="ctrY" refFor="ch" refForName="DropPin"/>
+                </dgm:constrLst>
+                <dgm:layoutNode name="DropPin" styleLbl="alignNode1">
+                  <dgm:alg type="sp"/>
+                  <dgm:choose name="CaseForPlacingTearDropAboveAndBelowDivider">
+                    <dgm:if name="CaseForPlacingTearDropAboveDivider" axis="self" ptType="node" func="posOdd" op="equ" val="1">
+                      <dgm:shape xmlns:r="http://schemas.openxmlformats.org/officeDocument/2006/relationships" rot="135" type="teardrop" r:blip="">
+                        <dgm:adjLst>
+                          <dgm:adj idx="1" val="1.15"/>
+                        </dgm:adjLst>
+                      </dgm:shape>
+                    </dgm:if>
+                    <dgm:else name="CaseForPlacingTearDropBelowDivider">
+                      <dgm:shape xmlns:r="http://schemas.openxmlformats.org/officeDocument/2006/relationships" rot="-45" type="teardrop" r:blip="">
+                        <dgm:adjLst>
+                          <dgm:adj idx="1" val="1.15"/>
+                        </dgm:adjLst>
+                      </dgm:shape>
+                    </dgm:else>
+                  </dgm:choose>
+                  <dgm:presOf/>
+                  <dgm:constrLst/>
+                </dgm:layoutNode>
+                <dgm:layoutNode name="Ellipse" styleLbl="fgAcc1" moveWith="DropPin">
+                  <dgm:alg type="sp"/>
+                  <dgm:shape xmlns:r="http://schemas.openxmlformats.org/officeDocument/2006/relationships" type="ellipse" r:blip="">
+                    <dgm:adjLst/>
+                    <dgm:extLst>
+                      <a:ext uri="{B698B0E9-8C71-41B9-8309-B3DCBF30829C}">
+                        <dgm1612:spPr xmlns:dgm1612="http://schemas.microsoft.com/office/drawing/2016/12/diagram">
+                          <a:ln>
+                            <a:noFill/>
+                          </a:ln>
+                        </dgm1612:spPr>
+                      </a:ext>
+                    </dgm:extLst>
+                  </dgm:shape>
+                  <dgm:presOf/>
+                  <dgm:constrLst/>
+                </dgm:layoutNode>
+              </dgm:layoutNode>
+              <dgm:layoutNode name="L2TextContainer" styleLbl="revTx" moveWith="L1TextContainer">
+                <dgm:varLst>
+                  <dgm:bulletEnabled val="1"/>
+                </dgm:varLst>
+                <dgm:choose name="casesForTxtDirLogic">
+                  <dgm:if name="Name77" axis="self" ptType="node" func="posOdd" op="equ" val="1">
+                    <dgm:alg type="tx">
+                      <dgm:param type="txAnchorVert" val="t"/>
+                      <dgm:param type="parTxLTRAlign" val="l"/>
+                      <dgm:param type="parTxRTLAlign" val="l"/>
+                      <dgm:param type="txAnchorVertCh" val="t"/>
+                      <dgm:param type="shpTxRTLAlignCh" val="l"/>
+                      <dgm:param type="shpTxLTRAlignCh" val="l"/>
+                    </dgm:alg>
+                    <dgm:constrLst>
+                      <dgm:constr type="lMarg"/>
+                      <dgm:constr type="rMarg" refType="primFontSz" fact="0.5"/>
+                      <dgm:constr type="tMarg" refType="primFontSz" fact="0.5"/>
+                      <dgm:constr type="bMarg" refType="primFontSz" fact="0.75"/>
+                    </dgm:constrLst>
+                  </dgm:if>
+                  <dgm:else name="Name88">
+                    <dgm:alg type="tx">
+                      <dgm:param type="txAnchorVert" val="b"/>
+                      <dgm:param type="parTxLTRAlign" val="l"/>
+                      <dgm:param type="parTxRTLAlign" val="l"/>
+                      <dgm:param type="txAnchorVertCh" val="b"/>
+                      <dgm:param type="shpTxRTLAlignCh" val="l"/>
+                      <dgm:param type="shpTxLTRAlignCh" val="l"/>
+                    </dgm:alg>
+                    <dgm:constrLst>
+                      <dgm:constr type="lMarg"/>
+                      <dgm:constr type="rMarg"/>
+                      <dgm:constr type="tMarg" refType="primFontSz" fact="0.75"/>
+                      <dgm:constr type="bMarg" refType="primFontSz" fact="0.5"/>
+                    </dgm:constrLst>
+                  </dgm:else>
+                </dgm:choose>
+                <dgm:shape xmlns:r="http://schemas.openxmlformats.org/officeDocument/2006/relationships" type="rect" r:blip="">
+                  <dgm:adjLst/>
+                </dgm:shape>
+                <dgm:presOf axis="des" ptType="node"/>
+                <dgm:ruleLst>
+                  <dgm:rule type="primFontSz" val="11" fact="NaN" max="NaN"/>
+                </dgm:ruleLst>
+              </dgm:layoutNode>
+              <dgm:layoutNode name="L1TextContainer" styleLbl="revTx">
+                <dgm:varLst>
+                  <dgm:chMax val="1"/>
+                  <dgm:chPref val="1"/>
+                  <dgm:bulletEnabled val="1"/>
+                </dgm:varLst>
+                <dgm:alg type="tx">
+                  <dgm:param type="txAnchorVert" val="mid"/>
+                  <dgm:param type="parTxLTRAlign" val="l"/>
+                  <dgm:param type="parTxRTLAlign" val="l"/>
+                </dgm:alg>
+                <dgm:shape xmlns:r="http://schemas.openxmlformats.org/officeDocument/2006/relationships" type="rect" r:blip="">
+                  <dgm:adjLst/>
+                </dgm:shape>
+                <dgm:presOf axis="self"/>
+                <dgm:constrLst>
+                  <dgm:constr type="lMarg"/>
+                  <dgm:constr type="rMarg" refType="primFontSz" fact="0.5"/>
+                  <dgm:constr type="tMarg"/>
+                  <dgm:constr type="bMarg"/>
+                </dgm:constrLst>
+                <dgm:ruleLst>
+                  <dgm:rule type="primFontSz" val="13" fact="NaN" max="NaN"/>
+                </dgm:ruleLst>
+              </dgm:layoutNode>
+              <dgm:layoutNode name="ConnectLine" styleLbl="sibTrans1D1">
+                <dgm:alg type="sp"/>
+                <dgm:shape xmlns:r="http://schemas.openxmlformats.org/officeDocument/2006/relationships" type="line" r:blip="">
+                  <dgm:adjLst/>
+                  <dgm:extLst>
+                    <a:ext uri="{B698B0E9-8C71-41B9-8309-B3DCBF30829C}">
+                      <dgm1612:spPr xmlns:dgm1612="http://schemas.microsoft.com/office/drawing/2016/12/diagram">
+                        <a:ln w="12700">
+                          <a:prstDash val="dash"/>
+                        </a:ln>
+                      </dgm1612:spPr>
+                    </a:ext>
+                  </dgm:extLst>
+                </dgm:shape>
+                <dgm:presOf/>
+                <dgm:constrLst/>
+              </dgm:layoutNode>
+              <dgm:layoutNode name="EmptyPlaceHolder">
+                <dgm:alg type="sp"/>
+                <dgm:shape xmlns:r="http://schemas.openxmlformats.org/officeDocument/2006/relationships" r:blip="">
+                  <dgm:adjLst/>
+                </dgm:shape>
+                <dgm:presOf/>
+                <dgm:constrLst/>
+              </dgm:layoutNode>
+            </dgm:layoutNode>
+            <dgm:forEach name="Name28" axis="followSib" ptType="sibTrans" cnt="1">
+              <dgm:layoutNode name="spaceBetweenRectangles">
+                <dgm:alg type="sp"/>
+                <dgm:shape xmlns:r="http://schemas.openxmlformats.org/officeDocument/2006/relationships" r:blip="">
+                  <dgm:adjLst/>
+                </dgm:shape>
+                <dgm:presOf/>
+                <dgm:constrLst/>
+                <dgm:ruleLst/>
+              </dgm:layoutNode>
+            </dgm:forEach>
+          </dgm:forEach>
+        </dgm:else>
+      </dgm:choose>
+    </dgm:layoutNode>
+  </dgm:layoutNode>
+  <dgm:extLst>
+    <a:ext uri="{68A01E43-0DF5-4B5B-8FA6-DAF915123BFB}">
+      <dgm1612:lstStyle xmlns:dgm1612="http://schemas.microsoft.com/office/drawing/2016/12/diagram">
+        <a:lvl1pPr>
+          <a:defRPr b="1"/>
+        </a:lvl1pPr>
+      </dgm1612:lstStyle>
+    </a:ext>
+  </dgm:extLst>
+</dgm:layoutDef>
+</file>
+
+<file path=ppt/diagrams/quickStyle1.xml><?xml version="1.0" encoding="utf-8"?>
+<dgm:styleDef xmlns:dgm="http://schemas.openxmlformats.org/drawingml/2006/diagram" xmlns:a="http://schemas.openxmlformats.org/drawingml/2006/main" uniqueId="urn:microsoft.com/office/officeart/2005/8/quickstyle/simple1">
+  <dgm:title val=""/>
+  <dgm:desc val=""/>
+  <dgm:catLst>
+    <dgm:cat type="simple" pri="10100"/>
+  </dgm:catLst>
+  <dgm:scene3d>
+    <a:camera prst="orthographicFront"/>
+    <a:lightRig rig="threePt" dir="t"/>
+  </dgm:scene3d>
+  <dgm:styleLbl name="node0">
+    <dgm:scene3d>
+      <a:camera prst="orthographicFront"/>
+      <a:lightRig rig="threePt" dir="t"/>
+    </dgm:scene3d>
+    <dgm:sp3d/>
+    <dgm:txPr/>
+    <dgm:style>
+      <a:lnRef idx="2">
+        <a:scrgbClr r="0" g="0" b="0"/>
+      </a:lnRef>
+      <a:fillRef idx="1">
+        <a:scrgbClr r="0" g="0" b="0"/>
+      </a:fillRef>
+      <a:effectRef idx="0">
+        <a:scrgbClr r="0" g="0" b="0"/>
+      </a:effectRef>
+      <a:fontRef idx="minor">
+        <a:schemeClr val="lt1"/>
+      </a:fontRef>
+    </dgm:style>
+  </dgm:styleLbl>
+  <dgm:styleLbl name="lnNode1">
+    <dgm:scene3d>
+      <a:camera prst="orthographicFront"/>
+      <a:lightRig rig="threePt" dir="t"/>
+    </dgm:scene3d>
+    <dgm:sp3d/>
+    <dgm:txPr/>
+    <dgm:style>
+      <a:lnRef idx="2">
+        <a:scrgbClr r="0" g="0" b="0"/>
+      </a:lnRef>
+      <a:fillRef idx="1">
+        <a:scrgbClr r="0" g="0" b="0"/>
+      </a:fillRef>
+      <a:effectRef idx="0">
+        <a:scrgbClr r="0" g="0" b="0"/>
+      </a:effectRef>
+      <a:fontRef idx="minor">
+        <a:schemeClr val="lt1"/>
+      </a:fontRef>
+    </dgm:style>
+  </dgm:styleLbl>
+  <dgm:styleLbl name="vennNode1">
+    <dgm:scene3d>
+      <a:camera prst="orthographicFront"/>
+      <a:lightRig rig="threePt" dir="t"/>
+    </dgm:scene3d>
+    <dgm:sp3d/>
+    <dgm:txPr/>
+    <dgm:style>
+      <a:lnRef idx="2">
+        <a:scrgbClr r="0" g="0" b="0"/>
+      </a:lnRef>
+      <a:fillRef idx="1">
+        <a:scrgbClr r="0" g="0" b="0"/>
+      </a:fillRef>
+      <a:effectRef idx="0">
+        <a:scrgbClr r="0" g="0" b="0"/>
+      </a:effectRef>
+      <a:fontRef idx="minor">
+        <a:schemeClr val="tx1"/>
+      </a:fontRef>
+    </dgm:style>
+  </dgm:styleLbl>
+  <dgm:styleLbl name="alignNode1">
+    <dgm:scene3d>
+      <a:camera prst="orthographicFront"/>
+      <a:lightRig rig="threePt" dir="t"/>
+    </dgm:scene3d>
+    <dgm:sp3d/>
+    <dgm:txPr/>
+    <dgm:style>
+      <a:lnRef idx="2">
+        <a:scrgbClr r="0" g="0" b="0"/>
+      </a:lnRef>
+      <a:fillRef idx="1">
+        <a:scrgbClr r="0" g="0" b="0"/>
+      </a:fillRef>
+      <a:effectRef idx="0">
+        <a:scrgbClr r="0" g="0" b="0"/>
+      </a:effectRef>
+      <a:fontRef idx="minor">
+        <a:schemeClr val="lt1"/>
+      </a:fontRef>
+    </dgm:style>
+  </dgm:styleLbl>
+  <dgm:styleLbl name="node1">
+    <dgm:scene3d>
+      <a:camera prst="orthographicFront"/>
+      <a:lightRig rig="threePt" dir="t"/>
+    </dgm:scene3d>
+    <dgm:sp3d/>
+    <dgm:txPr/>
+    <dgm:style>
+      <a:lnRef idx="2">
+        <a:scrgbClr r="0" g="0" b="0"/>
+      </a:lnRef>
+      <a:fillRef idx="1">
+        <a:scrgbClr r="0" g="0" b="0"/>
+      </a:fillRef>
+      <a:effectRef idx="0">
+        <a:scrgbClr r="0" g="0" b="0"/>
+      </a:effectRef>
+      <a:fontRef idx="minor">
+        <a:schemeClr val="lt1"/>
+      </a:fontRef>
+    </dgm:style>
+  </dgm:styleLbl>
+  <dgm:styleLbl name="node2">
+    <dgm:scene3d>
+      <a:camera prst="orthographicFront"/>
+      <a:lightRig rig="threePt" dir="t"/>
+    </dgm:scene3d>
+    <dgm:sp3d/>
+    <dgm:txPr/>
+    <dgm:style>
+      <a:lnRef idx="2">
+        <a:scrgbClr r="0" g="0" b="0"/>
+      </a:lnRef>
+      <a:fillRef idx="1">
+        <a:scrgbClr r="0" g="0" b="0"/>
+      </a:fillRef>
+      <a:effectRef idx="0">
+        <a:scrgbClr r="0" g="0" b="0"/>
+      </a:effectRef>
+      <a:fontRef idx="minor">
+        <a:schemeClr val="lt1"/>
+      </a:fontRef>
+    </dgm:style>
+  </dgm:styleLbl>
+  <dgm:styleLbl name="node3">
+    <dgm:scene3d>
+      <a:camera prst="orthographicFront"/>
+      <a:lightRig rig="threePt" dir="t"/>
+    </dgm:scene3d>
+    <dgm:sp3d/>
+    <dgm:txPr/>
+    <dgm:style>
+      <a:lnRef idx="2">
+        <a:scrgbClr r="0" g="0" b="0"/>
+      </a:lnRef>
+      <a:fillRef idx="1">
+        <a:scrgbClr r="0" g="0" b="0"/>
+      </a:fillRef>
+      <a:effectRef idx="0">
+        <a:scrgbClr r="0" g="0" b="0"/>
+      </a:effectRef>
+      <a:fontRef idx="minor">
+        <a:schemeClr val="lt1"/>
+      </a:fontRef>
+    </dgm:style>
+  </dgm:styleLbl>
+  <dgm:styleLbl name="node4">
+    <dgm:scene3d>
+      <a:camera prst="orthographicFront"/>
+      <a:lightRig rig="threePt" dir="t"/>
+    </dgm:scene3d>
+    <dgm:sp3d/>
+    <dgm:txPr/>
+    <dgm:style>
+      <a:lnRef idx="2">
+        <a:scrgbClr r="0" g="0" b="0"/>
+      </a:lnRef>
+      <a:fillRef idx="1">
+        <a:scrgbClr r="0" g="0" b="0"/>
+      </a:fillRef>
+      <a:effectRef idx="0">
+        <a:scrgbClr r="0" g="0" b="0"/>
+      </a:effectRef>
+      <a:fontRef idx="minor">
+        <a:schemeClr val="lt1"/>
+      </a:fontRef>
+    </dgm:style>
+  </dgm:styleLbl>
+  <dgm:styleLbl name="fgImgPlace1">
+    <dgm:scene3d>
+      <a:camera prst="orthographicFront"/>
+      <a:lightRig rig="threePt" dir="t"/>
+    </dgm:scene3d>
+    <dgm:sp3d/>
+    <dgm:txPr/>
+    <dgm:style>
+      <a:lnRef idx="2">
+        <a:scrgbClr r="0" g="0" b="0"/>
+      </a:lnRef>
+      <a:fillRef idx="1">
+        <a:scrgbClr r="0" g="0" b="0"/>
+      </a:fillRef>
+      <a:effectRef idx="0">
+        <a:scrgbClr r="0" g="0" b="0"/>
+      </a:effectRef>
+      <a:fontRef idx="minor"/>
+    </dgm:style>
+  </dgm:styleLbl>
+  <dgm:styleLbl name="alignImgPlace1">
+    <dgm:scene3d>
+      <a:camera prst="orthographicFront"/>
+      <a:lightRig rig="threePt" dir="t"/>
+    </dgm:scene3d>
+    <dgm:sp3d/>
+    <dgm:txPr/>
+    <dgm:style>
+      <a:lnRef idx="2">
+        <a:scrgbClr r="0" g="0" b="0"/>
+      </a:lnRef>
+      <a:fillRef idx="1">
+        <a:scrgbClr r="0" g="0" b="0"/>
+      </a:fillRef>
+      <a:effectRef idx="0">
+        <a:scrgbClr r="0" g="0" b="0"/>
+      </a:effectRef>
+      <a:fontRef idx="minor"/>
+    </dgm:style>
+  </dgm:styleLbl>
+  <dgm:styleLbl name="bgImgPlace1">
+    <dgm:scene3d>
+      <a:camera prst="orthographicFront"/>
+      <a:lightRig rig="threePt" dir="t"/>
+    </dgm:scene3d>
+    <dgm:sp3d/>
+    <dgm:txPr/>
+    <dgm:style>
+      <a:lnRef idx="2">
+        <a:scrgbClr r="0" g="0" b="0"/>
+      </a:lnRef>
+      <a:fillRef idx="1">
+        <a:scrgbClr r="0" g="0" b="0"/>
+      </a:fillRef>
+      <a:effectRef idx="0">
+        <a:scrgbClr r="0" g="0" b="0"/>
+      </a:effectRef>
+      <a:fontRef idx="minor"/>
+    </dgm:style>
+  </dgm:styleLbl>
+  <dgm:styleLbl name="sibTrans2D1">
+    <dgm:scene3d>
+      <a:camera prst="orthographicFront"/>
+      <a:lightRig rig="threePt" dir="t"/>
+    </dgm:scene3d>
+    <dgm:sp3d/>
+    <dgm:txPr/>
+    <dgm:style>
+      <a:lnRef idx="0">
+        <a:scrgbClr r="0" g="0" b="0"/>
+      </a:lnRef>
+      <a:fillRef idx="1">
+        <a:scrgbClr r="0" g="0" b="0"/>
+      </a:fillRef>
+      <a:effectRef idx="0">
+        <a:scrgbClr r="0" g="0" b="0"/>
+      </a:effectRef>
+      <a:fontRef idx="minor">
+        <a:schemeClr val="lt1"/>
+      </a:fontRef>
+    </dgm:style>
+  </dgm:styleLbl>
+  <dgm:styleLbl name="fgSibTrans2D1">
+    <dgm:scene3d>
+      <a:camera prst="orthographicFront"/>
+      <a:lightRig rig="threePt" dir="t"/>
+    </dgm:scene3d>
+    <dgm:sp3d/>
+    <dgm:txPr/>
+    <dgm:style>
+      <a:lnRef idx="0">
+        <a:scrgbClr r="0" g="0" b="0"/>
+      </a:lnRef>
+      <a:fillRef idx="1">
+        <a:scrgbClr r="0" g="0" b="0"/>
+      </a:fillRef>
+      <a:effectRef idx="0">
+        <a:scrgbClr r="0" g="0" b="0"/>
+      </a:effectRef>
+      <a:fontRef idx="minor">
+        <a:schemeClr val="lt1"/>
+      </a:fontRef>
+    </dgm:style>
+  </dgm:styleLbl>
+  <dgm:styleLbl name="bgSibTrans2D1">
+    <dgm:scene3d>
+      <a:camera prst="orthographicFront"/>
+      <a:lightRig rig="threePt" dir="t"/>
+    </dgm:scene3d>
+    <dgm:sp3d/>
+    <dgm:txPr/>
+    <dgm:style>
+      <a:lnRef idx="0">
+        <a:scrgbClr r="0" g="0" b="0"/>
+      </a:lnRef>
+      <a:fillRef idx="1">
+        <a:scrgbClr r="0" g="0" b="0"/>
+      </a:fillRef>
+      <a:effectRef idx="0">
+        <a:scrgbClr r="0" g="0" b="0"/>
+      </a:effectRef>
+      <a:fontRef idx="minor">
+        <a:schemeClr val="lt1"/>
+      </a:fontRef>
+    </dgm:style>
+  </dgm:styleLbl>
+  <dgm:styleLbl name="sibTrans1D1">
+    <dgm:scene3d>
+      <a:camera prst="orthographicFront"/>
+      <a:lightRig rig="threePt" dir="t"/>
+    </dgm:scene3d>
+    <dgm:sp3d/>
+    <dgm:txPr/>
+    <dgm:style>
+      <a:lnRef idx="1">
+        <a:scrgbClr r="0" g="0" b="0"/>
+      </a:lnRef>
+      <a:fillRef idx="0">
+        <a:scrgbClr r="0" g="0" b="0"/>
+      </a:fillRef>
+      <a:effectRef idx="0">
+        <a:scrgbClr r="0" g="0" b="0"/>
+      </a:effectRef>
+      <a:fontRef idx="minor"/>
+    </dgm:style>
+  </dgm:styleLbl>
+  <dgm:styleLbl name="callout">
+    <dgm:scene3d>
+      <a:camera prst="orthographicFront"/>
+      <a:lightRig rig="threePt" dir="t"/>
+    </dgm:scene3d>
+    <dgm:sp3d/>
+    <dgm:txPr/>
+    <dgm:style>
+      <a:lnRef idx="2">
+        <a:scrgbClr r="0" g="0" b="0"/>
+      </a:lnRef>
+      <a:fillRef idx="1">
+        <a:scrgbClr r="0" g="0" b="0"/>
+      </a:fillRef>
+      <a:effectRef idx="0">
+        <a:scrgbClr r="0" g="0" b="0"/>
+      </a:effectRef>
+      <a:fontRef idx="minor"/>
+    </dgm:style>
+  </dgm:styleLbl>
+  <dgm:styleLbl name="asst0">
+    <dgm:scene3d>
+      <a:camera prst="orthographicFront"/>
+      <a:lightRig rig="threePt" dir="t"/>
+    </dgm:scene3d>
+    <dgm:sp3d/>
+    <dgm:txPr/>
+    <dgm:style>
+      <a:lnRef idx="2">
+        <a:scrgbClr r="0" g="0" b="0"/>
+      </a:lnRef>
+      <a:fillRef idx="1">
+        <a:scrgbClr r="0" g="0" b="0"/>
+      </a:fillRef>
+      <a:effectRef idx="0">
+        <a:scrgbClr r="0" g="0" b="0"/>
+      </a:effectRef>
+      <a:fontRef idx="minor">
+        <a:schemeClr val="lt1"/>
+      </a:fontRef>
+    </dgm:style>
+  </dgm:styleLbl>
+  <dgm:styleLbl name="asst1">
+    <dgm:scene3d>
+      <a:camera prst="orthographicFront"/>
+      <a:lightRig rig="threePt" dir="t"/>
+    </dgm:scene3d>
+    <dgm:sp3d/>
+    <dgm:txPr/>
+    <dgm:style>
+      <a:lnRef idx="2">
+        <a:scrgbClr r="0" g="0" b="0"/>
+      </a:lnRef>
+      <a:fillRef idx="1">
+        <a:scrgbClr r="0" g="0" b="0"/>
+      </a:fillRef>
+      <a:effectRef idx="0">
+        <a:scrgbClr r="0" g="0" b="0"/>
+      </a:effectRef>
+      <a:fontRef idx="minor">
+        <a:schemeClr val="lt1"/>
+      </a:fontRef>
+    </dgm:style>
+  </dgm:styleLbl>
+  <dgm:styleLbl name="asst2">
+    <dgm:scene3d>
+      <a:camera prst="orthographicFront"/>
+      <a:lightRig rig="threePt" dir="t"/>
+    </dgm:scene3d>
+    <dgm:sp3d/>
+    <dgm:txPr/>
+    <dgm:style>
+      <a:lnRef idx="2">
+        <a:scrgbClr r="0" g="0" b="0"/>
+      </a:lnRef>
+      <a:fillRef idx="1">
+        <a:scrgbClr r="0" g="0" b="0"/>
+      </a:fillRef>
+      <a:effectRef idx="0">
+        <a:scrgbClr r="0" g="0" b="0"/>
+      </a:effectRef>
+      <a:fontRef idx="minor">
+        <a:schemeClr val="lt1"/>
+      </a:fontRef>
+    </dgm:style>
+  </dgm:styleLbl>
+  <dgm:styleLbl name="asst3">
+    <dgm:scene3d>
+      <a:camera prst="orthographicFront"/>
+      <a:lightRig rig="threePt" dir="t"/>
+    </dgm:scene3d>
+    <dgm:sp3d/>
+    <dgm:txPr/>
+    <dgm:style>
+      <a:lnRef idx="2">
+        <a:scrgbClr r="0" g="0" b="0"/>
+      </a:lnRef>
+      <a:fillRef idx="1">
+        <a:scrgbClr r="0" g="0" b="0"/>
+      </a:fillRef>
+      <a:effectRef idx="0">
+        <a:scrgbClr r="0" g="0" b="0"/>
+      </a:effectRef>
+      <a:fontRef idx="minor">
+        <a:schemeClr val="lt1"/>
+      </a:fontRef>
+    </dgm:style>
+  </dgm:styleLbl>
+  <dgm:styleLbl name="asst4">
+    <dgm:scene3d>
+      <a:camera prst="orthographicFront"/>
+      <a:lightRig rig="threePt" dir="t"/>
+    </dgm:scene3d>
+    <dgm:sp3d/>
+    <dgm:txPr/>
+    <dgm:style>
+      <a:lnRef idx="2">
+        <a:scrgbClr r="0" g="0" b="0"/>
+      </a:lnRef>
+      <a:fillRef idx="1">
+        <a:scrgbClr r="0" g="0" b="0"/>
+      </a:fillRef>
+      <a:effectRef idx="0">
+        <a:scrgbClr r="0" g="0" b="0"/>
+      </a:effectRef>
+      <a:fontRef idx="minor">
+        <a:schemeClr val="lt1"/>
+      </a:fontRef>
+    </dgm:style>
+  </dgm:styleLbl>
+  <dgm:styleLbl name="parChTrans2D1">
+    <dgm:scene3d>
+      <a:camera prst="orthographicFront"/>
+      <a:lightRig rig="threePt" dir="t"/>
+    </dgm:scene3d>
+    <dgm:sp3d/>
+    <dgm:txPr/>
+    <dgm:style>
+      <a:lnRef idx="2">
+        <a:scrgbClr r="0" g="0" b="0"/>
+      </a:lnRef>
+      <a:fillRef idx="1">
+        <a:scrgbClr r="0" g="0" b="0"/>
+      </a:fillRef>
+      <a:effectRef idx="0">
+        <a:scrgbClr r="0" g="0" b="0"/>
+      </a:effectRef>
+      <a:fontRef idx="minor">
+        <a:schemeClr val="lt1"/>
+      </a:fontRef>
+    </dgm:style>
+  </dgm:styleLbl>
+  <dgm:styleLbl name="parChTrans2D2">
+    <dgm:scene3d>
+      <a:camera prst="orthographicFront"/>
+      <a:lightRig rig="threePt" dir="t"/>
+    </dgm:scene3d>
+    <dgm:sp3d/>
+    <dgm:txPr/>
+    <dgm:style>
+      <a:lnRef idx="2">
+        <a:scrgbClr r="0" g="0" b="0"/>
+      </a:lnRef>
+      <a:fillRef idx="1">
+        <a:scrgbClr r="0" g="0" b="0"/>
+      </a:fillRef>
+      <a:effectRef idx="0">
+        <a:scrgbClr r="0" g="0" b="0"/>
+      </a:effectRef>
+      <a:fontRef idx="minor">
+        <a:schemeClr val="lt1"/>
+      </a:fontRef>
+    </dgm:style>
+  </dgm:styleLbl>
+  <dgm:styleLbl name="parChTrans2D3">
+    <dgm:scene3d>
+      <a:camera prst="orthographicFront"/>
+      <a:lightRig rig="threePt" dir="t"/>
+    </dgm:scene3d>
+    <dgm:sp3d/>
+    <dgm:txPr/>
+    <dgm:style>
+      <a:lnRef idx="2">
+        <a:scrgbClr r="0" g="0" b="0"/>
+      </a:lnRef>
+      <a:fillRef idx="1">
+        <a:scrgbClr r="0" g="0" b="0"/>
+      </a:fillRef>
+      <a:effectRef idx="0">
+        <a:scrgbClr r="0" g="0" b="0"/>
+      </a:effectRef>
+      <a:fontRef idx="minor">
+        <a:schemeClr val="lt1"/>
+      </a:fontRef>
+    </dgm:style>
+  </dgm:styleLbl>
+  <dgm:styleLbl name="parChTrans2D4">
+    <dgm:scene3d>
+      <a:camera prst="orthographicFront"/>
+      <a:lightRig rig="threePt" dir="t"/>
+    </dgm:scene3d>
+    <dgm:sp3d/>
+    <dgm:txPr/>
+    <dgm:style>
+      <a:lnRef idx="2">
+        <a:scrgbClr r="0" g="0" b="0"/>
+      </a:lnRef>
+      <a:fillRef idx="1">
+        <a:scrgbClr r="0" g="0" b="0"/>
+      </a:fillRef>
+      <a:effectRef idx="0">
+        <a:scrgbClr r="0" g="0" b="0"/>
+      </a:effectRef>
+      <a:fontRef idx="minor">
+        <a:schemeClr val="lt1"/>
+      </a:fontRef>
+    </dgm:style>
+  </dgm:styleLbl>
+  <dgm:styleLbl name="parChTrans1D1">
+    <dgm:scene3d>
+      <a:camera prst="orthographicFront"/>
+      <a:lightRig rig="threePt" dir="t"/>
+    </dgm:scene3d>
+    <dgm:sp3d/>
+    <dgm:txPr/>
+    <dgm:style>
+      <a:lnRef idx="2">
+        <a:scrgbClr r="0" g="0" b="0"/>
+      </a:lnRef>
+      <a:fillRef idx="0">
+        <a:scrgbClr r="0" g="0" b="0"/>
+      </a:fillRef>
+      <a:effectRef idx="0">
+        <a:scrgbClr r="0" g="0" b="0"/>
+      </a:effectRef>
+      <a:fontRef idx="minor"/>
+    </dgm:style>
+  </dgm:styleLbl>
+  <dgm:styleLbl name="parChTrans1D2">
+    <dgm:scene3d>
+      <a:camera prst="orthographicFront"/>
+      <a:lightRig rig="threePt" dir="t"/>
+    </dgm:scene3d>
+    <dgm:sp3d/>
+    <dgm:txPr/>
+    <dgm:style>
+      <a:lnRef idx="2">
+        <a:scrgbClr r="0" g="0" b="0"/>
+      </a:lnRef>
+      <a:fillRef idx="0">
+        <a:scrgbClr r="0" g="0" b="0"/>
+      </a:fillRef>
+      <a:effectRef idx="0">
+        <a:scrgbClr r="0" g="0" b="0"/>
+      </a:effectRef>
+      <a:fontRef idx="minor"/>
+    </dgm:style>
+  </dgm:styleLbl>
+  <dgm:styleLbl name="parChTrans1D3">
+    <dgm:scene3d>
+      <a:camera prst="orthographicFront"/>
+      <a:lightRig rig="threePt" dir="t"/>
+    </dgm:scene3d>
+    <dgm:sp3d/>
+    <dgm:txPr/>
+    <dgm:style>
+      <a:lnRef idx="2">
+        <a:scrgbClr r="0" g="0" b="0"/>
+      </a:lnRef>
+      <a:fillRef idx="0">
+        <a:scrgbClr r="0" g="0" b="0"/>
+      </a:fillRef>
+      <a:effectRef idx="0">
+        <a:scrgbClr r="0" g="0" b="0"/>
+      </a:effectRef>
+      <a:fontRef idx="minor"/>
+    </dgm:style>
+  </dgm:styleLbl>
+  <dgm:styleLbl name="parChTrans1D4">
+    <dgm:scene3d>
+      <a:camera prst="orthographicFront"/>
+      <a:lightRig rig="threePt" dir="t"/>
+    </dgm:scene3d>
+    <dgm:sp3d/>
+    <dgm:txPr/>
+    <dgm:style>
+      <a:lnRef idx="2">
+        <a:scrgbClr r="0" g="0" b="0"/>
+      </a:lnRef>
+      <a:fillRef idx="0">
+        <a:scrgbClr r="0" g="0" b="0"/>
+      </a:fillRef>
+      <a:effectRef idx="0">
+        <a:scrgbClr r="0" g="0" b="0"/>
+      </a:effectRef>
+      <a:fontRef idx="minor"/>
+    </dgm:style>
+  </dgm:styleLbl>
+  <dgm:styleLbl name="fgAcc1">
+    <dgm:scene3d>
+      <a:camera prst="orthographicFront"/>
+      <a:lightRig rig="threePt" dir="t"/>
+    </dgm:scene3d>
+    <dgm:sp3d/>
+    <dgm:txPr/>
+    <dgm:style>
+      <a:lnRef idx="2">
+        <a:scrgbClr r="0" g="0" b="0"/>
+      </a:lnRef>
+      <a:fillRef idx="1">
+        <a:scrgbClr r="0" g="0" b="0"/>
+      </a:fillRef>
+      <a:effectRef idx="0">
+        <a:scrgbClr r="0" g="0" b="0"/>
+      </a:effectRef>
+      <a:fontRef idx="minor"/>
+    </dgm:style>
+  </dgm:styleLbl>
+  <dgm:styleLbl name="conFgAcc1">
+    <dgm:scene3d>
+      <a:camera prst="orthographicFront"/>
+      <a:lightRig rig="threePt" dir="t"/>
+    </dgm:scene3d>
+    <dgm:sp3d/>
+    <dgm:txPr/>
+    <dgm:style>
+      <a:lnRef idx="2">
+        <a:scrgbClr r="0" g="0" b="0"/>
+      </a:lnRef>
+      <a:fillRef idx="1">
+        <a:scrgbClr r="0" g="0" b="0"/>
+      </a:fillRef>
+      <a:effectRef idx="0">
+        <a:scrgbClr r="0" g="0" b="0"/>
+      </a:effectRef>
+      <a:fontRef idx="minor"/>
+    </dgm:style>
+  </dgm:styleLbl>
+  <dgm:styleLbl name="alignAcc1">
+    <dgm:scene3d>
+      <a:camera prst="orthographicFront"/>
+      <a:lightRig rig="threePt" dir="t"/>
+    </dgm:scene3d>
+    <dgm:sp3d/>
+    <dgm:txPr/>
+    <dgm:style>
+      <a:lnRef idx="2">
+        <a:scrgbClr r="0" g="0" b="0"/>
+      </a:lnRef>
+      <a:fillRef idx="1">
+        <a:scrgbClr r="0" g="0" b="0"/>
+      </a:fillRef>
+      <a:effectRef idx="0">
+        <a:scrgbClr r="0" g="0" b="0"/>
+      </a:effectRef>
+      <a:fontRef idx="minor"/>
+    </dgm:style>
+  </dgm:styleLbl>
+  <dgm:styleLbl name="trAlignAcc1">
+    <dgm:scene3d>
+      <a:camera prst="orthographicFront"/>
+      <a:lightRig rig="threePt" dir="t"/>
+    </dgm:scene3d>
+    <dgm:sp3d/>
+    <dgm:txPr/>
+    <dgm:style>
+      <a:lnRef idx="1">
+        <a:scrgbClr r="0" g="0" b="0"/>
+      </a:lnRef>
+      <a:fillRef idx="1">
+        <a:scrgbClr r="0" g="0" b="0"/>
+      </a:fillRef>
+      <a:effectRef idx="0">
+        <a:scrgbClr r="0" g="0" b="0"/>
+      </a:effectRef>
+      <a:fontRef idx="minor"/>
+    </dgm:style>
+  </dgm:styleLbl>
+  <dgm:styleLbl name="bgAcc1">
+    <dgm:scene3d>
+      <a:camera prst="orthographicFront"/>
+      <a:lightRig rig="threePt" dir="t"/>
+    </dgm:scene3d>
+    <dgm:sp3d/>
+    <dgm:txPr/>
+    <dgm:style>
+      <a:lnRef idx="2">
+        <a:scrgbClr r="0" g="0" b="0"/>
+      </a:lnRef>
+      <a:fillRef idx="1">
+        <a:scrgbClr r="0" g="0" b="0"/>
+      </a:fillRef>
+      <a:effectRef idx="0">
+        <a:scrgbClr r="0" g="0" b="0"/>
+      </a:effectRef>
+      <a:fontRef idx="minor"/>
+    </dgm:style>
+  </dgm:styleLbl>
+  <dgm:styleLbl name="solidFgAcc1">
+    <dgm:scene3d>
+      <a:camera prst="orthographicFront"/>
+      <a:lightRig rig="threePt" dir="t"/>
+    </dgm:scene3d>
+    <dgm:sp3d/>
+    <dgm:txPr/>
+    <dgm:style>
+      <a:lnRef idx="2">
+        <a:scrgbClr r="0" g="0" b="0"/>
+      </a:lnRef>
+      <a:fillRef idx="1">
+        <a:scrgbClr r="0" g="0" b="0"/>
+      </a:fillRef>
+      <a:effectRef idx="0">
+        <a:scrgbClr r="0" g="0" b="0"/>
+      </a:effectRef>
+      <a:fontRef idx="minor"/>
+    </dgm:style>
+  </dgm:styleLbl>
+  <dgm:styleLbl name="solidAlignAcc1">
+    <dgm:scene3d>
+      <a:camera prst="orthographicFront"/>
+      <a:lightRig rig="threePt" dir="t"/>
+    </dgm:scene3d>
+    <dgm:sp3d/>
+    <dgm:txPr/>
+    <dgm:style>
+      <a:lnRef idx="2">
+        <a:scrgbClr r="0" g="0" b="0"/>
+      </a:lnRef>
+      <a:fillRef idx="1">
+        <a:scrgbClr r="0" g="0" b="0"/>
+      </a:fillRef>
+      <a:effectRef idx="0">
+        <a:scrgbClr r="0" g="0" b="0"/>
+      </a:effectRef>
+      <a:fontRef idx="minor"/>
+    </dgm:style>
+  </dgm:styleLbl>
+  <dgm:styleLbl name="solidBgAcc1">
+    <dgm:scene3d>
+      <a:camera prst="orthographicFront"/>
+      <a:lightRig rig="threePt" dir="t"/>
+    </dgm:scene3d>
+    <dgm:sp3d/>
+    <dgm:txPr/>
+    <dgm:style>
+      <a:lnRef idx="2">
+        <a:scrgbClr r="0" g="0" b="0"/>
+      </a:lnRef>
+      <a:fillRef idx="1">
+        <a:scrgbClr r="0" g="0" b="0"/>
+      </a:fillRef>
+      <a:effectRef idx="0">
+        <a:scrgbClr r="0" g="0" b="0"/>
+      </a:effectRef>
+      <a:fontRef idx="minor"/>
+    </dgm:style>
+  </dgm:styleLbl>
+  <dgm:styleLbl name="fgAccFollowNode1">
+    <dgm:scene3d>
+      <a:camera prst="orthographicFront"/>
+      <a:lightRig rig="threePt" dir="t"/>
+    </dgm:scene3d>
+    <dgm:sp3d/>
+    <dgm:txPr/>
+    <dgm:style>
+      <a:lnRef idx="2">
+        <a:scrgbClr r="0" g="0" b="0"/>
+      </a:lnRef>
+      <a:fillRef idx="1">
+        <a:scrgbClr r="0" g="0" b="0"/>
+      </a:fillRef>
+      <a:effectRef idx="0">
+        <a:scrgbClr r="0" g="0" b="0"/>
+      </a:effectRef>
+      <a:fontRef idx="minor"/>
+    </dgm:style>
+  </dgm:styleLbl>
+  <dgm:styleLbl name="alignAccFollowNode1">
+    <dgm:scene3d>
+      <a:camera prst="orthographicFront"/>
+      <a:lightRig rig="threePt" dir="t"/>
+    </dgm:scene3d>
+    <dgm:sp3d/>
+    <dgm:txPr/>
+    <dgm:style>
+      <a:lnRef idx="2">
+        <a:scrgbClr r="0" g="0" b="0"/>
+      </a:lnRef>
+      <a:fillRef idx="1">
+        <a:scrgbClr r="0" g="0" b="0"/>
+      </a:fillRef>
+      <a:effectRef idx="0">
+        <a:scrgbClr r="0" g="0" b="0"/>
+      </a:effectRef>
+      <a:fontRef idx="minor"/>
+    </dgm:style>
+  </dgm:styleLbl>
+  <dgm:styleLbl name="bgAccFollowNode1">
+    <dgm:scene3d>
+      <a:camera prst="orthographicFront"/>
+      <a:lightRig rig="threePt" dir="t"/>
+    </dgm:scene3d>
+    <dgm:sp3d/>
+    <dgm:txPr/>
+    <dgm:style>
+      <a:lnRef idx="2">
+        <a:scrgbClr r="0" g="0" b="0"/>
+      </a:lnRef>
+      <a:fillRef idx="1">
+        <a:scrgbClr r="0" g="0" b="0"/>
+      </a:fillRef>
+      <a:effectRef idx="0">
+        <a:scrgbClr r="0" g="0" b="0"/>
+      </a:effectRef>
+      <a:fontRef idx="minor"/>
+    </dgm:style>
+  </dgm:styleLbl>
+  <dgm:styleLbl name="fgAcc0">
+    <dgm:scene3d>
+      <a:camera prst="orthographicFront"/>
+      <a:lightRig rig="threePt" dir="t"/>
+    </dgm:scene3d>
+    <dgm:sp3d/>
+    <dgm:txPr/>
+    <dgm:style>
+      <a:lnRef idx="2">
+        <a:scrgbClr r="0" g="0" b="0"/>
+      </a:lnRef>
+      <a:fillRef idx="1">
+        <a:scrgbClr r="0" g="0" b="0"/>
+      </a:fillRef>
+      <a:effectRef idx="0">
+        <a:scrgbClr r="0" g="0" b="0"/>
+      </a:effectRef>
+      <a:fontRef idx="minor"/>
+    </dgm:style>
+  </dgm:styleLbl>
+  <dgm:styleLbl name="fgAcc2">
+    <dgm:scene3d>
+      <a:camera prst="orthographicFront"/>
+      <a:lightRig rig="threePt" dir="t"/>
+    </dgm:scene3d>
+    <dgm:sp3d/>
+    <dgm:txPr/>
+    <dgm:style>
+      <a:lnRef idx="2">
+        <a:scrgbClr r="0" g="0" b="0"/>
+      </a:lnRef>
+      <a:fillRef idx="1">
+        <a:scrgbClr r="0" g="0" b="0"/>
+      </a:fillRef>
+      <a:effectRef idx="0">
+        <a:scrgbClr r="0" g="0" b="0"/>
+      </a:effectRef>
+      <a:fontRef idx="minor"/>
+    </dgm:style>
+  </dgm:styleLbl>
+  <dgm:styleLbl name="fgAcc3">
+    <dgm:scene3d>
+      <a:camera prst="orthographicFront"/>
+      <a:lightRig rig="threePt" dir="t"/>
+    </dgm:scene3d>
+    <dgm:sp3d/>
+    <dgm:txPr/>
+    <dgm:style>
+      <a:lnRef idx="2">
+        <a:scrgbClr r="0" g="0" b="0"/>
+      </a:lnRef>
+      <a:fillRef idx="1">
+        <a:scrgbClr r="0" g="0" b="0"/>
+      </a:fillRef>
+      <a:effectRef idx="0">
+        <a:scrgbClr r="0" g="0" b="0"/>
+      </a:effectRef>
+      <a:fontRef idx="minor"/>
+    </dgm:style>
+  </dgm:styleLbl>
+  <dgm:styleLbl name="fgAcc4">
+    <dgm:scene3d>
+      <a:camera prst="orthographicFront"/>
+      <a:lightRig rig="threePt" dir="t"/>
+    </dgm:scene3d>
+    <dgm:sp3d/>
+    <dgm:txPr/>
+    <dgm:style>
+      <a:lnRef idx="2">
+        <a:scrgbClr r="0" g="0" b="0"/>
+      </a:lnRef>
+      <a:fillRef idx="1">
+        <a:scrgbClr r="0" g="0" b="0"/>
+      </a:fillRef>
+      <a:effectRef idx="0">
+        <a:scrgbClr r="0" g="0" b="0"/>
+      </a:effectRef>
+      <a:fontRef idx="minor"/>
+    </dgm:style>
+  </dgm:styleLbl>
+  <dgm:styleLbl name="bgShp">
+    <dgm:scene3d>
+      <a:camera prst="orthographicFront"/>
+      <a:lightRig rig="threePt" dir="t"/>
+    </dgm:scene3d>
+    <dgm:sp3d/>
+    <dgm:txPr/>
+    <dgm:style>
+      <a:lnRef idx="0">
+        <a:scrgbClr r="0" g="0" b="0"/>
+      </a:lnRef>
+      <a:fillRef idx="1">
+        <a:scrgbClr r="0" g="0" b="0"/>
+      </a:fillRef>
+      <a:effectRef idx="0">
+        <a:scrgbClr r="0" g="0" b="0"/>
+      </a:effectRef>
+      <a:fontRef idx="minor"/>
+    </dgm:style>
+  </dgm:styleLbl>
+  <dgm:styleLbl name="dkBgShp">
+    <dgm:scene3d>
+      <a:camera prst="orthographicFront"/>
+      <a:lightRig rig="threePt" dir="t"/>
+    </dgm:scene3d>
+    <dgm:sp3d/>
+    <dgm:txPr/>
+    <dgm:style>
+      <a:lnRef idx="0">
+        <a:scrgbClr r="0" g="0" b="0"/>
+      </a:lnRef>
+      <a:fillRef idx="1">
+        <a:scrgbClr r="0" g="0" b="0"/>
+      </a:fillRef>
+      <a:effectRef idx="0">
+        <a:scrgbClr r="0" g="0" b="0"/>
+      </a:effectRef>
+      <a:fontRef idx="minor"/>
+    </dgm:style>
+  </dgm:styleLbl>
+  <dgm:styleLbl name="trBgShp">
+    <dgm:scene3d>
+      <a:camera prst="orthographicFront"/>
+      <a:lightRig rig="threePt" dir="t"/>
+    </dgm:scene3d>
+    <dgm:sp3d/>
+    <dgm:txPr/>
+    <dgm:style>
+      <a:lnRef idx="0">
+        <a:scrgbClr r="0" g="0" b="0"/>
+      </a:lnRef>
+      <a:fillRef idx="1">
+        <a:scrgbClr r="0" g="0" b="0"/>
+      </a:fillRef>
+      <a:effectRef idx="0">
+        <a:scrgbClr r="0" g="0" b="0"/>
+      </a:effectRef>
+      <a:fontRef idx="minor"/>
+    </dgm:style>
+  </dgm:styleLbl>
+  <dgm:styleLbl name="fgShp">
+    <dgm:scene3d>
+      <a:camera prst="orthographicFront"/>
+      <a:lightRig rig="threePt" dir="t"/>
+    </dgm:scene3d>
+    <dgm:sp3d/>
+    <dgm:txPr/>
+    <dgm:style>
+      <a:lnRef idx="2">
+        <a:scrgbClr r="0" g="0" b="0"/>
+      </a:lnRef>
+      <a:fillRef idx="1">
+        <a:scrgbClr r="0" g="0" b="0"/>
+      </a:fillRef>
+      <a:effectRef idx="0">
+        <a:scrgbClr r="0" g="0" b="0"/>
+      </a:effectRef>
+      <a:fontRef idx="minor"/>
+    </dgm:style>
+  </dgm:styleLbl>
+  <dgm:styleLbl name="revTx">
+    <dgm:scene3d>
+      <a:camera prst="orthographicFront"/>
+      <a:lightRig rig="threePt" dir="t"/>
+    </dgm:scene3d>
+    <dgm:sp3d/>
+    <dgm:txPr/>
+    <dgm:style>
+      <a:lnRef idx="0">
+        <a:scrgbClr r="0" g="0" b="0"/>
+      </a:lnRef>
+      <a:fillRef idx="0">
+        <a:scrgbClr r="0" g="0" b="0"/>
+      </a:fillRef>
+      <a:effectRef idx="0">
+        <a:scrgbClr r="0" g="0" b="0"/>
+      </a:effectRef>
+      <a:fontRef idx="minor"/>
+    </dgm:style>
+  </dgm:styleLbl>
+</dgm:styleDef>
+</file>
+
 <file path=ppt/handoutMasters/handoutMaster1.xml><?xml version="1.0" encoding="utf-8"?>
 <p:handoutMaster xmlns:a="http://schemas.openxmlformats.org/drawingml/2006/main" xmlns:r="http://schemas.openxmlformats.org/officeDocument/2006/relationships" xmlns:p="http://schemas.openxmlformats.org/presentationml/2006/main">
   <p:cSld>
@@ -3730,7 +9926,7 @@
     </p:spTree>
     <p:extLst>
       <p:ext uri="{BB962C8B-B14F-4D97-AF65-F5344CB8AC3E}">
-        <p14:creationId xmlns:p14="http://schemas.microsoft.com/office/powerpoint/2010/main" val="813364313"/>
+        <p14:creationId xmlns:p14="http://schemas.microsoft.com/office/powerpoint/2010/main" val="2001375131"/>
       </p:ext>
     </p:extLst>
   </p:cSld>
@@ -3815,7 +10011,7 @@
     </p:spTree>
     <p:extLst>
       <p:ext uri="{BB962C8B-B14F-4D97-AF65-F5344CB8AC3E}">
-        <p14:creationId xmlns:p14="http://schemas.microsoft.com/office/powerpoint/2010/main" val="4226843511"/>
+        <p14:creationId xmlns:p14="http://schemas.microsoft.com/office/powerpoint/2010/main" val="813364313"/>
       </p:ext>
     </p:extLst>
   </p:cSld>
@@ -3900,7 +10096,7 @@
     </p:spTree>
     <p:extLst>
       <p:ext uri="{BB962C8B-B14F-4D97-AF65-F5344CB8AC3E}">
-        <p14:creationId xmlns:p14="http://schemas.microsoft.com/office/powerpoint/2010/main" val="2925674280"/>
+        <p14:creationId xmlns:p14="http://schemas.microsoft.com/office/powerpoint/2010/main" val="4226843511"/>
       </p:ext>
     </p:extLst>
   </p:cSld>
@@ -3985,7 +10181,7 @@
     </p:spTree>
     <p:extLst>
       <p:ext uri="{BB962C8B-B14F-4D97-AF65-F5344CB8AC3E}">
-        <p14:creationId xmlns:p14="http://schemas.microsoft.com/office/powerpoint/2010/main" val="4273139644"/>
+        <p14:creationId xmlns:p14="http://schemas.microsoft.com/office/powerpoint/2010/main" val="2925674280"/>
       </p:ext>
     </p:extLst>
   </p:cSld>
@@ -4070,7 +10266,7 @@
     </p:spTree>
     <p:extLst>
       <p:ext uri="{BB962C8B-B14F-4D97-AF65-F5344CB8AC3E}">
-        <p14:creationId xmlns:p14="http://schemas.microsoft.com/office/powerpoint/2010/main" val="3118653401"/>
+        <p14:creationId xmlns:p14="http://schemas.microsoft.com/office/powerpoint/2010/main" val="4273139644"/>
       </p:ext>
     </p:extLst>
   </p:cSld>
@@ -4155,7 +10351,7 @@
     </p:spTree>
     <p:extLst>
       <p:ext uri="{BB962C8B-B14F-4D97-AF65-F5344CB8AC3E}">
-        <p14:creationId xmlns:p14="http://schemas.microsoft.com/office/powerpoint/2010/main" val="1502348934"/>
+        <p14:creationId xmlns:p14="http://schemas.microsoft.com/office/powerpoint/2010/main" val="3118653401"/>
       </p:ext>
     </p:extLst>
   </p:cSld>
@@ -4240,7 +10436,7 @@
     </p:spTree>
     <p:extLst>
       <p:ext uri="{BB962C8B-B14F-4D97-AF65-F5344CB8AC3E}">
-        <p14:creationId xmlns:p14="http://schemas.microsoft.com/office/powerpoint/2010/main" val="1867965783"/>
+        <p14:creationId xmlns:p14="http://schemas.microsoft.com/office/powerpoint/2010/main" val="1502348934"/>
       </p:ext>
     </p:extLst>
   </p:cSld>
@@ -4325,7 +10521,7 @@
     </p:spTree>
     <p:extLst>
       <p:ext uri="{BB962C8B-B14F-4D97-AF65-F5344CB8AC3E}">
-        <p14:creationId xmlns:p14="http://schemas.microsoft.com/office/powerpoint/2010/main" val="2924746638"/>
+        <p14:creationId xmlns:p14="http://schemas.microsoft.com/office/powerpoint/2010/main" val="1867965783"/>
       </p:ext>
     </p:extLst>
   </p:cSld>
@@ -4410,7 +10606,7 @@
     </p:spTree>
     <p:extLst>
       <p:ext uri="{BB962C8B-B14F-4D97-AF65-F5344CB8AC3E}">
-        <p14:creationId xmlns:p14="http://schemas.microsoft.com/office/powerpoint/2010/main" val="3433385360"/>
+        <p14:creationId xmlns:p14="http://schemas.microsoft.com/office/powerpoint/2010/main" val="2924746638"/>
       </p:ext>
     </p:extLst>
   </p:cSld>
@@ -4495,7 +10691,7 @@
     </p:spTree>
     <p:extLst>
       <p:ext uri="{BB962C8B-B14F-4D97-AF65-F5344CB8AC3E}">
-        <p14:creationId xmlns:p14="http://schemas.microsoft.com/office/powerpoint/2010/main" val="3911524825"/>
+        <p14:creationId xmlns:p14="http://schemas.microsoft.com/office/powerpoint/2010/main" val="3433385360"/>
       </p:ext>
     </p:extLst>
   </p:cSld>
@@ -4657,6 +10853,91 @@
             <a:fld id="{8530193B-564F-4854-8A52-728F3FB19C85}" type="slidenum">
               <a:rPr lang="de-DE" smtClean="0"/>
               <a:t>20</a:t>
+            </a:fld>
+            <a:endParaRPr lang="de-DE"/>
+          </a:p>
+        </p:txBody>
+      </p:sp>
+    </p:spTree>
+    <p:extLst>
+      <p:ext uri="{BB962C8B-B14F-4D97-AF65-F5344CB8AC3E}">
+        <p14:creationId xmlns:p14="http://schemas.microsoft.com/office/powerpoint/2010/main" val="3911524825"/>
+      </p:ext>
+    </p:extLst>
+  </p:cSld>
+  <p:clrMapOvr>
+    <a:masterClrMapping/>
+  </p:clrMapOvr>
+</p:notes>
+</file>
+
+<file path=ppt/notesSlides/notesSlide21.xml><?xml version="1.0" encoding="utf-8"?>
+<p:notes xmlns:a="http://schemas.openxmlformats.org/drawingml/2006/main" xmlns:r="http://schemas.openxmlformats.org/officeDocument/2006/relationships" xmlns:p="http://schemas.openxmlformats.org/presentationml/2006/main">
+  <p:cSld>
+    <p:spTree>
+      <p:nvGrpSpPr>
+        <p:cNvPr id="1" name=""/>
+        <p:cNvGrpSpPr/>
+        <p:nvPr/>
+      </p:nvGrpSpPr>
+      <p:grpSpPr>
+        <a:xfrm>
+          <a:off x="0" y="0"/>
+          <a:ext cx="0" cy="0"/>
+          <a:chOff x="0" y="0"/>
+          <a:chExt cx="0" cy="0"/>
+        </a:xfrm>
+      </p:grpSpPr>
+      <p:sp>
+        <p:nvSpPr>
+          <p:cNvPr id="2" name="Folienbildplatzhalter 1"/>
+          <p:cNvSpPr>
+            <a:spLocks noGrp="1" noRot="1" noChangeAspect="1"/>
+          </p:cNvSpPr>
+          <p:nvPr>
+            <p:ph type="sldImg"/>
+          </p:nvPr>
+        </p:nvSpPr>
+        <p:spPr/>
+      </p:sp>
+      <p:sp>
+        <p:nvSpPr>
+          <p:cNvPr id="3" name="Notizenplatzhalter 2"/>
+          <p:cNvSpPr>
+            <a:spLocks noGrp="1"/>
+          </p:cNvSpPr>
+          <p:nvPr>
+            <p:ph type="body" idx="1"/>
+          </p:nvPr>
+        </p:nvSpPr>
+        <p:spPr/>
+        <p:txBody>
+          <a:bodyPr/>
+          <a:lstStyle/>
+          <a:p>
+            <a:endParaRPr lang="de-DE"/>
+          </a:p>
+        </p:txBody>
+      </p:sp>
+      <p:sp>
+        <p:nvSpPr>
+          <p:cNvPr id="4" name="Foliennummernplatzhalter 3"/>
+          <p:cNvSpPr>
+            <a:spLocks noGrp="1"/>
+          </p:cNvSpPr>
+          <p:nvPr>
+            <p:ph type="sldNum" sz="quarter" idx="10"/>
+          </p:nvPr>
+        </p:nvSpPr>
+        <p:spPr/>
+        <p:txBody>
+          <a:bodyPr/>
+          <a:lstStyle/>
+          <a:p>
+            <a:pPr rtl="0"/>
+            <a:fld id="{8530193B-564F-4854-8A52-728F3FB19C85}" type="slidenum">
+              <a:rPr lang="de-DE" smtClean="0"/>
+              <a:t>21</a:t>
             </a:fld>
             <a:endParaRPr lang="de-DE"/>
           </a:p>
@@ -5229,7 +11510,7 @@
           <a:bodyPr/>
           <a:lstStyle/>
           <a:p>
-            <a:endParaRPr lang="de-DE"/>
+            <a:endParaRPr lang="de-DE" dirty="0"/>
           </a:p>
         </p:txBody>
       </p:sp>
@@ -5249,18 +11530,18 @@
           <a:lstStyle/>
           <a:p>
             <a:pPr rtl="0"/>
-            <a:fld id="{8530193B-564F-4854-8A52-728F3FB19C85}" type="slidenum">
+            <a:fld id="{C42EF66A-76DC-46BE-966E-D293CA144AB0}" type="slidenum">
               <a:rPr lang="de-DE" smtClean="0"/>
               <a:t>9</a:t>
             </a:fld>
-            <a:endParaRPr lang="de-DE"/>
+            <a:endParaRPr lang="de-DE" dirty="0"/>
           </a:p>
         </p:txBody>
       </p:sp>
     </p:spTree>
     <p:extLst>
       <p:ext uri="{BB962C8B-B14F-4D97-AF65-F5344CB8AC3E}">
-        <p14:creationId xmlns:p14="http://schemas.microsoft.com/office/powerpoint/2010/main" val="2001375131"/>
+        <p14:creationId xmlns:p14="http://schemas.microsoft.com/office/powerpoint/2010/main" val="4014331922"/>
       </p:ext>
     </p:extLst>
   </p:cSld>
@@ -8624,6 +14905,152 @@
 </p:sldLayout>
 </file>
 
+<file path=ppt/slideLayouts/slideLayout16.xml><?xml version="1.0" encoding="utf-8"?>
+<p:sldLayout xmlns:a="http://schemas.openxmlformats.org/drawingml/2006/main" xmlns:r="http://schemas.openxmlformats.org/officeDocument/2006/relationships" xmlns:p="http://schemas.openxmlformats.org/presentationml/2006/main" type="titleOnly">
+  <p:cSld name="1_Nur Titel">
+    <p:spTree>
+      <p:nvGrpSpPr>
+        <p:cNvPr id="1" name=""/>
+        <p:cNvGrpSpPr/>
+        <p:nvPr/>
+      </p:nvGrpSpPr>
+      <p:grpSpPr>
+        <a:xfrm>
+          <a:off x="0" y="0"/>
+          <a:ext cx="0" cy="0"/>
+          <a:chOff x="0" y="0"/>
+          <a:chExt cx="0" cy="0"/>
+        </a:xfrm>
+      </p:grpSpPr>
+      <p:sp>
+        <p:nvSpPr>
+          <p:cNvPr id="2" name="Titel 1">
+            <a:extLst>
+              <a:ext uri="{FF2B5EF4-FFF2-40B4-BE49-F238E27FC236}">
+                <a16:creationId xmlns:a16="http://schemas.microsoft.com/office/drawing/2014/main" id="{0707C03D-C54D-40F9-AE6B-95171A26107E}"/>
+              </a:ext>
+            </a:extLst>
+          </p:cNvPr>
+          <p:cNvSpPr>
+            <a:spLocks noGrp="1"/>
+          </p:cNvSpPr>
+          <p:nvPr>
+            <p:ph type="title"/>
+          </p:nvPr>
+        </p:nvSpPr>
+        <p:spPr/>
+        <p:txBody>
+          <a:bodyPr rtlCol="0"/>
+          <a:lstStyle/>
+          <a:p>
+            <a:pPr rtl="0"/>
+            <a:r>
+              <a:rPr lang="de-DE" noProof="0"/>
+              <a:t>Mastertitelformat bearbeiten</a:t>
+            </a:r>
+            <a:endParaRPr lang="de-DE" noProof="0" dirty="0"/>
+          </a:p>
+        </p:txBody>
+      </p:sp>
+      <p:sp>
+        <p:nvSpPr>
+          <p:cNvPr id="3" name="Datumsplatzhalter 2">
+            <a:extLst>
+              <a:ext uri="{FF2B5EF4-FFF2-40B4-BE49-F238E27FC236}">
+                <a16:creationId xmlns:a16="http://schemas.microsoft.com/office/drawing/2014/main" id="{BE4DB319-1DBD-4158-A53E-69B8D62FFAA5}"/>
+              </a:ext>
+            </a:extLst>
+          </p:cNvPr>
+          <p:cNvSpPr>
+            <a:spLocks noGrp="1"/>
+          </p:cNvSpPr>
+          <p:nvPr>
+            <p:ph type="dt" sz="half" idx="10"/>
+          </p:nvPr>
+        </p:nvSpPr>
+        <p:spPr/>
+        <p:txBody>
+          <a:bodyPr rtlCol="0"/>
+          <a:lstStyle/>
+          <a:p>
+            <a:pPr rtl="0"/>
+            <a:fld id="{22F637EC-550D-4EA3-A63A-59452D5B5F3D}" type="datetime1">
+              <a:rPr lang="de-DE" noProof="0" smtClean="0"/>
+              <a:t>10.10.2020</a:t>
+            </a:fld>
+            <a:endParaRPr lang="de-DE" noProof="0" dirty="0"/>
+          </a:p>
+        </p:txBody>
+      </p:sp>
+      <p:sp>
+        <p:nvSpPr>
+          <p:cNvPr id="4" name="Fußzeilenplatzhalter 3">
+            <a:extLst>
+              <a:ext uri="{FF2B5EF4-FFF2-40B4-BE49-F238E27FC236}">
+                <a16:creationId xmlns:a16="http://schemas.microsoft.com/office/drawing/2014/main" id="{C8DD8B8A-BE34-4A8E-84DB-6FB75CE4C74C}"/>
+              </a:ext>
+            </a:extLst>
+          </p:cNvPr>
+          <p:cNvSpPr>
+            <a:spLocks noGrp="1"/>
+          </p:cNvSpPr>
+          <p:nvPr>
+            <p:ph type="ftr" sz="quarter" idx="11"/>
+          </p:nvPr>
+        </p:nvSpPr>
+        <p:spPr/>
+        <p:txBody>
+          <a:bodyPr rtlCol="0"/>
+          <a:lstStyle/>
+          <a:p>
+            <a:pPr rtl="0"/>
+            <a:endParaRPr lang="de-DE" noProof="0" dirty="0"/>
+          </a:p>
+        </p:txBody>
+      </p:sp>
+      <p:sp>
+        <p:nvSpPr>
+          <p:cNvPr id="5" name="Foliennummernplatzhalter 4">
+            <a:extLst>
+              <a:ext uri="{FF2B5EF4-FFF2-40B4-BE49-F238E27FC236}">
+                <a16:creationId xmlns:a16="http://schemas.microsoft.com/office/drawing/2014/main" id="{12D4E8CF-5B8A-42F4-ADE9-A70238546734}"/>
+              </a:ext>
+            </a:extLst>
+          </p:cNvPr>
+          <p:cNvSpPr>
+            <a:spLocks noGrp="1"/>
+          </p:cNvSpPr>
+          <p:nvPr>
+            <p:ph type="sldNum" sz="quarter" idx="12"/>
+          </p:nvPr>
+        </p:nvSpPr>
+        <p:spPr/>
+        <p:txBody>
+          <a:bodyPr rtlCol="0"/>
+          <a:lstStyle/>
+          <a:p>
+            <a:pPr rtl="0"/>
+            <a:fld id="{DD35DBF2-A8CF-448E-B167-C826703D0B69}" type="slidenum">
+              <a:rPr lang="de-DE" noProof="0" smtClean="0"/>
+              <a:t>‹Nr.›</a:t>
+            </a:fld>
+            <a:endParaRPr lang="de-DE" noProof="0" dirty="0"/>
+          </a:p>
+        </p:txBody>
+      </p:sp>
+    </p:spTree>
+    <p:extLst>
+      <p:ext uri="{BB962C8B-B14F-4D97-AF65-F5344CB8AC3E}">
+        <p14:creationId xmlns:p14="http://schemas.microsoft.com/office/powerpoint/2010/main" val="4268979368"/>
+      </p:ext>
+    </p:extLst>
+  </p:cSld>
+  <p:clrMapOvr>
+    <a:masterClrMapping/>
+  </p:clrMapOvr>
+</p:sldLayout>
+</file>
+
 <file path=ppt/slideLayouts/slideLayout2.xml><?xml version="1.0" encoding="utf-8"?>
 <p:sldLayout xmlns:a="http://schemas.openxmlformats.org/drawingml/2006/main" xmlns:r="http://schemas.openxmlformats.org/officeDocument/2006/relationships" xmlns:p="http://schemas.openxmlformats.org/presentationml/2006/main" showMasterSp="0" preserve="1" userDrawn="1">
   <p:cSld name="Titelfolie">
@@ -16388,6 +22815,7 @@
     <p:sldLayoutId id="2147483656" r:id="rId13"/>
     <p:sldLayoutId id="2147483657" r:id="rId14"/>
     <p:sldLayoutId id="2147483655" r:id="rId15"/>
+    <p:sldLayoutId id="2147483667" r:id="rId16"/>
   </p:sldLayoutIdLst>
   <p:hf hdr="0" ftr="0" dt="0"/>
   <p:txStyles>
@@ -17071,6 +23499,867 @@
           <a:chExt cx="0" cy="0"/>
         </a:xfrm>
       </p:grpSpPr>
+      <p:sp>
+        <p:nvSpPr>
+          <p:cNvPr id="14" name="Titel 13">
+            <a:extLst>
+              <a:ext uri="{FF2B5EF4-FFF2-40B4-BE49-F238E27FC236}">
+                <a16:creationId xmlns:a16="http://schemas.microsoft.com/office/drawing/2014/main" id="{A75ED8DE-91C1-418D-A17F-D34B14E99FC8}"/>
+              </a:ext>
+            </a:extLst>
+          </p:cNvPr>
+          <p:cNvSpPr>
+            <a:spLocks noGrp="1"/>
+          </p:cNvSpPr>
+          <p:nvPr>
+            <p:ph type="title"/>
+          </p:nvPr>
+        </p:nvSpPr>
+        <p:spPr/>
+        <p:txBody>
+          <a:bodyPr/>
+          <a:lstStyle/>
+          <a:p>
+            <a:r>
+              <a:rPr lang="de-DE" dirty="0"/>
+              <a:t>Future of</a:t>
+            </a:r>
+          </a:p>
+        </p:txBody>
+      </p:sp>
+      <p:sp>
+        <p:nvSpPr>
+          <p:cNvPr id="3" name="Textplatzhalter 2">
+            <a:extLst>
+              <a:ext uri="{FF2B5EF4-FFF2-40B4-BE49-F238E27FC236}">
+                <a16:creationId xmlns:a16="http://schemas.microsoft.com/office/drawing/2014/main" id="{611DC577-0A95-47D0-95D9-5F8DA763D46B}"/>
+              </a:ext>
+            </a:extLst>
+          </p:cNvPr>
+          <p:cNvSpPr>
+            <a:spLocks noGrp="1"/>
+          </p:cNvSpPr>
+          <p:nvPr>
+            <p:ph type="body" sz="quarter" idx="32"/>
+          </p:nvPr>
+        </p:nvSpPr>
+        <p:spPr/>
+        <p:txBody>
+          <a:bodyPr rtlCol="0"/>
+          <a:lstStyle/>
+          <a:p>
+            <a:pPr rtl="0"/>
+            <a:r>
+              <a:rPr lang="de-DE"/>
+              <a:t>Lorem ipsum dolor sit amet, consectetur adipiscing elit. Etiam aliquet eu mi quis lacinia. Ut fermentum a magna ut.</a:t>
+            </a:r>
+          </a:p>
+        </p:txBody>
+      </p:sp>
+      <p:sp>
+        <p:nvSpPr>
+          <p:cNvPr id="4" name="Inhaltsplatzhalter 3">
+            <a:extLst>
+              <a:ext uri="{FF2B5EF4-FFF2-40B4-BE49-F238E27FC236}">
+                <a16:creationId xmlns:a16="http://schemas.microsoft.com/office/drawing/2014/main" id="{D355C61F-C8F1-4977-8E1F-F16C0D9EA88C}"/>
+              </a:ext>
+            </a:extLst>
+          </p:cNvPr>
+          <p:cNvSpPr>
+            <a:spLocks noGrp="1"/>
+          </p:cNvSpPr>
+          <p:nvPr>
+            <p:ph sz="half" idx="1"/>
+          </p:nvPr>
+        </p:nvSpPr>
+        <p:spPr>
+          <a:xfrm>
+            <a:off x="432000" y="2556000"/>
+            <a:ext cx="5472000" cy="3600000"/>
+          </a:xfrm>
+        </p:spPr>
+        <p:txBody>
+          <a:bodyPr rtlCol="0"/>
+          <a:lstStyle/>
+          <a:p>
+            <a:pPr marL="0" indent="0" rtl="0">
+              <a:buNone/>
+            </a:pPr>
+            <a:r>
+              <a:rPr lang="de-DE" sz="2800" dirty="0" err="1"/>
+              <a:t>Lorem</a:t>
+            </a:r>
+            <a:r>
+              <a:rPr lang="de-DE" sz="2800" dirty="0"/>
+              <a:t> </a:t>
+            </a:r>
+            <a:r>
+              <a:rPr lang="de-DE" sz="2800" dirty="0" err="1"/>
+              <a:t>ipsum</a:t>
+            </a:r>
+            <a:r>
+              <a:rPr lang="de-DE" sz="2800" dirty="0"/>
+              <a:t> </a:t>
+            </a:r>
+            <a:r>
+              <a:rPr lang="de-DE" sz="2800" dirty="0" err="1"/>
+              <a:t>dolor</a:t>
+            </a:r>
+            <a:r>
+              <a:rPr lang="de-DE" sz="2800" dirty="0"/>
+              <a:t> </a:t>
+            </a:r>
+            <a:r>
+              <a:rPr lang="de-DE" sz="2800" dirty="0" err="1"/>
+              <a:t>sit</a:t>
+            </a:r>
+            <a:r>
+              <a:rPr lang="de-DE" sz="2800" dirty="0"/>
+              <a:t> </a:t>
+            </a:r>
+            <a:r>
+              <a:rPr lang="de-DE" sz="2800" dirty="0" err="1"/>
+              <a:t>amet</a:t>
+            </a:r>
+            <a:r>
+              <a:rPr lang="de-DE" sz="2800" dirty="0"/>
+              <a:t>, </a:t>
+            </a:r>
+            <a:r>
+              <a:rPr lang="de-DE" sz="2800" dirty="0" err="1"/>
+              <a:t>consectetur</a:t>
+            </a:r>
+            <a:r>
+              <a:rPr lang="de-DE" sz="2800" dirty="0"/>
+              <a:t> </a:t>
+            </a:r>
+            <a:r>
+              <a:rPr lang="de-DE" sz="2800" dirty="0" err="1"/>
+              <a:t>adipiscing</a:t>
+            </a:r>
+            <a:r>
+              <a:rPr lang="de-DE" sz="2800" dirty="0"/>
+              <a:t> </a:t>
+            </a:r>
+            <a:r>
+              <a:rPr lang="de-DE" sz="2800" dirty="0" err="1"/>
+              <a:t>elit</a:t>
+            </a:r>
+            <a:r>
+              <a:rPr lang="de-DE" sz="2800" dirty="0"/>
+              <a:t>. </a:t>
+            </a:r>
+          </a:p>
+          <a:p>
+            <a:pPr rtl="0"/>
+            <a:r>
+              <a:rPr lang="de-DE" dirty="0" err="1"/>
+              <a:t>Ut</a:t>
+            </a:r>
+            <a:r>
+              <a:rPr lang="de-DE" dirty="0"/>
+              <a:t> </a:t>
+            </a:r>
+            <a:r>
+              <a:rPr lang="de-DE" dirty="0" err="1"/>
+              <a:t>fermentum</a:t>
+            </a:r>
+            <a:r>
+              <a:rPr lang="de-DE" dirty="0"/>
+              <a:t> a magna </a:t>
+            </a:r>
+            <a:r>
+              <a:rPr lang="de-DE" dirty="0" err="1"/>
+              <a:t>ut</a:t>
+            </a:r>
+            <a:r>
+              <a:rPr lang="de-DE" dirty="0"/>
+              <a:t> </a:t>
+            </a:r>
+            <a:r>
+              <a:rPr lang="de-DE" dirty="0" err="1"/>
+              <a:t>eleifend</a:t>
+            </a:r>
+            <a:r>
+              <a:rPr lang="de-DE" dirty="0"/>
+              <a:t>. Integer </a:t>
+            </a:r>
+            <a:r>
+              <a:rPr lang="de-DE" dirty="0" err="1"/>
+              <a:t>convallis</a:t>
+            </a:r>
+            <a:r>
+              <a:rPr lang="de-DE" dirty="0"/>
+              <a:t> </a:t>
+            </a:r>
+            <a:r>
+              <a:rPr lang="de-DE" dirty="0" err="1"/>
+              <a:t>suscipit</a:t>
+            </a:r>
+            <a:r>
+              <a:rPr lang="de-DE" dirty="0"/>
+              <a:t> ante </a:t>
+            </a:r>
+            <a:r>
+              <a:rPr lang="de-DE" dirty="0" err="1"/>
+              <a:t>eu</a:t>
+            </a:r>
+            <a:r>
+              <a:rPr lang="de-DE" dirty="0"/>
+              <a:t> </a:t>
+            </a:r>
+            <a:r>
+              <a:rPr lang="de-DE" dirty="0" err="1"/>
+              <a:t>varius</a:t>
+            </a:r>
+            <a:r>
+              <a:rPr lang="de-DE" dirty="0"/>
+              <a:t>. </a:t>
+            </a:r>
+          </a:p>
+          <a:p>
+            <a:pPr rtl="0"/>
+            <a:r>
+              <a:rPr lang="de-DE" dirty="0"/>
+              <a:t>Morbi a </a:t>
+            </a:r>
+            <a:r>
+              <a:rPr lang="de-DE" dirty="0" err="1"/>
+              <a:t>purus</a:t>
+            </a:r>
+            <a:r>
+              <a:rPr lang="de-DE" dirty="0"/>
+              <a:t> </a:t>
+            </a:r>
+            <a:r>
+              <a:rPr lang="de-DE" dirty="0" err="1"/>
+              <a:t>dolor</a:t>
+            </a:r>
+            <a:r>
+              <a:rPr lang="de-DE" dirty="0"/>
+              <a:t>. </a:t>
+            </a:r>
+            <a:r>
+              <a:rPr lang="de-DE" dirty="0" err="1"/>
+              <a:t>Suspendisse</a:t>
+            </a:r>
+            <a:r>
+              <a:rPr lang="de-DE" dirty="0"/>
+              <a:t> </a:t>
+            </a:r>
+            <a:r>
+              <a:rPr lang="de-DE" dirty="0" err="1"/>
+              <a:t>sit</a:t>
+            </a:r>
+            <a:r>
+              <a:rPr lang="de-DE" dirty="0"/>
+              <a:t> </a:t>
+            </a:r>
+            <a:r>
+              <a:rPr lang="de-DE" dirty="0" err="1"/>
+              <a:t>amet</a:t>
+            </a:r>
+            <a:r>
+              <a:rPr lang="de-DE" dirty="0"/>
+              <a:t> </a:t>
+            </a:r>
+            <a:r>
+              <a:rPr lang="de-DE" dirty="0" err="1"/>
+              <a:t>ipsum</a:t>
+            </a:r>
+            <a:r>
+              <a:rPr lang="de-DE" dirty="0"/>
+              <a:t> </a:t>
+            </a:r>
+            <a:r>
+              <a:rPr lang="de-DE" dirty="0" err="1"/>
+              <a:t>finibus</a:t>
+            </a:r>
+            <a:r>
+              <a:rPr lang="de-DE" dirty="0"/>
+              <a:t> </a:t>
+            </a:r>
+            <a:r>
+              <a:rPr lang="de-DE" dirty="0" err="1"/>
+              <a:t>justo</a:t>
+            </a:r>
+            <a:r>
+              <a:rPr lang="de-DE" dirty="0"/>
+              <a:t> </a:t>
+            </a:r>
+            <a:r>
+              <a:rPr lang="de-DE" dirty="0" err="1"/>
+              <a:t>viverra</a:t>
+            </a:r>
+            <a:r>
+              <a:rPr lang="de-DE" dirty="0"/>
+              <a:t> </a:t>
+            </a:r>
+            <a:r>
+              <a:rPr lang="de-DE" dirty="0" err="1"/>
+              <a:t>blandit</a:t>
+            </a:r>
+            <a:r>
+              <a:rPr lang="de-DE" dirty="0"/>
+              <a:t>. </a:t>
+            </a:r>
+          </a:p>
+          <a:p>
+            <a:pPr rtl="0"/>
+            <a:r>
+              <a:rPr lang="de-DE" dirty="0" err="1"/>
+              <a:t>Ut</a:t>
+            </a:r>
+            <a:r>
+              <a:rPr lang="de-DE" dirty="0"/>
+              <a:t> </a:t>
+            </a:r>
+            <a:r>
+              <a:rPr lang="de-DE" dirty="0" err="1"/>
+              <a:t>congue</a:t>
+            </a:r>
+            <a:r>
+              <a:rPr lang="de-DE" dirty="0"/>
+              <a:t> </a:t>
+            </a:r>
+            <a:r>
+              <a:rPr lang="de-DE" dirty="0" err="1"/>
+              <a:t>quis</a:t>
+            </a:r>
+            <a:r>
+              <a:rPr lang="de-DE" dirty="0"/>
+              <a:t> </a:t>
+            </a:r>
+            <a:r>
+              <a:rPr lang="de-DE" dirty="0" err="1"/>
+              <a:t>tortor</a:t>
+            </a:r>
+            <a:r>
+              <a:rPr lang="de-DE" dirty="0"/>
+              <a:t> </a:t>
+            </a:r>
+            <a:r>
+              <a:rPr lang="de-DE" dirty="0" err="1"/>
+              <a:t>eget</a:t>
+            </a:r>
+            <a:r>
+              <a:rPr lang="de-DE" dirty="0"/>
+              <a:t> </a:t>
+            </a:r>
+            <a:r>
+              <a:rPr lang="de-DE" dirty="0" err="1"/>
+              <a:t>sodales</a:t>
+            </a:r>
+            <a:r>
+              <a:rPr lang="de-DE" dirty="0"/>
+              <a:t>. </a:t>
+            </a:r>
+          </a:p>
+        </p:txBody>
+      </p:sp>
+      <p:pic>
+        <p:nvPicPr>
+          <p:cNvPr id="9" name="Bildplatzhalter 8" descr="Bildplatzhalter">
+            <a:extLst>
+              <a:ext uri="{FF2B5EF4-FFF2-40B4-BE49-F238E27FC236}">
+                <a16:creationId xmlns:a16="http://schemas.microsoft.com/office/drawing/2014/main" id="{52FD3342-E198-5348-9EE9-579E8FFF9DDC}"/>
+              </a:ext>
+            </a:extLst>
+          </p:cNvPr>
+          <p:cNvPicPr>
+            <a:picLocks noGrp="1" noChangeAspect="1"/>
+          </p:cNvPicPr>
+          <p:nvPr>
+            <p:ph type="pic" sz="quarter" idx="14"/>
+          </p:nvPr>
+        </p:nvPicPr>
+        <p:blipFill>
+          <a:blip r:embed="rId3" cstate="screen">
+            <a:extLst>
+              <a:ext uri="{28A0092B-C50C-407E-A947-70E740481C1C}">
+                <a14:useLocalDpi xmlns:a14="http://schemas.microsoft.com/office/drawing/2010/main"/>
+              </a:ext>
+            </a:extLst>
+          </a:blip>
+          <a:srcRect/>
+          <a:stretch>
+            <a:fillRect/>
+          </a:stretch>
+        </p:blipFill>
+        <p:spPr/>
+      </p:pic>
+      <p:sp>
+        <p:nvSpPr>
+          <p:cNvPr id="15" name="Freihandform 5" descr="Hohler Bildakzent">
+            <a:extLst>
+              <a:ext uri="{FF2B5EF4-FFF2-40B4-BE49-F238E27FC236}">
+                <a16:creationId xmlns:a16="http://schemas.microsoft.com/office/drawing/2014/main" id="{764DA446-807B-4C83-BB5A-59E3FABC93F3}"/>
+              </a:ext>
+              <a:ext uri="{C183D7F6-B498-43B3-948B-1728B52AA6E4}">
+                <adec:decorative xmlns:adec="http://schemas.microsoft.com/office/drawing/2017/decorative" val="1"/>
+              </a:ext>
+            </a:extLst>
+          </p:cNvPr>
+          <p:cNvSpPr>
+            <a:spLocks noChangeAspect="1"/>
+          </p:cNvSpPr>
+          <p:nvPr/>
+        </p:nvSpPr>
+        <p:spPr bwMode="auto">
+          <a:xfrm>
+            <a:off x="6490727" y="1236374"/>
+            <a:ext cx="1838651" cy="1613506"/>
+          </a:xfrm>
+          <a:custGeom>
+            <a:avLst/>
+            <a:gdLst>
+              <a:gd name="T0" fmla="*/ 781 w 1099"/>
+              <a:gd name="T1" fmla="*/ 0 h 968"/>
+              <a:gd name="T2" fmla="*/ 318 w 1099"/>
+              <a:gd name="T3" fmla="*/ 0 h 968"/>
+              <a:gd name="T4" fmla="*/ 246 w 1099"/>
+              <a:gd name="T5" fmla="*/ 42 h 968"/>
+              <a:gd name="T6" fmla="*/ 15 w 1099"/>
+              <a:gd name="T7" fmla="*/ 443 h 968"/>
+              <a:gd name="T8" fmla="*/ 15 w 1099"/>
+              <a:gd name="T9" fmla="*/ 525 h 968"/>
+              <a:gd name="T10" fmla="*/ 246 w 1099"/>
+              <a:gd name="T11" fmla="*/ 926 h 968"/>
+              <a:gd name="T12" fmla="*/ 318 w 1099"/>
+              <a:gd name="T13" fmla="*/ 968 h 968"/>
+              <a:gd name="T14" fmla="*/ 781 w 1099"/>
+              <a:gd name="T15" fmla="*/ 968 h 968"/>
+              <a:gd name="T16" fmla="*/ 852 w 1099"/>
+              <a:gd name="T17" fmla="*/ 926 h 968"/>
+              <a:gd name="T18" fmla="*/ 1084 w 1099"/>
+              <a:gd name="T19" fmla="*/ 525 h 968"/>
+              <a:gd name="T20" fmla="*/ 1084 w 1099"/>
+              <a:gd name="T21" fmla="*/ 443 h 968"/>
+              <a:gd name="T22" fmla="*/ 852 w 1099"/>
+              <a:gd name="T23" fmla="*/ 42 h 968"/>
+              <a:gd name="T24" fmla="*/ 781 w 1099"/>
+              <a:gd name="T25" fmla="*/ 0 h 968"/>
+            </a:gdLst>
+            <a:ahLst/>
+            <a:cxnLst>
+              <a:cxn ang="0">
+                <a:pos x="T0" y="T1"/>
+              </a:cxn>
+              <a:cxn ang="0">
+                <a:pos x="T2" y="T3"/>
+              </a:cxn>
+              <a:cxn ang="0">
+                <a:pos x="T4" y="T5"/>
+              </a:cxn>
+              <a:cxn ang="0">
+                <a:pos x="T6" y="T7"/>
+              </a:cxn>
+              <a:cxn ang="0">
+                <a:pos x="T8" y="T9"/>
+              </a:cxn>
+              <a:cxn ang="0">
+                <a:pos x="T10" y="T11"/>
+              </a:cxn>
+              <a:cxn ang="0">
+                <a:pos x="T12" y="T13"/>
+              </a:cxn>
+              <a:cxn ang="0">
+                <a:pos x="T14" y="T15"/>
+              </a:cxn>
+              <a:cxn ang="0">
+                <a:pos x="T16" y="T17"/>
+              </a:cxn>
+              <a:cxn ang="0">
+                <a:pos x="T18" y="T19"/>
+              </a:cxn>
+              <a:cxn ang="0">
+                <a:pos x="T20" y="T21"/>
+              </a:cxn>
+              <a:cxn ang="0">
+                <a:pos x="T22" y="T23"/>
+              </a:cxn>
+              <a:cxn ang="0">
+                <a:pos x="T24" y="T25"/>
+              </a:cxn>
+            </a:cxnLst>
+            <a:rect l="0" t="0" r="r" b="b"/>
+            <a:pathLst>
+              <a:path w="1099" h="968">
+                <a:moveTo>
+                  <a:pt x="781" y="0"/>
+                </a:moveTo>
+                <a:cubicBezTo>
+                  <a:pt x="318" y="0"/>
+                  <a:pt x="318" y="0"/>
+                  <a:pt x="318" y="0"/>
+                </a:cubicBezTo>
+                <a:cubicBezTo>
+                  <a:pt x="288" y="0"/>
+                  <a:pt x="261" y="16"/>
+                  <a:pt x="246" y="42"/>
+                </a:cubicBezTo>
+                <a:cubicBezTo>
+                  <a:pt x="15" y="443"/>
+                  <a:pt x="15" y="443"/>
+                  <a:pt x="15" y="443"/>
+                </a:cubicBezTo>
+                <a:cubicBezTo>
+                  <a:pt x="0" y="468"/>
+                  <a:pt x="0" y="500"/>
+                  <a:pt x="15" y="525"/>
+                </a:cubicBezTo>
+                <a:cubicBezTo>
+                  <a:pt x="246" y="926"/>
+                  <a:pt x="246" y="926"/>
+                  <a:pt x="246" y="926"/>
+                </a:cubicBezTo>
+                <a:cubicBezTo>
+                  <a:pt x="261" y="952"/>
+                  <a:pt x="288" y="968"/>
+                  <a:pt x="318" y="968"/>
+                </a:cubicBezTo>
+                <a:cubicBezTo>
+                  <a:pt x="781" y="968"/>
+                  <a:pt x="781" y="968"/>
+                  <a:pt x="781" y="968"/>
+                </a:cubicBezTo>
+                <a:cubicBezTo>
+                  <a:pt x="810" y="968"/>
+                  <a:pt x="838" y="952"/>
+                  <a:pt x="852" y="926"/>
+                </a:cubicBezTo>
+                <a:cubicBezTo>
+                  <a:pt x="1084" y="525"/>
+                  <a:pt x="1084" y="525"/>
+                  <a:pt x="1084" y="525"/>
+                </a:cubicBezTo>
+                <a:cubicBezTo>
+                  <a:pt x="1099" y="500"/>
+                  <a:pt x="1099" y="468"/>
+                  <a:pt x="1084" y="443"/>
+                </a:cubicBezTo>
+                <a:cubicBezTo>
+                  <a:pt x="852" y="42"/>
+                  <a:pt x="852" y="42"/>
+                  <a:pt x="852" y="42"/>
+                </a:cubicBezTo>
+                <a:cubicBezTo>
+                  <a:pt x="838" y="16"/>
+                  <a:pt x="810" y="0"/>
+                  <a:pt x="781" y="0"/>
+                </a:cubicBezTo>
+                <a:close/>
+              </a:path>
+            </a:pathLst>
+          </a:custGeom>
+          <a:noFill/>
+          <a:ln w="63500" cap="flat">
+            <a:solidFill>
+              <a:schemeClr val="tx1">
+                <a:lumMod val="65000"/>
+                <a:lumOff val="35000"/>
+              </a:schemeClr>
+            </a:solidFill>
+            <a:prstDash val="solid"/>
+            <a:miter lim="800000"/>
+            <a:headEnd/>
+            <a:tailEnd/>
+          </a:ln>
+        </p:spPr>
+        <p:txBody>
+          <a:bodyPr vert="horz" wrap="square" lIns="91440" tIns="45720" rIns="91440" bIns="45720" numCol="1" rtlCol="0" anchor="t" anchorCtr="0" compatLnSpc="1">
+            <a:prstTxWarp prst="textNoShape">
+              <a:avLst/>
+            </a:prstTxWarp>
+          </a:bodyPr>
+          <a:lstStyle/>
+          <a:p>
+            <a:pPr rtl="0"/>
+            <a:endParaRPr lang="de-DE"/>
+          </a:p>
+        </p:txBody>
+      </p:sp>
+      <p:sp>
+        <p:nvSpPr>
+          <p:cNvPr id="16" name="Freihandform 5" descr="Gefüllter Bildakzent">
+            <a:extLst>
+              <a:ext uri="{FF2B5EF4-FFF2-40B4-BE49-F238E27FC236}">
+                <a16:creationId xmlns:a16="http://schemas.microsoft.com/office/drawing/2014/main" id="{F28CDBF8-0191-43F9-98FE-B98B08813979}"/>
+              </a:ext>
+              <a:ext uri="{C183D7F6-B498-43B3-948B-1728B52AA6E4}">
+                <adec:decorative xmlns:adec="http://schemas.microsoft.com/office/drawing/2017/decorative" val="1"/>
+              </a:ext>
+            </a:extLst>
+          </p:cNvPr>
+          <p:cNvSpPr>
+            <a:spLocks noChangeAspect="1"/>
+          </p:cNvSpPr>
+          <p:nvPr/>
+        </p:nvSpPr>
+        <p:spPr bwMode="auto">
+          <a:xfrm>
+            <a:off x="7459030" y="2460298"/>
+            <a:ext cx="1103873" cy="968702"/>
+          </a:xfrm>
+          <a:custGeom>
+            <a:avLst/>
+            <a:gdLst>
+              <a:gd name="T0" fmla="*/ 781 w 1099"/>
+              <a:gd name="T1" fmla="*/ 0 h 968"/>
+              <a:gd name="T2" fmla="*/ 318 w 1099"/>
+              <a:gd name="T3" fmla="*/ 0 h 968"/>
+              <a:gd name="T4" fmla="*/ 246 w 1099"/>
+              <a:gd name="T5" fmla="*/ 42 h 968"/>
+              <a:gd name="T6" fmla="*/ 15 w 1099"/>
+              <a:gd name="T7" fmla="*/ 443 h 968"/>
+              <a:gd name="T8" fmla="*/ 15 w 1099"/>
+              <a:gd name="T9" fmla="*/ 525 h 968"/>
+              <a:gd name="T10" fmla="*/ 246 w 1099"/>
+              <a:gd name="T11" fmla="*/ 926 h 968"/>
+              <a:gd name="T12" fmla="*/ 318 w 1099"/>
+              <a:gd name="T13" fmla="*/ 968 h 968"/>
+              <a:gd name="T14" fmla="*/ 781 w 1099"/>
+              <a:gd name="T15" fmla="*/ 968 h 968"/>
+              <a:gd name="T16" fmla="*/ 852 w 1099"/>
+              <a:gd name="T17" fmla="*/ 926 h 968"/>
+              <a:gd name="T18" fmla="*/ 1084 w 1099"/>
+              <a:gd name="T19" fmla="*/ 525 h 968"/>
+              <a:gd name="T20" fmla="*/ 1084 w 1099"/>
+              <a:gd name="T21" fmla="*/ 443 h 968"/>
+              <a:gd name="T22" fmla="*/ 852 w 1099"/>
+              <a:gd name="T23" fmla="*/ 42 h 968"/>
+              <a:gd name="T24" fmla="*/ 781 w 1099"/>
+              <a:gd name="T25" fmla="*/ 0 h 968"/>
+            </a:gdLst>
+            <a:ahLst/>
+            <a:cxnLst>
+              <a:cxn ang="0">
+                <a:pos x="T0" y="T1"/>
+              </a:cxn>
+              <a:cxn ang="0">
+                <a:pos x="T2" y="T3"/>
+              </a:cxn>
+              <a:cxn ang="0">
+                <a:pos x="T4" y="T5"/>
+              </a:cxn>
+              <a:cxn ang="0">
+                <a:pos x="T6" y="T7"/>
+              </a:cxn>
+              <a:cxn ang="0">
+                <a:pos x="T8" y="T9"/>
+              </a:cxn>
+              <a:cxn ang="0">
+                <a:pos x="T10" y="T11"/>
+              </a:cxn>
+              <a:cxn ang="0">
+                <a:pos x="T12" y="T13"/>
+              </a:cxn>
+              <a:cxn ang="0">
+                <a:pos x="T14" y="T15"/>
+              </a:cxn>
+              <a:cxn ang="0">
+                <a:pos x="T16" y="T17"/>
+              </a:cxn>
+              <a:cxn ang="0">
+                <a:pos x="T18" y="T19"/>
+              </a:cxn>
+              <a:cxn ang="0">
+                <a:pos x="T20" y="T21"/>
+              </a:cxn>
+              <a:cxn ang="0">
+                <a:pos x="T22" y="T23"/>
+              </a:cxn>
+              <a:cxn ang="0">
+                <a:pos x="T24" y="T25"/>
+              </a:cxn>
+            </a:cxnLst>
+            <a:rect l="0" t="0" r="r" b="b"/>
+            <a:pathLst>
+              <a:path w="1099" h="968">
+                <a:moveTo>
+                  <a:pt x="781" y="0"/>
+                </a:moveTo>
+                <a:cubicBezTo>
+                  <a:pt x="318" y="0"/>
+                  <a:pt x="318" y="0"/>
+                  <a:pt x="318" y="0"/>
+                </a:cubicBezTo>
+                <a:cubicBezTo>
+                  <a:pt x="288" y="0"/>
+                  <a:pt x="261" y="16"/>
+                  <a:pt x="246" y="42"/>
+                </a:cubicBezTo>
+                <a:cubicBezTo>
+                  <a:pt x="15" y="443"/>
+                  <a:pt x="15" y="443"/>
+                  <a:pt x="15" y="443"/>
+                </a:cubicBezTo>
+                <a:cubicBezTo>
+                  <a:pt x="0" y="468"/>
+                  <a:pt x="0" y="500"/>
+                  <a:pt x="15" y="525"/>
+                </a:cubicBezTo>
+                <a:cubicBezTo>
+                  <a:pt x="246" y="926"/>
+                  <a:pt x="246" y="926"/>
+                  <a:pt x="246" y="926"/>
+                </a:cubicBezTo>
+                <a:cubicBezTo>
+                  <a:pt x="261" y="952"/>
+                  <a:pt x="288" y="968"/>
+                  <a:pt x="318" y="968"/>
+                </a:cubicBezTo>
+                <a:cubicBezTo>
+                  <a:pt x="781" y="968"/>
+                  <a:pt x="781" y="968"/>
+                  <a:pt x="781" y="968"/>
+                </a:cubicBezTo>
+                <a:cubicBezTo>
+                  <a:pt x="810" y="968"/>
+                  <a:pt x="838" y="952"/>
+                  <a:pt x="852" y="926"/>
+                </a:cubicBezTo>
+                <a:cubicBezTo>
+                  <a:pt x="1084" y="525"/>
+                  <a:pt x="1084" y="525"/>
+                  <a:pt x="1084" y="525"/>
+                </a:cubicBezTo>
+                <a:cubicBezTo>
+                  <a:pt x="1099" y="500"/>
+                  <a:pt x="1099" y="468"/>
+                  <a:pt x="1084" y="443"/>
+                </a:cubicBezTo>
+                <a:cubicBezTo>
+                  <a:pt x="852" y="42"/>
+                  <a:pt x="852" y="42"/>
+                  <a:pt x="852" y="42"/>
+                </a:cubicBezTo>
+                <a:cubicBezTo>
+                  <a:pt x="838" y="16"/>
+                  <a:pt x="810" y="0"/>
+                  <a:pt x="781" y="0"/>
+                </a:cubicBezTo>
+                <a:close/>
+              </a:path>
+            </a:pathLst>
+          </a:custGeom>
+          <a:solidFill>
+            <a:schemeClr val="bg1">
+              <a:lumMod val="95000"/>
+            </a:schemeClr>
+          </a:solidFill>
+          <a:ln w="63500" cap="flat">
+            <a:noFill/>
+            <a:prstDash val="solid"/>
+            <a:miter lim="800000"/>
+            <a:headEnd/>
+            <a:tailEnd/>
+          </a:ln>
+        </p:spPr>
+        <p:txBody>
+          <a:bodyPr vert="horz" wrap="square" lIns="91440" tIns="45720" rIns="91440" bIns="45720" numCol="1" rtlCol="0" anchor="t" anchorCtr="0" compatLnSpc="1">
+            <a:prstTxWarp prst="textNoShape">
+              <a:avLst/>
+            </a:prstTxWarp>
+          </a:bodyPr>
+          <a:lstStyle/>
+          <a:p>
+            <a:pPr rtl="0"/>
+            <a:endParaRPr lang="de-DE"/>
+          </a:p>
+        </p:txBody>
+      </p:sp>
+      <p:sp>
+        <p:nvSpPr>
+          <p:cNvPr id="6" name="Foliennummernplatzhalter 5">
+            <a:extLst>
+              <a:ext uri="{FF2B5EF4-FFF2-40B4-BE49-F238E27FC236}">
+                <a16:creationId xmlns:a16="http://schemas.microsoft.com/office/drawing/2014/main" id="{1C554D9F-1895-486E-BFBA-905BB2D29E08}"/>
+              </a:ext>
+            </a:extLst>
+          </p:cNvPr>
+          <p:cNvSpPr>
+            <a:spLocks noGrp="1"/>
+          </p:cNvSpPr>
+          <p:nvPr>
+            <p:ph type="sldNum" sz="quarter" idx="33"/>
+          </p:nvPr>
+        </p:nvSpPr>
+        <p:spPr/>
+        <p:txBody>
+          <a:bodyPr rtlCol="0"/>
+          <a:lstStyle/>
+          <a:p>
+            <a:pPr rtl="0"/>
+            <a:fld id="{19B51A1E-902D-48AF-9020-955120F399B6}" type="slidenum">
+              <a:rPr lang="de-DE" smtClean="0"/>
+              <a:pPr rtl="0"/>
+              <a:t>10</a:t>
+            </a:fld>
+            <a:endParaRPr lang="de-DE"/>
+          </a:p>
+        </p:txBody>
+      </p:sp>
+      <p:pic>
+        <p:nvPicPr>
+          <p:cNvPr id="11" name="Inhaltsplatzhalter 10">
+            <a:extLst>
+              <a:ext uri="{FF2B5EF4-FFF2-40B4-BE49-F238E27FC236}">
+                <a16:creationId xmlns:a16="http://schemas.microsoft.com/office/drawing/2014/main" id="{E76EF919-A29D-4031-A753-E311F959ACF3}"/>
+              </a:ext>
+            </a:extLst>
+          </p:cNvPr>
+          <p:cNvPicPr>
+            <a:picLocks noChangeAspect="1"/>
+          </p:cNvPicPr>
+          <p:nvPr/>
+        </p:nvPicPr>
+        <p:blipFill>
+          <a:blip r:embed="rId4"/>
+          <a:stretch>
+            <a:fillRect/>
+          </a:stretch>
+        </p:blipFill>
+        <p:spPr>
+          <a:xfrm>
+            <a:off x="2074987" y="139581"/>
+            <a:ext cx="1630472" cy="913065"/>
+          </a:xfrm>
+          <a:prstGeom prst="rect">
+            <a:avLst/>
+          </a:prstGeom>
+        </p:spPr>
+      </p:pic>
+    </p:spTree>
+    <p:extLst>
+      <p:ext uri="{BB962C8B-B14F-4D97-AF65-F5344CB8AC3E}">
+        <p14:creationId xmlns:p14="http://schemas.microsoft.com/office/powerpoint/2010/main" val="1329746698"/>
+      </p:ext>
+    </p:extLst>
+  </p:cSld>
+  <p:clrMapOvr>
+    <a:masterClrMapping/>
+  </p:clrMapOvr>
+</p:sld>
+</file>
+
+<file path=ppt/slides/slide11.xml><?xml version="1.0" encoding="utf-8"?>
+<p:sld xmlns:a="http://schemas.openxmlformats.org/drawingml/2006/main" xmlns:r="http://schemas.openxmlformats.org/officeDocument/2006/relationships" xmlns:p="http://schemas.openxmlformats.org/presentationml/2006/main">
+  <p:cSld>
+    <p:spTree>
+      <p:nvGrpSpPr>
+        <p:cNvPr id="1" name=""/>
+        <p:cNvGrpSpPr/>
+        <p:nvPr/>
+      </p:nvGrpSpPr>
+      <p:grpSpPr>
+        <a:xfrm>
+          <a:off x="0" y="0"/>
+          <a:ext cx="0" cy="0"/>
+          <a:chOff x="0" y="0"/>
+          <a:chExt cx="0" cy="0"/>
+        </a:xfrm>
+      </p:grpSpPr>
       <p:pic>
         <p:nvPicPr>
           <p:cNvPr id="12" name="Bildplatzhalter 11" descr="Bildplatzhalter">
@@ -18012,7 +25301,7 @@
 </p:sld>
 </file>
 
-<file path=ppt/slides/slide11.xml><?xml version="1.0" encoding="utf-8"?>
+<file path=ppt/slides/slide12.xml><?xml version="1.0" encoding="utf-8"?>
 <p:sld xmlns:a="http://schemas.openxmlformats.org/drawingml/2006/main" xmlns:r="http://schemas.openxmlformats.org/officeDocument/2006/relationships" xmlns:p="http://schemas.openxmlformats.org/presentationml/2006/main">
   <p:cSld>
     <p:spTree>
@@ -18042,7 +25331,7 @@
 </p:sld>
 </file>
 
-<file path=ppt/slides/slide12.xml><?xml version="1.0" encoding="utf-8"?>
+<file path=ppt/slides/slide13.xml><?xml version="1.0" encoding="utf-8"?>
 <p:sld xmlns:a="http://schemas.openxmlformats.org/drawingml/2006/main" xmlns:r="http://schemas.openxmlformats.org/officeDocument/2006/relationships" xmlns:p="http://schemas.openxmlformats.org/presentationml/2006/main">
   <p:cSld>
     <p:spTree>
@@ -18803,7 +26092,7 @@
             <a:fld id="{19B51A1E-902D-48AF-9020-955120F399B6}" type="slidenum">
               <a:rPr lang="de-DE" smtClean="0"/>
               <a:pPr rtl="0"/>
-              <a:t>12</a:t>
+              <a:t>13</a:t>
             </a:fld>
             <a:endParaRPr lang="de-DE"/>
           </a:p>
@@ -18822,7 +26111,7 @@
 </p:sld>
 </file>
 
-<file path=ppt/slides/slide13.xml><?xml version="1.0" encoding="utf-8"?>
+<file path=ppt/slides/slide14.xml><?xml version="1.0" encoding="utf-8"?>
 <p:sld xmlns:a="http://schemas.openxmlformats.org/drawingml/2006/main" xmlns:r="http://schemas.openxmlformats.org/officeDocument/2006/relationships" xmlns:p="http://schemas.openxmlformats.org/presentationml/2006/main">
   <p:cSld>
     <p:spTree>
@@ -19597,7 +26886,7 @@
             <a:fld id="{19B51A1E-902D-48AF-9020-955120F399B6}" type="slidenum">
               <a:rPr lang="de-DE" smtClean="0"/>
               <a:pPr rtl="0"/>
-              <a:t>13</a:t>
+              <a:t>14</a:t>
             </a:fld>
             <a:endParaRPr lang="de-DE"/>
           </a:p>
@@ -19616,7 +26905,7 @@
 </p:sld>
 </file>
 
-<file path=ppt/slides/slide14.xml><?xml version="1.0" encoding="utf-8"?>
+<file path=ppt/slides/slide15.xml><?xml version="1.0" encoding="utf-8"?>
 <p:sld xmlns:a="http://schemas.openxmlformats.org/drawingml/2006/main" xmlns:r="http://schemas.openxmlformats.org/officeDocument/2006/relationships" xmlns:p="http://schemas.openxmlformats.org/presentationml/2006/main">
   <p:cSld>
     <p:spTree>
@@ -20185,7 +27474,7 @@
             <a:fld id="{19B51A1E-902D-48AF-9020-955120F399B6}" type="slidenum">
               <a:rPr lang="de-DE" smtClean="0"/>
               <a:pPr rtl="0"/>
-              <a:t>14</a:t>
+              <a:t>15</a:t>
             </a:fld>
             <a:endParaRPr lang="de-DE"/>
           </a:p>
@@ -20204,7 +27493,7 @@
 </p:sld>
 </file>
 
-<file path=ppt/slides/slide15.xml><?xml version="1.0" encoding="utf-8"?>
+<file path=ppt/slides/slide16.xml><?xml version="1.0" encoding="utf-8"?>
 <p:sld xmlns:a="http://schemas.openxmlformats.org/drawingml/2006/main" xmlns:r="http://schemas.openxmlformats.org/officeDocument/2006/relationships" xmlns:p="http://schemas.openxmlformats.org/presentationml/2006/main">
   <p:cSld>
     <p:spTree>
@@ -20768,7 +28057,7 @@
             <a:fld id="{19B51A1E-902D-48AF-9020-955120F399B6}" type="slidenum">
               <a:rPr lang="de-DE" smtClean="0"/>
               <a:pPr rtl="0"/>
-              <a:t>15</a:t>
+              <a:t>16</a:t>
             </a:fld>
             <a:endParaRPr lang="de-DE"/>
           </a:p>
@@ -20787,7 +28076,7 @@
 </p:sld>
 </file>
 
-<file path=ppt/slides/slide16.xml><?xml version="1.0" encoding="utf-8"?>
+<file path=ppt/slides/slide17.xml><?xml version="1.0" encoding="utf-8"?>
 <p:sld xmlns:a="http://schemas.openxmlformats.org/drawingml/2006/main" xmlns:r="http://schemas.openxmlformats.org/officeDocument/2006/relationships" xmlns:p="http://schemas.openxmlformats.org/presentationml/2006/main">
   <p:cSld>
     <p:spTree>
@@ -21037,7 +28326,7 @@
             <a:fld id="{19B51A1E-902D-48AF-9020-955120F399B6}" type="slidenum">
               <a:rPr lang="de-DE" smtClean="0"/>
               <a:pPr rtl="0"/>
-              <a:t>16</a:t>
+              <a:t>17</a:t>
             </a:fld>
             <a:endParaRPr lang="de-DE"/>
           </a:p>
@@ -21056,7 +28345,7 @@
 </p:sld>
 </file>
 
-<file path=ppt/slides/slide17.xml><?xml version="1.0" encoding="utf-8"?>
+<file path=ppt/slides/slide18.xml><?xml version="1.0" encoding="utf-8"?>
 <p:sld xmlns:a="http://schemas.openxmlformats.org/drawingml/2006/main" xmlns:r="http://schemas.openxmlformats.org/officeDocument/2006/relationships" xmlns:p="http://schemas.openxmlformats.org/presentationml/2006/main">
   <p:cSld>
     <p:spTree>
@@ -21320,7 +28609,7 @@
             <a:fld id="{19B51A1E-902D-48AF-9020-955120F399B6}" type="slidenum">
               <a:rPr lang="de-DE" smtClean="0"/>
               <a:pPr rtl="0"/>
-              <a:t>17</a:t>
+              <a:t>18</a:t>
             </a:fld>
             <a:endParaRPr lang="de-DE"/>
           </a:p>
@@ -21339,7 +28628,7 @@
 </p:sld>
 </file>
 
-<file path=ppt/slides/slide18.xml><?xml version="1.0" encoding="utf-8"?>
+<file path=ppt/slides/slide19.xml><?xml version="1.0" encoding="utf-8"?>
 <p:sld xmlns:a="http://schemas.openxmlformats.org/drawingml/2006/main" xmlns:r="http://schemas.openxmlformats.org/officeDocument/2006/relationships" xmlns:p="http://schemas.openxmlformats.org/presentationml/2006/main">
   <p:cSld>
     <p:spTree>
@@ -21523,7 +28812,7 @@
             <a:fld id="{19B51A1E-902D-48AF-9020-955120F399B6}" type="slidenum">
               <a:rPr lang="de-DE" smtClean="0"/>
               <a:pPr rtl="0"/>
-              <a:t>18</a:t>
+              <a:t>19</a:t>
             </a:fld>
             <a:endParaRPr lang="de-DE" dirty="0"/>
           </a:p>
@@ -21542,7 +28831,326 @@
 </p:sld>
 </file>
 
-<file path=ppt/slides/slide19.xml><?xml version="1.0" encoding="utf-8"?>
+<file path=ppt/slides/slide2.xml><?xml version="1.0" encoding="utf-8"?>
+<p:sld xmlns:a="http://schemas.openxmlformats.org/drawingml/2006/main" xmlns:r="http://schemas.openxmlformats.org/officeDocument/2006/relationships" xmlns:p="http://schemas.openxmlformats.org/presentationml/2006/main">
+  <p:cSld>
+    <p:spTree>
+      <p:nvGrpSpPr>
+        <p:cNvPr id="1" name=""/>
+        <p:cNvGrpSpPr/>
+        <p:nvPr/>
+      </p:nvGrpSpPr>
+      <p:grpSpPr>
+        <a:xfrm>
+          <a:off x="0" y="0"/>
+          <a:ext cx="0" cy="0"/>
+          <a:chOff x="0" y="0"/>
+          <a:chExt cx="0" cy="0"/>
+        </a:xfrm>
+      </p:grpSpPr>
+      <p:sp>
+        <p:nvSpPr>
+          <p:cNvPr id="6" name="Foliennummernplatzhalter 5">
+            <a:extLst>
+              <a:ext uri="{FF2B5EF4-FFF2-40B4-BE49-F238E27FC236}">
+                <a16:creationId xmlns:a16="http://schemas.microsoft.com/office/drawing/2014/main" id="{4B379698-AB4C-493D-BF95-F5781FDF2AC5}"/>
+              </a:ext>
+            </a:extLst>
+          </p:cNvPr>
+          <p:cNvSpPr>
+            <a:spLocks noGrp="1"/>
+          </p:cNvSpPr>
+          <p:nvPr>
+            <p:ph type="sldNum" sz="quarter" idx="33"/>
+          </p:nvPr>
+        </p:nvSpPr>
+        <p:spPr/>
+        <p:txBody>
+          <a:bodyPr rtlCol="0"/>
+          <a:lstStyle/>
+          <a:p>
+            <a:pPr rtl="0"/>
+            <a:fld id="{19B51A1E-902D-48AF-9020-955120F399B6}" type="slidenum">
+              <a:rPr lang="de-DE" smtClean="0"/>
+              <a:pPr rtl="0"/>
+              <a:t>2</a:t>
+            </a:fld>
+            <a:endParaRPr lang="de-DE"/>
+          </a:p>
+        </p:txBody>
+      </p:sp>
+      <p:pic>
+        <p:nvPicPr>
+          <p:cNvPr id="10" name="Grafik 9" descr="Mann und Frau">
+            <a:extLst>
+              <a:ext uri="{FF2B5EF4-FFF2-40B4-BE49-F238E27FC236}">
+                <a16:creationId xmlns:a16="http://schemas.microsoft.com/office/drawing/2014/main" id="{DF15AB1B-2819-4B5C-A20E-5D49A08F3A3E}"/>
+              </a:ext>
+            </a:extLst>
+          </p:cNvPr>
+          <p:cNvPicPr>
+            <a:picLocks noChangeAspect="1"/>
+          </p:cNvPicPr>
+          <p:nvPr/>
+        </p:nvPicPr>
+        <p:blipFill>
+          <a:blip r:embed="rId3">
+            <a:extLst>
+              <a:ext uri="{96DAC541-7B7A-43D3-8B79-37D633B846F1}">
+                <asvg:svgBlip xmlns:asvg="http://schemas.microsoft.com/office/drawing/2016/SVG/main" r:embed="rId4"/>
+              </a:ext>
+            </a:extLst>
+          </a:blip>
+          <a:stretch>
+            <a:fillRect/>
+          </a:stretch>
+        </p:blipFill>
+        <p:spPr>
+          <a:xfrm>
+            <a:off x="4001047" y="965199"/>
+            <a:ext cx="4927601" cy="4927601"/>
+          </a:xfrm>
+          <a:prstGeom prst="rect">
+            <a:avLst/>
+          </a:prstGeom>
+        </p:spPr>
+      </p:pic>
+      <p:sp>
+        <p:nvSpPr>
+          <p:cNvPr id="11" name="Pfeil: Fünfeck 10">
+            <a:extLst>
+              <a:ext uri="{FF2B5EF4-FFF2-40B4-BE49-F238E27FC236}">
+                <a16:creationId xmlns:a16="http://schemas.microsoft.com/office/drawing/2014/main" id="{C1721307-41F4-40E1-B3CC-AD4F35311E78}"/>
+              </a:ext>
+            </a:extLst>
+          </p:cNvPr>
+          <p:cNvSpPr/>
+          <p:nvPr/>
+        </p:nvSpPr>
+        <p:spPr>
+          <a:xfrm rot="1111887">
+            <a:off x="4453165" y="4818521"/>
+            <a:ext cx="978408" cy="484632"/>
+          </a:xfrm>
+          <a:prstGeom prst="homePlate">
+            <a:avLst/>
+          </a:prstGeom>
+        </p:spPr>
+        <p:style>
+          <a:lnRef idx="2">
+            <a:schemeClr val="accent1">
+              <a:shade val="50000"/>
+            </a:schemeClr>
+          </a:lnRef>
+          <a:fillRef idx="1">
+            <a:schemeClr val="accent1"/>
+          </a:fillRef>
+          <a:effectRef idx="0">
+            <a:schemeClr val="accent1"/>
+          </a:effectRef>
+          <a:fontRef idx="minor">
+            <a:schemeClr val="lt1"/>
+          </a:fontRef>
+        </p:style>
+        <p:txBody>
+          <a:bodyPr rtlCol="0" anchor="ctr"/>
+          <a:lstStyle/>
+          <a:p>
+            <a:pPr algn="ctr"/>
+            <a:r>
+              <a:rPr lang="de-DE" dirty="0"/>
+              <a:t>Leon</a:t>
+            </a:r>
+          </a:p>
+        </p:txBody>
+      </p:sp>
+      <p:sp>
+        <p:nvSpPr>
+          <p:cNvPr id="12" name="Pfeil: Fünfeck 11">
+            <a:extLst>
+              <a:ext uri="{FF2B5EF4-FFF2-40B4-BE49-F238E27FC236}">
+                <a16:creationId xmlns:a16="http://schemas.microsoft.com/office/drawing/2014/main" id="{799C4B57-AE8E-4E8B-8423-648868EDB907}"/>
+              </a:ext>
+            </a:extLst>
+          </p:cNvPr>
+          <p:cNvSpPr/>
+          <p:nvPr/>
+        </p:nvSpPr>
+        <p:spPr>
+          <a:xfrm rot="20661648" flipH="1">
+            <a:off x="7468562" y="4815016"/>
+            <a:ext cx="1000474" cy="484632"/>
+          </a:xfrm>
+          <a:prstGeom prst="homePlate">
+            <a:avLst/>
+          </a:prstGeom>
+        </p:spPr>
+        <p:style>
+          <a:lnRef idx="2">
+            <a:schemeClr val="accent1">
+              <a:shade val="50000"/>
+            </a:schemeClr>
+          </a:lnRef>
+          <a:fillRef idx="1">
+            <a:schemeClr val="accent1"/>
+          </a:fillRef>
+          <a:effectRef idx="0">
+            <a:schemeClr val="accent1"/>
+          </a:effectRef>
+          <a:fontRef idx="minor">
+            <a:schemeClr val="lt1"/>
+          </a:fontRef>
+        </p:style>
+        <p:txBody>
+          <a:bodyPr rtlCol="0" anchor="ctr"/>
+          <a:lstStyle/>
+          <a:p>
+            <a:pPr algn="ctr"/>
+            <a:r>
+              <a:rPr lang="de-DE" dirty="0"/>
+              <a:t>Anna</a:t>
+            </a:r>
+          </a:p>
+        </p:txBody>
+      </p:sp>
+      <p:sp>
+        <p:nvSpPr>
+          <p:cNvPr id="13" name="Gewitterblitz 12">
+            <a:extLst>
+              <a:ext uri="{FF2B5EF4-FFF2-40B4-BE49-F238E27FC236}">
+                <a16:creationId xmlns:a16="http://schemas.microsoft.com/office/drawing/2014/main" id="{BF787EAC-6AB1-4B4D-9F3E-37A73BCADA8A}"/>
+              </a:ext>
+            </a:extLst>
+          </p:cNvPr>
+          <p:cNvSpPr/>
+          <p:nvPr/>
+        </p:nvSpPr>
+        <p:spPr>
+          <a:xfrm rot="1453349">
+            <a:off x="5764204" y="1988771"/>
+            <a:ext cx="1377458" cy="2432447"/>
+          </a:xfrm>
+          <a:prstGeom prst="lightningBolt">
+            <a:avLst/>
+          </a:prstGeom>
+        </p:spPr>
+        <p:style>
+          <a:lnRef idx="2">
+            <a:schemeClr val="accent6">
+              <a:shade val="50000"/>
+            </a:schemeClr>
+          </a:lnRef>
+          <a:fillRef idx="1">
+            <a:schemeClr val="accent6"/>
+          </a:fillRef>
+          <a:effectRef idx="0">
+            <a:schemeClr val="accent6"/>
+          </a:effectRef>
+          <a:fontRef idx="minor">
+            <a:schemeClr val="lt1"/>
+          </a:fontRef>
+        </p:style>
+        <p:txBody>
+          <a:bodyPr rtlCol="0" anchor="ctr"/>
+          <a:lstStyle/>
+          <a:p>
+            <a:pPr algn="ctr"/>
+            <a:endParaRPr lang="de-DE"/>
+          </a:p>
+        </p:txBody>
+      </p:sp>
+    </p:spTree>
+    <p:extLst>
+      <p:ext uri="{BB962C8B-B14F-4D97-AF65-F5344CB8AC3E}">
+        <p14:creationId xmlns:p14="http://schemas.microsoft.com/office/powerpoint/2010/main" val="3270831033"/>
+      </p:ext>
+    </p:extLst>
+  </p:cSld>
+  <p:clrMapOvr>
+    <a:masterClrMapping/>
+  </p:clrMapOvr>
+  <p:timing>
+    <p:tnLst>
+      <p:par>
+        <p:cTn id="1" dur="indefinite" restart="never" nodeType="tmRoot">
+          <p:childTnLst>
+            <p:seq concurrent="1" nextAc="seek">
+              <p:cTn id="2" dur="indefinite" nodeType="mainSeq">
+                <p:childTnLst>
+                  <p:par>
+                    <p:cTn id="3" fill="hold">
+                      <p:stCondLst>
+                        <p:cond delay="indefinite"/>
+                      </p:stCondLst>
+                      <p:childTnLst>
+                        <p:par>
+                          <p:cTn id="4" fill="hold">
+                            <p:stCondLst>
+                              <p:cond delay="0"/>
+                            </p:stCondLst>
+                            <p:childTnLst>
+                              <p:par>
+                                <p:cTn id="5" presetID="1" presetClass="entr" presetSubtype="0" fill="hold" grpId="0" nodeType="clickEffect">
+                                  <p:stCondLst>
+                                    <p:cond delay="0"/>
+                                  </p:stCondLst>
+                                  <p:childTnLst>
+                                    <p:set>
+                                      <p:cBhvr>
+                                        <p:cTn id="6" dur="1" fill="hold">
+                                          <p:stCondLst>
+                                            <p:cond delay="0"/>
+                                          </p:stCondLst>
+                                        </p:cTn>
+                                        <p:tgtEl>
+                                          <p:spTgt spid="13"/>
+                                        </p:tgtEl>
+                                        <p:attrNameLst>
+                                          <p:attrName>style.visibility</p:attrName>
+                                        </p:attrNameLst>
+                                      </p:cBhvr>
+                                      <p:to>
+                                        <p:strVal val="visible"/>
+                                      </p:to>
+                                    </p:set>
+                                  </p:childTnLst>
+                                </p:cTn>
+                              </p:par>
+                            </p:childTnLst>
+                          </p:cTn>
+                        </p:par>
+                      </p:childTnLst>
+                    </p:cTn>
+                  </p:par>
+                </p:childTnLst>
+              </p:cTn>
+              <p:prevCondLst>
+                <p:cond evt="onPrev" delay="0">
+                  <p:tgtEl>
+                    <p:sldTgt/>
+                  </p:tgtEl>
+                </p:cond>
+              </p:prevCondLst>
+              <p:nextCondLst>
+                <p:cond evt="onNext" delay="0">
+                  <p:tgtEl>
+                    <p:sldTgt/>
+                  </p:tgtEl>
+                </p:cond>
+              </p:nextCondLst>
+            </p:seq>
+          </p:childTnLst>
+        </p:cTn>
+      </p:par>
+    </p:tnLst>
+    <p:bldLst>
+      <p:bldP spid="13" grpId="0" animBg="1"/>
+    </p:bldLst>
+  </p:timing>
+</p:sld>
+</file>
+
+<file path=ppt/slides/slide20.xml><?xml version="1.0" encoding="utf-8"?>
 <p:sld xmlns:a="http://schemas.openxmlformats.org/drawingml/2006/main" xmlns:r="http://schemas.openxmlformats.org/officeDocument/2006/relationships" xmlns:p="http://schemas.openxmlformats.org/presentationml/2006/main">
   <p:cSld>
     <p:spTree>
@@ -24827,7 +32435,7 @@
             <a:fld id="{19B51A1E-902D-48AF-9020-955120F399B6}" type="slidenum">
               <a:rPr lang="de-DE" smtClean="0"/>
               <a:pPr rtl="0"/>
-              <a:t>19</a:t>
+              <a:t>20</a:t>
             </a:fld>
             <a:endParaRPr lang="de-DE"/>
           </a:p>
@@ -24846,326 +32454,7 @@
 </p:sld>
 </file>
 
-<file path=ppt/slides/slide2.xml><?xml version="1.0" encoding="utf-8"?>
-<p:sld xmlns:a="http://schemas.openxmlformats.org/drawingml/2006/main" xmlns:r="http://schemas.openxmlformats.org/officeDocument/2006/relationships" xmlns:p="http://schemas.openxmlformats.org/presentationml/2006/main">
-  <p:cSld>
-    <p:spTree>
-      <p:nvGrpSpPr>
-        <p:cNvPr id="1" name=""/>
-        <p:cNvGrpSpPr/>
-        <p:nvPr/>
-      </p:nvGrpSpPr>
-      <p:grpSpPr>
-        <a:xfrm>
-          <a:off x="0" y="0"/>
-          <a:ext cx="0" cy="0"/>
-          <a:chOff x="0" y="0"/>
-          <a:chExt cx="0" cy="0"/>
-        </a:xfrm>
-      </p:grpSpPr>
-      <p:sp>
-        <p:nvSpPr>
-          <p:cNvPr id="6" name="Foliennummernplatzhalter 5">
-            <a:extLst>
-              <a:ext uri="{FF2B5EF4-FFF2-40B4-BE49-F238E27FC236}">
-                <a16:creationId xmlns:a16="http://schemas.microsoft.com/office/drawing/2014/main" id="{4B379698-AB4C-493D-BF95-F5781FDF2AC5}"/>
-              </a:ext>
-            </a:extLst>
-          </p:cNvPr>
-          <p:cNvSpPr>
-            <a:spLocks noGrp="1"/>
-          </p:cNvSpPr>
-          <p:nvPr>
-            <p:ph type="sldNum" sz="quarter" idx="33"/>
-          </p:nvPr>
-        </p:nvSpPr>
-        <p:spPr/>
-        <p:txBody>
-          <a:bodyPr rtlCol="0"/>
-          <a:lstStyle/>
-          <a:p>
-            <a:pPr rtl="0"/>
-            <a:fld id="{19B51A1E-902D-48AF-9020-955120F399B6}" type="slidenum">
-              <a:rPr lang="de-DE" smtClean="0"/>
-              <a:pPr rtl="0"/>
-              <a:t>2</a:t>
-            </a:fld>
-            <a:endParaRPr lang="de-DE"/>
-          </a:p>
-        </p:txBody>
-      </p:sp>
-      <p:pic>
-        <p:nvPicPr>
-          <p:cNvPr id="10" name="Grafik 9" descr="Mann und Frau">
-            <a:extLst>
-              <a:ext uri="{FF2B5EF4-FFF2-40B4-BE49-F238E27FC236}">
-                <a16:creationId xmlns:a16="http://schemas.microsoft.com/office/drawing/2014/main" id="{DF15AB1B-2819-4B5C-A20E-5D49A08F3A3E}"/>
-              </a:ext>
-            </a:extLst>
-          </p:cNvPr>
-          <p:cNvPicPr>
-            <a:picLocks noChangeAspect="1"/>
-          </p:cNvPicPr>
-          <p:nvPr/>
-        </p:nvPicPr>
-        <p:blipFill>
-          <a:blip r:embed="rId3">
-            <a:extLst>
-              <a:ext uri="{96DAC541-7B7A-43D3-8B79-37D633B846F1}">
-                <asvg:svgBlip xmlns:asvg="http://schemas.microsoft.com/office/drawing/2016/SVG/main" r:embed="rId4"/>
-              </a:ext>
-            </a:extLst>
-          </a:blip>
-          <a:stretch>
-            <a:fillRect/>
-          </a:stretch>
-        </p:blipFill>
-        <p:spPr>
-          <a:xfrm>
-            <a:off x="4001047" y="965199"/>
-            <a:ext cx="4927601" cy="4927601"/>
-          </a:xfrm>
-          <a:prstGeom prst="rect">
-            <a:avLst/>
-          </a:prstGeom>
-        </p:spPr>
-      </p:pic>
-      <p:sp>
-        <p:nvSpPr>
-          <p:cNvPr id="11" name="Pfeil: Fünfeck 10">
-            <a:extLst>
-              <a:ext uri="{FF2B5EF4-FFF2-40B4-BE49-F238E27FC236}">
-                <a16:creationId xmlns:a16="http://schemas.microsoft.com/office/drawing/2014/main" id="{C1721307-41F4-40E1-B3CC-AD4F35311E78}"/>
-              </a:ext>
-            </a:extLst>
-          </p:cNvPr>
-          <p:cNvSpPr/>
-          <p:nvPr/>
-        </p:nvSpPr>
-        <p:spPr>
-          <a:xfrm rot="1111887">
-            <a:off x="4453165" y="4818521"/>
-            <a:ext cx="978408" cy="484632"/>
-          </a:xfrm>
-          <a:prstGeom prst="homePlate">
-            <a:avLst/>
-          </a:prstGeom>
-        </p:spPr>
-        <p:style>
-          <a:lnRef idx="2">
-            <a:schemeClr val="accent1">
-              <a:shade val="50000"/>
-            </a:schemeClr>
-          </a:lnRef>
-          <a:fillRef idx="1">
-            <a:schemeClr val="accent1"/>
-          </a:fillRef>
-          <a:effectRef idx="0">
-            <a:schemeClr val="accent1"/>
-          </a:effectRef>
-          <a:fontRef idx="minor">
-            <a:schemeClr val="lt1"/>
-          </a:fontRef>
-        </p:style>
-        <p:txBody>
-          <a:bodyPr rtlCol="0" anchor="ctr"/>
-          <a:lstStyle/>
-          <a:p>
-            <a:pPr algn="ctr"/>
-            <a:r>
-              <a:rPr lang="de-DE" dirty="0"/>
-              <a:t>Leon</a:t>
-            </a:r>
-          </a:p>
-        </p:txBody>
-      </p:sp>
-      <p:sp>
-        <p:nvSpPr>
-          <p:cNvPr id="12" name="Pfeil: Fünfeck 11">
-            <a:extLst>
-              <a:ext uri="{FF2B5EF4-FFF2-40B4-BE49-F238E27FC236}">
-                <a16:creationId xmlns:a16="http://schemas.microsoft.com/office/drawing/2014/main" id="{799C4B57-AE8E-4E8B-8423-648868EDB907}"/>
-              </a:ext>
-            </a:extLst>
-          </p:cNvPr>
-          <p:cNvSpPr/>
-          <p:nvPr/>
-        </p:nvSpPr>
-        <p:spPr>
-          <a:xfrm rot="20661648" flipH="1">
-            <a:off x="7468562" y="4815016"/>
-            <a:ext cx="1000474" cy="484632"/>
-          </a:xfrm>
-          <a:prstGeom prst="homePlate">
-            <a:avLst/>
-          </a:prstGeom>
-        </p:spPr>
-        <p:style>
-          <a:lnRef idx="2">
-            <a:schemeClr val="accent1">
-              <a:shade val="50000"/>
-            </a:schemeClr>
-          </a:lnRef>
-          <a:fillRef idx="1">
-            <a:schemeClr val="accent1"/>
-          </a:fillRef>
-          <a:effectRef idx="0">
-            <a:schemeClr val="accent1"/>
-          </a:effectRef>
-          <a:fontRef idx="minor">
-            <a:schemeClr val="lt1"/>
-          </a:fontRef>
-        </p:style>
-        <p:txBody>
-          <a:bodyPr rtlCol="0" anchor="ctr"/>
-          <a:lstStyle/>
-          <a:p>
-            <a:pPr algn="ctr"/>
-            <a:r>
-              <a:rPr lang="de-DE" dirty="0"/>
-              <a:t>Anna</a:t>
-            </a:r>
-          </a:p>
-        </p:txBody>
-      </p:sp>
-      <p:sp>
-        <p:nvSpPr>
-          <p:cNvPr id="13" name="Gewitterblitz 12">
-            <a:extLst>
-              <a:ext uri="{FF2B5EF4-FFF2-40B4-BE49-F238E27FC236}">
-                <a16:creationId xmlns:a16="http://schemas.microsoft.com/office/drawing/2014/main" id="{BF787EAC-6AB1-4B4D-9F3E-37A73BCADA8A}"/>
-              </a:ext>
-            </a:extLst>
-          </p:cNvPr>
-          <p:cNvSpPr/>
-          <p:nvPr/>
-        </p:nvSpPr>
-        <p:spPr>
-          <a:xfrm rot="1453349">
-            <a:off x="5764204" y="1988771"/>
-            <a:ext cx="1377458" cy="2432447"/>
-          </a:xfrm>
-          <a:prstGeom prst="lightningBolt">
-            <a:avLst/>
-          </a:prstGeom>
-        </p:spPr>
-        <p:style>
-          <a:lnRef idx="2">
-            <a:schemeClr val="accent4">
-              <a:shade val="50000"/>
-            </a:schemeClr>
-          </a:lnRef>
-          <a:fillRef idx="1">
-            <a:schemeClr val="accent4"/>
-          </a:fillRef>
-          <a:effectRef idx="0">
-            <a:schemeClr val="accent4"/>
-          </a:effectRef>
-          <a:fontRef idx="minor">
-            <a:schemeClr val="lt1"/>
-          </a:fontRef>
-        </p:style>
-        <p:txBody>
-          <a:bodyPr rtlCol="0" anchor="ctr"/>
-          <a:lstStyle/>
-          <a:p>
-            <a:pPr algn="ctr"/>
-            <a:endParaRPr lang="de-DE"/>
-          </a:p>
-        </p:txBody>
-      </p:sp>
-    </p:spTree>
-    <p:extLst>
-      <p:ext uri="{BB962C8B-B14F-4D97-AF65-F5344CB8AC3E}">
-        <p14:creationId xmlns:p14="http://schemas.microsoft.com/office/powerpoint/2010/main" val="3270831033"/>
-      </p:ext>
-    </p:extLst>
-  </p:cSld>
-  <p:clrMapOvr>
-    <a:masterClrMapping/>
-  </p:clrMapOvr>
-  <p:timing>
-    <p:tnLst>
-      <p:par>
-        <p:cTn id="1" dur="indefinite" restart="never" nodeType="tmRoot">
-          <p:childTnLst>
-            <p:seq concurrent="1" nextAc="seek">
-              <p:cTn id="2" dur="indefinite" nodeType="mainSeq">
-                <p:childTnLst>
-                  <p:par>
-                    <p:cTn id="3" fill="hold">
-                      <p:stCondLst>
-                        <p:cond delay="indefinite"/>
-                      </p:stCondLst>
-                      <p:childTnLst>
-                        <p:par>
-                          <p:cTn id="4" fill="hold">
-                            <p:stCondLst>
-                              <p:cond delay="0"/>
-                            </p:stCondLst>
-                            <p:childTnLst>
-                              <p:par>
-                                <p:cTn id="5" presetID="1" presetClass="entr" presetSubtype="0" fill="hold" grpId="0" nodeType="clickEffect">
-                                  <p:stCondLst>
-                                    <p:cond delay="0"/>
-                                  </p:stCondLst>
-                                  <p:childTnLst>
-                                    <p:set>
-                                      <p:cBhvr>
-                                        <p:cTn id="6" dur="1" fill="hold">
-                                          <p:stCondLst>
-                                            <p:cond delay="0"/>
-                                          </p:stCondLst>
-                                        </p:cTn>
-                                        <p:tgtEl>
-                                          <p:spTgt spid="13"/>
-                                        </p:tgtEl>
-                                        <p:attrNameLst>
-                                          <p:attrName>style.visibility</p:attrName>
-                                        </p:attrNameLst>
-                                      </p:cBhvr>
-                                      <p:to>
-                                        <p:strVal val="visible"/>
-                                      </p:to>
-                                    </p:set>
-                                  </p:childTnLst>
-                                </p:cTn>
-                              </p:par>
-                            </p:childTnLst>
-                          </p:cTn>
-                        </p:par>
-                      </p:childTnLst>
-                    </p:cTn>
-                  </p:par>
-                </p:childTnLst>
-              </p:cTn>
-              <p:prevCondLst>
-                <p:cond evt="onPrev" delay="0">
-                  <p:tgtEl>
-                    <p:sldTgt/>
-                  </p:tgtEl>
-                </p:cond>
-              </p:prevCondLst>
-              <p:nextCondLst>
-                <p:cond evt="onNext" delay="0">
-                  <p:tgtEl>
-                    <p:sldTgt/>
-                  </p:tgtEl>
-                </p:cond>
-              </p:nextCondLst>
-            </p:seq>
-          </p:childTnLst>
-        </p:cTn>
-      </p:par>
-    </p:tnLst>
-    <p:bldLst>
-      <p:bldP spid="13" grpId="0" animBg="1"/>
-    </p:bldLst>
-  </p:timing>
-</p:sld>
-</file>
-
-<file path=ppt/slides/slide20.xml><?xml version="1.0" encoding="utf-8"?>
+<file path=ppt/slides/slide21.xml><?xml version="1.0" encoding="utf-8"?>
 <p:sld xmlns:a="http://schemas.openxmlformats.org/drawingml/2006/main" xmlns:r="http://schemas.openxmlformats.org/officeDocument/2006/relationships" xmlns:p="http://schemas.openxmlformats.org/presentationml/2006/main">
   <p:cSld>
     <p:spTree>
@@ -25238,7 +32527,7 @@
             <a:fld id="{19B51A1E-902D-48AF-9020-955120F399B6}" type="slidenum">
               <a:rPr lang="de-DE" smtClean="0"/>
               <a:pPr rtl="0"/>
-              <a:t>20</a:t>
+              <a:t>21</a:t>
             </a:fld>
             <a:endParaRPr lang="de-DE"/>
           </a:p>
@@ -28220,10 +35509,10 @@
       </p:grpSpPr>
       <p:sp>
         <p:nvSpPr>
-          <p:cNvPr id="14" name="Titel 13">
+          <p:cNvPr id="2" name="Titel 1">
             <a:extLst>
               <a:ext uri="{FF2B5EF4-FFF2-40B4-BE49-F238E27FC236}">
-                <a16:creationId xmlns:a16="http://schemas.microsoft.com/office/drawing/2014/main" id="{A75ED8DE-91C1-418D-A17F-D34B14E99FC8}"/>
+                <a16:creationId xmlns:a16="http://schemas.microsoft.com/office/drawing/2014/main" id="{00785EED-B8B5-4E09-A0EC-8BD2CF133BA6}"/>
               </a:ext>
             </a:extLst>
           </p:cNvPr>
@@ -28236,22 +35525,45 @@
         </p:nvSpPr>
         <p:spPr/>
         <p:txBody>
-          <a:bodyPr/>
+          <a:bodyPr rtlCol="0"/>
           <a:lstStyle/>
           <a:p>
+            <a:pPr rtl="0"/>
             <a:r>
               <a:rPr lang="de-DE" dirty="0"/>
-              <a:t>Future of</a:t>
+              <a:t>Roadmap</a:t>
             </a:r>
           </a:p>
         </p:txBody>
       </p:sp>
+      <p:graphicFrame>
+        <p:nvGraphicFramePr>
+          <p:cNvPr id="3" name="Diagramm 2" descr="Platzhalter für Zeitachse&#10;">
+            <a:extLst>
+              <a:ext uri="{FF2B5EF4-FFF2-40B4-BE49-F238E27FC236}">
+                <a16:creationId xmlns:a16="http://schemas.microsoft.com/office/drawing/2014/main" id="{073C5A0D-DFE8-4C7D-834F-C6443FF17576}"/>
+              </a:ext>
+            </a:extLst>
+          </p:cNvPr>
+          <p:cNvGraphicFramePr/>
+          <p:nvPr/>
+        </p:nvGraphicFramePr>
+        <p:xfrm>
+          <a:off x="559522" y="1247775"/>
+          <a:ext cx="10939605" cy="5381626"/>
+        </p:xfrm>
+        <a:graphic>
+          <a:graphicData uri="http://schemas.openxmlformats.org/drawingml/2006/diagram">
+            <dgm:relIds xmlns:dgm="http://schemas.openxmlformats.org/drawingml/2006/diagram" xmlns:r="http://schemas.openxmlformats.org/officeDocument/2006/relationships" r:dm="rId3" r:lo="rId4" r:qs="rId5" r:cs="rId6"/>
+          </a:graphicData>
+        </a:graphic>
+      </p:graphicFrame>
       <p:sp>
         <p:nvSpPr>
-          <p:cNvPr id="3" name="Textplatzhalter 2">
+          <p:cNvPr id="4" name="Foliennummernplatzhalter 4">
             <a:extLst>
               <a:ext uri="{FF2B5EF4-FFF2-40B4-BE49-F238E27FC236}">
-                <a16:creationId xmlns:a16="http://schemas.microsoft.com/office/drawing/2014/main" id="{611DC577-0A95-47D0-95D9-5F8DA763D46B}"/>
+                <a16:creationId xmlns:a16="http://schemas.microsoft.com/office/drawing/2014/main" id="{8E0A1BD2-3D0B-4CC1-9483-318B7DE92B65}"/>
               </a:ext>
             </a:extLst>
           </p:cNvPr>
@@ -28259,752 +35571,15 @@
             <a:spLocks noGrp="1"/>
           </p:cNvSpPr>
           <p:nvPr>
-            <p:ph type="body" sz="quarter" idx="32"/>
-          </p:nvPr>
-        </p:nvSpPr>
-        <p:spPr/>
-        <p:txBody>
-          <a:bodyPr rtlCol="0"/>
-          <a:lstStyle/>
-          <a:p>
-            <a:pPr rtl="0"/>
-            <a:r>
-              <a:rPr lang="de-DE"/>
-              <a:t>Lorem ipsum dolor sit amet, consectetur adipiscing elit. Etiam aliquet eu mi quis lacinia. Ut fermentum a magna ut.</a:t>
-            </a:r>
-          </a:p>
-        </p:txBody>
-      </p:sp>
-      <p:sp>
-        <p:nvSpPr>
-          <p:cNvPr id="4" name="Inhaltsplatzhalter 3">
-            <a:extLst>
-              <a:ext uri="{FF2B5EF4-FFF2-40B4-BE49-F238E27FC236}">
-                <a16:creationId xmlns:a16="http://schemas.microsoft.com/office/drawing/2014/main" id="{D355C61F-C8F1-4977-8E1F-F16C0D9EA88C}"/>
-              </a:ext>
-            </a:extLst>
-          </p:cNvPr>
-          <p:cNvSpPr>
-            <a:spLocks noGrp="1"/>
-          </p:cNvSpPr>
-          <p:nvPr>
-            <p:ph sz="half" idx="1"/>
+            <p:ph type="sldNum" sz="quarter" idx="12"/>
           </p:nvPr>
         </p:nvSpPr>
         <p:spPr>
           <a:xfrm>
-            <a:off x="432000" y="2556000"/>
-            <a:ext cx="5472000" cy="3600000"/>
+            <a:off x="11727656" y="6277243"/>
+            <a:ext cx="464344" cy="400188"/>
           </a:xfrm>
         </p:spPr>
-        <p:txBody>
-          <a:bodyPr rtlCol="0"/>
-          <a:lstStyle/>
-          <a:p>
-            <a:pPr marL="0" indent="0" rtl="0">
-              <a:buNone/>
-            </a:pPr>
-            <a:r>
-              <a:rPr lang="de-DE" sz="2800" dirty="0" err="1"/>
-              <a:t>Lorem</a:t>
-            </a:r>
-            <a:r>
-              <a:rPr lang="de-DE" sz="2800" dirty="0"/>
-              <a:t> </a:t>
-            </a:r>
-            <a:r>
-              <a:rPr lang="de-DE" sz="2800" dirty="0" err="1"/>
-              <a:t>ipsum</a:t>
-            </a:r>
-            <a:r>
-              <a:rPr lang="de-DE" sz="2800" dirty="0"/>
-              <a:t> </a:t>
-            </a:r>
-            <a:r>
-              <a:rPr lang="de-DE" sz="2800" dirty="0" err="1"/>
-              <a:t>dolor</a:t>
-            </a:r>
-            <a:r>
-              <a:rPr lang="de-DE" sz="2800" dirty="0"/>
-              <a:t> </a:t>
-            </a:r>
-            <a:r>
-              <a:rPr lang="de-DE" sz="2800" dirty="0" err="1"/>
-              <a:t>sit</a:t>
-            </a:r>
-            <a:r>
-              <a:rPr lang="de-DE" sz="2800" dirty="0"/>
-              <a:t> </a:t>
-            </a:r>
-            <a:r>
-              <a:rPr lang="de-DE" sz="2800" dirty="0" err="1"/>
-              <a:t>amet</a:t>
-            </a:r>
-            <a:r>
-              <a:rPr lang="de-DE" sz="2800" dirty="0"/>
-              <a:t>, </a:t>
-            </a:r>
-            <a:r>
-              <a:rPr lang="de-DE" sz="2800" dirty="0" err="1"/>
-              <a:t>consectetur</a:t>
-            </a:r>
-            <a:r>
-              <a:rPr lang="de-DE" sz="2800" dirty="0"/>
-              <a:t> </a:t>
-            </a:r>
-            <a:r>
-              <a:rPr lang="de-DE" sz="2800" dirty="0" err="1"/>
-              <a:t>adipiscing</a:t>
-            </a:r>
-            <a:r>
-              <a:rPr lang="de-DE" sz="2800" dirty="0"/>
-              <a:t> </a:t>
-            </a:r>
-            <a:r>
-              <a:rPr lang="de-DE" sz="2800" dirty="0" err="1"/>
-              <a:t>elit</a:t>
-            </a:r>
-            <a:r>
-              <a:rPr lang="de-DE" sz="2800" dirty="0"/>
-              <a:t>. </a:t>
-            </a:r>
-          </a:p>
-          <a:p>
-            <a:pPr rtl="0"/>
-            <a:r>
-              <a:rPr lang="de-DE" dirty="0" err="1"/>
-              <a:t>Ut</a:t>
-            </a:r>
-            <a:r>
-              <a:rPr lang="de-DE" dirty="0"/>
-              <a:t> </a:t>
-            </a:r>
-            <a:r>
-              <a:rPr lang="de-DE" dirty="0" err="1"/>
-              <a:t>fermentum</a:t>
-            </a:r>
-            <a:r>
-              <a:rPr lang="de-DE" dirty="0"/>
-              <a:t> a magna </a:t>
-            </a:r>
-            <a:r>
-              <a:rPr lang="de-DE" dirty="0" err="1"/>
-              <a:t>ut</a:t>
-            </a:r>
-            <a:r>
-              <a:rPr lang="de-DE" dirty="0"/>
-              <a:t> </a:t>
-            </a:r>
-            <a:r>
-              <a:rPr lang="de-DE" dirty="0" err="1"/>
-              <a:t>eleifend</a:t>
-            </a:r>
-            <a:r>
-              <a:rPr lang="de-DE" dirty="0"/>
-              <a:t>. Integer </a:t>
-            </a:r>
-            <a:r>
-              <a:rPr lang="de-DE" dirty="0" err="1"/>
-              <a:t>convallis</a:t>
-            </a:r>
-            <a:r>
-              <a:rPr lang="de-DE" dirty="0"/>
-              <a:t> </a:t>
-            </a:r>
-            <a:r>
-              <a:rPr lang="de-DE" dirty="0" err="1"/>
-              <a:t>suscipit</a:t>
-            </a:r>
-            <a:r>
-              <a:rPr lang="de-DE" dirty="0"/>
-              <a:t> ante </a:t>
-            </a:r>
-            <a:r>
-              <a:rPr lang="de-DE" dirty="0" err="1"/>
-              <a:t>eu</a:t>
-            </a:r>
-            <a:r>
-              <a:rPr lang="de-DE" dirty="0"/>
-              <a:t> </a:t>
-            </a:r>
-            <a:r>
-              <a:rPr lang="de-DE" dirty="0" err="1"/>
-              <a:t>varius</a:t>
-            </a:r>
-            <a:r>
-              <a:rPr lang="de-DE" dirty="0"/>
-              <a:t>. </a:t>
-            </a:r>
-          </a:p>
-          <a:p>
-            <a:pPr rtl="0"/>
-            <a:r>
-              <a:rPr lang="de-DE" dirty="0"/>
-              <a:t>Morbi a </a:t>
-            </a:r>
-            <a:r>
-              <a:rPr lang="de-DE" dirty="0" err="1"/>
-              <a:t>purus</a:t>
-            </a:r>
-            <a:r>
-              <a:rPr lang="de-DE" dirty="0"/>
-              <a:t> </a:t>
-            </a:r>
-            <a:r>
-              <a:rPr lang="de-DE" dirty="0" err="1"/>
-              <a:t>dolor</a:t>
-            </a:r>
-            <a:r>
-              <a:rPr lang="de-DE" dirty="0"/>
-              <a:t>. </a:t>
-            </a:r>
-            <a:r>
-              <a:rPr lang="de-DE" dirty="0" err="1"/>
-              <a:t>Suspendisse</a:t>
-            </a:r>
-            <a:r>
-              <a:rPr lang="de-DE" dirty="0"/>
-              <a:t> </a:t>
-            </a:r>
-            <a:r>
-              <a:rPr lang="de-DE" dirty="0" err="1"/>
-              <a:t>sit</a:t>
-            </a:r>
-            <a:r>
-              <a:rPr lang="de-DE" dirty="0"/>
-              <a:t> </a:t>
-            </a:r>
-            <a:r>
-              <a:rPr lang="de-DE" dirty="0" err="1"/>
-              <a:t>amet</a:t>
-            </a:r>
-            <a:r>
-              <a:rPr lang="de-DE" dirty="0"/>
-              <a:t> </a:t>
-            </a:r>
-            <a:r>
-              <a:rPr lang="de-DE" dirty="0" err="1"/>
-              <a:t>ipsum</a:t>
-            </a:r>
-            <a:r>
-              <a:rPr lang="de-DE" dirty="0"/>
-              <a:t> </a:t>
-            </a:r>
-            <a:r>
-              <a:rPr lang="de-DE" dirty="0" err="1"/>
-              <a:t>finibus</a:t>
-            </a:r>
-            <a:r>
-              <a:rPr lang="de-DE" dirty="0"/>
-              <a:t> </a:t>
-            </a:r>
-            <a:r>
-              <a:rPr lang="de-DE" dirty="0" err="1"/>
-              <a:t>justo</a:t>
-            </a:r>
-            <a:r>
-              <a:rPr lang="de-DE" dirty="0"/>
-              <a:t> </a:t>
-            </a:r>
-            <a:r>
-              <a:rPr lang="de-DE" dirty="0" err="1"/>
-              <a:t>viverra</a:t>
-            </a:r>
-            <a:r>
-              <a:rPr lang="de-DE" dirty="0"/>
-              <a:t> </a:t>
-            </a:r>
-            <a:r>
-              <a:rPr lang="de-DE" dirty="0" err="1"/>
-              <a:t>blandit</a:t>
-            </a:r>
-            <a:r>
-              <a:rPr lang="de-DE" dirty="0"/>
-              <a:t>. </a:t>
-            </a:r>
-          </a:p>
-          <a:p>
-            <a:pPr rtl="0"/>
-            <a:r>
-              <a:rPr lang="de-DE" dirty="0" err="1"/>
-              <a:t>Ut</a:t>
-            </a:r>
-            <a:r>
-              <a:rPr lang="de-DE" dirty="0"/>
-              <a:t> </a:t>
-            </a:r>
-            <a:r>
-              <a:rPr lang="de-DE" dirty="0" err="1"/>
-              <a:t>congue</a:t>
-            </a:r>
-            <a:r>
-              <a:rPr lang="de-DE" dirty="0"/>
-              <a:t> </a:t>
-            </a:r>
-            <a:r>
-              <a:rPr lang="de-DE" dirty="0" err="1"/>
-              <a:t>quis</a:t>
-            </a:r>
-            <a:r>
-              <a:rPr lang="de-DE" dirty="0"/>
-              <a:t> </a:t>
-            </a:r>
-            <a:r>
-              <a:rPr lang="de-DE" dirty="0" err="1"/>
-              <a:t>tortor</a:t>
-            </a:r>
-            <a:r>
-              <a:rPr lang="de-DE" dirty="0"/>
-              <a:t> </a:t>
-            </a:r>
-            <a:r>
-              <a:rPr lang="de-DE" dirty="0" err="1"/>
-              <a:t>eget</a:t>
-            </a:r>
-            <a:r>
-              <a:rPr lang="de-DE" dirty="0"/>
-              <a:t> </a:t>
-            </a:r>
-            <a:r>
-              <a:rPr lang="de-DE" dirty="0" err="1"/>
-              <a:t>sodales</a:t>
-            </a:r>
-            <a:r>
-              <a:rPr lang="de-DE" dirty="0"/>
-              <a:t>. </a:t>
-            </a:r>
-          </a:p>
-        </p:txBody>
-      </p:sp>
-      <p:pic>
-        <p:nvPicPr>
-          <p:cNvPr id="9" name="Bildplatzhalter 8" descr="Bildplatzhalter">
-            <a:extLst>
-              <a:ext uri="{FF2B5EF4-FFF2-40B4-BE49-F238E27FC236}">
-                <a16:creationId xmlns:a16="http://schemas.microsoft.com/office/drawing/2014/main" id="{52FD3342-E198-5348-9EE9-579E8FFF9DDC}"/>
-              </a:ext>
-            </a:extLst>
-          </p:cNvPr>
-          <p:cNvPicPr>
-            <a:picLocks noGrp="1" noChangeAspect="1"/>
-          </p:cNvPicPr>
-          <p:nvPr>
-            <p:ph type="pic" sz="quarter" idx="14"/>
-          </p:nvPr>
-        </p:nvPicPr>
-        <p:blipFill>
-          <a:blip r:embed="rId3" cstate="screen">
-            <a:extLst>
-              <a:ext uri="{28A0092B-C50C-407E-A947-70E740481C1C}">
-                <a14:useLocalDpi xmlns:a14="http://schemas.microsoft.com/office/drawing/2010/main"/>
-              </a:ext>
-            </a:extLst>
-          </a:blip>
-          <a:srcRect/>
-          <a:stretch>
-            <a:fillRect/>
-          </a:stretch>
-        </p:blipFill>
-        <p:spPr/>
-      </p:pic>
-      <p:sp>
-        <p:nvSpPr>
-          <p:cNvPr id="15" name="Freihandform 5" descr="Hohler Bildakzent">
-            <a:extLst>
-              <a:ext uri="{FF2B5EF4-FFF2-40B4-BE49-F238E27FC236}">
-                <a16:creationId xmlns:a16="http://schemas.microsoft.com/office/drawing/2014/main" id="{764DA446-807B-4C83-BB5A-59E3FABC93F3}"/>
-              </a:ext>
-              <a:ext uri="{C183D7F6-B498-43B3-948B-1728B52AA6E4}">
-                <adec:decorative xmlns:adec="http://schemas.microsoft.com/office/drawing/2017/decorative" val="1"/>
-              </a:ext>
-            </a:extLst>
-          </p:cNvPr>
-          <p:cNvSpPr>
-            <a:spLocks noChangeAspect="1"/>
-          </p:cNvSpPr>
-          <p:nvPr/>
-        </p:nvSpPr>
-        <p:spPr bwMode="auto">
-          <a:xfrm>
-            <a:off x="6490727" y="1236374"/>
-            <a:ext cx="1838651" cy="1613506"/>
-          </a:xfrm>
-          <a:custGeom>
-            <a:avLst/>
-            <a:gdLst>
-              <a:gd name="T0" fmla="*/ 781 w 1099"/>
-              <a:gd name="T1" fmla="*/ 0 h 968"/>
-              <a:gd name="T2" fmla="*/ 318 w 1099"/>
-              <a:gd name="T3" fmla="*/ 0 h 968"/>
-              <a:gd name="T4" fmla="*/ 246 w 1099"/>
-              <a:gd name="T5" fmla="*/ 42 h 968"/>
-              <a:gd name="T6" fmla="*/ 15 w 1099"/>
-              <a:gd name="T7" fmla="*/ 443 h 968"/>
-              <a:gd name="T8" fmla="*/ 15 w 1099"/>
-              <a:gd name="T9" fmla="*/ 525 h 968"/>
-              <a:gd name="T10" fmla="*/ 246 w 1099"/>
-              <a:gd name="T11" fmla="*/ 926 h 968"/>
-              <a:gd name="T12" fmla="*/ 318 w 1099"/>
-              <a:gd name="T13" fmla="*/ 968 h 968"/>
-              <a:gd name="T14" fmla="*/ 781 w 1099"/>
-              <a:gd name="T15" fmla="*/ 968 h 968"/>
-              <a:gd name="T16" fmla="*/ 852 w 1099"/>
-              <a:gd name="T17" fmla="*/ 926 h 968"/>
-              <a:gd name="T18" fmla="*/ 1084 w 1099"/>
-              <a:gd name="T19" fmla="*/ 525 h 968"/>
-              <a:gd name="T20" fmla="*/ 1084 w 1099"/>
-              <a:gd name="T21" fmla="*/ 443 h 968"/>
-              <a:gd name="T22" fmla="*/ 852 w 1099"/>
-              <a:gd name="T23" fmla="*/ 42 h 968"/>
-              <a:gd name="T24" fmla="*/ 781 w 1099"/>
-              <a:gd name="T25" fmla="*/ 0 h 968"/>
-            </a:gdLst>
-            <a:ahLst/>
-            <a:cxnLst>
-              <a:cxn ang="0">
-                <a:pos x="T0" y="T1"/>
-              </a:cxn>
-              <a:cxn ang="0">
-                <a:pos x="T2" y="T3"/>
-              </a:cxn>
-              <a:cxn ang="0">
-                <a:pos x="T4" y="T5"/>
-              </a:cxn>
-              <a:cxn ang="0">
-                <a:pos x="T6" y="T7"/>
-              </a:cxn>
-              <a:cxn ang="0">
-                <a:pos x="T8" y="T9"/>
-              </a:cxn>
-              <a:cxn ang="0">
-                <a:pos x="T10" y="T11"/>
-              </a:cxn>
-              <a:cxn ang="0">
-                <a:pos x="T12" y="T13"/>
-              </a:cxn>
-              <a:cxn ang="0">
-                <a:pos x="T14" y="T15"/>
-              </a:cxn>
-              <a:cxn ang="0">
-                <a:pos x="T16" y="T17"/>
-              </a:cxn>
-              <a:cxn ang="0">
-                <a:pos x="T18" y="T19"/>
-              </a:cxn>
-              <a:cxn ang="0">
-                <a:pos x="T20" y="T21"/>
-              </a:cxn>
-              <a:cxn ang="0">
-                <a:pos x="T22" y="T23"/>
-              </a:cxn>
-              <a:cxn ang="0">
-                <a:pos x="T24" y="T25"/>
-              </a:cxn>
-            </a:cxnLst>
-            <a:rect l="0" t="0" r="r" b="b"/>
-            <a:pathLst>
-              <a:path w="1099" h="968">
-                <a:moveTo>
-                  <a:pt x="781" y="0"/>
-                </a:moveTo>
-                <a:cubicBezTo>
-                  <a:pt x="318" y="0"/>
-                  <a:pt x="318" y="0"/>
-                  <a:pt x="318" y="0"/>
-                </a:cubicBezTo>
-                <a:cubicBezTo>
-                  <a:pt x="288" y="0"/>
-                  <a:pt x="261" y="16"/>
-                  <a:pt x="246" y="42"/>
-                </a:cubicBezTo>
-                <a:cubicBezTo>
-                  <a:pt x="15" y="443"/>
-                  <a:pt x="15" y="443"/>
-                  <a:pt x="15" y="443"/>
-                </a:cubicBezTo>
-                <a:cubicBezTo>
-                  <a:pt x="0" y="468"/>
-                  <a:pt x="0" y="500"/>
-                  <a:pt x="15" y="525"/>
-                </a:cubicBezTo>
-                <a:cubicBezTo>
-                  <a:pt x="246" y="926"/>
-                  <a:pt x="246" y="926"/>
-                  <a:pt x="246" y="926"/>
-                </a:cubicBezTo>
-                <a:cubicBezTo>
-                  <a:pt x="261" y="952"/>
-                  <a:pt x="288" y="968"/>
-                  <a:pt x="318" y="968"/>
-                </a:cubicBezTo>
-                <a:cubicBezTo>
-                  <a:pt x="781" y="968"/>
-                  <a:pt x="781" y="968"/>
-                  <a:pt x="781" y="968"/>
-                </a:cubicBezTo>
-                <a:cubicBezTo>
-                  <a:pt x="810" y="968"/>
-                  <a:pt x="838" y="952"/>
-                  <a:pt x="852" y="926"/>
-                </a:cubicBezTo>
-                <a:cubicBezTo>
-                  <a:pt x="1084" y="525"/>
-                  <a:pt x="1084" y="525"/>
-                  <a:pt x="1084" y="525"/>
-                </a:cubicBezTo>
-                <a:cubicBezTo>
-                  <a:pt x="1099" y="500"/>
-                  <a:pt x="1099" y="468"/>
-                  <a:pt x="1084" y="443"/>
-                </a:cubicBezTo>
-                <a:cubicBezTo>
-                  <a:pt x="852" y="42"/>
-                  <a:pt x="852" y="42"/>
-                  <a:pt x="852" y="42"/>
-                </a:cubicBezTo>
-                <a:cubicBezTo>
-                  <a:pt x="838" y="16"/>
-                  <a:pt x="810" y="0"/>
-                  <a:pt x="781" y="0"/>
-                </a:cubicBezTo>
-                <a:close/>
-              </a:path>
-            </a:pathLst>
-          </a:custGeom>
-          <a:noFill/>
-          <a:ln w="63500" cap="flat">
-            <a:solidFill>
-              <a:schemeClr val="tx1">
-                <a:lumMod val="65000"/>
-                <a:lumOff val="35000"/>
-              </a:schemeClr>
-            </a:solidFill>
-            <a:prstDash val="solid"/>
-            <a:miter lim="800000"/>
-            <a:headEnd/>
-            <a:tailEnd/>
-          </a:ln>
-        </p:spPr>
-        <p:txBody>
-          <a:bodyPr vert="horz" wrap="square" lIns="91440" tIns="45720" rIns="91440" bIns="45720" numCol="1" rtlCol="0" anchor="t" anchorCtr="0" compatLnSpc="1">
-            <a:prstTxWarp prst="textNoShape">
-              <a:avLst/>
-            </a:prstTxWarp>
-          </a:bodyPr>
-          <a:lstStyle/>
-          <a:p>
-            <a:pPr rtl="0"/>
-            <a:endParaRPr lang="de-DE"/>
-          </a:p>
-        </p:txBody>
-      </p:sp>
-      <p:sp>
-        <p:nvSpPr>
-          <p:cNvPr id="16" name="Freihandform 5" descr="Gefüllter Bildakzent">
-            <a:extLst>
-              <a:ext uri="{FF2B5EF4-FFF2-40B4-BE49-F238E27FC236}">
-                <a16:creationId xmlns:a16="http://schemas.microsoft.com/office/drawing/2014/main" id="{F28CDBF8-0191-43F9-98FE-B98B08813979}"/>
-              </a:ext>
-              <a:ext uri="{C183D7F6-B498-43B3-948B-1728B52AA6E4}">
-                <adec:decorative xmlns:adec="http://schemas.microsoft.com/office/drawing/2017/decorative" val="1"/>
-              </a:ext>
-            </a:extLst>
-          </p:cNvPr>
-          <p:cNvSpPr>
-            <a:spLocks noChangeAspect="1"/>
-          </p:cNvSpPr>
-          <p:nvPr/>
-        </p:nvSpPr>
-        <p:spPr bwMode="auto">
-          <a:xfrm>
-            <a:off x="7459030" y="2460298"/>
-            <a:ext cx="1103873" cy="968702"/>
-          </a:xfrm>
-          <a:custGeom>
-            <a:avLst/>
-            <a:gdLst>
-              <a:gd name="T0" fmla="*/ 781 w 1099"/>
-              <a:gd name="T1" fmla="*/ 0 h 968"/>
-              <a:gd name="T2" fmla="*/ 318 w 1099"/>
-              <a:gd name="T3" fmla="*/ 0 h 968"/>
-              <a:gd name="T4" fmla="*/ 246 w 1099"/>
-              <a:gd name="T5" fmla="*/ 42 h 968"/>
-              <a:gd name="T6" fmla="*/ 15 w 1099"/>
-              <a:gd name="T7" fmla="*/ 443 h 968"/>
-              <a:gd name="T8" fmla="*/ 15 w 1099"/>
-              <a:gd name="T9" fmla="*/ 525 h 968"/>
-              <a:gd name="T10" fmla="*/ 246 w 1099"/>
-              <a:gd name="T11" fmla="*/ 926 h 968"/>
-              <a:gd name="T12" fmla="*/ 318 w 1099"/>
-              <a:gd name="T13" fmla="*/ 968 h 968"/>
-              <a:gd name="T14" fmla="*/ 781 w 1099"/>
-              <a:gd name="T15" fmla="*/ 968 h 968"/>
-              <a:gd name="T16" fmla="*/ 852 w 1099"/>
-              <a:gd name="T17" fmla="*/ 926 h 968"/>
-              <a:gd name="T18" fmla="*/ 1084 w 1099"/>
-              <a:gd name="T19" fmla="*/ 525 h 968"/>
-              <a:gd name="T20" fmla="*/ 1084 w 1099"/>
-              <a:gd name="T21" fmla="*/ 443 h 968"/>
-              <a:gd name="T22" fmla="*/ 852 w 1099"/>
-              <a:gd name="T23" fmla="*/ 42 h 968"/>
-              <a:gd name="T24" fmla="*/ 781 w 1099"/>
-              <a:gd name="T25" fmla="*/ 0 h 968"/>
-            </a:gdLst>
-            <a:ahLst/>
-            <a:cxnLst>
-              <a:cxn ang="0">
-                <a:pos x="T0" y="T1"/>
-              </a:cxn>
-              <a:cxn ang="0">
-                <a:pos x="T2" y="T3"/>
-              </a:cxn>
-              <a:cxn ang="0">
-                <a:pos x="T4" y="T5"/>
-              </a:cxn>
-              <a:cxn ang="0">
-                <a:pos x="T6" y="T7"/>
-              </a:cxn>
-              <a:cxn ang="0">
-                <a:pos x="T8" y="T9"/>
-              </a:cxn>
-              <a:cxn ang="0">
-                <a:pos x="T10" y="T11"/>
-              </a:cxn>
-              <a:cxn ang="0">
-                <a:pos x="T12" y="T13"/>
-              </a:cxn>
-              <a:cxn ang="0">
-                <a:pos x="T14" y="T15"/>
-              </a:cxn>
-              <a:cxn ang="0">
-                <a:pos x="T16" y="T17"/>
-              </a:cxn>
-              <a:cxn ang="0">
-                <a:pos x="T18" y="T19"/>
-              </a:cxn>
-              <a:cxn ang="0">
-                <a:pos x="T20" y="T21"/>
-              </a:cxn>
-              <a:cxn ang="0">
-                <a:pos x="T22" y="T23"/>
-              </a:cxn>
-              <a:cxn ang="0">
-                <a:pos x="T24" y="T25"/>
-              </a:cxn>
-            </a:cxnLst>
-            <a:rect l="0" t="0" r="r" b="b"/>
-            <a:pathLst>
-              <a:path w="1099" h="968">
-                <a:moveTo>
-                  <a:pt x="781" y="0"/>
-                </a:moveTo>
-                <a:cubicBezTo>
-                  <a:pt x="318" y="0"/>
-                  <a:pt x="318" y="0"/>
-                  <a:pt x="318" y="0"/>
-                </a:cubicBezTo>
-                <a:cubicBezTo>
-                  <a:pt x="288" y="0"/>
-                  <a:pt x="261" y="16"/>
-                  <a:pt x="246" y="42"/>
-                </a:cubicBezTo>
-                <a:cubicBezTo>
-                  <a:pt x="15" y="443"/>
-                  <a:pt x="15" y="443"/>
-                  <a:pt x="15" y="443"/>
-                </a:cubicBezTo>
-                <a:cubicBezTo>
-                  <a:pt x="0" y="468"/>
-                  <a:pt x="0" y="500"/>
-                  <a:pt x="15" y="525"/>
-                </a:cubicBezTo>
-                <a:cubicBezTo>
-                  <a:pt x="246" y="926"/>
-                  <a:pt x="246" y="926"/>
-                  <a:pt x="246" y="926"/>
-                </a:cubicBezTo>
-                <a:cubicBezTo>
-                  <a:pt x="261" y="952"/>
-                  <a:pt x="288" y="968"/>
-                  <a:pt x="318" y="968"/>
-                </a:cubicBezTo>
-                <a:cubicBezTo>
-                  <a:pt x="781" y="968"/>
-                  <a:pt x="781" y="968"/>
-                  <a:pt x="781" y="968"/>
-                </a:cubicBezTo>
-                <a:cubicBezTo>
-                  <a:pt x="810" y="968"/>
-                  <a:pt x="838" y="952"/>
-                  <a:pt x="852" y="926"/>
-                </a:cubicBezTo>
-                <a:cubicBezTo>
-                  <a:pt x="1084" y="525"/>
-                  <a:pt x="1084" y="525"/>
-                  <a:pt x="1084" y="525"/>
-                </a:cubicBezTo>
-                <a:cubicBezTo>
-                  <a:pt x="1099" y="500"/>
-                  <a:pt x="1099" y="468"/>
-                  <a:pt x="1084" y="443"/>
-                </a:cubicBezTo>
-                <a:cubicBezTo>
-                  <a:pt x="852" y="42"/>
-                  <a:pt x="852" y="42"/>
-                  <a:pt x="852" y="42"/>
-                </a:cubicBezTo>
-                <a:cubicBezTo>
-                  <a:pt x="838" y="16"/>
-                  <a:pt x="810" y="0"/>
-                  <a:pt x="781" y="0"/>
-                </a:cubicBezTo>
-                <a:close/>
-              </a:path>
-            </a:pathLst>
-          </a:custGeom>
-          <a:solidFill>
-            <a:schemeClr val="bg1">
-              <a:lumMod val="95000"/>
-            </a:schemeClr>
-          </a:solidFill>
-          <a:ln w="63500" cap="flat">
-            <a:noFill/>
-            <a:prstDash val="solid"/>
-            <a:miter lim="800000"/>
-            <a:headEnd/>
-            <a:tailEnd/>
-          </a:ln>
-        </p:spPr>
-        <p:txBody>
-          <a:bodyPr vert="horz" wrap="square" lIns="91440" tIns="45720" rIns="91440" bIns="45720" numCol="1" rtlCol="0" anchor="t" anchorCtr="0" compatLnSpc="1">
-            <a:prstTxWarp prst="textNoShape">
-              <a:avLst/>
-            </a:prstTxWarp>
-          </a:bodyPr>
-          <a:lstStyle/>
-          <a:p>
-            <a:pPr rtl="0"/>
-            <a:endParaRPr lang="de-DE"/>
-          </a:p>
-        </p:txBody>
-      </p:sp>
-      <p:sp>
-        <p:nvSpPr>
-          <p:cNvPr id="6" name="Foliennummernplatzhalter 5">
-            <a:extLst>
-              <a:ext uri="{FF2B5EF4-FFF2-40B4-BE49-F238E27FC236}">
-                <a16:creationId xmlns:a16="http://schemas.microsoft.com/office/drawing/2014/main" id="{1C554D9F-1895-486E-BFBA-905BB2D29E08}"/>
-              </a:ext>
-            </a:extLst>
-          </p:cNvPr>
-          <p:cNvSpPr>
-            <a:spLocks noGrp="1"/>
-          </p:cNvSpPr>
-          <p:nvPr>
-            <p:ph type="sldNum" sz="quarter" idx="33"/>
-          </p:nvPr>
-        </p:nvSpPr>
-        <p:spPr/>
         <p:txBody>
           <a:bodyPr rtlCol="0"/>
           <a:lstStyle/>
@@ -29019,40 +35594,10 @@
           </a:p>
         </p:txBody>
       </p:sp>
-      <p:pic>
-        <p:nvPicPr>
-          <p:cNvPr id="11" name="Inhaltsplatzhalter 10">
-            <a:extLst>
-              <a:ext uri="{FF2B5EF4-FFF2-40B4-BE49-F238E27FC236}">
-                <a16:creationId xmlns:a16="http://schemas.microsoft.com/office/drawing/2014/main" id="{E76EF919-A29D-4031-A753-E311F959ACF3}"/>
-              </a:ext>
-            </a:extLst>
-          </p:cNvPr>
-          <p:cNvPicPr>
-            <a:picLocks noChangeAspect="1"/>
-          </p:cNvPicPr>
-          <p:nvPr/>
-        </p:nvPicPr>
-        <p:blipFill>
-          <a:blip r:embed="rId4"/>
-          <a:stretch>
-            <a:fillRect/>
-          </a:stretch>
-        </p:blipFill>
-        <p:spPr>
-          <a:xfrm>
-            <a:off x="2074987" y="139581"/>
-            <a:ext cx="1630472" cy="913065"/>
-          </a:xfrm>
-          <a:prstGeom prst="rect">
-            <a:avLst/>
-          </a:prstGeom>
-        </p:spPr>
-      </p:pic>
     </p:spTree>
     <p:extLst>
       <p:ext uri="{BB962C8B-B14F-4D97-AF65-F5344CB8AC3E}">
-        <p14:creationId xmlns:p14="http://schemas.microsoft.com/office/powerpoint/2010/main" val="1329746698"/>
+        <p14:creationId xmlns:p14="http://schemas.microsoft.com/office/powerpoint/2010/main" val="715057958"/>
       </p:ext>
     </p:extLst>
   </p:cSld>
@@ -29884,15 +36429,6 @@
 </file>
 
 <file path=customXml/item1.xml><?xml version="1.0" encoding="utf-8"?>
-<p:properties xmlns:p="http://schemas.microsoft.com/office/2006/metadata/properties" xmlns:xsi="http://www.w3.org/2001/XMLSchema-instance" xmlns:pc="http://schemas.microsoft.com/office/infopath/2007/PartnerControls">
-  <documentManagement>
-    <_ip_UnifiedCompliancePolicyUIAction xmlns="http://schemas.microsoft.com/sharepoint/v3" xsi:nil="true"/>
-    <_ip_UnifiedCompliancePolicyProperties xmlns="http://schemas.microsoft.com/sharepoint/v3" xsi:nil="true"/>
-  </documentManagement>
-</p:properties>
-</file>
-
-<file path=customXml/item2.xml><?xml version="1.0" encoding="utf-8"?>
 <ct:contentTypeSchema xmlns:ct="http://schemas.microsoft.com/office/2006/metadata/contentType" xmlns:ma="http://schemas.microsoft.com/office/2006/metadata/properties/metaAttributes" ct:_="" ma:_="" ma:contentTypeName="Document" ma:contentTypeID="0x010100DEEA25CC0A0AC24199CDC46C25B8B0BC" ma:contentTypeVersion="9" ma:contentTypeDescription="Create a new document." ma:contentTypeScope="" ma:versionID="76e25e1730b4532ab1d5e5b131a96a5a">
   <xsd:schema xmlns:xsd="http://www.w3.org/2001/XMLSchema" xmlns:xs="http://www.w3.org/2001/XMLSchema" xmlns:p="http://schemas.microsoft.com/office/2006/metadata/properties" xmlns:ns1="http://schemas.microsoft.com/sharepoint/v3" xmlns:ns2="6dc4bcd6-49db-4c07-9060-8acfc67cef9f" xmlns:ns3="fb0879af-3eba-417a-a55a-ffe6dcd6ca77" targetNamespace="http://schemas.microsoft.com/office/2006/metadata/properties" ma:root="true" ma:fieldsID="ad1e9281a84c4949647088091c718de3" ns1:_="" ns2:_="" ns3:_="">
     <xsd:import namespace="http://schemas.microsoft.com/sharepoint/v3"/>
@@ -30094,25 +36630,16 @@
 </ct:contentTypeSchema>
 </file>
 
-<file path=customXml/itemProps1.xml><?xml version="1.0" encoding="utf-8"?>
-<ds:datastoreItem xmlns:ds="http://schemas.openxmlformats.org/officeDocument/2006/customXml" ds:itemID="{9D8A50AA-654B-45CA-B6AD-FDA9E9535EF9}">
-  <ds:schemaRefs>
-    <ds:schemaRef ds:uri="fb0879af-3eba-417a-a55a-ffe6dcd6ca77"/>
-    <ds:schemaRef ds:uri="http://schemas.microsoft.com/office/2006/documentManagement/types"/>
-    <ds:schemaRef ds:uri="http://schemas.microsoft.com/office/infopath/2007/PartnerControls"/>
-    <ds:schemaRef ds:uri="http://schemas.microsoft.com/sharepoint/v3"/>
-    <ds:schemaRef ds:uri="http://purl.org/dc/terms/"/>
-    <ds:schemaRef ds:uri="http://schemas.microsoft.com/office/2006/metadata/properties"/>
-    <ds:schemaRef ds:uri="http://purl.org/dc/elements/1.1/"/>
-    <ds:schemaRef ds:uri="6dc4bcd6-49db-4c07-9060-8acfc67cef9f"/>
-    <ds:schemaRef ds:uri="http://schemas.openxmlformats.org/package/2006/metadata/core-properties"/>
-    <ds:schemaRef ds:uri="http://www.w3.org/XML/1998/namespace"/>
-    <ds:schemaRef ds:uri="http://purl.org/dc/dcmitype/"/>
-  </ds:schemaRefs>
-</ds:datastoreItem>
+<file path=customXml/item2.xml><?xml version="1.0" encoding="utf-8"?>
+<p:properties xmlns:p="http://schemas.microsoft.com/office/2006/metadata/properties" xmlns:xsi="http://www.w3.org/2001/XMLSchema-instance" xmlns:pc="http://schemas.microsoft.com/office/infopath/2007/PartnerControls">
+  <documentManagement>
+    <_ip_UnifiedCompliancePolicyUIAction xmlns="http://schemas.microsoft.com/sharepoint/v3" xsi:nil="true"/>
+    <_ip_UnifiedCompliancePolicyProperties xmlns="http://schemas.microsoft.com/sharepoint/v3" xsi:nil="true"/>
+  </documentManagement>
+</p:properties>
 </file>
 
-<file path=customXml/itemProps2.xml><?xml version="1.0" encoding="utf-8"?>
+<file path=customXml/itemProps1.xml><?xml version="1.0" encoding="utf-8"?>
 <ds:datastoreItem xmlns:ds="http://schemas.openxmlformats.org/officeDocument/2006/customXml" ds:itemID="{D4F06F66-218D-4D1C-873A-158A1848B8D9}">
   <ds:schemaRefs>
     <ds:schemaRef ds:uri="http://schemas.microsoft.com/office/2006/metadata/contentType"/>
@@ -30130,4 +36657,22 @@
     <ds:schemaRef ds:uri="http://schemas.microsoft.com/internal/obd"/>
   </ds:schemaRefs>
 </ds:datastoreItem>
+</file>
+
+<file path=customXml/itemProps2.xml><?xml version="1.0" encoding="utf-8"?>
+<ds:datastoreItem xmlns:ds="http://schemas.openxmlformats.org/officeDocument/2006/customXml" ds:itemID="{9D8A50AA-654B-45CA-B6AD-FDA9E9535EF9}">
+  <ds:schemaRefs>
+    <ds:schemaRef ds:uri="fb0879af-3eba-417a-a55a-ffe6dcd6ca77"/>
+    <ds:schemaRef ds:uri="http://schemas.microsoft.com/office/2006/documentManagement/types"/>
+    <ds:schemaRef ds:uri="http://schemas.microsoft.com/office/infopath/2007/PartnerControls"/>
+    <ds:schemaRef ds:uri="http://schemas.microsoft.com/sharepoint/v3"/>
+    <ds:schemaRef ds:uri="http://purl.org/dc/terms/"/>
+    <ds:schemaRef ds:uri="http://schemas.microsoft.com/office/2006/metadata/properties"/>
+    <ds:schemaRef ds:uri="http://purl.org/dc/elements/1.1/"/>
+    <ds:schemaRef ds:uri="6dc4bcd6-49db-4c07-9060-8acfc67cef9f"/>
+    <ds:schemaRef ds:uri="http://schemas.openxmlformats.org/package/2006/metadata/core-properties"/>
+    <ds:schemaRef ds:uri="http://www.w3.org/XML/1998/namespace"/>
+    <ds:schemaRef ds:uri="http://purl.org/dc/dcmitype/"/>
+  </ds:schemaRefs>
+</ds:datastoreItem>
 </file>